--- a/labs/06_Logistic-Regression_Metrics/06_Logistic-Regression_Metrics.pptx
+++ b/labs/06_Logistic-Regression_Metrics/06_Logistic-Regression_Metrics.pptx
@@ -1,34 +1,34 @@
 
 <file path=ppt/presentation.xml><?xml version="1.0" encoding="utf-8"?>
-<p:presentation xmlns:a="http://schemas.openxmlformats.org/drawingml/2006/main" xmlns:r="http://schemas.openxmlformats.org/officeDocument/2006/relationships" xmlns:mc="http://schemas.openxmlformats.org/markup-compatibility/2006" xmlns:mv="urn:schemas-microsoft-com:mac:vml" xmlns:p="http://schemas.openxmlformats.org/presentationml/2006/main" xmlns:c="http://schemas.openxmlformats.org/drawingml/2006/chart" xmlns:dgm="http://schemas.openxmlformats.org/drawingml/2006/diagram" xmlns:o="urn:schemas-microsoft-com:office:office" xmlns:v="urn:schemas-microsoft-com:vml" xmlns:pvml="urn:schemas-microsoft-com:office:powerpoint" xmlns:com="http://schemas.openxmlformats.org/drawingml/2006/compatibility" xmlns:p14="http://schemas.microsoft.com/office/powerpoint/2010/main" xmlns:p15="http://schemas.microsoft.com/office/powerpoint/2012/main" xmlns:ahyp="http://schemas.microsoft.com/office/drawing/2018/hyperlinkcolor" autoCompressPictures="0" strictFirstAndLastChars="0" saveSubsetFonts="1">
+<p:presentation xmlns:a="http://schemas.openxmlformats.org/drawingml/2006/main" xmlns:r="http://schemas.openxmlformats.org/officeDocument/2006/relationships" xmlns:p="http://schemas.openxmlformats.org/presentationml/2006/main" strictFirstAndLastChars="0" saveSubsetFonts="1" autoCompressPictures="0">
   <p:sldMasterIdLst>
-    <p:sldMasterId id="2147483648" r:id="rId4"/>
+    <p:sldMasterId id="2147483648" r:id="rId1"/>
   </p:sldMasterIdLst>
   <p:notesMasterIdLst>
-    <p:notesMasterId r:id="rId5"/>
+    <p:notesMasterId r:id="rId18"/>
   </p:notesMasterIdLst>
   <p:sldIdLst>
-    <p:sldId id="256" r:id="rId6"/>
-    <p:sldId id="257" r:id="rId7"/>
-    <p:sldId id="258" r:id="rId8"/>
-    <p:sldId id="259" r:id="rId9"/>
-    <p:sldId id="260" r:id="rId10"/>
-    <p:sldId id="261" r:id="rId11"/>
-    <p:sldId id="262" r:id="rId12"/>
-    <p:sldId id="263" r:id="rId13"/>
-    <p:sldId id="264" r:id="rId14"/>
-    <p:sldId id="265" r:id="rId15"/>
-    <p:sldId id="266" r:id="rId16"/>
-    <p:sldId id="267" r:id="rId17"/>
-    <p:sldId id="268" r:id="rId18"/>
-    <p:sldId id="269" r:id="rId19"/>
-    <p:sldId id="270" r:id="rId20"/>
-    <p:sldId id="271" r:id="rId21"/>
+    <p:sldId id="256" r:id="rId2"/>
+    <p:sldId id="257" r:id="rId3"/>
+    <p:sldId id="258" r:id="rId4"/>
+    <p:sldId id="259" r:id="rId5"/>
+    <p:sldId id="260" r:id="rId6"/>
+    <p:sldId id="261" r:id="rId7"/>
+    <p:sldId id="262" r:id="rId8"/>
+    <p:sldId id="263" r:id="rId9"/>
+    <p:sldId id="264" r:id="rId10"/>
+    <p:sldId id="265" r:id="rId11"/>
+    <p:sldId id="266" r:id="rId12"/>
+    <p:sldId id="267" r:id="rId13"/>
+    <p:sldId id="268" r:id="rId14"/>
+    <p:sldId id="269" r:id="rId15"/>
+    <p:sldId id="270" r:id="rId16"/>
+    <p:sldId id="271" r:id="rId17"/>
   </p:sldIdLst>
-  <p:sldSz cy="6858000" cx="12192000"/>
+  <p:sldSz cx="12192000" cy="6858000"/>
   <p:notesSz cx="12192000" cy="6858000"/>
   <p:defaultTextStyle>
-    <a:defPPr lvl="0" marR="0" rtl="0" algn="l">
+    <a:defPPr marR="0" lvl="0" algn="l" rtl="0">
       <a:lnSpc>
         <a:spcPct val="100000"/>
       </a:lnSpc>
@@ -39,7 +39,7 @@
         <a:spcPts val="0"/>
       </a:spcAft>
     </a:defPPr>
-    <a:lvl1pPr lvl="0" marR="0" rtl="0" algn="l">
+    <a:lvl1pPr marR="0" lvl="0" algn="l" rtl="0">
       <a:lnSpc>
         <a:spcPct val="100000"/>
       </a:lnSpc>
@@ -53,7 +53,7 @@
         <a:srgbClr val="000000"/>
       </a:buClr>
       <a:buFont typeface="Arial"/>
-      <a:defRPr b="0" i="0" sz="1400" u="none" cap="none" strike="noStrike">
+      <a:defRPr sz="1400" b="0" i="0" u="none" strike="noStrike" cap="none">
         <a:solidFill>
           <a:srgbClr val="000000"/>
         </a:solidFill>
@@ -63,7 +63,7 @@
         <a:sym typeface="Arial"/>
       </a:defRPr>
     </a:lvl1pPr>
-    <a:lvl2pPr lvl="1" marR="0" rtl="0" algn="l">
+    <a:lvl2pPr marR="0" lvl="1" algn="l" rtl="0">
       <a:lnSpc>
         <a:spcPct val="100000"/>
       </a:lnSpc>
@@ -77,7 +77,7 @@
         <a:srgbClr val="000000"/>
       </a:buClr>
       <a:buFont typeface="Arial"/>
-      <a:defRPr b="0" i="0" sz="1400" u="none" cap="none" strike="noStrike">
+      <a:defRPr sz="1400" b="0" i="0" u="none" strike="noStrike" cap="none">
         <a:solidFill>
           <a:srgbClr val="000000"/>
         </a:solidFill>
@@ -87,7 +87,7 @@
         <a:sym typeface="Arial"/>
       </a:defRPr>
     </a:lvl2pPr>
-    <a:lvl3pPr lvl="2" marR="0" rtl="0" algn="l">
+    <a:lvl3pPr marR="0" lvl="2" algn="l" rtl="0">
       <a:lnSpc>
         <a:spcPct val="100000"/>
       </a:lnSpc>
@@ -101,7 +101,7 @@
         <a:srgbClr val="000000"/>
       </a:buClr>
       <a:buFont typeface="Arial"/>
-      <a:defRPr b="0" i="0" sz="1400" u="none" cap="none" strike="noStrike">
+      <a:defRPr sz="1400" b="0" i="0" u="none" strike="noStrike" cap="none">
         <a:solidFill>
           <a:srgbClr val="000000"/>
         </a:solidFill>
@@ -111,7 +111,7 @@
         <a:sym typeface="Arial"/>
       </a:defRPr>
     </a:lvl3pPr>
-    <a:lvl4pPr lvl="3" marR="0" rtl="0" algn="l">
+    <a:lvl4pPr marR="0" lvl="3" algn="l" rtl="0">
       <a:lnSpc>
         <a:spcPct val="100000"/>
       </a:lnSpc>
@@ -125,7 +125,7 @@
         <a:srgbClr val="000000"/>
       </a:buClr>
       <a:buFont typeface="Arial"/>
-      <a:defRPr b="0" i="0" sz="1400" u="none" cap="none" strike="noStrike">
+      <a:defRPr sz="1400" b="0" i="0" u="none" strike="noStrike" cap="none">
         <a:solidFill>
           <a:srgbClr val="000000"/>
         </a:solidFill>
@@ -135,7 +135,7 @@
         <a:sym typeface="Arial"/>
       </a:defRPr>
     </a:lvl4pPr>
-    <a:lvl5pPr lvl="4" marR="0" rtl="0" algn="l">
+    <a:lvl5pPr marR="0" lvl="4" algn="l" rtl="0">
       <a:lnSpc>
         <a:spcPct val="100000"/>
       </a:lnSpc>
@@ -149,7 +149,7 @@
         <a:srgbClr val="000000"/>
       </a:buClr>
       <a:buFont typeface="Arial"/>
-      <a:defRPr b="0" i="0" sz="1400" u="none" cap="none" strike="noStrike">
+      <a:defRPr sz="1400" b="0" i="0" u="none" strike="noStrike" cap="none">
         <a:solidFill>
           <a:srgbClr val="000000"/>
         </a:solidFill>
@@ -159,7 +159,7 @@
         <a:sym typeface="Arial"/>
       </a:defRPr>
     </a:lvl5pPr>
-    <a:lvl6pPr lvl="5" marR="0" rtl="0" algn="l">
+    <a:lvl6pPr marR="0" lvl="5" algn="l" rtl="0">
       <a:lnSpc>
         <a:spcPct val="100000"/>
       </a:lnSpc>
@@ -173,7 +173,7 @@
         <a:srgbClr val="000000"/>
       </a:buClr>
       <a:buFont typeface="Arial"/>
-      <a:defRPr b="0" i="0" sz="1400" u="none" cap="none" strike="noStrike">
+      <a:defRPr sz="1400" b="0" i="0" u="none" strike="noStrike" cap="none">
         <a:solidFill>
           <a:srgbClr val="000000"/>
         </a:solidFill>
@@ -183,7 +183,7 @@
         <a:sym typeface="Arial"/>
       </a:defRPr>
     </a:lvl6pPr>
-    <a:lvl7pPr lvl="6" marR="0" rtl="0" algn="l">
+    <a:lvl7pPr marR="0" lvl="6" algn="l" rtl="0">
       <a:lnSpc>
         <a:spcPct val="100000"/>
       </a:lnSpc>
@@ -197,7 +197,7 @@
         <a:srgbClr val="000000"/>
       </a:buClr>
       <a:buFont typeface="Arial"/>
-      <a:defRPr b="0" i="0" sz="1400" u="none" cap="none" strike="noStrike">
+      <a:defRPr sz="1400" b="0" i="0" u="none" strike="noStrike" cap="none">
         <a:solidFill>
           <a:srgbClr val="000000"/>
         </a:solidFill>
@@ -207,7 +207,7 @@
         <a:sym typeface="Arial"/>
       </a:defRPr>
     </a:lvl7pPr>
-    <a:lvl8pPr lvl="7" marR="0" rtl="0" algn="l">
+    <a:lvl8pPr marR="0" lvl="7" algn="l" rtl="0">
       <a:lnSpc>
         <a:spcPct val="100000"/>
       </a:lnSpc>
@@ -221,7 +221,7 @@
         <a:srgbClr val="000000"/>
       </a:buClr>
       <a:buFont typeface="Arial"/>
-      <a:defRPr b="0" i="0" sz="1400" u="none" cap="none" strike="noStrike">
+      <a:defRPr sz="1400" b="0" i="0" u="none" strike="noStrike" cap="none">
         <a:solidFill>
           <a:srgbClr val="000000"/>
         </a:solidFill>
@@ -231,7 +231,7 @@
         <a:sym typeface="Arial"/>
       </a:defRPr>
     </a:lvl8pPr>
-    <a:lvl9pPr lvl="8" marR="0" rtl="0" algn="l">
+    <a:lvl9pPr marR="0" lvl="8" algn="l" rtl="0">
       <a:lnSpc>
         <a:spcPct val="100000"/>
       </a:lnSpc>
@@ -245,7 +245,7 @@
         <a:srgbClr val="000000"/>
       </a:buClr>
       <a:buFont typeface="Arial"/>
-      <a:defRPr b="0" i="0" sz="1400" u="none" cap="none" strike="noStrike">
+      <a:defRPr sz="1400" b="0" i="0" u="none" strike="noStrike" cap="none">
         <a:solidFill>
           <a:srgbClr val="000000"/>
         </a:solidFill>
@@ -258,7 +258,7 @@
   </p:defaultTextStyle>
   <p:extLst>
     <p:ext uri="{EFAFB233-063F-42B5-8137-9DF3F51BA10A}">
-      <p15:sldGuideLst>
+      <p15:sldGuideLst xmlns:p15="http://schemas.microsoft.com/office/powerpoint/2012/main">
         <p15:guide id="1" orient="horz" pos="2880">
           <p15:clr>
             <a:srgbClr val="000000"/>
@@ -272,18 +272,23 @@
       </p15:sldGuideLst>
     </p:ext>
     <p:ext uri="GoogleSlidesCustomDataVersion2">
-      <go:slidesCustomData xmlns:go="http://customooxmlschemas.google.com/" r:id="rId22" roundtripDataSignature="AMtx7mhv3wL8V6es6X+22fqzwOWqVsoAnQ=="/>
+      <go:slidesCustomData xmlns:go="http://customooxmlschemas.google.com/" xmlns:ahyp="http://schemas.microsoft.com/office/drawing/2018/hyperlinkcolor" xmlns:p15="http://schemas.microsoft.com/office/powerpoint/2012/main" xmlns:p14="http://schemas.microsoft.com/office/powerpoint/2010/main" xmlns:com="http://schemas.openxmlformats.org/drawingml/2006/compatibility" xmlns:pvml="urn:schemas-microsoft-com:office:powerpoint" xmlns:v="urn:schemas-microsoft-com:vml" xmlns:o="urn:schemas-microsoft-com:office:office" xmlns:dgm="http://schemas.openxmlformats.org/drawingml/2006/diagram" xmlns:c="http://schemas.openxmlformats.org/drawingml/2006/chart" xmlns:mv="urn:schemas-microsoft-com:mac:vml" xmlns:mc="http://schemas.openxmlformats.org/markup-compatibility/2006" xmlns="" r:id="rId22" roundtripDataSignature="AMtx7mhv3wL8V6es6X+22fqzwOWqVsoAnQ=="/>
     </p:ext>
   </p:extLst>
 </p:presentation>
 </file>
 
 <file path=ppt/notesMasters/notesMaster1.xml><?xml version="1.0" encoding="utf-8"?>
-<p:notesMaster xmlns:a="http://schemas.openxmlformats.org/drawingml/2006/main" xmlns:r="http://schemas.openxmlformats.org/officeDocument/2006/relationships" xmlns:mc="http://schemas.openxmlformats.org/markup-compatibility/2006" xmlns:mv="urn:schemas-microsoft-com:mac:vml" xmlns:p="http://schemas.openxmlformats.org/presentationml/2006/main" xmlns:c="http://schemas.openxmlformats.org/drawingml/2006/chart" xmlns:dgm="http://schemas.openxmlformats.org/drawingml/2006/diagram" xmlns:o="urn:schemas-microsoft-com:office:office" xmlns:v="urn:schemas-microsoft-com:vml" xmlns:pvml="urn:schemas-microsoft-com:office:powerpoint" xmlns:com="http://schemas.openxmlformats.org/drawingml/2006/compatibility" xmlns:p14="http://schemas.microsoft.com/office/powerpoint/2010/main" xmlns:p15="http://schemas.microsoft.com/office/powerpoint/2012/main" xmlns:ahyp="http://schemas.microsoft.com/office/drawing/2018/hyperlinkcolor">
+<p:notesMaster xmlns:a="http://schemas.openxmlformats.org/drawingml/2006/main" xmlns:r="http://schemas.openxmlformats.org/officeDocument/2006/relationships" xmlns:p="http://schemas.openxmlformats.org/presentationml/2006/main">
   <p:cSld>
+    <p:bg>
+      <p:bgRef idx="1001">
+        <a:schemeClr val="bg1"/>
+      </p:bgRef>
+    </p:bg>
     <p:spTree>
       <p:nvGrpSpPr>
-        <p:cNvPr id="2" name="Shape 2"/>
+        <p:cNvPr id="1" name="Shape 2"/>
         <p:cNvGrpSpPr/>
         <p:nvPr/>
       </p:nvGrpSpPr>
@@ -298,9 +303,11 @@
       <p:sp>
         <p:nvSpPr>
           <p:cNvPr id="3" name="Google Shape;3;n"/>
-          <p:cNvSpPr/>
+          <p:cNvSpPr>
+            <a:spLocks noGrp="1" noRot="1" noChangeAspect="1"/>
+          </p:cNvSpPr>
           <p:nvPr>
-            <p:ph idx="2" type="sldImg"/>
+            <p:ph type="sldImg" idx="2"/>
           </p:nvPr>
         </p:nvSpPr>
         <p:spPr>
@@ -309,9 +316,13 @@
             <a:ext cx="8128400" cy="2571750"/>
           </a:xfrm>
           <a:custGeom>
-            <a:rect b="b" l="l" r="r" t="t"/>
+            <a:avLst/>
+            <a:gdLst/>
+            <a:ahLst/>
+            <a:cxnLst/>
+            <a:rect l="l" t="t" r="r" b="b"/>
             <a:pathLst>
-              <a:path extrusionOk="0" h="120000" w="120000">
+              <a:path w="120000" h="120000" extrusionOk="0">
                 <a:moveTo>
                   <a:pt x="0" y="0"/>
                 </a:moveTo>
@@ -329,23 +340,25 @@
             </a:pathLst>
           </a:custGeom>
           <a:noFill/>
-          <a:ln cap="flat" cmpd="sng" w="9525">
+          <a:ln w="9525" cap="flat" cmpd="sng">
             <a:solidFill>
               <a:srgbClr val="000000"/>
             </a:solidFill>
             <a:prstDash val="solid"/>
             <a:round/>
-            <a:headEnd len="sm" w="sm" type="none"/>
-            <a:tailEnd len="sm" w="sm" type="none"/>
+            <a:headEnd type="none" w="sm" len="sm"/>
+            <a:tailEnd type="none" w="sm" len="sm"/>
           </a:ln>
         </p:spPr>
       </p:sp>
       <p:sp>
         <p:nvSpPr>
           <p:cNvPr id="4" name="Google Shape;4;n"/>
-          <p:cNvSpPr txBox="1"/>
+          <p:cNvSpPr txBox="1">
+            <a:spLocks noGrp="1"/>
+          </p:cNvSpPr>
           <p:nvPr>
-            <p:ph idx="1" type="body"/>
+            <p:ph type="body" idx="1"/>
           </p:nvPr>
         </p:nvSpPr>
         <p:spPr>
@@ -362,11 +375,11 @@
           </a:ln>
         </p:spPr>
         <p:txBody>
-          <a:bodyPr anchorCtr="0" anchor="t" bIns="91425" lIns="91425" spcFirstLastPara="1" rIns="91425" wrap="square" tIns="91425">
+          <a:bodyPr spcFirstLastPara="1" wrap="square" lIns="91425" tIns="91425" rIns="91425" bIns="91425" anchor="t" anchorCtr="0">
             <a:noAutofit/>
           </a:bodyPr>
           <a:lstStyle>
-            <a:lvl1pPr indent="-298450" lvl="0" marL="457200" marR="0" rtl="0" algn="l">
+            <a:lvl1pPr marL="457200" marR="0" lvl="0" indent="-298450" algn="l" rtl="0">
               <a:lnSpc>
                 <a:spcPct val="100000"/>
               </a:lnSpc>
@@ -382,7 +395,7 @@
               <a:buSzPts val="1100"/>
               <a:buFont typeface="Arial"/>
               <a:buChar char="●"/>
-              <a:defRPr b="0" i="0" sz="1100" u="none" cap="none" strike="noStrike">
+              <a:defRPr sz="1100" b="0" i="0" u="none" strike="noStrike" cap="none">
                 <a:solidFill>
                   <a:srgbClr val="000000"/>
                 </a:solidFill>
@@ -392,7 +405,7 @@
                 <a:sym typeface="Arial"/>
               </a:defRPr>
             </a:lvl1pPr>
-            <a:lvl2pPr indent="-298450" lvl="1" marL="914400" marR="0" rtl="0" algn="l">
+            <a:lvl2pPr marL="914400" marR="0" lvl="1" indent="-298450" algn="l" rtl="0">
               <a:lnSpc>
                 <a:spcPct val="100000"/>
               </a:lnSpc>
@@ -408,7 +421,7 @@
               <a:buSzPts val="1100"/>
               <a:buFont typeface="Arial"/>
               <a:buChar char="○"/>
-              <a:defRPr b="0" i="0" sz="1100" u="none" cap="none" strike="noStrike">
+              <a:defRPr sz="1100" b="0" i="0" u="none" strike="noStrike" cap="none">
                 <a:solidFill>
                   <a:srgbClr val="000000"/>
                 </a:solidFill>
@@ -418,7 +431,7 @@
                 <a:sym typeface="Arial"/>
               </a:defRPr>
             </a:lvl2pPr>
-            <a:lvl3pPr indent="-298450" lvl="2" marL="1371600" marR="0" rtl="0" algn="l">
+            <a:lvl3pPr marL="1371600" marR="0" lvl="2" indent="-298450" algn="l" rtl="0">
               <a:lnSpc>
                 <a:spcPct val="100000"/>
               </a:lnSpc>
@@ -434,7 +447,7 @@
               <a:buSzPts val="1100"/>
               <a:buFont typeface="Arial"/>
               <a:buChar char="■"/>
-              <a:defRPr b="0" i="0" sz="1100" u="none" cap="none" strike="noStrike">
+              <a:defRPr sz="1100" b="0" i="0" u="none" strike="noStrike" cap="none">
                 <a:solidFill>
                   <a:srgbClr val="000000"/>
                 </a:solidFill>
@@ -444,7 +457,7 @@
                 <a:sym typeface="Arial"/>
               </a:defRPr>
             </a:lvl3pPr>
-            <a:lvl4pPr indent="-298450" lvl="3" marL="1828800" marR="0" rtl="0" algn="l">
+            <a:lvl4pPr marL="1828800" marR="0" lvl="3" indent="-298450" algn="l" rtl="0">
               <a:lnSpc>
                 <a:spcPct val="100000"/>
               </a:lnSpc>
@@ -460,7 +473,7 @@
               <a:buSzPts val="1100"/>
               <a:buFont typeface="Arial"/>
               <a:buChar char="●"/>
-              <a:defRPr b="0" i="0" sz="1100" u="none" cap="none" strike="noStrike">
+              <a:defRPr sz="1100" b="0" i="0" u="none" strike="noStrike" cap="none">
                 <a:solidFill>
                   <a:srgbClr val="000000"/>
                 </a:solidFill>
@@ -470,7 +483,7 @@
                 <a:sym typeface="Arial"/>
               </a:defRPr>
             </a:lvl4pPr>
-            <a:lvl5pPr indent="-298450" lvl="4" marL="2286000" marR="0" rtl="0" algn="l">
+            <a:lvl5pPr marL="2286000" marR="0" lvl="4" indent="-298450" algn="l" rtl="0">
               <a:lnSpc>
                 <a:spcPct val="100000"/>
               </a:lnSpc>
@@ -486,7 +499,7 @@
               <a:buSzPts val="1100"/>
               <a:buFont typeface="Arial"/>
               <a:buChar char="○"/>
-              <a:defRPr b="0" i="0" sz="1100" u="none" cap="none" strike="noStrike">
+              <a:defRPr sz="1100" b="0" i="0" u="none" strike="noStrike" cap="none">
                 <a:solidFill>
                   <a:srgbClr val="000000"/>
                 </a:solidFill>
@@ -496,7 +509,7 @@
                 <a:sym typeface="Arial"/>
               </a:defRPr>
             </a:lvl5pPr>
-            <a:lvl6pPr indent="-298450" lvl="5" marL="2743200" marR="0" rtl="0" algn="l">
+            <a:lvl6pPr marL="2743200" marR="0" lvl="5" indent="-298450" algn="l" rtl="0">
               <a:lnSpc>
                 <a:spcPct val="100000"/>
               </a:lnSpc>
@@ -512,7 +525,7 @@
               <a:buSzPts val="1100"/>
               <a:buFont typeface="Arial"/>
               <a:buChar char="■"/>
-              <a:defRPr b="0" i="0" sz="1100" u="none" cap="none" strike="noStrike">
+              <a:defRPr sz="1100" b="0" i="0" u="none" strike="noStrike" cap="none">
                 <a:solidFill>
                   <a:srgbClr val="000000"/>
                 </a:solidFill>
@@ -522,7 +535,7 @@
                 <a:sym typeface="Arial"/>
               </a:defRPr>
             </a:lvl6pPr>
-            <a:lvl7pPr indent="-298450" lvl="6" marL="3200400" marR="0" rtl="0" algn="l">
+            <a:lvl7pPr marL="3200400" marR="0" lvl="6" indent="-298450" algn="l" rtl="0">
               <a:lnSpc>
                 <a:spcPct val="100000"/>
               </a:lnSpc>
@@ -538,7 +551,7 @@
               <a:buSzPts val="1100"/>
               <a:buFont typeface="Arial"/>
               <a:buChar char="●"/>
-              <a:defRPr b="0" i="0" sz="1100" u="none" cap="none" strike="noStrike">
+              <a:defRPr sz="1100" b="0" i="0" u="none" strike="noStrike" cap="none">
                 <a:solidFill>
                   <a:srgbClr val="000000"/>
                 </a:solidFill>
@@ -548,7 +561,7 @@
                 <a:sym typeface="Arial"/>
               </a:defRPr>
             </a:lvl7pPr>
-            <a:lvl8pPr indent="-298450" lvl="7" marL="3657600" marR="0" rtl="0" algn="l">
+            <a:lvl8pPr marL="3657600" marR="0" lvl="7" indent="-298450" algn="l" rtl="0">
               <a:lnSpc>
                 <a:spcPct val="100000"/>
               </a:lnSpc>
@@ -564,7 +577,7 @@
               <a:buSzPts val="1100"/>
               <a:buFont typeface="Arial"/>
               <a:buChar char="○"/>
-              <a:defRPr b="0" i="0" sz="1100" u="none" cap="none" strike="noStrike">
+              <a:defRPr sz="1100" b="0" i="0" u="none" strike="noStrike" cap="none">
                 <a:solidFill>
                   <a:srgbClr val="000000"/>
                 </a:solidFill>
@@ -574,7 +587,7 @@
                 <a:sym typeface="Arial"/>
               </a:defRPr>
             </a:lvl8pPr>
-            <a:lvl9pPr indent="-298450" lvl="8" marL="4114800" marR="0" rtl="0" algn="l">
+            <a:lvl9pPr marL="4114800" marR="0" lvl="8" indent="-298450" algn="l" rtl="0">
               <a:lnSpc>
                 <a:spcPct val="100000"/>
               </a:lnSpc>
@@ -590,7 +603,7 @@
               <a:buSzPts val="1100"/>
               <a:buFont typeface="Arial"/>
               <a:buChar char="■"/>
-              <a:defRPr b="0" i="0" sz="1100" u="none" cap="none" strike="noStrike">
+              <a:defRPr sz="1100" b="0" i="0" u="none" strike="noStrike" cap="none">
                 <a:solidFill>
                   <a:srgbClr val="000000"/>
                 </a:solidFill>
@@ -601,14 +614,16 @@
               </a:defRPr>
             </a:lvl9pPr>
           </a:lstStyle>
-          <a:p/>
+          <a:p>
+            <a:endParaRPr/>
+          </a:p>
         </p:txBody>
       </p:sp>
     </p:spTree>
   </p:cSld>
-  <p:clrMap accent1="accent1" accent2="accent2" accent3="accent3" accent4="accent4" accent5="accent5" accent6="accent6" bg1="lt1" bg2="dk2" tx1="dk1" tx2="lt2" folHlink="folHlink" hlink="hlink"/>
+  <p:clrMap bg1="lt1" tx1="dk1" bg2="dk2" tx2="lt2" accent1="accent1" accent2="accent2" accent3="accent3" accent4="accent4" accent5="accent5" accent6="accent6" hlink="hlink" folHlink="folHlink"/>
   <p:notesStyle>
-    <a:defPPr lvl="0" marR="0" rtl="0" algn="l">
+    <a:defPPr marR="0" lvl="0" algn="l" rtl="0">
       <a:lnSpc>
         <a:spcPct val="100000"/>
       </a:lnSpc>
@@ -619,7 +634,7 @@
         <a:spcPts val="0"/>
       </a:spcAft>
     </a:defPPr>
-    <a:lvl1pPr lvl="0" marR="0" rtl="0" algn="l">
+    <a:lvl1pPr marR="0" lvl="0" algn="l" rtl="0">
       <a:lnSpc>
         <a:spcPct val="100000"/>
       </a:lnSpc>
@@ -633,7 +648,7 @@
         <a:srgbClr val="000000"/>
       </a:buClr>
       <a:buFont typeface="Arial"/>
-      <a:defRPr b="0" i="0" sz="1400" u="none" cap="none" strike="noStrike">
+      <a:defRPr sz="1400" b="0" i="0" u="none" strike="noStrike" cap="none">
         <a:solidFill>
           <a:srgbClr val="000000"/>
         </a:solidFill>
@@ -643,7 +658,7 @@
         <a:sym typeface="Arial"/>
       </a:defRPr>
     </a:lvl1pPr>
-    <a:lvl2pPr lvl="1" marR="0" rtl="0" algn="l">
+    <a:lvl2pPr marR="0" lvl="1" algn="l" rtl="0">
       <a:lnSpc>
         <a:spcPct val="100000"/>
       </a:lnSpc>
@@ -657,7 +672,7 @@
         <a:srgbClr val="000000"/>
       </a:buClr>
       <a:buFont typeface="Arial"/>
-      <a:defRPr b="0" i="0" sz="1400" u="none" cap="none" strike="noStrike">
+      <a:defRPr sz="1400" b="0" i="0" u="none" strike="noStrike" cap="none">
         <a:solidFill>
           <a:srgbClr val="000000"/>
         </a:solidFill>
@@ -667,7 +682,7 @@
         <a:sym typeface="Arial"/>
       </a:defRPr>
     </a:lvl2pPr>
-    <a:lvl3pPr lvl="2" marR="0" rtl="0" algn="l">
+    <a:lvl3pPr marR="0" lvl="2" algn="l" rtl="0">
       <a:lnSpc>
         <a:spcPct val="100000"/>
       </a:lnSpc>
@@ -681,7 +696,7 @@
         <a:srgbClr val="000000"/>
       </a:buClr>
       <a:buFont typeface="Arial"/>
-      <a:defRPr b="0" i="0" sz="1400" u="none" cap="none" strike="noStrike">
+      <a:defRPr sz="1400" b="0" i="0" u="none" strike="noStrike" cap="none">
         <a:solidFill>
           <a:srgbClr val="000000"/>
         </a:solidFill>
@@ -691,7 +706,7 @@
         <a:sym typeface="Arial"/>
       </a:defRPr>
     </a:lvl3pPr>
-    <a:lvl4pPr lvl="3" marR="0" rtl="0" algn="l">
+    <a:lvl4pPr marR="0" lvl="3" algn="l" rtl="0">
       <a:lnSpc>
         <a:spcPct val="100000"/>
       </a:lnSpc>
@@ -705,7 +720,7 @@
         <a:srgbClr val="000000"/>
       </a:buClr>
       <a:buFont typeface="Arial"/>
-      <a:defRPr b="0" i="0" sz="1400" u="none" cap="none" strike="noStrike">
+      <a:defRPr sz="1400" b="0" i="0" u="none" strike="noStrike" cap="none">
         <a:solidFill>
           <a:srgbClr val="000000"/>
         </a:solidFill>
@@ -715,7 +730,7 @@
         <a:sym typeface="Arial"/>
       </a:defRPr>
     </a:lvl4pPr>
-    <a:lvl5pPr lvl="4" marR="0" rtl="0" algn="l">
+    <a:lvl5pPr marR="0" lvl="4" algn="l" rtl="0">
       <a:lnSpc>
         <a:spcPct val="100000"/>
       </a:lnSpc>
@@ -729,7 +744,7 @@
         <a:srgbClr val="000000"/>
       </a:buClr>
       <a:buFont typeface="Arial"/>
-      <a:defRPr b="0" i="0" sz="1400" u="none" cap="none" strike="noStrike">
+      <a:defRPr sz="1400" b="0" i="0" u="none" strike="noStrike" cap="none">
         <a:solidFill>
           <a:srgbClr val="000000"/>
         </a:solidFill>
@@ -739,7 +754,7 @@
         <a:sym typeface="Arial"/>
       </a:defRPr>
     </a:lvl5pPr>
-    <a:lvl6pPr lvl="5" marR="0" rtl="0" algn="l">
+    <a:lvl6pPr marR="0" lvl="5" algn="l" rtl="0">
       <a:lnSpc>
         <a:spcPct val="100000"/>
       </a:lnSpc>
@@ -753,7 +768,7 @@
         <a:srgbClr val="000000"/>
       </a:buClr>
       <a:buFont typeface="Arial"/>
-      <a:defRPr b="0" i="0" sz="1400" u="none" cap="none" strike="noStrike">
+      <a:defRPr sz="1400" b="0" i="0" u="none" strike="noStrike" cap="none">
         <a:solidFill>
           <a:srgbClr val="000000"/>
         </a:solidFill>
@@ -763,7 +778,7 @@
         <a:sym typeface="Arial"/>
       </a:defRPr>
     </a:lvl6pPr>
-    <a:lvl7pPr lvl="6" marR="0" rtl="0" algn="l">
+    <a:lvl7pPr marR="0" lvl="6" algn="l" rtl="0">
       <a:lnSpc>
         <a:spcPct val="100000"/>
       </a:lnSpc>
@@ -777,7 +792,7 @@
         <a:srgbClr val="000000"/>
       </a:buClr>
       <a:buFont typeface="Arial"/>
-      <a:defRPr b="0" i="0" sz="1400" u="none" cap="none" strike="noStrike">
+      <a:defRPr sz="1400" b="0" i="0" u="none" strike="noStrike" cap="none">
         <a:solidFill>
           <a:srgbClr val="000000"/>
         </a:solidFill>
@@ -787,7 +802,7 @@
         <a:sym typeface="Arial"/>
       </a:defRPr>
     </a:lvl7pPr>
-    <a:lvl8pPr lvl="7" marR="0" rtl="0" algn="l">
+    <a:lvl8pPr marR="0" lvl="7" algn="l" rtl="0">
       <a:lnSpc>
         <a:spcPct val="100000"/>
       </a:lnSpc>
@@ -801,7 +816,7 @@
         <a:srgbClr val="000000"/>
       </a:buClr>
       <a:buFont typeface="Arial"/>
-      <a:defRPr b="0" i="0" sz="1400" u="none" cap="none" strike="noStrike">
+      <a:defRPr sz="1400" b="0" i="0" u="none" strike="noStrike" cap="none">
         <a:solidFill>
           <a:srgbClr val="000000"/>
         </a:solidFill>
@@ -811,7 +826,7 @@
         <a:sym typeface="Arial"/>
       </a:defRPr>
     </a:lvl8pPr>
-    <a:lvl9pPr lvl="8" marR="0" rtl="0" algn="l">
+    <a:lvl9pPr marR="0" lvl="8" algn="l" rtl="0">
       <a:lnSpc>
         <a:spcPct val="100000"/>
       </a:lnSpc>
@@ -825,7 +840,7 @@
         <a:srgbClr val="000000"/>
       </a:buClr>
       <a:buFont typeface="Arial"/>
-      <a:defRPr b="0" i="0" sz="1400" u="none" cap="none" strike="noStrike">
+      <a:defRPr sz="1400" b="0" i="0" u="none" strike="noStrike" cap="none">
         <a:solidFill>
           <a:srgbClr val="000000"/>
         </a:solidFill>
@@ -840,11 +855,11 @@
 </file>
 
 <file path=ppt/notesSlides/notesSlide1.xml><?xml version="1.0" encoding="utf-8"?>
-<p:notes xmlns:a="http://schemas.openxmlformats.org/drawingml/2006/main" xmlns:r="http://schemas.openxmlformats.org/officeDocument/2006/relationships" xmlns:mc="http://schemas.openxmlformats.org/markup-compatibility/2006" xmlns:mv="urn:schemas-microsoft-com:mac:vml" xmlns:p="http://schemas.openxmlformats.org/presentationml/2006/main" xmlns:c="http://schemas.openxmlformats.org/drawingml/2006/chart" xmlns:dgm="http://schemas.openxmlformats.org/drawingml/2006/diagram" xmlns:o="urn:schemas-microsoft-com:office:office" xmlns:v="urn:schemas-microsoft-com:vml" xmlns:pvml="urn:schemas-microsoft-com:office:powerpoint" xmlns:com="http://schemas.openxmlformats.org/drawingml/2006/compatibility" xmlns:p14="http://schemas.microsoft.com/office/powerpoint/2010/main" xmlns:p15="http://schemas.microsoft.com/office/powerpoint/2012/main" xmlns:ahyp="http://schemas.microsoft.com/office/drawing/2018/hyperlinkcolor" showMasterPhAnim="0" showMasterSp="0">
+<p:notes xmlns:a="http://schemas.openxmlformats.org/drawingml/2006/main" xmlns:r="http://schemas.openxmlformats.org/officeDocument/2006/relationships" xmlns:p="http://schemas.openxmlformats.org/presentationml/2006/main" showMasterSp="0" showMasterPhAnim="0">
   <p:cSld>
     <p:spTree>
       <p:nvGrpSpPr>
-        <p:cNvPr id="39" name="Shape 39"/>
+        <p:cNvPr id="1" name="Shape 39"/>
         <p:cNvGrpSpPr/>
         <p:nvPr/>
       </p:nvGrpSpPr>
@@ -859,9 +874,11 @@
       <p:sp>
         <p:nvSpPr>
           <p:cNvPr id="40" name="Google Shape;40;p1:notes"/>
-          <p:cNvSpPr txBox="1"/>
+          <p:cNvSpPr txBox="1">
+            <a:spLocks noGrp="1"/>
+          </p:cNvSpPr>
           <p:nvPr>
-            <p:ph idx="1" type="body"/>
+            <p:ph type="body" idx="1"/>
           </p:nvPr>
         </p:nvSpPr>
         <p:spPr>
@@ -878,12 +895,12 @@
           </a:ln>
         </p:spPr>
         <p:txBody>
-          <a:bodyPr anchorCtr="0" anchor="t" bIns="91425" lIns="91425" spcFirstLastPara="1" rIns="91425" wrap="square" tIns="91425">
+          <a:bodyPr spcFirstLastPara="1" wrap="square" lIns="91425" tIns="91425" rIns="91425" bIns="91425" anchor="t" anchorCtr="0">
             <a:noAutofit/>
           </a:bodyPr>
           <a:lstStyle/>
           <a:p>
-            <a:pPr indent="0" lvl="0" marL="0" rtl="0" algn="l">
+            <a:pPr marL="0" lvl="0" indent="0" algn="l" rtl="0">
               <a:lnSpc>
                 <a:spcPct val="100000"/>
               </a:lnSpc>
@@ -896,9 +913,6 @@
               <a:buSzPts val="1100"/>
               <a:buNone/>
             </a:pPr>
-            <a:r>
-              <a:t/>
-            </a:r>
             <a:endParaRPr/>
           </a:p>
         </p:txBody>
@@ -906,20 +920,26 @@
       <p:sp>
         <p:nvSpPr>
           <p:cNvPr id="41" name="Google Shape;41;p1:notes"/>
-          <p:cNvSpPr/>
+          <p:cNvSpPr>
+            <a:spLocks noGrp="1" noRot="1" noChangeAspect="1"/>
+          </p:cNvSpPr>
           <p:nvPr>
-            <p:ph idx="2" type="sldImg"/>
+            <p:ph type="sldImg" idx="2"/>
           </p:nvPr>
         </p:nvSpPr>
         <p:spPr>
           <a:xfrm>
-            <a:off x="2032400" y="514350"/>
-            <a:ext cx="8128400" cy="2571750"/>
+            <a:off x="3810000" y="514350"/>
+            <a:ext cx="4573588" cy="2571750"/>
           </a:xfrm>
           <a:custGeom>
-            <a:rect b="b" l="l" r="r" t="t"/>
+            <a:avLst/>
+            <a:gdLst/>
+            <a:ahLst/>
+            <a:cxnLst/>
+            <a:rect l="l" t="t" r="r" b="b"/>
             <a:pathLst>
-              <a:path extrusionOk="0" h="120000" w="120000">
+              <a:path w="120000" h="120000" extrusionOk="0">
                 <a:moveTo>
                   <a:pt x="0" y="0"/>
                 </a:moveTo>
@@ -937,14 +957,14 @@
             </a:pathLst>
           </a:custGeom>
           <a:noFill/>
-          <a:ln cap="flat" cmpd="sng" w="9525">
+          <a:ln w="9525" cap="flat" cmpd="sng">
             <a:solidFill>
               <a:srgbClr val="000000"/>
             </a:solidFill>
             <a:prstDash val="solid"/>
             <a:round/>
-            <a:headEnd len="sm" w="sm" type="none"/>
-            <a:tailEnd len="sm" w="sm" type="none"/>
+            <a:headEnd type="none" w="sm" len="sm"/>
+            <a:tailEnd type="none" w="sm" len="sm"/>
           </a:ln>
         </p:spPr>
       </p:sp>
@@ -957,11 +977,11 @@
 </file>
 
 <file path=ppt/notesSlides/notesSlide10.xml><?xml version="1.0" encoding="utf-8"?>
-<p:notes xmlns:a="http://schemas.openxmlformats.org/drawingml/2006/main" xmlns:r="http://schemas.openxmlformats.org/officeDocument/2006/relationships" xmlns:mc="http://schemas.openxmlformats.org/markup-compatibility/2006" xmlns:mv="urn:schemas-microsoft-com:mac:vml" xmlns:p="http://schemas.openxmlformats.org/presentationml/2006/main" xmlns:c="http://schemas.openxmlformats.org/drawingml/2006/chart" xmlns:dgm="http://schemas.openxmlformats.org/drawingml/2006/diagram" xmlns:o="urn:schemas-microsoft-com:office:office" xmlns:v="urn:schemas-microsoft-com:vml" xmlns:pvml="urn:schemas-microsoft-com:office:powerpoint" xmlns:com="http://schemas.openxmlformats.org/drawingml/2006/compatibility" xmlns:p14="http://schemas.microsoft.com/office/powerpoint/2010/main" xmlns:p15="http://schemas.microsoft.com/office/powerpoint/2012/main" xmlns:ahyp="http://schemas.microsoft.com/office/drawing/2018/hyperlinkcolor" showMasterPhAnim="0" showMasterSp="0">
+<p:notes xmlns:a="http://schemas.openxmlformats.org/drawingml/2006/main" xmlns:r="http://schemas.openxmlformats.org/officeDocument/2006/relationships" xmlns:p="http://schemas.openxmlformats.org/presentationml/2006/main" showMasterSp="0" showMasterPhAnim="0">
   <p:cSld>
     <p:spTree>
       <p:nvGrpSpPr>
-        <p:cNvPr id="102" name="Shape 102"/>
+        <p:cNvPr id="1" name="Shape 102"/>
         <p:cNvGrpSpPr/>
         <p:nvPr/>
       </p:nvGrpSpPr>
@@ -976,9 +996,11 @@
       <p:sp>
         <p:nvSpPr>
           <p:cNvPr id="103" name="Google Shape;103;g29018e25af8_0_11:notes"/>
-          <p:cNvSpPr txBox="1"/>
+          <p:cNvSpPr txBox="1">
+            <a:spLocks noGrp="1"/>
+          </p:cNvSpPr>
           <p:nvPr>
-            <p:ph idx="1" type="body"/>
+            <p:ph type="body" idx="1"/>
           </p:nvPr>
         </p:nvSpPr>
         <p:spPr>
@@ -995,12 +1017,12 @@
           </a:ln>
         </p:spPr>
         <p:txBody>
-          <a:bodyPr anchorCtr="0" anchor="t" bIns="91425" lIns="91425" spcFirstLastPara="1" rIns="91425" wrap="square" tIns="91425">
+          <a:bodyPr spcFirstLastPara="1" wrap="square" lIns="91425" tIns="91425" rIns="91425" bIns="91425" anchor="t" anchorCtr="0">
             <a:noAutofit/>
           </a:bodyPr>
           <a:lstStyle/>
           <a:p>
-            <a:pPr indent="0" lvl="0" marL="0" rtl="0" algn="l">
+            <a:pPr marL="0" lvl="0" indent="0" algn="l" rtl="0">
               <a:lnSpc>
                 <a:spcPct val="100000"/>
               </a:lnSpc>
@@ -1013,9 +1035,6 @@
               <a:buSzPts val="1100"/>
               <a:buNone/>
             </a:pPr>
-            <a:r>
-              <a:t/>
-            </a:r>
             <a:endParaRPr/>
           </a:p>
         </p:txBody>
@@ -1023,9 +1042,11 @@
       <p:sp>
         <p:nvSpPr>
           <p:cNvPr id="104" name="Google Shape;104;g29018e25af8_0_11:notes"/>
-          <p:cNvSpPr/>
+          <p:cNvSpPr>
+            <a:spLocks noGrp="1" noRot="1" noChangeAspect="1"/>
+          </p:cNvSpPr>
           <p:nvPr>
-            <p:ph idx="2" type="sldImg"/>
+            <p:ph type="sldImg" idx="2"/>
           </p:nvPr>
         </p:nvSpPr>
         <p:spPr>
@@ -1034,9 +1055,13 @@
             <a:ext cx="8128500" cy="2571900"/>
           </a:xfrm>
           <a:custGeom>
-            <a:rect b="b" l="l" r="r" t="t"/>
+            <a:avLst/>
+            <a:gdLst/>
+            <a:ahLst/>
+            <a:cxnLst/>
+            <a:rect l="l" t="t" r="r" b="b"/>
             <a:pathLst>
-              <a:path extrusionOk="0" h="120000" w="120000">
+              <a:path w="120000" h="120000" extrusionOk="0">
                 <a:moveTo>
                   <a:pt x="0" y="0"/>
                 </a:moveTo>
@@ -1054,14 +1079,14 @@
             </a:pathLst>
           </a:custGeom>
           <a:noFill/>
-          <a:ln cap="flat" cmpd="sng" w="9525">
+          <a:ln w="9525" cap="flat" cmpd="sng">
             <a:solidFill>
               <a:srgbClr val="000000"/>
             </a:solidFill>
             <a:prstDash val="solid"/>
             <a:round/>
-            <a:headEnd len="sm" w="sm" type="none"/>
-            <a:tailEnd len="sm" w="sm" type="none"/>
+            <a:headEnd type="none" w="sm" len="sm"/>
+            <a:tailEnd type="none" w="sm" len="sm"/>
           </a:ln>
         </p:spPr>
       </p:sp>
@@ -1074,11 +1099,11 @@
 </file>
 
 <file path=ppt/notesSlides/notesSlide11.xml><?xml version="1.0" encoding="utf-8"?>
-<p:notes xmlns:a="http://schemas.openxmlformats.org/drawingml/2006/main" xmlns:r="http://schemas.openxmlformats.org/officeDocument/2006/relationships" xmlns:mc="http://schemas.openxmlformats.org/markup-compatibility/2006" xmlns:mv="urn:schemas-microsoft-com:mac:vml" xmlns:p="http://schemas.openxmlformats.org/presentationml/2006/main" xmlns:c="http://schemas.openxmlformats.org/drawingml/2006/chart" xmlns:dgm="http://schemas.openxmlformats.org/drawingml/2006/diagram" xmlns:o="urn:schemas-microsoft-com:office:office" xmlns:v="urn:schemas-microsoft-com:vml" xmlns:pvml="urn:schemas-microsoft-com:office:powerpoint" xmlns:com="http://schemas.openxmlformats.org/drawingml/2006/compatibility" xmlns:p14="http://schemas.microsoft.com/office/powerpoint/2010/main" xmlns:p15="http://schemas.microsoft.com/office/powerpoint/2012/main" xmlns:ahyp="http://schemas.microsoft.com/office/drawing/2018/hyperlinkcolor" showMasterPhAnim="0" showMasterSp="0">
+<p:notes xmlns:a="http://schemas.openxmlformats.org/drawingml/2006/main" xmlns:r="http://schemas.openxmlformats.org/officeDocument/2006/relationships" xmlns:p="http://schemas.openxmlformats.org/presentationml/2006/main" showMasterSp="0" showMasterPhAnim="0">
   <p:cSld>
     <p:spTree>
       <p:nvGrpSpPr>
-        <p:cNvPr id="114" name="Shape 114"/>
+        <p:cNvPr id="1" name="Shape 114"/>
         <p:cNvGrpSpPr/>
         <p:nvPr/>
       </p:nvGrpSpPr>
@@ -1093,9 +1118,11 @@
       <p:sp>
         <p:nvSpPr>
           <p:cNvPr id="115" name="Google Shape;115;p14:notes"/>
-          <p:cNvSpPr txBox="1"/>
+          <p:cNvSpPr txBox="1">
+            <a:spLocks noGrp="1"/>
+          </p:cNvSpPr>
           <p:nvPr>
-            <p:ph idx="1" type="body"/>
+            <p:ph type="body" idx="1"/>
           </p:nvPr>
         </p:nvSpPr>
         <p:spPr>
@@ -1112,12 +1139,12 @@
           </a:ln>
         </p:spPr>
         <p:txBody>
-          <a:bodyPr anchorCtr="0" anchor="t" bIns="91425" lIns="91425" spcFirstLastPara="1" rIns="91425" wrap="square" tIns="91425">
+          <a:bodyPr spcFirstLastPara="1" wrap="square" lIns="91425" tIns="91425" rIns="91425" bIns="91425" anchor="t" anchorCtr="0">
             <a:noAutofit/>
           </a:bodyPr>
           <a:lstStyle/>
           <a:p>
-            <a:pPr indent="0" lvl="0" marL="0" rtl="0" algn="l">
+            <a:pPr marL="0" lvl="0" indent="0" algn="l" rtl="0">
               <a:lnSpc>
                 <a:spcPct val="100000"/>
               </a:lnSpc>
@@ -1130,9 +1157,6 @@
               <a:buSzPts val="1100"/>
               <a:buNone/>
             </a:pPr>
-            <a:r>
-              <a:t/>
-            </a:r>
             <a:endParaRPr/>
           </a:p>
         </p:txBody>
@@ -1140,9 +1164,11 @@
       <p:sp>
         <p:nvSpPr>
           <p:cNvPr id="116" name="Google Shape;116;p14:notes"/>
-          <p:cNvSpPr/>
+          <p:cNvSpPr>
+            <a:spLocks noGrp="1" noRot="1" noChangeAspect="1"/>
+          </p:cNvSpPr>
           <p:nvPr>
-            <p:ph idx="2" type="sldImg"/>
+            <p:ph type="sldImg" idx="2"/>
           </p:nvPr>
         </p:nvSpPr>
         <p:spPr>
@@ -1151,9 +1177,13 @@
             <a:ext cx="8128400" cy="2571750"/>
           </a:xfrm>
           <a:custGeom>
-            <a:rect b="b" l="l" r="r" t="t"/>
+            <a:avLst/>
+            <a:gdLst/>
+            <a:ahLst/>
+            <a:cxnLst/>
+            <a:rect l="l" t="t" r="r" b="b"/>
             <a:pathLst>
-              <a:path extrusionOk="0" h="120000" w="120000">
+              <a:path w="120000" h="120000" extrusionOk="0">
                 <a:moveTo>
                   <a:pt x="0" y="0"/>
                 </a:moveTo>
@@ -1171,14 +1201,14 @@
             </a:pathLst>
           </a:custGeom>
           <a:noFill/>
-          <a:ln cap="flat" cmpd="sng" w="9525">
+          <a:ln w="9525" cap="flat" cmpd="sng">
             <a:solidFill>
               <a:srgbClr val="000000"/>
             </a:solidFill>
             <a:prstDash val="solid"/>
             <a:round/>
-            <a:headEnd len="sm" w="sm" type="none"/>
-            <a:tailEnd len="sm" w="sm" type="none"/>
+            <a:headEnd type="none" w="sm" len="sm"/>
+            <a:tailEnd type="none" w="sm" len="sm"/>
           </a:ln>
         </p:spPr>
       </p:sp>
@@ -1191,11 +1221,11 @@
 </file>
 
 <file path=ppt/notesSlides/notesSlide12.xml><?xml version="1.0" encoding="utf-8"?>
-<p:notes xmlns:a="http://schemas.openxmlformats.org/drawingml/2006/main" xmlns:r="http://schemas.openxmlformats.org/officeDocument/2006/relationships" xmlns:mc="http://schemas.openxmlformats.org/markup-compatibility/2006" xmlns:mv="urn:schemas-microsoft-com:mac:vml" xmlns:p="http://schemas.openxmlformats.org/presentationml/2006/main" xmlns:c="http://schemas.openxmlformats.org/drawingml/2006/chart" xmlns:dgm="http://schemas.openxmlformats.org/drawingml/2006/diagram" xmlns:o="urn:schemas-microsoft-com:office:office" xmlns:v="urn:schemas-microsoft-com:vml" xmlns:pvml="urn:schemas-microsoft-com:office:powerpoint" xmlns:com="http://schemas.openxmlformats.org/drawingml/2006/compatibility" xmlns:p14="http://schemas.microsoft.com/office/powerpoint/2010/main" xmlns:p15="http://schemas.microsoft.com/office/powerpoint/2012/main" xmlns:ahyp="http://schemas.microsoft.com/office/drawing/2018/hyperlinkcolor" showMasterPhAnim="0" showMasterSp="0">
+<p:notes xmlns:a="http://schemas.openxmlformats.org/drawingml/2006/main" xmlns:r="http://schemas.openxmlformats.org/officeDocument/2006/relationships" xmlns:p="http://schemas.openxmlformats.org/presentationml/2006/main" showMasterSp="0" showMasterPhAnim="0">
   <p:cSld>
     <p:spTree>
       <p:nvGrpSpPr>
-        <p:cNvPr id="120" name="Shape 120"/>
+        <p:cNvPr id="1" name="Shape 120"/>
         <p:cNvGrpSpPr/>
         <p:nvPr/>
       </p:nvGrpSpPr>
@@ -1210,9 +1240,11 @@
       <p:sp>
         <p:nvSpPr>
           <p:cNvPr id="121" name="Google Shape;121;p15:notes"/>
-          <p:cNvSpPr txBox="1"/>
+          <p:cNvSpPr txBox="1">
+            <a:spLocks noGrp="1"/>
+          </p:cNvSpPr>
           <p:nvPr>
-            <p:ph idx="1" type="body"/>
+            <p:ph type="body" idx="1"/>
           </p:nvPr>
         </p:nvSpPr>
         <p:spPr>
@@ -1229,12 +1261,12 @@
           </a:ln>
         </p:spPr>
         <p:txBody>
-          <a:bodyPr anchorCtr="0" anchor="t" bIns="91425" lIns="91425" spcFirstLastPara="1" rIns="91425" wrap="square" tIns="91425">
+          <a:bodyPr spcFirstLastPara="1" wrap="square" lIns="91425" tIns="91425" rIns="91425" bIns="91425" anchor="t" anchorCtr="0">
             <a:noAutofit/>
           </a:bodyPr>
           <a:lstStyle/>
           <a:p>
-            <a:pPr indent="0" lvl="0" marL="0" rtl="0" algn="l">
+            <a:pPr marL="0" lvl="0" indent="0" algn="l" rtl="0">
               <a:lnSpc>
                 <a:spcPct val="100000"/>
               </a:lnSpc>
@@ -1247,9 +1279,6 @@
               <a:buSzPts val="1100"/>
               <a:buNone/>
             </a:pPr>
-            <a:r>
-              <a:t/>
-            </a:r>
             <a:endParaRPr/>
           </a:p>
         </p:txBody>
@@ -1257,9 +1286,11 @@
       <p:sp>
         <p:nvSpPr>
           <p:cNvPr id="122" name="Google Shape;122;p15:notes"/>
-          <p:cNvSpPr/>
+          <p:cNvSpPr>
+            <a:spLocks noGrp="1" noRot="1" noChangeAspect="1"/>
+          </p:cNvSpPr>
           <p:nvPr>
-            <p:ph idx="2" type="sldImg"/>
+            <p:ph type="sldImg" idx="2"/>
           </p:nvPr>
         </p:nvSpPr>
         <p:spPr>
@@ -1268,9 +1299,13 @@
             <a:ext cx="8128400" cy="2571750"/>
           </a:xfrm>
           <a:custGeom>
-            <a:rect b="b" l="l" r="r" t="t"/>
+            <a:avLst/>
+            <a:gdLst/>
+            <a:ahLst/>
+            <a:cxnLst/>
+            <a:rect l="l" t="t" r="r" b="b"/>
             <a:pathLst>
-              <a:path extrusionOk="0" h="120000" w="120000">
+              <a:path w="120000" h="120000" extrusionOk="0">
                 <a:moveTo>
                   <a:pt x="0" y="0"/>
                 </a:moveTo>
@@ -1288,14 +1323,14 @@
             </a:pathLst>
           </a:custGeom>
           <a:noFill/>
-          <a:ln cap="flat" cmpd="sng" w="9525">
+          <a:ln w="9525" cap="flat" cmpd="sng">
             <a:solidFill>
               <a:srgbClr val="000000"/>
             </a:solidFill>
             <a:prstDash val="solid"/>
             <a:round/>
-            <a:headEnd len="sm" w="sm" type="none"/>
-            <a:tailEnd len="sm" w="sm" type="none"/>
+            <a:headEnd type="none" w="sm" len="sm"/>
+            <a:tailEnd type="none" w="sm" len="sm"/>
           </a:ln>
         </p:spPr>
       </p:sp>
@@ -1308,11 +1343,11 @@
 </file>
 
 <file path=ppt/notesSlides/notesSlide13.xml><?xml version="1.0" encoding="utf-8"?>
-<p:notes xmlns:a="http://schemas.openxmlformats.org/drawingml/2006/main" xmlns:r="http://schemas.openxmlformats.org/officeDocument/2006/relationships" xmlns:mc="http://schemas.openxmlformats.org/markup-compatibility/2006" xmlns:mv="urn:schemas-microsoft-com:mac:vml" xmlns:p="http://schemas.openxmlformats.org/presentationml/2006/main" xmlns:c="http://schemas.openxmlformats.org/drawingml/2006/chart" xmlns:dgm="http://schemas.openxmlformats.org/drawingml/2006/diagram" xmlns:o="urn:schemas-microsoft-com:office:office" xmlns:v="urn:schemas-microsoft-com:vml" xmlns:pvml="urn:schemas-microsoft-com:office:powerpoint" xmlns:com="http://schemas.openxmlformats.org/drawingml/2006/compatibility" xmlns:p14="http://schemas.microsoft.com/office/powerpoint/2010/main" xmlns:p15="http://schemas.microsoft.com/office/powerpoint/2012/main" xmlns:ahyp="http://schemas.microsoft.com/office/drawing/2018/hyperlinkcolor" showMasterPhAnim="0" showMasterSp="0">
+<p:notes xmlns:a="http://schemas.openxmlformats.org/drawingml/2006/main" xmlns:r="http://schemas.openxmlformats.org/officeDocument/2006/relationships" xmlns:p="http://schemas.openxmlformats.org/presentationml/2006/main" showMasterSp="0" showMasterPhAnim="0">
   <p:cSld>
     <p:spTree>
       <p:nvGrpSpPr>
-        <p:cNvPr id="129" name="Shape 129"/>
+        <p:cNvPr id="1" name="Shape 129"/>
         <p:cNvGrpSpPr/>
         <p:nvPr/>
       </p:nvGrpSpPr>
@@ -1327,9 +1362,11 @@
       <p:sp>
         <p:nvSpPr>
           <p:cNvPr id="130" name="Google Shape;130;g29018e25af8_0_22:notes"/>
-          <p:cNvSpPr txBox="1"/>
+          <p:cNvSpPr txBox="1">
+            <a:spLocks noGrp="1"/>
+          </p:cNvSpPr>
           <p:nvPr>
-            <p:ph idx="1" type="body"/>
+            <p:ph type="body" idx="1"/>
           </p:nvPr>
         </p:nvSpPr>
         <p:spPr>
@@ -1346,12 +1383,12 @@
           </a:ln>
         </p:spPr>
         <p:txBody>
-          <a:bodyPr anchorCtr="0" anchor="t" bIns="91425" lIns="91425" spcFirstLastPara="1" rIns="91425" wrap="square" tIns="91425">
+          <a:bodyPr spcFirstLastPara="1" wrap="square" lIns="91425" tIns="91425" rIns="91425" bIns="91425" anchor="t" anchorCtr="0">
             <a:noAutofit/>
           </a:bodyPr>
           <a:lstStyle/>
           <a:p>
-            <a:pPr indent="0" lvl="0" marL="0" rtl="0" algn="l">
+            <a:pPr marL="0" lvl="0" indent="0" algn="l" rtl="0">
               <a:lnSpc>
                 <a:spcPct val="100000"/>
               </a:lnSpc>
@@ -1364,9 +1401,6 @@
               <a:buSzPts val="1100"/>
               <a:buNone/>
             </a:pPr>
-            <a:r>
-              <a:t/>
-            </a:r>
             <a:endParaRPr/>
           </a:p>
         </p:txBody>
@@ -1374,9 +1408,11 @@
       <p:sp>
         <p:nvSpPr>
           <p:cNvPr id="131" name="Google Shape;131;g29018e25af8_0_22:notes"/>
-          <p:cNvSpPr/>
+          <p:cNvSpPr>
+            <a:spLocks noGrp="1" noRot="1" noChangeAspect="1"/>
+          </p:cNvSpPr>
           <p:nvPr>
-            <p:ph idx="2" type="sldImg"/>
+            <p:ph type="sldImg" idx="2"/>
           </p:nvPr>
         </p:nvSpPr>
         <p:spPr>
@@ -1385,9 +1421,13 @@
             <a:ext cx="8128500" cy="2571900"/>
           </a:xfrm>
           <a:custGeom>
-            <a:rect b="b" l="l" r="r" t="t"/>
+            <a:avLst/>
+            <a:gdLst/>
+            <a:ahLst/>
+            <a:cxnLst/>
+            <a:rect l="l" t="t" r="r" b="b"/>
             <a:pathLst>
-              <a:path extrusionOk="0" h="120000" w="120000">
+              <a:path w="120000" h="120000" extrusionOk="0">
                 <a:moveTo>
                   <a:pt x="0" y="0"/>
                 </a:moveTo>
@@ -1405,14 +1445,14 @@
             </a:pathLst>
           </a:custGeom>
           <a:noFill/>
-          <a:ln cap="flat" cmpd="sng" w="9525">
+          <a:ln w="9525" cap="flat" cmpd="sng">
             <a:solidFill>
               <a:srgbClr val="000000"/>
             </a:solidFill>
             <a:prstDash val="solid"/>
             <a:round/>
-            <a:headEnd len="sm" w="sm" type="none"/>
-            <a:tailEnd len="sm" w="sm" type="none"/>
+            <a:headEnd type="none" w="sm" len="sm"/>
+            <a:tailEnd type="none" w="sm" len="sm"/>
           </a:ln>
         </p:spPr>
       </p:sp>
@@ -1425,11 +1465,11 @@
 </file>
 
 <file path=ppt/notesSlides/notesSlide14.xml><?xml version="1.0" encoding="utf-8"?>
-<p:notes xmlns:a="http://schemas.openxmlformats.org/drawingml/2006/main" xmlns:r="http://schemas.openxmlformats.org/officeDocument/2006/relationships" xmlns:mc="http://schemas.openxmlformats.org/markup-compatibility/2006" xmlns:mv="urn:schemas-microsoft-com:mac:vml" xmlns:p="http://schemas.openxmlformats.org/presentationml/2006/main" xmlns:c="http://schemas.openxmlformats.org/drawingml/2006/chart" xmlns:dgm="http://schemas.openxmlformats.org/drawingml/2006/diagram" xmlns:o="urn:schemas-microsoft-com:office:office" xmlns:v="urn:schemas-microsoft-com:vml" xmlns:pvml="urn:schemas-microsoft-com:office:powerpoint" xmlns:com="http://schemas.openxmlformats.org/drawingml/2006/compatibility" xmlns:p14="http://schemas.microsoft.com/office/powerpoint/2010/main" xmlns:p15="http://schemas.microsoft.com/office/powerpoint/2012/main" xmlns:ahyp="http://schemas.microsoft.com/office/drawing/2018/hyperlinkcolor" showMasterPhAnim="0" showMasterSp="0">
+<p:notes xmlns:a="http://schemas.openxmlformats.org/drawingml/2006/main" xmlns:r="http://schemas.openxmlformats.org/officeDocument/2006/relationships" xmlns:p="http://schemas.openxmlformats.org/presentationml/2006/main" showMasterSp="0" showMasterPhAnim="0">
   <p:cSld>
     <p:spTree>
       <p:nvGrpSpPr>
-        <p:cNvPr id="139" name="Shape 139"/>
+        <p:cNvPr id="1" name="Shape 139"/>
         <p:cNvGrpSpPr/>
         <p:nvPr/>
       </p:nvGrpSpPr>
@@ -1444,9 +1484,11 @@
       <p:sp>
         <p:nvSpPr>
           <p:cNvPr id="140" name="Google Shape;140;p17:notes"/>
-          <p:cNvSpPr txBox="1"/>
+          <p:cNvSpPr txBox="1">
+            <a:spLocks noGrp="1"/>
+          </p:cNvSpPr>
           <p:nvPr>
-            <p:ph idx="1" type="body"/>
+            <p:ph type="body" idx="1"/>
           </p:nvPr>
         </p:nvSpPr>
         <p:spPr>
@@ -1463,12 +1505,12 @@
           </a:ln>
         </p:spPr>
         <p:txBody>
-          <a:bodyPr anchorCtr="0" anchor="t" bIns="91425" lIns="91425" spcFirstLastPara="1" rIns="91425" wrap="square" tIns="91425">
+          <a:bodyPr spcFirstLastPara="1" wrap="square" lIns="91425" tIns="91425" rIns="91425" bIns="91425" anchor="t" anchorCtr="0">
             <a:noAutofit/>
           </a:bodyPr>
           <a:lstStyle/>
           <a:p>
-            <a:pPr indent="0" lvl="0" marL="0" rtl="0" algn="l">
+            <a:pPr marL="0" lvl="0" indent="0" algn="l" rtl="0">
               <a:lnSpc>
                 <a:spcPct val="100000"/>
               </a:lnSpc>
@@ -1481,9 +1523,6 @@
               <a:buSzPts val="1100"/>
               <a:buNone/>
             </a:pPr>
-            <a:r>
-              <a:t/>
-            </a:r>
             <a:endParaRPr/>
           </a:p>
         </p:txBody>
@@ -1491,9 +1530,11 @@
       <p:sp>
         <p:nvSpPr>
           <p:cNvPr id="141" name="Google Shape;141;p17:notes"/>
-          <p:cNvSpPr/>
+          <p:cNvSpPr>
+            <a:spLocks noGrp="1" noRot="1" noChangeAspect="1"/>
+          </p:cNvSpPr>
           <p:nvPr>
-            <p:ph idx="2" type="sldImg"/>
+            <p:ph type="sldImg" idx="2"/>
           </p:nvPr>
         </p:nvSpPr>
         <p:spPr>
@@ -1502,9 +1543,13 @@
             <a:ext cx="8128400" cy="2571750"/>
           </a:xfrm>
           <a:custGeom>
-            <a:rect b="b" l="l" r="r" t="t"/>
+            <a:avLst/>
+            <a:gdLst/>
+            <a:ahLst/>
+            <a:cxnLst/>
+            <a:rect l="l" t="t" r="r" b="b"/>
             <a:pathLst>
-              <a:path extrusionOk="0" h="120000" w="120000">
+              <a:path w="120000" h="120000" extrusionOk="0">
                 <a:moveTo>
                   <a:pt x="0" y="0"/>
                 </a:moveTo>
@@ -1522,14 +1567,14 @@
             </a:pathLst>
           </a:custGeom>
           <a:noFill/>
-          <a:ln cap="flat" cmpd="sng" w="9525">
+          <a:ln w="9525" cap="flat" cmpd="sng">
             <a:solidFill>
               <a:srgbClr val="000000"/>
             </a:solidFill>
             <a:prstDash val="solid"/>
             <a:round/>
-            <a:headEnd len="sm" w="sm" type="none"/>
-            <a:tailEnd len="sm" w="sm" type="none"/>
+            <a:headEnd type="none" w="sm" len="sm"/>
+            <a:tailEnd type="none" w="sm" len="sm"/>
           </a:ln>
         </p:spPr>
       </p:sp>
@@ -1542,11 +1587,11 @@
 </file>
 
 <file path=ppt/notesSlides/notesSlide15.xml><?xml version="1.0" encoding="utf-8"?>
-<p:notes xmlns:a="http://schemas.openxmlformats.org/drawingml/2006/main" xmlns:r="http://schemas.openxmlformats.org/officeDocument/2006/relationships" xmlns:mc="http://schemas.openxmlformats.org/markup-compatibility/2006" xmlns:mv="urn:schemas-microsoft-com:mac:vml" xmlns:p="http://schemas.openxmlformats.org/presentationml/2006/main" xmlns:c="http://schemas.openxmlformats.org/drawingml/2006/chart" xmlns:dgm="http://schemas.openxmlformats.org/drawingml/2006/diagram" xmlns:o="urn:schemas-microsoft-com:office:office" xmlns:v="urn:schemas-microsoft-com:vml" xmlns:pvml="urn:schemas-microsoft-com:office:powerpoint" xmlns:com="http://schemas.openxmlformats.org/drawingml/2006/compatibility" xmlns:p14="http://schemas.microsoft.com/office/powerpoint/2010/main" xmlns:p15="http://schemas.microsoft.com/office/powerpoint/2012/main" xmlns:ahyp="http://schemas.microsoft.com/office/drawing/2018/hyperlinkcolor" showMasterPhAnim="0" showMasterSp="0">
+<p:notes xmlns:a="http://schemas.openxmlformats.org/drawingml/2006/main" xmlns:r="http://schemas.openxmlformats.org/officeDocument/2006/relationships" xmlns:p="http://schemas.openxmlformats.org/presentationml/2006/main" showMasterSp="0" showMasterPhAnim="0">
   <p:cSld>
     <p:spTree>
       <p:nvGrpSpPr>
-        <p:cNvPr id="151" name="Shape 151"/>
+        <p:cNvPr id="1" name="Shape 151"/>
         <p:cNvGrpSpPr/>
         <p:nvPr/>
       </p:nvGrpSpPr>
@@ -1561,9 +1606,11 @@
       <p:sp>
         <p:nvSpPr>
           <p:cNvPr id="152" name="Google Shape;152;p18:notes"/>
-          <p:cNvSpPr txBox="1"/>
+          <p:cNvSpPr txBox="1">
+            <a:spLocks noGrp="1"/>
+          </p:cNvSpPr>
           <p:nvPr>
-            <p:ph idx="1" type="body"/>
+            <p:ph type="body" idx="1"/>
           </p:nvPr>
         </p:nvSpPr>
         <p:spPr>
@@ -1580,12 +1627,12 @@
           </a:ln>
         </p:spPr>
         <p:txBody>
-          <a:bodyPr anchorCtr="0" anchor="t" bIns="91425" lIns="91425" spcFirstLastPara="1" rIns="91425" wrap="square" tIns="91425">
+          <a:bodyPr spcFirstLastPara="1" wrap="square" lIns="91425" tIns="91425" rIns="91425" bIns="91425" anchor="t" anchorCtr="0">
             <a:noAutofit/>
           </a:bodyPr>
           <a:lstStyle/>
           <a:p>
-            <a:pPr indent="0" lvl="0" marL="0" rtl="0" algn="l">
+            <a:pPr marL="0" lvl="0" indent="0" algn="l" rtl="0">
               <a:lnSpc>
                 <a:spcPct val="100000"/>
               </a:lnSpc>
@@ -1598,9 +1645,6 @@
               <a:buSzPts val="1100"/>
               <a:buNone/>
             </a:pPr>
-            <a:r>
-              <a:t/>
-            </a:r>
             <a:endParaRPr/>
           </a:p>
         </p:txBody>
@@ -1608,9 +1652,11 @@
       <p:sp>
         <p:nvSpPr>
           <p:cNvPr id="153" name="Google Shape;153;p18:notes"/>
-          <p:cNvSpPr/>
+          <p:cNvSpPr>
+            <a:spLocks noGrp="1" noRot="1" noChangeAspect="1"/>
+          </p:cNvSpPr>
           <p:nvPr>
-            <p:ph idx="2" type="sldImg"/>
+            <p:ph type="sldImg" idx="2"/>
           </p:nvPr>
         </p:nvSpPr>
         <p:spPr>
@@ -1619,9 +1665,13 @@
             <a:ext cx="8128400" cy="2571750"/>
           </a:xfrm>
           <a:custGeom>
-            <a:rect b="b" l="l" r="r" t="t"/>
+            <a:avLst/>
+            <a:gdLst/>
+            <a:ahLst/>
+            <a:cxnLst/>
+            <a:rect l="l" t="t" r="r" b="b"/>
             <a:pathLst>
-              <a:path extrusionOk="0" h="120000" w="120000">
+              <a:path w="120000" h="120000" extrusionOk="0">
                 <a:moveTo>
                   <a:pt x="0" y="0"/>
                 </a:moveTo>
@@ -1639,14 +1689,14 @@
             </a:pathLst>
           </a:custGeom>
           <a:noFill/>
-          <a:ln cap="flat" cmpd="sng" w="9525">
+          <a:ln w="9525" cap="flat" cmpd="sng">
             <a:solidFill>
               <a:srgbClr val="000000"/>
             </a:solidFill>
             <a:prstDash val="solid"/>
             <a:round/>
-            <a:headEnd len="sm" w="sm" type="none"/>
-            <a:tailEnd len="sm" w="sm" type="none"/>
+            <a:headEnd type="none" w="sm" len="sm"/>
+            <a:tailEnd type="none" w="sm" len="sm"/>
           </a:ln>
         </p:spPr>
       </p:sp>
@@ -1659,11 +1709,11 @@
 </file>
 
 <file path=ppt/notesSlides/notesSlide16.xml><?xml version="1.0" encoding="utf-8"?>
-<p:notes xmlns:a="http://schemas.openxmlformats.org/drawingml/2006/main" xmlns:r="http://schemas.openxmlformats.org/officeDocument/2006/relationships" xmlns:mc="http://schemas.openxmlformats.org/markup-compatibility/2006" xmlns:mv="urn:schemas-microsoft-com:mac:vml" xmlns:p="http://schemas.openxmlformats.org/presentationml/2006/main" xmlns:c="http://schemas.openxmlformats.org/drawingml/2006/chart" xmlns:dgm="http://schemas.openxmlformats.org/drawingml/2006/diagram" xmlns:o="urn:schemas-microsoft-com:office:office" xmlns:v="urn:schemas-microsoft-com:vml" xmlns:pvml="urn:schemas-microsoft-com:office:powerpoint" xmlns:com="http://schemas.openxmlformats.org/drawingml/2006/compatibility" xmlns:p14="http://schemas.microsoft.com/office/powerpoint/2010/main" xmlns:p15="http://schemas.microsoft.com/office/powerpoint/2012/main" xmlns:ahyp="http://schemas.microsoft.com/office/drawing/2018/hyperlinkcolor" showMasterPhAnim="0" showMasterSp="0">
+<p:notes xmlns:a="http://schemas.openxmlformats.org/drawingml/2006/main" xmlns:r="http://schemas.openxmlformats.org/officeDocument/2006/relationships" xmlns:p="http://schemas.openxmlformats.org/presentationml/2006/main" showMasterSp="0" showMasterPhAnim="0">
   <p:cSld>
     <p:spTree>
       <p:nvGrpSpPr>
-        <p:cNvPr id="157" name="Shape 157"/>
+        <p:cNvPr id="1" name="Shape 157"/>
         <p:cNvGrpSpPr/>
         <p:nvPr/>
       </p:nvGrpSpPr>
@@ -1678,9 +1728,11 @@
       <p:sp>
         <p:nvSpPr>
           <p:cNvPr id="158" name="Google Shape;158;p19:notes"/>
-          <p:cNvSpPr txBox="1"/>
+          <p:cNvSpPr txBox="1">
+            <a:spLocks noGrp="1"/>
+          </p:cNvSpPr>
           <p:nvPr>
-            <p:ph idx="1" type="body"/>
+            <p:ph type="body" idx="1"/>
           </p:nvPr>
         </p:nvSpPr>
         <p:spPr>
@@ -1697,12 +1749,12 @@
           </a:ln>
         </p:spPr>
         <p:txBody>
-          <a:bodyPr anchorCtr="0" anchor="t" bIns="91425" lIns="91425" spcFirstLastPara="1" rIns="91425" wrap="square" tIns="91425">
+          <a:bodyPr spcFirstLastPara="1" wrap="square" lIns="91425" tIns="91425" rIns="91425" bIns="91425" anchor="t" anchorCtr="0">
             <a:noAutofit/>
           </a:bodyPr>
           <a:lstStyle/>
           <a:p>
-            <a:pPr indent="0" lvl="0" marL="0" rtl="0" algn="l">
+            <a:pPr marL="0" lvl="0" indent="0" algn="l" rtl="0">
               <a:lnSpc>
                 <a:spcPct val="100000"/>
               </a:lnSpc>
@@ -1715,9 +1767,6 @@
               <a:buSzPts val="1100"/>
               <a:buNone/>
             </a:pPr>
-            <a:r>
-              <a:t/>
-            </a:r>
             <a:endParaRPr/>
           </a:p>
         </p:txBody>
@@ -1725,9 +1774,11 @@
       <p:sp>
         <p:nvSpPr>
           <p:cNvPr id="159" name="Google Shape;159;p19:notes"/>
-          <p:cNvSpPr/>
+          <p:cNvSpPr>
+            <a:spLocks noGrp="1" noRot="1" noChangeAspect="1"/>
+          </p:cNvSpPr>
           <p:nvPr>
-            <p:ph idx="2" type="sldImg"/>
+            <p:ph type="sldImg" idx="2"/>
           </p:nvPr>
         </p:nvSpPr>
         <p:spPr>
@@ -1736,9 +1787,13 @@
             <a:ext cx="8128400" cy="2571750"/>
           </a:xfrm>
           <a:custGeom>
-            <a:rect b="b" l="l" r="r" t="t"/>
+            <a:avLst/>
+            <a:gdLst/>
+            <a:ahLst/>
+            <a:cxnLst/>
+            <a:rect l="l" t="t" r="r" b="b"/>
             <a:pathLst>
-              <a:path extrusionOk="0" h="120000" w="120000">
+              <a:path w="120000" h="120000" extrusionOk="0">
                 <a:moveTo>
                   <a:pt x="0" y="0"/>
                 </a:moveTo>
@@ -1756,14 +1811,14 @@
             </a:pathLst>
           </a:custGeom>
           <a:noFill/>
-          <a:ln cap="flat" cmpd="sng" w="9525">
+          <a:ln w="9525" cap="flat" cmpd="sng">
             <a:solidFill>
               <a:srgbClr val="000000"/>
             </a:solidFill>
             <a:prstDash val="solid"/>
             <a:round/>
-            <a:headEnd len="sm" w="sm" type="none"/>
-            <a:tailEnd len="sm" w="sm" type="none"/>
+            <a:headEnd type="none" w="sm" len="sm"/>
+            <a:tailEnd type="none" w="sm" len="sm"/>
           </a:ln>
         </p:spPr>
       </p:sp>
@@ -1776,11 +1831,11 @@
 </file>
 
 <file path=ppt/notesSlides/notesSlide2.xml><?xml version="1.0" encoding="utf-8"?>
-<p:notes xmlns:a="http://schemas.openxmlformats.org/drawingml/2006/main" xmlns:r="http://schemas.openxmlformats.org/officeDocument/2006/relationships" xmlns:mc="http://schemas.openxmlformats.org/markup-compatibility/2006" xmlns:mv="urn:schemas-microsoft-com:mac:vml" xmlns:p="http://schemas.openxmlformats.org/presentationml/2006/main" xmlns:c="http://schemas.openxmlformats.org/drawingml/2006/chart" xmlns:dgm="http://schemas.openxmlformats.org/drawingml/2006/diagram" xmlns:o="urn:schemas-microsoft-com:office:office" xmlns:v="urn:schemas-microsoft-com:vml" xmlns:pvml="urn:schemas-microsoft-com:office:powerpoint" xmlns:com="http://schemas.openxmlformats.org/drawingml/2006/compatibility" xmlns:p14="http://schemas.microsoft.com/office/powerpoint/2010/main" xmlns:p15="http://schemas.microsoft.com/office/powerpoint/2012/main" xmlns:ahyp="http://schemas.microsoft.com/office/drawing/2018/hyperlinkcolor" showMasterPhAnim="0" showMasterSp="0">
+<p:notes xmlns:a="http://schemas.openxmlformats.org/drawingml/2006/main" xmlns:r="http://schemas.openxmlformats.org/officeDocument/2006/relationships" xmlns:p="http://schemas.openxmlformats.org/presentationml/2006/main" showMasterSp="0" showMasterPhAnim="0">
   <p:cSld>
     <p:spTree>
       <p:nvGrpSpPr>
-        <p:cNvPr id="44" name="Shape 44"/>
+        <p:cNvPr id="1" name="Shape 44"/>
         <p:cNvGrpSpPr/>
         <p:nvPr/>
       </p:nvGrpSpPr>
@@ -1795,9 +1850,11 @@
       <p:sp>
         <p:nvSpPr>
           <p:cNvPr id="45" name="Google Shape;45;p2:notes"/>
-          <p:cNvSpPr txBox="1"/>
+          <p:cNvSpPr txBox="1">
+            <a:spLocks noGrp="1"/>
+          </p:cNvSpPr>
           <p:nvPr>
-            <p:ph idx="1" type="body"/>
+            <p:ph type="body" idx="1"/>
           </p:nvPr>
         </p:nvSpPr>
         <p:spPr>
@@ -1814,12 +1871,12 @@
           </a:ln>
         </p:spPr>
         <p:txBody>
-          <a:bodyPr anchorCtr="0" anchor="t" bIns="91425" lIns="91425" spcFirstLastPara="1" rIns="91425" wrap="square" tIns="91425">
+          <a:bodyPr spcFirstLastPara="1" wrap="square" lIns="91425" tIns="91425" rIns="91425" bIns="91425" anchor="t" anchorCtr="0">
             <a:noAutofit/>
           </a:bodyPr>
           <a:lstStyle/>
           <a:p>
-            <a:pPr indent="0" lvl="0" marL="0" rtl="0" algn="l">
+            <a:pPr marL="0" lvl="0" indent="0" algn="l" rtl="0">
               <a:lnSpc>
                 <a:spcPct val="100000"/>
               </a:lnSpc>
@@ -1832,9 +1889,6 @@
               <a:buSzPts val="1100"/>
               <a:buNone/>
             </a:pPr>
-            <a:r>
-              <a:t/>
-            </a:r>
             <a:endParaRPr/>
           </a:p>
         </p:txBody>
@@ -1842,9 +1896,11 @@
       <p:sp>
         <p:nvSpPr>
           <p:cNvPr id="46" name="Google Shape;46;p2:notes"/>
-          <p:cNvSpPr/>
+          <p:cNvSpPr>
+            <a:spLocks noGrp="1" noRot="1" noChangeAspect="1"/>
+          </p:cNvSpPr>
           <p:nvPr>
-            <p:ph idx="2" type="sldImg"/>
+            <p:ph type="sldImg" idx="2"/>
           </p:nvPr>
         </p:nvSpPr>
         <p:spPr>
@@ -1853,9 +1909,13 @@
             <a:ext cx="8128400" cy="2571750"/>
           </a:xfrm>
           <a:custGeom>
-            <a:rect b="b" l="l" r="r" t="t"/>
+            <a:avLst/>
+            <a:gdLst/>
+            <a:ahLst/>
+            <a:cxnLst/>
+            <a:rect l="l" t="t" r="r" b="b"/>
             <a:pathLst>
-              <a:path extrusionOk="0" h="120000" w="120000">
+              <a:path w="120000" h="120000" extrusionOk="0">
                 <a:moveTo>
                   <a:pt x="0" y="0"/>
                 </a:moveTo>
@@ -1873,14 +1933,14 @@
             </a:pathLst>
           </a:custGeom>
           <a:noFill/>
-          <a:ln cap="flat" cmpd="sng" w="9525">
+          <a:ln w="9525" cap="flat" cmpd="sng">
             <a:solidFill>
               <a:srgbClr val="000000"/>
             </a:solidFill>
             <a:prstDash val="solid"/>
             <a:round/>
-            <a:headEnd len="sm" w="sm" type="none"/>
-            <a:tailEnd len="sm" w="sm" type="none"/>
+            <a:headEnd type="none" w="sm" len="sm"/>
+            <a:tailEnd type="none" w="sm" len="sm"/>
           </a:ln>
         </p:spPr>
       </p:sp>
@@ -1893,11 +1953,11 @@
 </file>
 
 <file path=ppt/notesSlides/notesSlide3.xml><?xml version="1.0" encoding="utf-8"?>
-<p:notes xmlns:a="http://schemas.openxmlformats.org/drawingml/2006/main" xmlns:r="http://schemas.openxmlformats.org/officeDocument/2006/relationships" xmlns:mc="http://schemas.openxmlformats.org/markup-compatibility/2006" xmlns:mv="urn:schemas-microsoft-com:mac:vml" xmlns:p="http://schemas.openxmlformats.org/presentationml/2006/main" xmlns:c="http://schemas.openxmlformats.org/drawingml/2006/chart" xmlns:dgm="http://schemas.openxmlformats.org/drawingml/2006/diagram" xmlns:o="urn:schemas-microsoft-com:office:office" xmlns:v="urn:schemas-microsoft-com:vml" xmlns:pvml="urn:schemas-microsoft-com:office:powerpoint" xmlns:com="http://schemas.openxmlformats.org/drawingml/2006/compatibility" xmlns:p14="http://schemas.microsoft.com/office/powerpoint/2010/main" xmlns:p15="http://schemas.microsoft.com/office/powerpoint/2012/main" xmlns:ahyp="http://schemas.microsoft.com/office/drawing/2018/hyperlinkcolor" showMasterPhAnim="0" showMasterSp="0">
+<p:notes xmlns:a="http://schemas.openxmlformats.org/drawingml/2006/main" xmlns:r="http://schemas.openxmlformats.org/officeDocument/2006/relationships" xmlns:p="http://schemas.openxmlformats.org/presentationml/2006/main" showMasterSp="0" showMasterPhAnim="0">
   <p:cSld>
     <p:spTree>
       <p:nvGrpSpPr>
-        <p:cNvPr id="50" name="Shape 50"/>
+        <p:cNvPr id="1" name="Shape 50"/>
         <p:cNvGrpSpPr/>
         <p:nvPr/>
       </p:nvGrpSpPr>
@@ -1912,9 +1972,11 @@
       <p:sp>
         <p:nvSpPr>
           <p:cNvPr id="51" name="Google Shape;51;p3:notes"/>
-          <p:cNvSpPr txBox="1"/>
+          <p:cNvSpPr txBox="1">
+            <a:spLocks noGrp="1"/>
+          </p:cNvSpPr>
           <p:nvPr>
-            <p:ph idx="1" type="body"/>
+            <p:ph type="body" idx="1"/>
           </p:nvPr>
         </p:nvSpPr>
         <p:spPr>
@@ -1931,12 +1993,12 @@
           </a:ln>
         </p:spPr>
         <p:txBody>
-          <a:bodyPr anchorCtr="0" anchor="t" bIns="91425" lIns="91425" spcFirstLastPara="1" rIns="91425" wrap="square" tIns="91425">
+          <a:bodyPr spcFirstLastPara="1" wrap="square" lIns="91425" tIns="91425" rIns="91425" bIns="91425" anchor="t" anchorCtr="0">
             <a:noAutofit/>
           </a:bodyPr>
           <a:lstStyle/>
           <a:p>
-            <a:pPr indent="0" lvl="0" marL="0" rtl="0" algn="l">
+            <a:pPr marL="0" lvl="0" indent="0" algn="l" rtl="0">
               <a:lnSpc>
                 <a:spcPct val="100000"/>
               </a:lnSpc>
@@ -1949,9 +2011,6 @@
               <a:buSzPts val="1100"/>
               <a:buNone/>
             </a:pPr>
-            <a:r>
-              <a:t/>
-            </a:r>
             <a:endParaRPr/>
           </a:p>
         </p:txBody>
@@ -1959,9 +2018,11 @@
       <p:sp>
         <p:nvSpPr>
           <p:cNvPr id="52" name="Google Shape;52;p3:notes"/>
-          <p:cNvSpPr/>
+          <p:cNvSpPr>
+            <a:spLocks noGrp="1" noRot="1" noChangeAspect="1"/>
+          </p:cNvSpPr>
           <p:nvPr>
-            <p:ph idx="2" type="sldImg"/>
+            <p:ph type="sldImg" idx="2"/>
           </p:nvPr>
         </p:nvSpPr>
         <p:spPr>
@@ -1970,9 +2031,13 @@
             <a:ext cx="8128400" cy="2571750"/>
           </a:xfrm>
           <a:custGeom>
-            <a:rect b="b" l="l" r="r" t="t"/>
+            <a:avLst/>
+            <a:gdLst/>
+            <a:ahLst/>
+            <a:cxnLst/>
+            <a:rect l="l" t="t" r="r" b="b"/>
             <a:pathLst>
-              <a:path extrusionOk="0" h="120000" w="120000">
+              <a:path w="120000" h="120000" extrusionOk="0">
                 <a:moveTo>
                   <a:pt x="0" y="0"/>
                 </a:moveTo>
@@ -1990,14 +2055,14 @@
             </a:pathLst>
           </a:custGeom>
           <a:noFill/>
-          <a:ln cap="flat" cmpd="sng" w="9525">
+          <a:ln w="9525" cap="flat" cmpd="sng">
             <a:solidFill>
               <a:srgbClr val="000000"/>
             </a:solidFill>
             <a:prstDash val="solid"/>
             <a:round/>
-            <a:headEnd len="sm" w="sm" type="none"/>
-            <a:tailEnd len="sm" w="sm" type="none"/>
+            <a:headEnd type="none" w="sm" len="sm"/>
+            <a:tailEnd type="none" w="sm" len="sm"/>
           </a:ln>
         </p:spPr>
       </p:sp>
@@ -2010,11 +2075,11 @@
 </file>
 
 <file path=ppt/notesSlides/notesSlide4.xml><?xml version="1.0" encoding="utf-8"?>
-<p:notes xmlns:a="http://schemas.openxmlformats.org/drawingml/2006/main" xmlns:r="http://schemas.openxmlformats.org/officeDocument/2006/relationships" xmlns:mc="http://schemas.openxmlformats.org/markup-compatibility/2006" xmlns:mv="urn:schemas-microsoft-com:mac:vml" xmlns:p="http://schemas.openxmlformats.org/presentationml/2006/main" xmlns:c="http://schemas.openxmlformats.org/drawingml/2006/chart" xmlns:dgm="http://schemas.openxmlformats.org/drawingml/2006/diagram" xmlns:o="urn:schemas-microsoft-com:office:office" xmlns:v="urn:schemas-microsoft-com:vml" xmlns:pvml="urn:schemas-microsoft-com:office:powerpoint" xmlns:com="http://schemas.openxmlformats.org/drawingml/2006/compatibility" xmlns:p14="http://schemas.microsoft.com/office/powerpoint/2010/main" xmlns:p15="http://schemas.microsoft.com/office/powerpoint/2012/main" xmlns:ahyp="http://schemas.microsoft.com/office/drawing/2018/hyperlinkcolor" showMasterPhAnim="0" showMasterSp="0">
+<p:notes xmlns:a="http://schemas.openxmlformats.org/drawingml/2006/main" xmlns:r="http://schemas.openxmlformats.org/officeDocument/2006/relationships" xmlns:p="http://schemas.openxmlformats.org/presentationml/2006/main" showMasterSp="0" showMasterPhAnim="0">
   <p:cSld>
     <p:spTree>
       <p:nvGrpSpPr>
-        <p:cNvPr id="56" name="Shape 56"/>
+        <p:cNvPr id="1" name="Shape 56"/>
         <p:cNvGrpSpPr/>
         <p:nvPr/>
       </p:nvGrpSpPr>
@@ -2029,9 +2094,11 @@
       <p:sp>
         <p:nvSpPr>
           <p:cNvPr id="57" name="Google Shape;57;p10:notes"/>
-          <p:cNvSpPr txBox="1"/>
+          <p:cNvSpPr txBox="1">
+            <a:spLocks noGrp="1"/>
+          </p:cNvSpPr>
           <p:nvPr>
-            <p:ph idx="1" type="body"/>
+            <p:ph type="body" idx="1"/>
           </p:nvPr>
         </p:nvSpPr>
         <p:spPr>
@@ -2048,12 +2115,12 @@
           </a:ln>
         </p:spPr>
         <p:txBody>
-          <a:bodyPr anchorCtr="0" anchor="t" bIns="91425" lIns="91425" spcFirstLastPara="1" rIns="91425" wrap="square" tIns="91425">
+          <a:bodyPr spcFirstLastPara="1" wrap="square" lIns="91425" tIns="91425" rIns="91425" bIns="91425" anchor="t" anchorCtr="0">
             <a:noAutofit/>
           </a:bodyPr>
           <a:lstStyle/>
           <a:p>
-            <a:pPr indent="0" lvl="0" marL="0" rtl="0" algn="l">
+            <a:pPr marL="0" lvl="0" indent="0" algn="l" rtl="0">
               <a:lnSpc>
                 <a:spcPct val="100000"/>
               </a:lnSpc>
@@ -2066,9 +2133,6 @@
               <a:buSzPts val="1100"/>
               <a:buNone/>
             </a:pPr>
-            <a:r>
-              <a:t/>
-            </a:r>
             <a:endParaRPr/>
           </a:p>
         </p:txBody>
@@ -2076,9 +2140,11 @@
       <p:sp>
         <p:nvSpPr>
           <p:cNvPr id="58" name="Google Shape;58;p10:notes"/>
-          <p:cNvSpPr/>
+          <p:cNvSpPr>
+            <a:spLocks noGrp="1" noRot="1" noChangeAspect="1"/>
+          </p:cNvSpPr>
           <p:nvPr>
-            <p:ph idx="2" type="sldImg"/>
+            <p:ph type="sldImg" idx="2"/>
           </p:nvPr>
         </p:nvSpPr>
         <p:spPr>
@@ -2087,9 +2153,13 @@
             <a:ext cx="8128400" cy="2571750"/>
           </a:xfrm>
           <a:custGeom>
-            <a:rect b="b" l="l" r="r" t="t"/>
+            <a:avLst/>
+            <a:gdLst/>
+            <a:ahLst/>
+            <a:cxnLst/>
+            <a:rect l="l" t="t" r="r" b="b"/>
             <a:pathLst>
-              <a:path extrusionOk="0" h="120000" w="120000">
+              <a:path w="120000" h="120000" extrusionOk="0">
                 <a:moveTo>
                   <a:pt x="0" y="0"/>
                 </a:moveTo>
@@ -2107,14 +2177,14 @@
             </a:pathLst>
           </a:custGeom>
           <a:noFill/>
-          <a:ln cap="flat" cmpd="sng" w="9525">
+          <a:ln w="9525" cap="flat" cmpd="sng">
             <a:solidFill>
               <a:srgbClr val="000000"/>
             </a:solidFill>
             <a:prstDash val="solid"/>
             <a:round/>
-            <a:headEnd len="sm" w="sm" type="none"/>
-            <a:tailEnd len="sm" w="sm" type="none"/>
+            <a:headEnd type="none" w="sm" len="sm"/>
+            <a:tailEnd type="none" w="sm" len="sm"/>
           </a:ln>
         </p:spPr>
       </p:sp>
@@ -2127,11 +2197,11 @@
 </file>
 
 <file path=ppt/notesSlides/notesSlide5.xml><?xml version="1.0" encoding="utf-8"?>
-<p:notes xmlns:a="http://schemas.openxmlformats.org/drawingml/2006/main" xmlns:r="http://schemas.openxmlformats.org/officeDocument/2006/relationships" xmlns:mc="http://schemas.openxmlformats.org/markup-compatibility/2006" xmlns:mv="urn:schemas-microsoft-com:mac:vml" xmlns:p="http://schemas.openxmlformats.org/presentationml/2006/main" xmlns:c="http://schemas.openxmlformats.org/drawingml/2006/chart" xmlns:dgm="http://schemas.openxmlformats.org/drawingml/2006/diagram" xmlns:o="urn:schemas-microsoft-com:office:office" xmlns:v="urn:schemas-microsoft-com:vml" xmlns:pvml="urn:schemas-microsoft-com:office:powerpoint" xmlns:com="http://schemas.openxmlformats.org/drawingml/2006/compatibility" xmlns:p14="http://schemas.microsoft.com/office/powerpoint/2010/main" xmlns:p15="http://schemas.microsoft.com/office/powerpoint/2012/main" xmlns:ahyp="http://schemas.microsoft.com/office/drawing/2018/hyperlinkcolor" showMasterPhAnim="0" showMasterSp="0">
+<p:notes xmlns:a="http://schemas.openxmlformats.org/drawingml/2006/main" xmlns:r="http://schemas.openxmlformats.org/officeDocument/2006/relationships" xmlns:p="http://schemas.openxmlformats.org/presentationml/2006/main" showMasterSp="0" showMasterPhAnim="0">
   <p:cSld>
     <p:spTree>
       <p:nvGrpSpPr>
-        <p:cNvPr id="62" name="Shape 62"/>
+        <p:cNvPr id="1" name="Shape 62"/>
         <p:cNvGrpSpPr/>
         <p:nvPr/>
       </p:nvGrpSpPr>
@@ -2146,9 +2216,11 @@
       <p:sp>
         <p:nvSpPr>
           <p:cNvPr id="63" name="Google Shape;63;g1607bf38590_0_25:notes"/>
-          <p:cNvSpPr/>
+          <p:cNvSpPr>
+            <a:spLocks noGrp="1" noRot="1" noChangeAspect="1"/>
+          </p:cNvSpPr>
           <p:nvPr>
-            <p:ph idx="2" type="sldImg"/>
+            <p:ph type="sldImg" idx="2"/>
           </p:nvPr>
         </p:nvSpPr>
         <p:spPr>
@@ -2157,9 +2229,13 @@
             <a:ext cx="8128500" cy="2571900"/>
           </a:xfrm>
           <a:custGeom>
-            <a:rect b="b" l="l" r="r" t="t"/>
+            <a:avLst/>
+            <a:gdLst/>
+            <a:ahLst/>
+            <a:cxnLst/>
+            <a:rect l="l" t="t" r="r" b="b"/>
             <a:pathLst>
-              <a:path extrusionOk="0" h="120000" w="120000">
+              <a:path w="120000" h="120000" extrusionOk="0">
                 <a:moveTo>
                   <a:pt x="0" y="0"/>
                 </a:moveTo>
@@ -2177,23 +2253,25 @@
             </a:pathLst>
           </a:custGeom>
           <a:noFill/>
-          <a:ln cap="flat" cmpd="sng" w="9525">
+          <a:ln w="9525" cap="flat" cmpd="sng">
             <a:solidFill>
               <a:srgbClr val="000000"/>
             </a:solidFill>
             <a:prstDash val="solid"/>
             <a:round/>
-            <a:headEnd len="sm" w="sm" type="none"/>
-            <a:tailEnd len="sm" w="sm" type="none"/>
+            <a:headEnd type="none" w="sm" len="sm"/>
+            <a:tailEnd type="none" w="sm" len="sm"/>
           </a:ln>
         </p:spPr>
       </p:sp>
       <p:sp>
         <p:nvSpPr>
           <p:cNvPr id="64" name="Google Shape;64;g1607bf38590_0_25:notes"/>
-          <p:cNvSpPr txBox="1"/>
+          <p:cNvSpPr txBox="1">
+            <a:spLocks noGrp="1"/>
+          </p:cNvSpPr>
           <p:nvPr>
-            <p:ph idx="1" type="body"/>
+            <p:ph type="body" idx="1"/>
           </p:nvPr>
         </p:nvSpPr>
         <p:spPr>
@@ -2210,12 +2288,12 @@
           </a:ln>
         </p:spPr>
         <p:txBody>
-          <a:bodyPr anchorCtr="0" anchor="t" bIns="91425" lIns="91425" spcFirstLastPara="1" rIns="91425" wrap="square" tIns="91425">
+          <a:bodyPr spcFirstLastPara="1" wrap="square" lIns="91425" tIns="91425" rIns="91425" bIns="91425" anchor="t" anchorCtr="0">
             <a:noAutofit/>
           </a:bodyPr>
           <a:lstStyle/>
           <a:p>
-            <a:pPr indent="0" lvl="0" marL="0" rtl="0" algn="l">
+            <a:pPr marL="0" lvl="0" indent="0" algn="l" rtl="0">
               <a:lnSpc>
                 <a:spcPct val="100000"/>
               </a:lnSpc>
@@ -2228,9 +2306,6 @@
               <a:buSzPts val="1100"/>
               <a:buNone/>
             </a:pPr>
-            <a:r>
-              <a:t/>
-            </a:r>
             <a:endParaRPr/>
           </a:p>
         </p:txBody>
@@ -2244,11 +2319,11 @@
 </file>
 
 <file path=ppt/notesSlides/notesSlide6.xml><?xml version="1.0" encoding="utf-8"?>
-<p:notes xmlns:a="http://schemas.openxmlformats.org/drawingml/2006/main" xmlns:r="http://schemas.openxmlformats.org/officeDocument/2006/relationships" xmlns:mc="http://schemas.openxmlformats.org/markup-compatibility/2006" xmlns:mv="urn:schemas-microsoft-com:mac:vml" xmlns:p="http://schemas.openxmlformats.org/presentationml/2006/main" xmlns:c="http://schemas.openxmlformats.org/drawingml/2006/chart" xmlns:dgm="http://schemas.openxmlformats.org/drawingml/2006/diagram" xmlns:o="urn:schemas-microsoft-com:office:office" xmlns:v="urn:schemas-microsoft-com:vml" xmlns:pvml="urn:schemas-microsoft-com:office:powerpoint" xmlns:com="http://schemas.openxmlformats.org/drawingml/2006/compatibility" xmlns:p14="http://schemas.microsoft.com/office/powerpoint/2010/main" xmlns:p15="http://schemas.microsoft.com/office/powerpoint/2012/main" xmlns:ahyp="http://schemas.microsoft.com/office/drawing/2018/hyperlinkcolor" showMasterPhAnim="0" showMasterSp="0">
+<p:notes xmlns:a="http://schemas.openxmlformats.org/drawingml/2006/main" xmlns:r="http://schemas.openxmlformats.org/officeDocument/2006/relationships" xmlns:p="http://schemas.openxmlformats.org/presentationml/2006/main" showMasterSp="0" showMasterPhAnim="0">
   <p:cSld>
     <p:spTree>
       <p:nvGrpSpPr>
-        <p:cNvPr id="69" name="Shape 69"/>
+        <p:cNvPr id="1" name="Shape 69"/>
         <p:cNvGrpSpPr/>
         <p:nvPr/>
       </p:nvGrpSpPr>
@@ -2263,9 +2338,11 @@
       <p:sp>
         <p:nvSpPr>
           <p:cNvPr id="70" name="Google Shape;70;p11:notes"/>
-          <p:cNvSpPr txBox="1"/>
+          <p:cNvSpPr txBox="1">
+            <a:spLocks noGrp="1"/>
+          </p:cNvSpPr>
           <p:nvPr>
-            <p:ph idx="1" type="body"/>
+            <p:ph type="body" idx="1"/>
           </p:nvPr>
         </p:nvSpPr>
         <p:spPr>
@@ -2282,12 +2359,12 @@
           </a:ln>
         </p:spPr>
         <p:txBody>
-          <a:bodyPr anchorCtr="0" anchor="t" bIns="91425" lIns="91425" spcFirstLastPara="1" rIns="91425" wrap="square" tIns="91425">
+          <a:bodyPr spcFirstLastPara="1" wrap="square" lIns="91425" tIns="91425" rIns="91425" bIns="91425" anchor="t" anchorCtr="0">
             <a:noAutofit/>
           </a:bodyPr>
           <a:lstStyle/>
           <a:p>
-            <a:pPr indent="0" lvl="0" marL="0" rtl="0" algn="l">
+            <a:pPr marL="0" lvl="0" indent="0" algn="l" rtl="0">
               <a:lnSpc>
                 <a:spcPct val="100000"/>
               </a:lnSpc>
@@ -2300,9 +2377,6 @@
               <a:buSzPts val="1100"/>
               <a:buNone/>
             </a:pPr>
-            <a:r>
-              <a:t/>
-            </a:r>
             <a:endParaRPr/>
           </a:p>
         </p:txBody>
@@ -2310,9 +2384,11 @@
       <p:sp>
         <p:nvSpPr>
           <p:cNvPr id="71" name="Google Shape;71;p11:notes"/>
-          <p:cNvSpPr/>
+          <p:cNvSpPr>
+            <a:spLocks noGrp="1" noRot="1" noChangeAspect="1"/>
+          </p:cNvSpPr>
           <p:nvPr>
-            <p:ph idx="2" type="sldImg"/>
+            <p:ph type="sldImg" idx="2"/>
           </p:nvPr>
         </p:nvSpPr>
         <p:spPr>
@@ -2321,9 +2397,13 @@
             <a:ext cx="8128400" cy="2571750"/>
           </a:xfrm>
           <a:custGeom>
-            <a:rect b="b" l="l" r="r" t="t"/>
+            <a:avLst/>
+            <a:gdLst/>
+            <a:ahLst/>
+            <a:cxnLst/>
+            <a:rect l="l" t="t" r="r" b="b"/>
             <a:pathLst>
-              <a:path extrusionOk="0" h="120000" w="120000">
+              <a:path w="120000" h="120000" extrusionOk="0">
                 <a:moveTo>
                   <a:pt x="0" y="0"/>
                 </a:moveTo>
@@ -2341,14 +2421,14 @@
             </a:pathLst>
           </a:custGeom>
           <a:noFill/>
-          <a:ln cap="flat" cmpd="sng" w="9525">
+          <a:ln w="9525" cap="flat" cmpd="sng">
             <a:solidFill>
               <a:srgbClr val="000000"/>
             </a:solidFill>
             <a:prstDash val="solid"/>
             <a:round/>
-            <a:headEnd len="sm" w="sm" type="none"/>
-            <a:tailEnd len="sm" w="sm" type="none"/>
+            <a:headEnd type="none" w="sm" len="sm"/>
+            <a:tailEnd type="none" w="sm" len="sm"/>
           </a:ln>
         </p:spPr>
       </p:sp>
@@ -2361,11 +2441,11 @@
 </file>
 
 <file path=ppt/notesSlides/notesSlide7.xml><?xml version="1.0" encoding="utf-8"?>
-<p:notes xmlns:a="http://schemas.openxmlformats.org/drawingml/2006/main" xmlns:r="http://schemas.openxmlformats.org/officeDocument/2006/relationships" xmlns:mc="http://schemas.openxmlformats.org/markup-compatibility/2006" xmlns:mv="urn:schemas-microsoft-com:mac:vml" xmlns:p="http://schemas.openxmlformats.org/presentationml/2006/main" xmlns:c="http://schemas.openxmlformats.org/drawingml/2006/chart" xmlns:dgm="http://schemas.openxmlformats.org/drawingml/2006/diagram" xmlns:o="urn:schemas-microsoft-com:office:office" xmlns:v="urn:schemas-microsoft-com:vml" xmlns:pvml="urn:schemas-microsoft-com:office:powerpoint" xmlns:com="http://schemas.openxmlformats.org/drawingml/2006/compatibility" xmlns:p14="http://schemas.microsoft.com/office/powerpoint/2010/main" xmlns:p15="http://schemas.microsoft.com/office/powerpoint/2012/main" xmlns:ahyp="http://schemas.microsoft.com/office/drawing/2018/hyperlinkcolor" showMasterPhAnim="0" showMasterSp="0">
+<p:notes xmlns:a="http://schemas.openxmlformats.org/drawingml/2006/main" xmlns:r="http://schemas.openxmlformats.org/officeDocument/2006/relationships" xmlns:p="http://schemas.openxmlformats.org/presentationml/2006/main" showMasterSp="0" showMasterPhAnim="0">
   <p:cSld>
     <p:spTree>
       <p:nvGrpSpPr>
-        <p:cNvPr id="75" name="Shape 75"/>
+        <p:cNvPr id="1" name="Shape 75"/>
         <p:cNvGrpSpPr/>
         <p:nvPr/>
       </p:nvGrpSpPr>
@@ -2380,9 +2460,11 @@
       <p:sp>
         <p:nvSpPr>
           <p:cNvPr id="76" name="Google Shape;76;p12:notes"/>
-          <p:cNvSpPr txBox="1"/>
+          <p:cNvSpPr txBox="1">
+            <a:spLocks noGrp="1"/>
+          </p:cNvSpPr>
           <p:nvPr>
-            <p:ph idx="1" type="body"/>
+            <p:ph type="body" idx="1"/>
           </p:nvPr>
         </p:nvSpPr>
         <p:spPr>
@@ -2399,12 +2481,12 @@
           </a:ln>
         </p:spPr>
         <p:txBody>
-          <a:bodyPr anchorCtr="0" anchor="t" bIns="91425" lIns="91425" spcFirstLastPara="1" rIns="91425" wrap="square" tIns="91425">
+          <a:bodyPr spcFirstLastPara="1" wrap="square" lIns="91425" tIns="91425" rIns="91425" bIns="91425" anchor="t" anchorCtr="0">
             <a:noAutofit/>
           </a:bodyPr>
           <a:lstStyle/>
           <a:p>
-            <a:pPr indent="0" lvl="0" marL="0" rtl="0" algn="l">
+            <a:pPr marL="0" lvl="0" indent="0" algn="l" rtl="0">
               <a:lnSpc>
                 <a:spcPct val="100000"/>
               </a:lnSpc>
@@ -2417,9 +2499,6 @@
               <a:buSzPts val="1100"/>
               <a:buNone/>
             </a:pPr>
-            <a:r>
-              <a:t/>
-            </a:r>
             <a:endParaRPr/>
           </a:p>
         </p:txBody>
@@ -2427,9 +2506,11 @@
       <p:sp>
         <p:nvSpPr>
           <p:cNvPr id="77" name="Google Shape;77;p12:notes"/>
-          <p:cNvSpPr/>
+          <p:cNvSpPr>
+            <a:spLocks noGrp="1" noRot="1" noChangeAspect="1"/>
+          </p:cNvSpPr>
           <p:nvPr>
-            <p:ph idx="2" type="sldImg"/>
+            <p:ph type="sldImg" idx="2"/>
           </p:nvPr>
         </p:nvSpPr>
         <p:spPr>
@@ -2438,9 +2519,13 @@
             <a:ext cx="8128400" cy="2571750"/>
           </a:xfrm>
           <a:custGeom>
-            <a:rect b="b" l="l" r="r" t="t"/>
+            <a:avLst/>
+            <a:gdLst/>
+            <a:ahLst/>
+            <a:cxnLst/>
+            <a:rect l="l" t="t" r="r" b="b"/>
             <a:pathLst>
-              <a:path extrusionOk="0" h="120000" w="120000">
+              <a:path w="120000" h="120000" extrusionOk="0">
                 <a:moveTo>
                   <a:pt x="0" y="0"/>
                 </a:moveTo>
@@ -2458,14 +2543,14 @@
             </a:pathLst>
           </a:custGeom>
           <a:noFill/>
-          <a:ln cap="flat" cmpd="sng" w="9525">
+          <a:ln w="9525" cap="flat" cmpd="sng">
             <a:solidFill>
               <a:srgbClr val="000000"/>
             </a:solidFill>
             <a:prstDash val="solid"/>
             <a:round/>
-            <a:headEnd len="sm" w="sm" type="none"/>
-            <a:tailEnd len="sm" w="sm" type="none"/>
+            <a:headEnd type="none" w="sm" len="sm"/>
+            <a:tailEnd type="none" w="sm" len="sm"/>
           </a:ln>
         </p:spPr>
       </p:sp>
@@ -2478,11 +2563,11 @@
 </file>
 
 <file path=ppt/notesSlides/notesSlide8.xml><?xml version="1.0" encoding="utf-8"?>
-<p:notes xmlns:a="http://schemas.openxmlformats.org/drawingml/2006/main" xmlns:r="http://schemas.openxmlformats.org/officeDocument/2006/relationships" xmlns:mc="http://schemas.openxmlformats.org/markup-compatibility/2006" xmlns:mv="urn:schemas-microsoft-com:mac:vml" xmlns:p="http://schemas.openxmlformats.org/presentationml/2006/main" xmlns:c="http://schemas.openxmlformats.org/drawingml/2006/chart" xmlns:dgm="http://schemas.openxmlformats.org/drawingml/2006/diagram" xmlns:o="urn:schemas-microsoft-com:office:office" xmlns:v="urn:schemas-microsoft-com:vml" xmlns:pvml="urn:schemas-microsoft-com:office:powerpoint" xmlns:com="http://schemas.openxmlformats.org/drawingml/2006/compatibility" xmlns:p14="http://schemas.microsoft.com/office/powerpoint/2010/main" xmlns:p15="http://schemas.microsoft.com/office/powerpoint/2012/main" xmlns:ahyp="http://schemas.microsoft.com/office/drawing/2018/hyperlinkcolor" showMasterPhAnim="0" showMasterSp="0">
+<p:notes xmlns:a="http://schemas.openxmlformats.org/drawingml/2006/main" xmlns:r="http://schemas.openxmlformats.org/officeDocument/2006/relationships" xmlns:p="http://schemas.openxmlformats.org/presentationml/2006/main" showMasterSp="0" showMasterPhAnim="0">
   <p:cSld>
     <p:spTree>
       <p:nvGrpSpPr>
-        <p:cNvPr id="82" name="Shape 82"/>
+        <p:cNvPr id="1" name="Shape 82"/>
         <p:cNvGrpSpPr/>
         <p:nvPr/>
       </p:nvGrpSpPr>
@@ -2497,9 +2582,11 @@
       <p:sp>
         <p:nvSpPr>
           <p:cNvPr id="83" name="Google Shape;83;g29018e25af8_0_1:notes"/>
-          <p:cNvSpPr txBox="1"/>
+          <p:cNvSpPr txBox="1">
+            <a:spLocks noGrp="1"/>
+          </p:cNvSpPr>
           <p:nvPr>
-            <p:ph idx="1" type="body"/>
+            <p:ph type="body" idx="1"/>
           </p:nvPr>
         </p:nvSpPr>
         <p:spPr>
@@ -2516,12 +2603,12 @@
           </a:ln>
         </p:spPr>
         <p:txBody>
-          <a:bodyPr anchorCtr="0" anchor="t" bIns="91425" lIns="91425" spcFirstLastPara="1" rIns="91425" wrap="square" tIns="91425">
+          <a:bodyPr spcFirstLastPara="1" wrap="square" lIns="91425" tIns="91425" rIns="91425" bIns="91425" anchor="t" anchorCtr="0">
             <a:noAutofit/>
           </a:bodyPr>
           <a:lstStyle/>
           <a:p>
-            <a:pPr indent="0" lvl="0" marL="0" rtl="0" algn="l">
+            <a:pPr marL="0" lvl="0" indent="0" algn="l" rtl="0">
               <a:lnSpc>
                 <a:spcPct val="100000"/>
               </a:lnSpc>
@@ -2534,9 +2621,6 @@
               <a:buSzPts val="1100"/>
               <a:buNone/>
             </a:pPr>
-            <a:r>
-              <a:t/>
-            </a:r>
             <a:endParaRPr/>
           </a:p>
         </p:txBody>
@@ -2544,9 +2628,11 @@
       <p:sp>
         <p:nvSpPr>
           <p:cNvPr id="84" name="Google Shape;84;g29018e25af8_0_1:notes"/>
-          <p:cNvSpPr/>
+          <p:cNvSpPr>
+            <a:spLocks noGrp="1" noRot="1" noChangeAspect="1"/>
+          </p:cNvSpPr>
           <p:nvPr>
-            <p:ph idx="2" type="sldImg"/>
+            <p:ph type="sldImg" idx="2"/>
           </p:nvPr>
         </p:nvSpPr>
         <p:spPr>
@@ -2555,9 +2641,13 @@
             <a:ext cx="8128500" cy="2571900"/>
           </a:xfrm>
           <a:custGeom>
-            <a:rect b="b" l="l" r="r" t="t"/>
+            <a:avLst/>
+            <a:gdLst/>
+            <a:ahLst/>
+            <a:cxnLst/>
+            <a:rect l="l" t="t" r="r" b="b"/>
             <a:pathLst>
-              <a:path extrusionOk="0" h="120000" w="120000">
+              <a:path w="120000" h="120000" extrusionOk="0">
                 <a:moveTo>
                   <a:pt x="0" y="0"/>
                 </a:moveTo>
@@ -2575,14 +2665,14 @@
             </a:pathLst>
           </a:custGeom>
           <a:noFill/>
-          <a:ln cap="flat" cmpd="sng" w="9525">
+          <a:ln w="9525" cap="flat" cmpd="sng">
             <a:solidFill>
               <a:srgbClr val="000000"/>
             </a:solidFill>
             <a:prstDash val="solid"/>
             <a:round/>
-            <a:headEnd len="sm" w="sm" type="none"/>
-            <a:tailEnd len="sm" w="sm" type="none"/>
+            <a:headEnd type="none" w="sm" len="sm"/>
+            <a:tailEnd type="none" w="sm" len="sm"/>
           </a:ln>
         </p:spPr>
       </p:sp>
@@ -2595,11 +2685,11 @@
 </file>
 
 <file path=ppt/notesSlides/notesSlide9.xml><?xml version="1.0" encoding="utf-8"?>
-<p:notes xmlns:a="http://schemas.openxmlformats.org/drawingml/2006/main" xmlns:r="http://schemas.openxmlformats.org/officeDocument/2006/relationships" xmlns:mc="http://schemas.openxmlformats.org/markup-compatibility/2006" xmlns:mv="urn:schemas-microsoft-com:mac:vml" xmlns:p="http://schemas.openxmlformats.org/presentationml/2006/main" xmlns:c="http://schemas.openxmlformats.org/drawingml/2006/chart" xmlns:dgm="http://schemas.openxmlformats.org/drawingml/2006/diagram" xmlns:o="urn:schemas-microsoft-com:office:office" xmlns:v="urn:schemas-microsoft-com:vml" xmlns:pvml="urn:schemas-microsoft-com:office:powerpoint" xmlns:com="http://schemas.openxmlformats.org/drawingml/2006/compatibility" xmlns:p14="http://schemas.microsoft.com/office/powerpoint/2010/main" xmlns:p15="http://schemas.microsoft.com/office/powerpoint/2012/main" xmlns:ahyp="http://schemas.microsoft.com/office/drawing/2018/hyperlinkcolor" showMasterPhAnim="0" showMasterSp="0">
+<p:notes xmlns:a="http://schemas.openxmlformats.org/drawingml/2006/main" xmlns:r="http://schemas.openxmlformats.org/officeDocument/2006/relationships" xmlns:p="http://schemas.openxmlformats.org/presentationml/2006/main" showMasterSp="0" showMasterPhAnim="0">
   <p:cSld>
     <p:spTree>
       <p:nvGrpSpPr>
-        <p:cNvPr id="90" name="Shape 90"/>
+        <p:cNvPr id="1" name="Shape 90"/>
         <p:cNvGrpSpPr/>
         <p:nvPr/>
       </p:nvGrpSpPr>
@@ -2614,9 +2704,11 @@
       <p:sp>
         <p:nvSpPr>
           <p:cNvPr id="91" name="Google Shape;91;g1607bf38590_0_38:notes"/>
-          <p:cNvSpPr txBox="1"/>
+          <p:cNvSpPr txBox="1">
+            <a:spLocks noGrp="1"/>
+          </p:cNvSpPr>
           <p:nvPr>
-            <p:ph idx="1" type="body"/>
+            <p:ph type="body" idx="1"/>
           </p:nvPr>
         </p:nvSpPr>
         <p:spPr>
@@ -2633,12 +2725,12 @@
           </a:ln>
         </p:spPr>
         <p:txBody>
-          <a:bodyPr anchorCtr="0" anchor="t" bIns="91425" lIns="91425" spcFirstLastPara="1" rIns="91425" wrap="square" tIns="91425">
+          <a:bodyPr spcFirstLastPara="1" wrap="square" lIns="91425" tIns="91425" rIns="91425" bIns="91425" anchor="t" anchorCtr="0">
             <a:noAutofit/>
           </a:bodyPr>
           <a:lstStyle/>
           <a:p>
-            <a:pPr indent="0" lvl="0" marL="0" rtl="0" algn="l">
+            <a:pPr marL="0" lvl="0" indent="0" algn="l" rtl="0">
               <a:lnSpc>
                 <a:spcPct val="100000"/>
               </a:lnSpc>
@@ -2651,9 +2743,6 @@
               <a:buSzPts val="1100"/>
               <a:buNone/>
             </a:pPr>
-            <a:r>
-              <a:t/>
-            </a:r>
             <a:endParaRPr/>
           </a:p>
         </p:txBody>
@@ -2661,9 +2750,11 @@
       <p:sp>
         <p:nvSpPr>
           <p:cNvPr id="92" name="Google Shape;92;g1607bf38590_0_38:notes"/>
-          <p:cNvSpPr/>
+          <p:cNvSpPr>
+            <a:spLocks noGrp="1" noRot="1" noChangeAspect="1"/>
+          </p:cNvSpPr>
           <p:nvPr>
-            <p:ph idx="2" type="sldImg"/>
+            <p:ph type="sldImg" idx="2"/>
           </p:nvPr>
         </p:nvSpPr>
         <p:spPr>
@@ -2672,9 +2763,13 @@
             <a:ext cx="8128500" cy="2571900"/>
           </a:xfrm>
           <a:custGeom>
-            <a:rect b="b" l="l" r="r" t="t"/>
+            <a:avLst/>
+            <a:gdLst/>
+            <a:ahLst/>
+            <a:cxnLst/>
+            <a:rect l="l" t="t" r="r" b="b"/>
             <a:pathLst>
-              <a:path extrusionOk="0" h="120000" w="120000">
+              <a:path w="120000" h="120000" extrusionOk="0">
                 <a:moveTo>
                   <a:pt x="0" y="0"/>
                 </a:moveTo>
@@ -2692,14 +2787,14 @@
             </a:pathLst>
           </a:custGeom>
           <a:noFill/>
-          <a:ln cap="flat" cmpd="sng" w="9525">
+          <a:ln w="9525" cap="flat" cmpd="sng">
             <a:solidFill>
               <a:srgbClr val="000000"/>
             </a:solidFill>
             <a:prstDash val="solid"/>
             <a:round/>
-            <a:headEnd len="sm" w="sm" type="none"/>
-            <a:tailEnd len="sm" w="sm" type="none"/>
+            <a:headEnd type="none" w="sm" len="sm"/>
+            <a:tailEnd type="none" w="sm" len="sm"/>
           </a:ln>
         </p:spPr>
       </p:sp>
@@ -2712,11 +2807,11 @@
 </file>
 
 <file path=ppt/slideLayouts/slideLayout1.xml><?xml version="1.0" encoding="utf-8"?>
-<p:sldLayout xmlns:a="http://schemas.openxmlformats.org/drawingml/2006/main" xmlns:r="http://schemas.openxmlformats.org/officeDocument/2006/relationships" xmlns:mc="http://schemas.openxmlformats.org/markup-compatibility/2006" xmlns:mv="urn:schemas-microsoft-com:mac:vml" xmlns:p="http://schemas.openxmlformats.org/presentationml/2006/main" xmlns:c="http://schemas.openxmlformats.org/drawingml/2006/chart" xmlns:dgm="http://schemas.openxmlformats.org/drawingml/2006/diagram" xmlns:o="urn:schemas-microsoft-com:office:office" xmlns:v="urn:schemas-microsoft-com:vml" xmlns:pvml="urn:schemas-microsoft-com:office:powerpoint" xmlns:com="http://schemas.openxmlformats.org/drawingml/2006/compatibility" xmlns:p14="http://schemas.microsoft.com/office/powerpoint/2010/main" xmlns:p15="http://schemas.microsoft.com/office/powerpoint/2012/main" xmlns:ahyp="http://schemas.microsoft.com/office/drawing/2018/hyperlinkcolor" matchingName="Title Only" type="obj">
+<p:sldLayout xmlns:a="http://schemas.openxmlformats.org/drawingml/2006/main" xmlns:r="http://schemas.openxmlformats.org/officeDocument/2006/relationships" xmlns:p="http://schemas.openxmlformats.org/presentationml/2006/main" matchingName="Title Only" type="obj">
   <p:cSld name="OBJECT">
     <p:spTree>
       <p:nvGrpSpPr>
-        <p:cNvPr id="11" name="Shape 11"/>
+        <p:cNvPr id="1" name="Shape 11"/>
         <p:cNvGrpSpPr/>
         <p:nvPr/>
       </p:nvGrpSpPr>
@@ -2731,7 +2826,9 @@
       <p:sp>
         <p:nvSpPr>
           <p:cNvPr id="12" name="Google Shape;12;p21"/>
-          <p:cNvSpPr txBox="1"/>
+          <p:cNvSpPr txBox="1">
+            <a:spLocks noGrp="1"/>
+          </p:cNvSpPr>
           <p:nvPr>
             <p:ph type="title"/>
           </p:nvPr>
@@ -2750,7 +2847,7 @@
           </a:ln>
         </p:spPr>
         <p:txBody>
-          <a:bodyPr anchorCtr="0" anchor="t" bIns="0" lIns="0" spcFirstLastPara="1" rIns="0" wrap="square" tIns="0">
+          <a:bodyPr spcFirstLastPara="1" wrap="square" lIns="0" tIns="0" rIns="0" bIns="0" anchor="t" anchorCtr="0">
             <a:spAutoFit/>
           </a:bodyPr>
           <a:lstStyle>
@@ -2766,7 +2863,7 @@
               </a:spcAft>
               <a:buSzPts val="1400"/>
               <a:buNone/>
-              <a:defRPr b="0" i="0" sz="4400">
+              <a:defRPr sz="4400" b="0" i="0">
                 <a:solidFill>
                   <a:schemeClr val="dk1"/>
                 </a:solidFill>
@@ -2889,15 +2986,19 @@
               <a:defRPr/>
             </a:lvl9pPr>
           </a:lstStyle>
-          <a:p/>
+          <a:p>
+            <a:endParaRPr/>
+          </a:p>
         </p:txBody>
       </p:sp>
       <p:sp>
         <p:nvSpPr>
           <p:cNvPr id="13" name="Google Shape;13;p21"/>
-          <p:cNvSpPr txBox="1"/>
+          <p:cNvSpPr txBox="1">
+            <a:spLocks noGrp="1"/>
+          </p:cNvSpPr>
           <p:nvPr>
-            <p:ph idx="11" type="ftr"/>
+            <p:ph type="ftr" idx="11"/>
           </p:nvPr>
         </p:nvSpPr>
         <p:spPr>
@@ -2914,7 +3015,7 @@
           </a:ln>
         </p:spPr>
         <p:txBody>
-          <a:bodyPr anchorCtr="0" anchor="t" bIns="0" lIns="0" spcFirstLastPara="1" rIns="0" wrap="square" tIns="0">
+          <a:bodyPr spcFirstLastPara="1" wrap="square" lIns="0" tIns="0" rIns="0" bIns="0" anchor="t" anchorCtr="0">
             <a:spAutoFit/>
           </a:bodyPr>
           <a:lstStyle>
@@ -3049,15 +3150,19 @@
               <a:defRPr/>
             </a:lvl9pPr>
           </a:lstStyle>
-          <a:p/>
+          <a:p>
+            <a:endParaRPr/>
+          </a:p>
         </p:txBody>
       </p:sp>
       <p:sp>
         <p:nvSpPr>
           <p:cNvPr id="14" name="Google Shape;14;p21"/>
-          <p:cNvSpPr txBox="1"/>
+          <p:cNvSpPr txBox="1">
+            <a:spLocks noGrp="1"/>
+          </p:cNvSpPr>
           <p:nvPr>
-            <p:ph idx="10" type="dt"/>
+            <p:ph type="dt" idx="10"/>
           </p:nvPr>
         </p:nvSpPr>
         <p:spPr>
@@ -3074,7 +3179,7 @@
           </a:ln>
         </p:spPr>
         <p:txBody>
-          <a:bodyPr anchorCtr="0" anchor="t" bIns="0" lIns="0" spcFirstLastPara="1" rIns="0" wrap="square" tIns="0">
+          <a:bodyPr spcFirstLastPara="1" wrap="square" lIns="0" tIns="0" rIns="0" bIns="0" anchor="t" anchorCtr="0">
             <a:spAutoFit/>
           </a:bodyPr>
           <a:lstStyle>
@@ -3209,15 +3314,19 @@
               <a:defRPr/>
             </a:lvl9pPr>
           </a:lstStyle>
-          <a:p/>
+          <a:p>
+            <a:endParaRPr/>
+          </a:p>
         </p:txBody>
       </p:sp>
       <p:sp>
         <p:nvSpPr>
           <p:cNvPr id="15" name="Google Shape;15;p21"/>
-          <p:cNvSpPr txBox="1"/>
+          <p:cNvSpPr txBox="1">
+            <a:spLocks noGrp="1"/>
+          </p:cNvSpPr>
           <p:nvPr>
-            <p:ph idx="12" type="sldNum"/>
+            <p:ph type="sldNum" idx="12"/>
           </p:nvPr>
         </p:nvSpPr>
         <p:spPr>
@@ -3234,11 +3343,11 @@
           </a:ln>
         </p:spPr>
         <p:txBody>
-          <a:bodyPr anchorCtr="0" anchor="t" bIns="0" lIns="0" spcFirstLastPara="1" rIns="0" wrap="square" tIns="0">
+          <a:bodyPr spcFirstLastPara="1" wrap="square" lIns="0" tIns="0" rIns="0" bIns="0" anchor="t" anchorCtr="0">
             <a:spAutoFit/>
           </a:bodyPr>
           <a:lstStyle>
-            <a:lvl1pPr indent="0" lvl="0" marL="0" marR="0" algn="r">
+            <a:lvl1pPr marL="0" marR="0" lvl="0" indent="0" algn="r">
               <a:lnSpc>
                 <a:spcPct val="100000"/>
               </a:lnSpc>
@@ -3254,7 +3363,7 @@
               <a:buSzPts val="1800"/>
               <a:buFont typeface="Arial"/>
               <a:buNone/>
-              <a:defRPr b="0" i="0" sz="1800" u="none" cap="none" strike="noStrike">
+              <a:defRPr sz="1800" b="0" i="0" u="none" strike="noStrike" cap="none">
                 <a:solidFill>
                   <a:srgbClr val="888888"/>
                 </a:solidFill>
@@ -3264,7 +3373,7 @@
                 <a:sym typeface="Arial"/>
               </a:defRPr>
             </a:lvl1pPr>
-            <a:lvl2pPr indent="0" lvl="1" marL="0" marR="0" algn="r">
+            <a:lvl2pPr marL="0" marR="0" lvl="1" indent="0" algn="r">
               <a:lnSpc>
                 <a:spcPct val="100000"/>
               </a:lnSpc>
@@ -3280,7 +3389,7 @@
               <a:buSzPts val="1800"/>
               <a:buFont typeface="Arial"/>
               <a:buNone/>
-              <a:defRPr b="0" i="0" sz="1800" u="none" cap="none" strike="noStrike">
+              <a:defRPr sz="1800" b="0" i="0" u="none" strike="noStrike" cap="none">
                 <a:solidFill>
                   <a:srgbClr val="888888"/>
                 </a:solidFill>
@@ -3290,7 +3399,7 @@
                 <a:sym typeface="Arial"/>
               </a:defRPr>
             </a:lvl2pPr>
-            <a:lvl3pPr indent="0" lvl="2" marL="0" marR="0" algn="r">
+            <a:lvl3pPr marL="0" marR="0" lvl="2" indent="0" algn="r">
               <a:lnSpc>
                 <a:spcPct val="100000"/>
               </a:lnSpc>
@@ -3306,7 +3415,7 @@
               <a:buSzPts val="1800"/>
               <a:buFont typeface="Arial"/>
               <a:buNone/>
-              <a:defRPr b="0" i="0" sz="1800" u="none" cap="none" strike="noStrike">
+              <a:defRPr sz="1800" b="0" i="0" u="none" strike="noStrike" cap="none">
                 <a:solidFill>
                   <a:srgbClr val="888888"/>
                 </a:solidFill>
@@ -3316,7 +3425,7 @@
                 <a:sym typeface="Arial"/>
               </a:defRPr>
             </a:lvl3pPr>
-            <a:lvl4pPr indent="0" lvl="3" marL="0" marR="0" algn="r">
+            <a:lvl4pPr marL="0" marR="0" lvl="3" indent="0" algn="r">
               <a:lnSpc>
                 <a:spcPct val="100000"/>
               </a:lnSpc>
@@ -3332,7 +3441,7 @@
               <a:buSzPts val="1800"/>
               <a:buFont typeface="Arial"/>
               <a:buNone/>
-              <a:defRPr b="0" i="0" sz="1800" u="none" cap="none" strike="noStrike">
+              <a:defRPr sz="1800" b="0" i="0" u="none" strike="noStrike" cap="none">
                 <a:solidFill>
                   <a:srgbClr val="888888"/>
                 </a:solidFill>
@@ -3342,7 +3451,7 @@
                 <a:sym typeface="Arial"/>
               </a:defRPr>
             </a:lvl4pPr>
-            <a:lvl5pPr indent="0" lvl="4" marL="0" marR="0" algn="r">
+            <a:lvl5pPr marL="0" marR="0" lvl="4" indent="0" algn="r">
               <a:lnSpc>
                 <a:spcPct val="100000"/>
               </a:lnSpc>
@@ -3358,7 +3467,7 @@
               <a:buSzPts val="1800"/>
               <a:buFont typeface="Arial"/>
               <a:buNone/>
-              <a:defRPr b="0" i="0" sz="1800" u="none" cap="none" strike="noStrike">
+              <a:defRPr sz="1800" b="0" i="0" u="none" strike="noStrike" cap="none">
                 <a:solidFill>
                   <a:srgbClr val="888888"/>
                 </a:solidFill>
@@ -3368,7 +3477,7 @@
                 <a:sym typeface="Arial"/>
               </a:defRPr>
             </a:lvl5pPr>
-            <a:lvl6pPr indent="0" lvl="5" marL="0" marR="0" algn="r">
+            <a:lvl6pPr marL="0" marR="0" lvl="5" indent="0" algn="r">
               <a:lnSpc>
                 <a:spcPct val="100000"/>
               </a:lnSpc>
@@ -3384,7 +3493,7 @@
               <a:buSzPts val="1800"/>
               <a:buFont typeface="Arial"/>
               <a:buNone/>
-              <a:defRPr b="0" i="0" sz="1800" u="none" cap="none" strike="noStrike">
+              <a:defRPr sz="1800" b="0" i="0" u="none" strike="noStrike" cap="none">
                 <a:solidFill>
                   <a:srgbClr val="888888"/>
                 </a:solidFill>
@@ -3394,7 +3503,7 @@
                 <a:sym typeface="Arial"/>
               </a:defRPr>
             </a:lvl6pPr>
-            <a:lvl7pPr indent="0" lvl="6" marL="0" marR="0" algn="r">
+            <a:lvl7pPr marL="0" marR="0" lvl="6" indent="0" algn="r">
               <a:lnSpc>
                 <a:spcPct val="100000"/>
               </a:lnSpc>
@@ -3410,7 +3519,7 @@
               <a:buSzPts val="1800"/>
               <a:buFont typeface="Arial"/>
               <a:buNone/>
-              <a:defRPr b="0" i="0" sz="1800" u="none" cap="none" strike="noStrike">
+              <a:defRPr sz="1800" b="0" i="0" u="none" strike="noStrike" cap="none">
                 <a:solidFill>
                   <a:srgbClr val="888888"/>
                 </a:solidFill>
@@ -3420,7 +3529,7 @@
                 <a:sym typeface="Arial"/>
               </a:defRPr>
             </a:lvl7pPr>
-            <a:lvl8pPr indent="0" lvl="7" marL="0" marR="0" algn="r">
+            <a:lvl8pPr marL="0" marR="0" lvl="7" indent="0" algn="r">
               <a:lnSpc>
                 <a:spcPct val="100000"/>
               </a:lnSpc>
@@ -3436,7 +3545,7 @@
               <a:buSzPts val="1800"/>
               <a:buFont typeface="Arial"/>
               <a:buNone/>
-              <a:defRPr b="0" i="0" sz="1800" u="none" cap="none" strike="noStrike">
+              <a:defRPr sz="1800" b="0" i="0" u="none" strike="noStrike" cap="none">
                 <a:solidFill>
                   <a:srgbClr val="888888"/>
                 </a:solidFill>
@@ -3446,7 +3555,7 @@
                 <a:sym typeface="Arial"/>
               </a:defRPr>
             </a:lvl8pPr>
-            <a:lvl9pPr indent="0" lvl="8" marL="0" marR="0" algn="r">
+            <a:lvl9pPr marL="0" marR="0" lvl="8" indent="0" algn="r">
               <a:lnSpc>
                 <a:spcPct val="100000"/>
               </a:lnSpc>
@@ -3462,7 +3571,7 @@
               <a:buSzPts val="1800"/>
               <a:buFont typeface="Arial"/>
               <a:buNone/>
-              <a:defRPr b="0" i="0" sz="1800" u="none" cap="none" strike="noStrike">
+              <a:defRPr sz="1800" b="0" i="0" u="none" strike="noStrike" cap="none">
                 <a:solidFill>
                   <a:srgbClr val="888888"/>
                 </a:solidFill>
@@ -3474,7 +3583,7 @@
             </a:lvl9pPr>
           </a:lstStyle>
           <a:p>
-            <a:pPr indent="0" lvl="0" marL="0" rtl="0" algn="r">
+            <a:pPr marL="0" lvl="0" indent="0" algn="r" rtl="0">
               <a:spcBef>
                 <a:spcPts val="0"/>
               </a:spcBef>
@@ -3500,11 +3609,11 @@
 </file>
 
 <file path=ppt/slideLayouts/slideLayout2.xml><?xml version="1.0" encoding="utf-8"?>
-<p:sldLayout xmlns:a="http://schemas.openxmlformats.org/drawingml/2006/main" xmlns:r="http://schemas.openxmlformats.org/officeDocument/2006/relationships" xmlns:mc="http://schemas.openxmlformats.org/markup-compatibility/2006" xmlns:mv="urn:schemas-microsoft-com:mac:vml" xmlns:p="http://schemas.openxmlformats.org/presentationml/2006/main" xmlns:c="http://schemas.openxmlformats.org/drawingml/2006/chart" xmlns:dgm="http://schemas.openxmlformats.org/drawingml/2006/diagram" xmlns:o="urn:schemas-microsoft-com:office:office" xmlns:v="urn:schemas-microsoft-com:vml" xmlns:pvml="urn:schemas-microsoft-com:office:powerpoint" xmlns:com="http://schemas.openxmlformats.org/drawingml/2006/compatibility" xmlns:p14="http://schemas.microsoft.com/office/powerpoint/2010/main" xmlns:p15="http://schemas.microsoft.com/office/powerpoint/2012/main" xmlns:ahyp="http://schemas.microsoft.com/office/drawing/2018/hyperlinkcolor" matchingName="Title and Content">
+<p:sldLayout xmlns:a="http://schemas.openxmlformats.org/drawingml/2006/main" xmlns:r="http://schemas.openxmlformats.org/officeDocument/2006/relationships" xmlns:p="http://schemas.openxmlformats.org/presentationml/2006/main" matchingName="Title and Content">
   <p:cSld name="Title and Content">
     <p:spTree>
       <p:nvGrpSpPr>
-        <p:cNvPr id="16" name="Shape 16"/>
+        <p:cNvPr id="1" name="Shape 16"/>
         <p:cNvGrpSpPr/>
         <p:nvPr/>
       </p:nvGrpSpPr>
@@ -3519,7 +3628,9 @@
       <p:sp>
         <p:nvSpPr>
           <p:cNvPr id="17" name="Google Shape;17;p22"/>
-          <p:cNvSpPr txBox="1"/>
+          <p:cNvSpPr txBox="1">
+            <a:spLocks noGrp="1"/>
+          </p:cNvSpPr>
           <p:nvPr>
             <p:ph type="title"/>
           </p:nvPr>
@@ -3538,7 +3649,7 @@
           </a:ln>
         </p:spPr>
         <p:txBody>
-          <a:bodyPr anchorCtr="0" anchor="t" bIns="0" lIns="0" spcFirstLastPara="1" rIns="0" wrap="square" tIns="0">
+          <a:bodyPr spcFirstLastPara="1" wrap="square" lIns="0" tIns="0" rIns="0" bIns="0" anchor="t" anchorCtr="0">
             <a:spAutoFit/>
           </a:bodyPr>
           <a:lstStyle>
@@ -3554,7 +3665,7 @@
               </a:spcAft>
               <a:buSzPts val="1400"/>
               <a:buNone/>
-              <a:defRPr b="0" i="0" sz="4400">
+              <a:defRPr sz="4400" b="0" i="0">
                 <a:solidFill>
                   <a:schemeClr val="dk1"/>
                 </a:solidFill>
@@ -3677,15 +3788,19 @@
               <a:defRPr/>
             </a:lvl9pPr>
           </a:lstStyle>
-          <a:p/>
+          <a:p>
+            <a:endParaRPr/>
+          </a:p>
         </p:txBody>
       </p:sp>
       <p:sp>
         <p:nvSpPr>
           <p:cNvPr id="18" name="Google Shape;18;p22"/>
-          <p:cNvSpPr txBox="1"/>
+          <p:cNvSpPr txBox="1">
+            <a:spLocks noGrp="1"/>
+          </p:cNvSpPr>
           <p:nvPr>
-            <p:ph idx="1" type="body"/>
+            <p:ph type="body" idx="1"/>
           </p:nvPr>
         </p:nvSpPr>
         <p:spPr>
@@ -3702,23 +3817,23 @@
           </a:ln>
         </p:spPr>
         <p:txBody>
-          <a:bodyPr anchorCtr="0" anchor="t" bIns="0" lIns="0" spcFirstLastPara="1" rIns="0" wrap="square" tIns="0">
+          <a:bodyPr spcFirstLastPara="1" wrap="square" lIns="0" tIns="0" rIns="0" bIns="0" anchor="t" anchorCtr="0">
             <a:spAutoFit/>
           </a:bodyPr>
           <a:lstStyle>
-            <a:lvl1pPr indent="-228600" lvl="0" marL="457200" algn="l">
-              <a:lnSpc>
-                <a:spcPct val="100000"/>
-              </a:lnSpc>
-              <a:spcBef>
-                <a:spcPts val="0"/>
-              </a:spcBef>
-              <a:spcAft>
-                <a:spcPts val="0"/>
-              </a:spcAft>
-              <a:buSzPts val="1400"/>
-              <a:buNone/>
-              <a:defRPr b="0" i="0" sz="2800">
+            <a:lvl1pPr marL="457200" lvl="0" indent="-228600" algn="l">
+              <a:lnSpc>
+                <a:spcPct val="100000"/>
+              </a:lnSpc>
+              <a:spcBef>
+                <a:spcPts val="0"/>
+              </a:spcBef>
+              <a:spcAft>
+                <a:spcPts val="0"/>
+              </a:spcAft>
+              <a:buSzPts val="1400"/>
+              <a:buNone/>
+              <a:defRPr sz="2800" b="0" i="0">
                 <a:solidFill>
                   <a:srgbClr val="7E7E7E"/>
                 </a:solidFill>
@@ -3728,7 +3843,7 @@
                 <a:sym typeface="Calibri"/>
               </a:defRPr>
             </a:lvl1pPr>
-            <a:lvl2pPr indent="-228600" lvl="1" marL="914400" algn="l">
+            <a:lvl2pPr marL="914400" lvl="1" indent="-228600" algn="l">
               <a:lnSpc>
                 <a:spcPct val="100000"/>
               </a:lnSpc>
@@ -3742,7 +3857,7 @@
               <a:buNone/>
               <a:defRPr/>
             </a:lvl2pPr>
-            <a:lvl3pPr indent="-228600" lvl="2" marL="1371600" algn="l">
+            <a:lvl3pPr marL="1371600" lvl="2" indent="-228600" algn="l">
               <a:lnSpc>
                 <a:spcPct val="100000"/>
               </a:lnSpc>
@@ -3756,7 +3871,7 @@
               <a:buNone/>
               <a:defRPr/>
             </a:lvl3pPr>
-            <a:lvl4pPr indent="-228600" lvl="3" marL="1828800" algn="l">
+            <a:lvl4pPr marL="1828800" lvl="3" indent="-228600" algn="l">
               <a:lnSpc>
                 <a:spcPct val="100000"/>
               </a:lnSpc>
@@ -3770,7 +3885,7 @@
               <a:buNone/>
               <a:defRPr/>
             </a:lvl4pPr>
-            <a:lvl5pPr indent="-228600" lvl="4" marL="2286000" algn="l">
+            <a:lvl5pPr marL="2286000" lvl="4" indent="-228600" algn="l">
               <a:lnSpc>
                 <a:spcPct val="100000"/>
               </a:lnSpc>
@@ -3784,7 +3899,7 @@
               <a:buNone/>
               <a:defRPr/>
             </a:lvl5pPr>
-            <a:lvl6pPr indent="-228600" lvl="5" marL="2743200" algn="l">
+            <a:lvl6pPr marL="2743200" lvl="5" indent="-228600" algn="l">
               <a:lnSpc>
                 <a:spcPct val="100000"/>
               </a:lnSpc>
@@ -3798,7 +3913,7 @@
               <a:buNone/>
               <a:defRPr/>
             </a:lvl6pPr>
-            <a:lvl7pPr indent="-228600" lvl="6" marL="3200400" algn="l">
+            <a:lvl7pPr marL="3200400" lvl="6" indent="-228600" algn="l">
               <a:lnSpc>
                 <a:spcPct val="100000"/>
               </a:lnSpc>
@@ -3812,7 +3927,7 @@
               <a:buNone/>
               <a:defRPr/>
             </a:lvl7pPr>
-            <a:lvl8pPr indent="-228600" lvl="7" marL="3657600" algn="l">
+            <a:lvl8pPr marL="3657600" lvl="7" indent="-228600" algn="l">
               <a:lnSpc>
                 <a:spcPct val="100000"/>
               </a:lnSpc>
@@ -3826,7 +3941,7 @@
               <a:buNone/>
               <a:defRPr/>
             </a:lvl8pPr>
-            <a:lvl9pPr indent="-228600" lvl="8" marL="4114800" algn="l">
+            <a:lvl9pPr marL="4114800" lvl="8" indent="-228600" algn="l">
               <a:lnSpc>
                 <a:spcPct val="100000"/>
               </a:lnSpc>
@@ -3841,15 +3956,19 @@
               <a:defRPr/>
             </a:lvl9pPr>
           </a:lstStyle>
-          <a:p/>
+          <a:p>
+            <a:endParaRPr/>
+          </a:p>
         </p:txBody>
       </p:sp>
       <p:sp>
         <p:nvSpPr>
           <p:cNvPr id="19" name="Google Shape;19;p22"/>
-          <p:cNvSpPr txBox="1"/>
+          <p:cNvSpPr txBox="1">
+            <a:spLocks noGrp="1"/>
+          </p:cNvSpPr>
           <p:nvPr>
-            <p:ph idx="11" type="ftr"/>
+            <p:ph type="ftr" idx="11"/>
           </p:nvPr>
         </p:nvSpPr>
         <p:spPr>
@@ -3866,7 +3985,7 @@
           </a:ln>
         </p:spPr>
         <p:txBody>
-          <a:bodyPr anchorCtr="0" anchor="t" bIns="0" lIns="0" spcFirstLastPara="1" rIns="0" wrap="square" tIns="0">
+          <a:bodyPr spcFirstLastPara="1" wrap="square" lIns="0" tIns="0" rIns="0" bIns="0" anchor="t" anchorCtr="0">
             <a:spAutoFit/>
           </a:bodyPr>
           <a:lstStyle>
@@ -4001,15 +4120,19 @@
               <a:defRPr/>
             </a:lvl9pPr>
           </a:lstStyle>
-          <a:p/>
+          <a:p>
+            <a:endParaRPr/>
+          </a:p>
         </p:txBody>
       </p:sp>
       <p:sp>
         <p:nvSpPr>
           <p:cNvPr id="20" name="Google Shape;20;p22"/>
-          <p:cNvSpPr txBox="1"/>
+          <p:cNvSpPr txBox="1">
+            <a:spLocks noGrp="1"/>
+          </p:cNvSpPr>
           <p:nvPr>
-            <p:ph idx="10" type="dt"/>
+            <p:ph type="dt" idx="10"/>
           </p:nvPr>
         </p:nvSpPr>
         <p:spPr>
@@ -4026,7 +4149,7 @@
           </a:ln>
         </p:spPr>
         <p:txBody>
-          <a:bodyPr anchorCtr="0" anchor="t" bIns="0" lIns="0" spcFirstLastPara="1" rIns="0" wrap="square" tIns="0">
+          <a:bodyPr spcFirstLastPara="1" wrap="square" lIns="0" tIns="0" rIns="0" bIns="0" anchor="t" anchorCtr="0">
             <a:spAutoFit/>
           </a:bodyPr>
           <a:lstStyle>
@@ -4161,15 +4284,19 @@
               <a:defRPr/>
             </a:lvl9pPr>
           </a:lstStyle>
-          <a:p/>
+          <a:p>
+            <a:endParaRPr/>
+          </a:p>
         </p:txBody>
       </p:sp>
       <p:sp>
         <p:nvSpPr>
           <p:cNvPr id="21" name="Google Shape;21;p22"/>
-          <p:cNvSpPr txBox="1"/>
+          <p:cNvSpPr txBox="1">
+            <a:spLocks noGrp="1"/>
+          </p:cNvSpPr>
           <p:nvPr>
-            <p:ph idx="12" type="sldNum"/>
+            <p:ph type="sldNum" idx="12"/>
           </p:nvPr>
         </p:nvSpPr>
         <p:spPr>
@@ -4186,11 +4313,11 @@
           </a:ln>
         </p:spPr>
         <p:txBody>
-          <a:bodyPr anchorCtr="0" anchor="t" bIns="0" lIns="0" spcFirstLastPara="1" rIns="0" wrap="square" tIns="0">
+          <a:bodyPr spcFirstLastPara="1" wrap="square" lIns="0" tIns="0" rIns="0" bIns="0" anchor="t" anchorCtr="0">
             <a:spAutoFit/>
           </a:bodyPr>
           <a:lstStyle>
-            <a:lvl1pPr indent="0" lvl="0" marL="0" marR="0" algn="r">
+            <a:lvl1pPr marL="0" marR="0" lvl="0" indent="0" algn="r">
               <a:lnSpc>
                 <a:spcPct val="100000"/>
               </a:lnSpc>
@@ -4206,7 +4333,7 @@
               <a:buSzPts val="1800"/>
               <a:buFont typeface="Arial"/>
               <a:buNone/>
-              <a:defRPr b="0" i="0" sz="1800" u="none" cap="none" strike="noStrike">
+              <a:defRPr sz="1800" b="0" i="0" u="none" strike="noStrike" cap="none">
                 <a:solidFill>
                   <a:srgbClr val="888888"/>
                 </a:solidFill>
@@ -4216,7 +4343,7 @@
                 <a:sym typeface="Arial"/>
               </a:defRPr>
             </a:lvl1pPr>
-            <a:lvl2pPr indent="0" lvl="1" marL="0" marR="0" algn="r">
+            <a:lvl2pPr marL="0" marR="0" lvl="1" indent="0" algn="r">
               <a:lnSpc>
                 <a:spcPct val="100000"/>
               </a:lnSpc>
@@ -4232,7 +4359,7 @@
               <a:buSzPts val="1800"/>
               <a:buFont typeface="Arial"/>
               <a:buNone/>
-              <a:defRPr b="0" i="0" sz="1800" u="none" cap="none" strike="noStrike">
+              <a:defRPr sz="1800" b="0" i="0" u="none" strike="noStrike" cap="none">
                 <a:solidFill>
                   <a:srgbClr val="888888"/>
                 </a:solidFill>
@@ -4242,7 +4369,7 @@
                 <a:sym typeface="Arial"/>
               </a:defRPr>
             </a:lvl2pPr>
-            <a:lvl3pPr indent="0" lvl="2" marL="0" marR="0" algn="r">
+            <a:lvl3pPr marL="0" marR="0" lvl="2" indent="0" algn="r">
               <a:lnSpc>
                 <a:spcPct val="100000"/>
               </a:lnSpc>
@@ -4258,7 +4385,7 @@
               <a:buSzPts val="1800"/>
               <a:buFont typeface="Arial"/>
               <a:buNone/>
-              <a:defRPr b="0" i="0" sz="1800" u="none" cap="none" strike="noStrike">
+              <a:defRPr sz="1800" b="0" i="0" u="none" strike="noStrike" cap="none">
                 <a:solidFill>
                   <a:srgbClr val="888888"/>
                 </a:solidFill>
@@ -4268,7 +4395,7 @@
                 <a:sym typeface="Arial"/>
               </a:defRPr>
             </a:lvl3pPr>
-            <a:lvl4pPr indent="0" lvl="3" marL="0" marR="0" algn="r">
+            <a:lvl4pPr marL="0" marR="0" lvl="3" indent="0" algn="r">
               <a:lnSpc>
                 <a:spcPct val="100000"/>
               </a:lnSpc>
@@ -4284,7 +4411,7 @@
               <a:buSzPts val="1800"/>
               <a:buFont typeface="Arial"/>
               <a:buNone/>
-              <a:defRPr b="0" i="0" sz="1800" u="none" cap="none" strike="noStrike">
+              <a:defRPr sz="1800" b="0" i="0" u="none" strike="noStrike" cap="none">
                 <a:solidFill>
                   <a:srgbClr val="888888"/>
                 </a:solidFill>
@@ -4294,7 +4421,7 @@
                 <a:sym typeface="Arial"/>
               </a:defRPr>
             </a:lvl4pPr>
-            <a:lvl5pPr indent="0" lvl="4" marL="0" marR="0" algn="r">
+            <a:lvl5pPr marL="0" marR="0" lvl="4" indent="0" algn="r">
               <a:lnSpc>
                 <a:spcPct val="100000"/>
               </a:lnSpc>
@@ -4310,7 +4437,7 @@
               <a:buSzPts val="1800"/>
               <a:buFont typeface="Arial"/>
               <a:buNone/>
-              <a:defRPr b="0" i="0" sz="1800" u="none" cap="none" strike="noStrike">
+              <a:defRPr sz="1800" b="0" i="0" u="none" strike="noStrike" cap="none">
                 <a:solidFill>
                   <a:srgbClr val="888888"/>
                 </a:solidFill>
@@ -4320,7 +4447,7 @@
                 <a:sym typeface="Arial"/>
               </a:defRPr>
             </a:lvl5pPr>
-            <a:lvl6pPr indent="0" lvl="5" marL="0" marR="0" algn="r">
+            <a:lvl6pPr marL="0" marR="0" lvl="5" indent="0" algn="r">
               <a:lnSpc>
                 <a:spcPct val="100000"/>
               </a:lnSpc>
@@ -4336,7 +4463,7 @@
               <a:buSzPts val="1800"/>
               <a:buFont typeface="Arial"/>
               <a:buNone/>
-              <a:defRPr b="0" i="0" sz="1800" u="none" cap="none" strike="noStrike">
+              <a:defRPr sz="1800" b="0" i="0" u="none" strike="noStrike" cap="none">
                 <a:solidFill>
                   <a:srgbClr val="888888"/>
                 </a:solidFill>
@@ -4346,7 +4473,7 @@
                 <a:sym typeface="Arial"/>
               </a:defRPr>
             </a:lvl6pPr>
-            <a:lvl7pPr indent="0" lvl="6" marL="0" marR="0" algn="r">
+            <a:lvl7pPr marL="0" marR="0" lvl="6" indent="0" algn="r">
               <a:lnSpc>
                 <a:spcPct val="100000"/>
               </a:lnSpc>
@@ -4362,7 +4489,7 @@
               <a:buSzPts val="1800"/>
               <a:buFont typeface="Arial"/>
               <a:buNone/>
-              <a:defRPr b="0" i="0" sz="1800" u="none" cap="none" strike="noStrike">
+              <a:defRPr sz="1800" b="0" i="0" u="none" strike="noStrike" cap="none">
                 <a:solidFill>
                   <a:srgbClr val="888888"/>
                 </a:solidFill>
@@ -4372,7 +4499,7 @@
                 <a:sym typeface="Arial"/>
               </a:defRPr>
             </a:lvl7pPr>
-            <a:lvl8pPr indent="0" lvl="7" marL="0" marR="0" algn="r">
+            <a:lvl8pPr marL="0" marR="0" lvl="7" indent="0" algn="r">
               <a:lnSpc>
                 <a:spcPct val="100000"/>
               </a:lnSpc>
@@ -4388,7 +4515,7 @@
               <a:buSzPts val="1800"/>
               <a:buFont typeface="Arial"/>
               <a:buNone/>
-              <a:defRPr b="0" i="0" sz="1800" u="none" cap="none" strike="noStrike">
+              <a:defRPr sz="1800" b="0" i="0" u="none" strike="noStrike" cap="none">
                 <a:solidFill>
                   <a:srgbClr val="888888"/>
                 </a:solidFill>
@@ -4398,7 +4525,7 @@
                 <a:sym typeface="Arial"/>
               </a:defRPr>
             </a:lvl8pPr>
-            <a:lvl9pPr indent="0" lvl="8" marL="0" marR="0" algn="r">
+            <a:lvl9pPr marL="0" marR="0" lvl="8" indent="0" algn="r">
               <a:lnSpc>
                 <a:spcPct val="100000"/>
               </a:lnSpc>
@@ -4414,7 +4541,7 @@
               <a:buSzPts val="1800"/>
               <a:buFont typeface="Arial"/>
               <a:buNone/>
-              <a:defRPr b="0" i="0" sz="1800" u="none" cap="none" strike="noStrike">
+              <a:defRPr sz="1800" b="0" i="0" u="none" strike="noStrike" cap="none">
                 <a:solidFill>
                   <a:srgbClr val="888888"/>
                 </a:solidFill>
@@ -4426,7 +4553,7 @@
             </a:lvl9pPr>
           </a:lstStyle>
           <a:p>
-            <a:pPr indent="0" lvl="0" marL="0" rtl="0" algn="r">
+            <a:pPr marL="0" lvl="0" indent="0" algn="r" rtl="0">
               <a:spcBef>
                 <a:spcPts val="0"/>
               </a:spcBef>
@@ -4452,11 +4579,11 @@
 </file>
 
 <file path=ppt/slideLayouts/slideLayout3.xml><?xml version="1.0" encoding="utf-8"?>
-<p:sldLayout xmlns:a="http://schemas.openxmlformats.org/drawingml/2006/main" xmlns:r="http://schemas.openxmlformats.org/officeDocument/2006/relationships" xmlns:mc="http://schemas.openxmlformats.org/markup-compatibility/2006" xmlns:mv="urn:schemas-microsoft-com:mac:vml" xmlns:p="http://schemas.openxmlformats.org/presentationml/2006/main" xmlns:c="http://schemas.openxmlformats.org/drawingml/2006/chart" xmlns:dgm="http://schemas.openxmlformats.org/drawingml/2006/diagram" xmlns:o="urn:schemas-microsoft-com:office:office" xmlns:v="urn:schemas-microsoft-com:vml" xmlns:pvml="urn:schemas-microsoft-com:office:powerpoint" xmlns:com="http://schemas.openxmlformats.org/drawingml/2006/compatibility" xmlns:p14="http://schemas.microsoft.com/office/powerpoint/2010/main" xmlns:p15="http://schemas.microsoft.com/office/powerpoint/2012/main" xmlns:ahyp="http://schemas.microsoft.com/office/drawing/2018/hyperlinkcolor" matchingName="Title Slide">
+<p:sldLayout xmlns:a="http://schemas.openxmlformats.org/drawingml/2006/main" xmlns:r="http://schemas.openxmlformats.org/officeDocument/2006/relationships" xmlns:p="http://schemas.openxmlformats.org/presentationml/2006/main" matchingName="Title Slide">
   <p:cSld name="Title Slide">
     <p:spTree>
       <p:nvGrpSpPr>
-        <p:cNvPr id="22" name="Shape 22"/>
+        <p:cNvPr id="1" name="Shape 22"/>
         <p:cNvGrpSpPr/>
         <p:nvPr/>
       </p:nvGrpSpPr>
@@ -4471,7 +4598,9 @@
       <p:sp>
         <p:nvSpPr>
           <p:cNvPr id="23" name="Google Shape;23;p23"/>
-          <p:cNvSpPr txBox="1"/>
+          <p:cNvSpPr txBox="1">
+            <a:spLocks noGrp="1"/>
+          </p:cNvSpPr>
           <p:nvPr>
             <p:ph type="ctrTitle"/>
           </p:nvPr>
@@ -4490,7 +4619,7 @@
           </a:ln>
         </p:spPr>
         <p:txBody>
-          <a:bodyPr anchorCtr="0" anchor="t" bIns="0" lIns="0" spcFirstLastPara="1" rIns="0" wrap="square" tIns="0">
+          <a:bodyPr spcFirstLastPara="1" wrap="square" lIns="0" tIns="0" rIns="0" bIns="0" anchor="t" anchorCtr="0">
             <a:spAutoFit/>
           </a:bodyPr>
           <a:lstStyle>
@@ -4621,15 +4750,19 @@
               <a:defRPr/>
             </a:lvl9pPr>
           </a:lstStyle>
-          <a:p/>
+          <a:p>
+            <a:endParaRPr/>
+          </a:p>
         </p:txBody>
       </p:sp>
       <p:sp>
         <p:nvSpPr>
           <p:cNvPr id="24" name="Google Shape;24;p23"/>
-          <p:cNvSpPr txBox="1"/>
+          <p:cNvSpPr txBox="1">
+            <a:spLocks noGrp="1"/>
+          </p:cNvSpPr>
           <p:nvPr>
-            <p:ph idx="1" type="subTitle"/>
+            <p:ph type="subTitle" idx="1"/>
           </p:nvPr>
         </p:nvSpPr>
         <p:spPr>
@@ -4646,7 +4779,7 @@
           </a:ln>
         </p:spPr>
         <p:txBody>
-          <a:bodyPr anchorCtr="0" anchor="t" bIns="0" lIns="0" spcFirstLastPara="1" rIns="0" wrap="square" tIns="0">
+          <a:bodyPr spcFirstLastPara="1" wrap="square" lIns="0" tIns="0" rIns="0" bIns="0" anchor="t" anchorCtr="0">
             <a:spAutoFit/>
           </a:bodyPr>
           <a:lstStyle>
@@ -4777,15 +4910,19 @@
               <a:defRPr/>
             </a:lvl9pPr>
           </a:lstStyle>
-          <a:p/>
+          <a:p>
+            <a:endParaRPr/>
+          </a:p>
         </p:txBody>
       </p:sp>
       <p:sp>
         <p:nvSpPr>
           <p:cNvPr id="25" name="Google Shape;25;p23"/>
-          <p:cNvSpPr txBox="1"/>
+          <p:cNvSpPr txBox="1">
+            <a:spLocks noGrp="1"/>
+          </p:cNvSpPr>
           <p:nvPr>
-            <p:ph idx="11" type="ftr"/>
+            <p:ph type="ftr" idx="11"/>
           </p:nvPr>
         </p:nvSpPr>
         <p:spPr>
@@ -4802,7 +4939,7 @@
           </a:ln>
         </p:spPr>
         <p:txBody>
-          <a:bodyPr anchorCtr="0" anchor="t" bIns="0" lIns="0" spcFirstLastPara="1" rIns="0" wrap="square" tIns="0">
+          <a:bodyPr spcFirstLastPara="1" wrap="square" lIns="0" tIns="0" rIns="0" bIns="0" anchor="t" anchorCtr="0">
             <a:spAutoFit/>
           </a:bodyPr>
           <a:lstStyle>
@@ -4937,15 +5074,19 @@
               <a:defRPr/>
             </a:lvl9pPr>
           </a:lstStyle>
-          <a:p/>
+          <a:p>
+            <a:endParaRPr/>
+          </a:p>
         </p:txBody>
       </p:sp>
       <p:sp>
         <p:nvSpPr>
           <p:cNvPr id="26" name="Google Shape;26;p23"/>
-          <p:cNvSpPr txBox="1"/>
+          <p:cNvSpPr txBox="1">
+            <a:spLocks noGrp="1"/>
+          </p:cNvSpPr>
           <p:nvPr>
-            <p:ph idx="10" type="dt"/>
+            <p:ph type="dt" idx="10"/>
           </p:nvPr>
         </p:nvSpPr>
         <p:spPr>
@@ -4962,7 +5103,7 @@
           </a:ln>
         </p:spPr>
         <p:txBody>
-          <a:bodyPr anchorCtr="0" anchor="t" bIns="0" lIns="0" spcFirstLastPara="1" rIns="0" wrap="square" tIns="0">
+          <a:bodyPr spcFirstLastPara="1" wrap="square" lIns="0" tIns="0" rIns="0" bIns="0" anchor="t" anchorCtr="0">
             <a:spAutoFit/>
           </a:bodyPr>
           <a:lstStyle>
@@ -5097,15 +5238,19 @@
               <a:defRPr/>
             </a:lvl9pPr>
           </a:lstStyle>
-          <a:p/>
+          <a:p>
+            <a:endParaRPr/>
+          </a:p>
         </p:txBody>
       </p:sp>
       <p:sp>
         <p:nvSpPr>
           <p:cNvPr id="27" name="Google Shape;27;p23"/>
-          <p:cNvSpPr txBox="1"/>
+          <p:cNvSpPr txBox="1">
+            <a:spLocks noGrp="1"/>
+          </p:cNvSpPr>
           <p:nvPr>
-            <p:ph idx="12" type="sldNum"/>
+            <p:ph type="sldNum" idx="12"/>
           </p:nvPr>
         </p:nvSpPr>
         <p:spPr>
@@ -5122,11 +5267,11 @@
           </a:ln>
         </p:spPr>
         <p:txBody>
-          <a:bodyPr anchorCtr="0" anchor="t" bIns="0" lIns="0" spcFirstLastPara="1" rIns="0" wrap="square" tIns="0">
+          <a:bodyPr spcFirstLastPara="1" wrap="square" lIns="0" tIns="0" rIns="0" bIns="0" anchor="t" anchorCtr="0">
             <a:spAutoFit/>
           </a:bodyPr>
           <a:lstStyle>
-            <a:lvl1pPr indent="0" lvl="0" marL="0" marR="0" algn="r">
+            <a:lvl1pPr marL="0" marR="0" lvl="0" indent="0" algn="r">
               <a:lnSpc>
                 <a:spcPct val="100000"/>
               </a:lnSpc>
@@ -5142,7 +5287,7 @@
               <a:buSzPts val="1800"/>
               <a:buFont typeface="Arial"/>
               <a:buNone/>
-              <a:defRPr b="0" i="0" sz="1800" u="none" cap="none" strike="noStrike">
+              <a:defRPr sz="1800" b="0" i="0" u="none" strike="noStrike" cap="none">
                 <a:solidFill>
                   <a:srgbClr val="888888"/>
                 </a:solidFill>
@@ -5152,7 +5297,7 @@
                 <a:sym typeface="Arial"/>
               </a:defRPr>
             </a:lvl1pPr>
-            <a:lvl2pPr indent="0" lvl="1" marL="0" marR="0" algn="r">
+            <a:lvl2pPr marL="0" marR="0" lvl="1" indent="0" algn="r">
               <a:lnSpc>
                 <a:spcPct val="100000"/>
               </a:lnSpc>
@@ -5168,7 +5313,7 @@
               <a:buSzPts val="1800"/>
               <a:buFont typeface="Arial"/>
               <a:buNone/>
-              <a:defRPr b="0" i="0" sz="1800" u="none" cap="none" strike="noStrike">
+              <a:defRPr sz="1800" b="0" i="0" u="none" strike="noStrike" cap="none">
                 <a:solidFill>
                   <a:srgbClr val="888888"/>
                 </a:solidFill>
@@ -5178,7 +5323,7 @@
                 <a:sym typeface="Arial"/>
               </a:defRPr>
             </a:lvl2pPr>
-            <a:lvl3pPr indent="0" lvl="2" marL="0" marR="0" algn="r">
+            <a:lvl3pPr marL="0" marR="0" lvl="2" indent="0" algn="r">
               <a:lnSpc>
                 <a:spcPct val="100000"/>
               </a:lnSpc>
@@ -5194,7 +5339,7 @@
               <a:buSzPts val="1800"/>
               <a:buFont typeface="Arial"/>
               <a:buNone/>
-              <a:defRPr b="0" i="0" sz="1800" u="none" cap="none" strike="noStrike">
+              <a:defRPr sz="1800" b="0" i="0" u="none" strike="noStrike" cap="none">
                 <a:solidFill>
                   <a:srgbClr val="888888"/>
                 </a:solidFill>
@@ -5204,7 +5349,7 @@
                 <a:sym typeface="Arial"/>
               </a:defRPr>
             </a:lvl3pPr>
-            <a:lvl4pPr indent="0" lvl="3" marL="0" marR="0" algn="r">
+            <a:lvl4pPr marL="0" marR="0" lvl="3" indent="0" algn="r">
               <a:lnSpc>
                 <a:spcPct val="100000"/>
               </a:lnSpc>
@@ -5220,7 +5365,7 @@
               <a:buSzPts val="1800"/>
               <a:buFont typeface="Arial"/>
               <a:buNone/>
-              <a:defRPr b="0" i="0" sz="1800" u="none" cap="none" strike="noStrike">
+              <a:defRPr sz="1800" b="0" i="0" u="none" strike="noStrike" cap="none">
                 <a:solidFill>
                   <a:srgbClr val="888888"/>
                 </a:solidFill>
@@ -5230,7 +5375,7 @@
                 <a:sym typeface="Arial"/>
               </a:defRPr>
             </a:lvl4pPr>
-            <a:lvl5pPr indent="0" lvl="4" marL="0" marR="0" algn="r">
+            <a:lvl5pPr marL="0" marR="0" lvl="4" indent="0" algn="r">
               <a:lnSpc>
                 <a:spcPct val="100000"/>
               </a:lnSpc>
@@ -5246,7 +5391,7 @@
               <a:buSzPts val="1800"/>
               <a:buFont typeface="Arial"/>
               <a:buNone/>
-              <a:defRPr b="0" i="0" sz="1800" u="none" cap="none" strike="noStrike">
+              <a:defRPr sz="1800" b="0" i="0" u="none" strike="noStrike" cap="none">
                 <a:solidFill>
                   <a:srgbClr val="888888"/>
                 </a:solidFill>
@@ -5256,7 +5401,7 @@
                 <a:sym typeface="Arial"/>
               </a:defRPr>
             </a:lvl5pPr>
-            <a:lvl6pPr indent="0" lvl="5" marL="0" marR="0" algn="r">
+            <a:lvl6pPr marL="0" marR="0" lvl="5" indent="0" algn="r">
               <a:lnSpc>
                 <a:spcPct val="100000"/>
               </a:lnSpc>
@@ -5272,7 +5417,7 @@
               <a:buSzPts val="1800"/>
               <a:buFont typeface="Arial"/>
               <a:buNone/>
-              <a:defRPr b="0" i="0" sz="1800" u="none" cap="none" strike="noStrike">
+              <a:defRPr sz="1800" b="0" i="0" u="none" strike="noStrike" cap="none">
                 <a:solidFill>
                   <a:srgbClr val="888888"/>
                 </a:solidFill>
@@ -5282,7 +5427,7 @@
                 <a:sym typeface="Arial"/>
               </a:defRPr>
             </a:lvl6pPr>
-            <a:lvl7pPr indent="0" lvl="6" marL="0" marR="0" algn="r">
+            <a:lvl7pPr marL="0" marR="0" lvl="6" indent="0" algn="r">
               <a:lnSpc>
                 <a:spcPct val="100000"/>
               </a:lnSpc>
@@ -5298,7 +5443,7 @@
               <a:buSzPts val="1800"/>
               <a:buFont typeface="Arial"/>
               <a:buNone/>
-              <a:defRPr b="0" i="0" sz="1800" u="none" cap="none" strike="noStrike">
+              <a:defRPr sz="1800" b="0" i="0" u="none" strike="noStrike" cap="none">
                 <a:solidFill>
                   <a:srgbClr val="888888"/>
                 </a:solidFill>
@@ -5308,7 +5453,7 @@
                 <a:sym typeface="Arial"/>
               </a:defRPr>
             </a:lvl7pPr>
-            <a:lvl8pPr indent="0" lvl="7" marL="0" marR="0" algn="r">
+            <a:lvl8pPr marL="0" marR="0" lvl="7" indent="0" algn="r">
               <a:lnSpc>
                 <a:spcPct val="100000"/>
               </a:lnSpc>
@@ -5324,7 +5469,7 @@
               <a:buSzPts val="1800"/>
               <a:buFont typeface="Arial"/>
               <a:buNone/>
-              <a:defRPr b="0" i="0" sz="1800" u="none" cap="none" strike="noStrike">
+              <a:defRPr sz="1800" b="0" i="0" u="none" strike="noStrike" cap="none">
                 <a:solidFill>
                   <a:srgbClr val="888888"/>
                 </a:solidFill>
@@ -5334,7 +5479,7 @@
                 <a:sym typeface="Arial"/>
               </a:defRPr>
             </a:lvl8pPr>
-            <a:lvl9pPr indent="0" lvl="8" marL="0" marR="0" algn="r">
+            <a:lvl9pPr marL="0" marR="0" lvl="8" indent="0" algn="r">
               <a:lnSpc>
                 <a:spcPct val="100000"/>
               </a:lnSpc>
@@ -5350,7 +5495,7 @@
               <a:buSzPts val="1800"/>
               <a:buFont typeface="Arial"/>
               <a:buNone/>
-              <a:defRPr b="0" i="0" sz="1800" u="none" cap="none" strike="noStrike">
+              <a:defRPr sz="1800" b="0" i="0" u="none" strike="noStrike" cap="none">
                 <a:solidFill>
                   <a:srgbClr val="888888"/>
                 </a:solidFill>
@@ -5362,7 +5507,7 @@
             </a:lvl9pPr>
           </a:lstStyle>
           <a:p>
-            <a:pPr indent="0" lvl="0" marL="0" rtl="0" algn="r">
+            <a:pPr marL="0" lvl="0" indent="0" algn="r" rtl="0">
               <a:spcBef>
                 <a:spcPts val="0"/>
               </a:spcBef>
@@ -5388,11 +5533,11 @@
 </file>
 
 <file path=ppt/slideLayouts/slideLayout4.xml><?xml version="1.0" encoding="utf-8"?>
-<p:sldLayout xmlns:a="http://schemas.openxmlformats.org/drawingml/2006/main" xmlns:r="http://schemas.openxmlformats.org/officeDocument/2006/relationships" xmlns:mc="http://schemas.openxmlformats.org/markup-compatibility/2006" xmlns:mv="urn:schemas-microsoft-com:mac:vml" xmlns:p="http://schemas.openxmlformats.org/presentationml/2006/main" xmlns:c="http://schemas.openxmlformats.org/drawingml/2006/chart" xmlns:dgm="http://schemas.openxmlformats.org/drawingml/2006/diagram" xmlns:o="urn:schemas-microsoft-com:office:office" xmlns:v="urn:schemas-microsoft-com:vml" xmlns:pvml="urn:schemas-microsoft-com:office:powerpoint" xmlns:com="http://schemas.openxmlformats.org/drawingml/2006/compatibility" xmlns:p14="http://schemas.microsoft.com/office/powerpoint/2010/main" xmlns:p15="http://schemas.microsoft.com/office/powerpoint/2012/main" xmlns:ahyp="http://schemas.microsoft.com/office/drawing/2018/hyperlinkcolor" matchingName="Two Content">
+<p:sldLayout xmlns:a="http://schemas.openxmlformats.org/drawingml/2006/main" xmlns:r="http://schemas.openxmlformats.org/officeDocument/2006/relationships" xmlns:p="http://schemas.openxmlformats.org/presentationml/2006/main" matchingName="Two Content">
   <p:cSld name="Two Content">
     <p:spTree>
       <p:nvGrpSpPr>
-        <p:cNvPr id="28" name="Shape 28"/>
+        <p:cNvPr id="1" name="Shape 28"/>
         <p:cNvGrpSpPr/>
         <p:nvPr/>
       </p:nvGrpSpPr>
@@ -5407,7 +5552,9 @@
       <p:sp>
         <p:nvSpPr>
           <p:cNvPr id="29" name="Google Shape;29;p24"/>
-          <p:cNvSpPr txBox="1"/>
+          <p:cNvSpPr txBox="1">
+            <a:spLocks noGrp="1"/>
+          </p:cNvSpPr>
           <p:nvPr>
             <p:ph type="title"/>
           </p:nvPr>
@@ -5426,7 +5573,7 @@
           </a:ln>
         </p:spPr>
         <p:txBody>
-          <a:bodyPr anchorCtr="0" anchor="t" bIns="0" lIns="0" spcFirstLastPara="1" rIns="0" wrap="square" tIns="0">
+          <a:bodyPr spcFirstLastPara="1" wrap="square" lIns="0" tIns="0" rIns="0" bIns="0" anchor="t" anchorCtr="0">
             <a:spAutoFit/>
           </a:bodyPr>
           <a:lstStyle>
@@ -5442,7 +5589,7 @@
               </a:spcAft>
               <a:buSzPts val="1400"/>
               <a:buNone/>
-              <a:defRPr b="0" i="0" sz="4400">
+              <a:defRPr sz="4400" b="0" i="0">
                 <a:solidFill>
                   <a:schemeClr val="dk1"/>
                 </a:solidFill>
@@ -5565,15 +5712,19 @@
               <a:defRPr/>
             </a:lvl9pPr>
           </a:lstStyle>
-          <a:p/>
+          <a:p>
+            <a:endParaRPr/>
+          </a:p>
         </p:txBody>
       </p:sp>
       <p:sp>
         <p:nvSpPr>
           <p:cNvPr id="30" name="Google Shape;30;p24"/>
-          <p:cNvSpPr txBox="1"/>
+          <p:cNvSpPr txBox="1">
+            <a:spLocks noGrp="1"/>
+          </p:cNvSpPr>
           <p:nvPr>
-            <p:ph idx="1" type="body"/>
+            <p:ph type="body" idx="1"/>
           </p:nvPr>
         </p:nvSpPr>
         <p:spPr>
@@ -5590,11 +5741,11 @@
           </a:ln>
         </p:spPr>
         <p:txBody>
-          <a:bodyPr anchorCtr="0" anchor="t" bIns="0" lIns="0" spcFirstLastPara="1" rIns="0" wrap="square" tIns="0">
+          <a:bodyPr spcFirstLastPara="1" wrap="square" lIns="0" tIns="0" rIns="0" bIns="0" anchor="t" anchorCtr="0">
             <a:spAutoFit/>
           </a:bodyPr>
           <a:lstStyle>
-            <a:lvl1pPr indent="-228600" lvl="0" marL="457200" algn="l">
+            <a:lvl1pPr marL="457200" lvl="0" indent="-228600" algn="l">
               <a:lnSpc>
                 <a:spcPct val="100000"/>
               </a:lnSpc>
@@ -5608,7 +5759,7 @@
               <a:buNone/>
               <a:defRPr/>
             </a:lvl1pPr>
-            <a:lvl2pPr indent="-228600" lvl="1" marL="914400" algn="l">
+            <a:lvl2pPr marL="914400" lvl="1" indent="-228600" algn="l">
               <a:lnSpc>
                 <a:spcPct val="100000"/>
               </a:lnSpc>
@@ -5622,7 +5773,7 @@
               <a:buNone/>
               <a:defRPr/>
             </a:lvl2pPr>
-            <a:lvl3pPr indent="-228600" lvl="2" marL="1371600" algn="l">
+            <a:lvl3pPr marL="1371600" lvl="2" indent="-228600" algn="l">
               <a:lnSpc>
                 <a:spcPct val="100000"/>
               </a:lnSpc>
@@ -5636,7 +5787,7 @@
               <a:buNone/>
               <a:defRPr/>
             </a:lvl3pPr>
-            <a:lvl4pPr indent="-228600" lvl="3" marL="1828800" algn="l">
+            <a:lvl4pPr marL="1828800" lvl="3" indent="-228600" algn="l">
               <a:lnSpc>
                 <a:spcPct val="100000"/>
               </a:lnSpc>
@@ -5650,7 +5801,7 @@
               <a:buNone/>
               <a:defRPr/>
             </a:lvl4pPr>
-            <a:lvl5pPr indent="-228600" lvl="4" marL="2286000" algn="l">
+            <a:lvl5pPr marL="2286000" lvl="4" indent="-228600" algn="l">
               <a:lnSpc>
                 <a:spcPct val="100000"/>
               </a:lnSpc>
@@ -5664,7 +5815,7 @@
               <a:buNone/>
               <a:defRPr/>
             </a:lvl5pPr>
-            <a:lvl6pPr indent="-228600" lvl="5" marL="2743200" algn="l">
+            <a:lvl6pPr marL="2743200" lvl="5" indent="-228600" algn="l">
               <a:lnSpc>
                 <a:spcPct val="100000"/>
               </a:lnSpc>
@@ -5678,7 +5829,7 @@
               <a:buNone/>
               <a:defRPr/>
             </a:lvl6pPr>
-            <a:lvl7pPr indent="-228600" lvl="6" marL="3200400" algn="l">
+            <a:lvl7pPr marL="3200400" lvl="6" indent="-228600" algn="l">
               <a:lnSpc>
                 <a:spcPct val="100000"/>
               </a:lnSpc>
@@ -5692,7 +5843,7 @@
               <a:buNone/>
               <a:defRPr/>
             </a:lvl7pPr>
-            <a:lvl8pPr indent="-228600" lvl="7" marL="3657600" algn="l">
+            <a:lvl8pPr marL="3657600" lvl="7" indent="-228600" algn="l">
               <a:lnSpc>
                 <a:spcPct val="100000"/>
               </a:lnSpc>
@@ -5706,7 +5857,7 @@
               <a:buNone/>
               <a:defRPr/>
             </a:lvl8pPr>
-            <a:lvl9pPr indent="-228600" lvl="8" marL="4114800" algn="l">
+            <a:lvl9pPr marL="4114800" lvl="8" indent="-228600" algn="l">
               <a:lnSpc>
                 <a:spcPct val="100000"/>
               </a:lnSpc>
@@ -5721,15 +5872,19 @@
               <a:defRPr/>
             </a:lvl9pPr>
           </a:lstStyle>
-          <a:p/>
+          <a:p>
+            <a:endParaRPr/>
+          </a:p>
         </p:txBody>
       </p:sp>
       <p:sp>
         <p:nvSpPr>
           <p:cNvPr id="31" name="Google Shape;31;p24"/>
-          <p:cNvSpPr txBox="1"/>
+          <p:cNvSpPr txBox="1">
+            <a:spLocks noGrp="1"/>
+          </p:cNvSpPr>
           <p:nvPr>
-            <p:ph idx="2" type="body"/>
+            <p:ph type="body" idx="2"/>
           </p:nvPr>
         </p:nvSpPr>
         <p:spPr>
@@ -5746,11 +5901,11 @@
           </a:ln>
         </p:spPr>
         <p:txBody>
-          <a:bodyPr anchorCtr="0" anchor="t" bIns="0" lIns="0" spcFirstLastPara="1" rIns="0" wrap="square" tIns="0">
+          <a:bodyPr spcFirstLastPara="1" wrap="square" lIns="0" tIns="0" rIns="0" bIns="0" anchor="t" anchorCtr="0">
             <a:spAutoFit/>
           </a:bodyPr>
           <a:lstStyle>
-            <a:lvl1pPr indent="-228600" lvl="0" marL="457200" algn="l">
+            <a:lvl1pPr marL="457200" lvl="0" indent="-228600" algn="l">
               <a:lnSpc>
                 <a:spcPct val="100000"/>
               </a:lnSpc>
@@ -5764,7 +5919,7 @@
               <a:buNone/>
               <a:defRPr/>
             </a:lvl1pPr>
-            <a:lvl2pPr indent="-228600" lvl="1" marL="914400" algn="l">
+            <a:lvl2pPr marL="914400" lvl="1" indent="-228600" algn="l">
               <a:lnSpc>
                 <a:spcPct val="100000"/>
               </a:lnSpc>
@@ -5778,7 +5933,7 @@
               <a:buNone/>
               <a:defRPr/>
             </a:lvl2pPr>
-            <a:lvl3pPr indent="-228600" lvl="2" marL="1371600" algn="l">
+            <a:lvl3pPr marL="1371600" lvl="2" indent="-228600" algn="l">
               <a:lnSpc>
                 <a:spcPct val="100000"/>
               </a:lnSpc>
@@ -5792,7 +5947,7 @@
               <a:buNone/>
               <a:defRPr/>
             </a:lvl3pPr>
-            <a:lvl4pPr indent="-228600" lvl="3" marL="1828800" algn="l">
+            <a:lvl4pPr marL="1828800" lvl="3" indent="-228600" algn="l">
               <a:lnSpc>
                 <a:spcPct val="100000"/>
               </a:lnSpc>
@@ -5806,7 +5961,7 @@
               <a:buNone/>
               <a:defRPr/>
             </a:lvl4pPr>
-            <a:lvl5pPr indent="-228600" lvl="4" marL="2286000" algn="l">
+            <a:lvl5pPr marL="2286000" lvl="4" indent="-228600" algn="l">
               <a:lnSpc>
                 <a:spcPct val="100000"/>
               </a:lnSpc>
@@ -5820,7 +5975,7 @@
               <a:buNone/>
               <a:defRPr/>
             </a:lvl5pPr>
-            <a:lvl6pPr indent="-228600" lvl="5" marL="2743200" algn="l">
+            <a:lvl6pPr marL="2743200" lvl="5" indent="-228600" algn="l">
               <a:lnSpc>
                 <a:spcPct val="100000"/>
               </a:lnSpc>
@@ -5834,7 +5989,7 @@
               <a:buNone/>
               <a:defRPr/>
             </a:lvl6pPr>
-            <a:lvl7pPr indent="-228600" lvl="6" marL="3200400" algn="l">
+            <a:lvl7pPr marL="3200400" lvl="6" indent="-228600" algn="l">
               <a:lnSpc>
                 <a:spcPct val="100000"/>
               </a:lnSpc>
@@ -5848,7 +6003,7 @@
               <a:buNone/>
               <a:defRPr/>
             </a:lvl7pPr>
-            <a:lvl8pPr indent="-228600" lvl="7" marL="3657600" algn="l">
+            <a:lvl8pPr marL="3657600" lvl="7" indent="-228600" algn="l">
               <a:lnSpc>
                 <a:spcPct val="100000"/>
               </a:lnSpc>
@@ -5862,7 +6017,7 @@
               <a:buNone/>
               <a:defRPr/>
             </a:lvl8pPr>
-            <a:lvl9pPr indent="-228600" lvl="8" marL="4114800" algn="l">
+            <a:lvl9pPr marL="4114800" lvl="8" indent="-228600" algn="l">
               <a:lnSpc>
                 <a:spcPct val="100000"/>
               </a:lnSpc>
@@ -5877,15 +6032,19 @@
               <a:defRPr/>
             </a:lvl9pPr>
           </a:lstStyle>
-          <a:p/>
+          <a:p>
+            <a:endParaRPr/>
+          </a:p>
         </p:txBody>
       </p:sp>
       <p:sp>
         <p:nvSpPr>
           <p:cNvPr id="32" name="Google Shape;32;p24"/>
-          <p:cNvSpPr txBox="1"/>
+          <p:cNvSpPr txBox="1">
+            <a:spLocks noGrp="1"/>
+          </p:cNvSpPr>
           <p:nvPr>
-            <p:ph idx="11" type="ftr"/>
+            <p:ph type="ftr" idx="11"/>
           </p:nvPr>
         </p:nvSpPr>
         <p:spPr>
@@ -5902,7 +6061,7 @@
           </a:ln>
         </p:spPr>
         <p:txBody>
-          <a:bodyPr anchorCtr="0" anchor="t" bIns="0" lIns="0" spcFirstLastPara="1" rIns="0" wrap="square" tIns="0">
+          <a:bodyPr spcFirstLastPara="1" wrap="square" lIns="0" tIns="0" rIns="0" bIns="0" anchor="t" anchorCtr="0">
             <a:spAutoFit/>
           </a:bodyPr>
           <a:lstStyle>
@@ -6037,15 +6196,19 @@
               <a:defRPr/>
             </a:lvl9pPr>
           </a:lstStyle>
-          <a:p/>
+          <a:p>
+            <a:endParaRPr/>
+          </a:p>
         </p:txBody>
       </p:sp>
       <p:sp>
         <p:nvSpPr>
           <p:cNvPr id="33" name="Google Shape;33;p24"/>
-          <p:cNvSpPr txBox="1"/>
+          <p:cNvSpPr txBox="1">
+            <a:spLocks noGrp="1"/>
+          </p:cNvSpPr>
           <p:nvPr>
-            <p:ph idx="10" type="dt"/>
+            <p:ph type="dt" idx="10"/>
           </p:nvPr>
         </p:nvSpPr>
         <p:spPr>
@@ -6062,7 +6225,7 @@
           </a:ln>
         </p:spPr>
         <p:txBody>
-          <a:bodyPr anchorCtr="0" anchor="t" bIns="0" lIns="0" spcFirstLastPara="1" rIns="0" wrap="square" tIns="0">
+          <a:bodyPr spcFirstLastPara="1" wrap="square" lIns="0" tIns="0" rIns="0" bIns="0" anchor="t" anchorCtr="0">
             <a:spAutoFit/>
           </a:bodyPr>
           <a:lstStyle>
@@ -6197,15 +6360,19 @@
               <a:defRPr/>
             </a:lvl9pPr>
           </a:lstStyle>
-          <a:p/>
+          <a:p>
+            <a:endParaRPr/>
+          </a:p>
         </p:txBody>
       </p:sp>
       <p:sp>
         <p:nvSpPr>
           <p:cNvPr id="34" name="Google Shape;34;p24"/>
-          <p:cNvSpPr txBox="1"/>
+          <p:cNvSpPr txBox="1">
+            <a:spLocks noGrp="1"/>
+          </p:cNvSpPr>
           <p:nvPr>
-            <p:ph idx="12" type="sldNum"/>
+            <p:ph type="sldNum" idx="12"/>
           </p:nvPr>
         </p:nvSpPr>
         <p:spPr>
@@ -6222,11 +6389,11 @@
           </a:ln>
         </p:spPr>
         <p:txBody>
-          <a:bodyPr anchorCtr="0" anchor="t" bIns="0" lIns="0" spcFirstLastPara="1" rIns="0" wrap="square" tIns="0">
+          <a:bodyPr spcFirstLastPara="1" wrap="square" lIns="0" tIns="0" rIns="0" bIns="0" anchor="t" anchorCtr="0">
             <a:spAutoFit/>
           </a:bodyPr>
           <a:lstStyle>
-            <a:lvl1pPr indent="0" lvl="0" marL="0" marR="0" algn="r">
+            <a:lvl1pPr marL="0" marR="0" lvl="0" indent="0" algn="r">
               <a:lnSpc>
                 <a:spcPct val="100000"/>
               </a:lnSpc>
@@ -6242,7 +6409,7 @@
               <a:buSzPts val="1800"/>
               <a:buFont typeface="Arial"/>
               <a:buNone/>
-              <a:defRPr b="0" i="0" sz="1800" u="none" cap="none" strike="noStrike">
+              <a:defRPr sz="1800" b="0" i="0" u="none" strike="noStrike" cap="none">
                 <a:solidFill>
                   <a:srgbClr val="888888"/>
                 </a:solidFill>
@@ -6252,7 +6419,7 @@
                 <a:sym typeface="Arial"/>
               </a:defRPr>
             </a:lvl1pPr>
-            <a:lvl2pPr indent="0" lvl="1" marL="0" marR="0" algn="r">
+            <a:lvl2pPr marL="0" marR="0" lvl="1" indent="0" algn="r">
               <a:lnSpc>
                 <a:spcPct val="100000"/>
               </a:lnSpc>
@@ -6268,7 +6435,7 @@
               <a:buSzPts val="1800"/>
               <a:buFont typeface="Arial"/>
               <a:buNone/>
-              <a:defRPr b="0" i="0" sz="1800" u="none" cap="none" strike="noStrike">
+              <a:defRPr sz="1800" b="0" i="0" u="none" strike="noStrike" cap="none">
                 <a:solidFill>
                   <a:srgbClr val="888888"/>
                 </a:solidFill>
@@ -6278,7 +6445,7 @@
                 <a:sym typeface="Arial"/>
               </a:defRPr>
             </a:lvl2pPr>
-            <a:lvl3pPr indent="0" lvl="2" marL="0" marR="0" algn="r">
+            <a:lvl3pPr marL="0" marR="0" lvl="2" indent="0" algn="r">
               <a:lnSpc>
                 <a:spcPct val="100000"/>
               </a:lnSpc>
@@ -6294,7 +6461,7 @@
               <a:buSzPts val="1800"/>
               <a:buFont typeface="Arial"/>
               <a:buNone/>
-              <a:defRPr b="0" i="0" sz="1800" u="none" cap="none" strike="noStrike">
+              <a:defRPr sz="1800" b="0" i="0" u="none" strike="noStrike" cap="none">
                 <a:solidFill>
                   <a:srgbClr val="888888"/>
                 </a:solidFill>
@@ -6304,7 +6471,7 @@
                 <a:sym typeface="Arial"/>
               </a:defRPr>
             </a:lvl3pPr>
-            <a:lvl4pPr indent="0" lvl="3" marL="0" marR="0" algn="r">
+            <a:lvl4pPr marL="0" marR="0" lvl="3" indent="0" algn="r">
               <a:lnSpc>
                 <a:spcPct val="100000"/>
               </a:lnSpc>
@@ -6320,7 +6487,7 @@
               <a:buSzPts val="1800"/>
               <a:buFont typeface="Arial"/>
               <a:buNone/>
-              <a:defRPr b="0" i="0" sz="1800" u="none" cap="none" strike="noStrike">
+              <a:defRPr sz="1800" b="0" i="0" u="none" strike="noStrike" cap="none">
                 <a:solidFill>
                   <a:srgbClr val="888888"/>
                 </a:solidFill>
@@ -6330,7 +6497,7 @@
                 <a:sym typeface="Arial"/>
               </a:defRPr>
             </a:lvl4pPr>
-            <a:lvl5pPr indent="0" lvl="4" marL="0" marR="0" algn="r">
+            <a:lvl5pPr marL="0" marR="0" lvl="4" indent="0" algn="r">
               <a:lnSpc>
                 <a:spcPct val="100000"/>
               </a:lnSpc>
@@ -6346,7 +6513,7 @@
               <a:buSzPts val="1800"/>
               <a:buFont typeface="Arial"/>
               <a:buNone/>
-              <a:defRPr b="0" i="0" sz="1800" u="none" cap="none" strike="noStrike">
+              <a:defRPr sz="1800" b="0" i="0" u="none" strike="noStrike" cap="none">
                 <a:solidFill>
                   <a:srgbClr val="888888"/>
                 </a:solidFill>
@@ -6356,7 +6523,7 @@
                 <a:sym typeface="Arial"/>
               </a:defRPr>
             </a:lvl5pPr>
-            <a:lvl6pPr indent="0" lvl="5" marL="0" marR="0" algn="r">
+            <a:lvl6pPr marL="0" marR="0" lvl="5" indent="0" algn="r">
               <a:lnSpc>
                 <a:spcPct val="100000"/>
               </a:lnSpc>
@@ -6372,7 +6539,7 @@
               <a:buSzPts val="1800"/>
               <a:buFont typeface="Arial"/>
               <a:buNone/>
-              <a:defRPr b="0" i="0" sz="1800" u="none" cap="none" strike="noStrike">
+              <a:defRPr sz="1800" b="0" i="0" u="none" strike="noStrike" cap="none">
                 <a:solidFill>
                   <a:srgbClr val="888888"/>
                 </a:solidFill>
@@ -6382,7 +6549,7 @@
                 <a:sym typeface="Arial"/>
               </a:defRPr>
             </a:lvl6pPr>
-            <a:lvl7pPr indent="0" lvl="6" marL="0" marR="0" algn="r">
+            <a:lvl7pPr marL="0" marR="0" lvl="6" indent="0" algn="r">
               <a:lnSpc>
                 <a:spcPct val="100000"/>
               </a:lnSpc>
@@ -6398,7 +6565,7 @@
               <a:buSzPts val="1800"/>
               <a:buFont typeface="Arial"/>
               <a:buNone/>
-              <a:defRPr b="0" i="0" sz="1800" u="none" cap="none" strike="noStrike">
+              <a:defRPr sz="1800" b="0" i="0" u="none" strike="noStrike" cap="none">
                 <a:solidFill>
                   <a:srgbClr val="888888"/>
                 </a:solidFill>
@@ -6408,7 +6575,7 @@
                 <a:sym typeface="Arial"/>
               </a:defRPr>
             </a:lvl7pPr>
-            <a:lvl8pPr indent="0" lvl="7" marL="0" marR="0" algn="r">
+            <a:lvl8pPr marL="0" marR="0" lvl="7" indent="0" algn="r">
               <a:lnSpc>
                 <a:spcPct val="100000"/>
               </a:lnSpc>
@@ -6424,7 +6591,7 @@
               <a:buSzPts val="1800"/>
               <a:buFont typeface="Arial"/>
               <a:buNone/>
-              <a:defRPr b="0" i="0" sz="1800" u="none" cap="none" strike="noStrike">
+              <a:defRPr sz="1800" b="0" i="0" u="none" strike="noStrike" cap="none">
                 <a:solidFill>
                   <a:srgbClr val="888888"/>
                 </a:solidFill>
@@ -6434,7 +6601,7 @@
                 <a:sym typeface="Arial"/>
               </a:defRPr>
             </a:lvl8pPr>
-            <a:lvl9pPr indent="0" lvl="8" marL="0" marR="0" algn="r">
+            <a:lvl9pPr marL="0" marR="0" lvl="8" indent="0" algn="r">
               <a:lnSpc>
                 <a:spcPct val="100000"/>
               </a:lnSpc>
@@ -6450,7 +6617,7 @@
               <a:buSzPts val="1800"/>
               <a:buFont typeface="Arial"/>
               <a:buNone/>
-              <a:defRPr b="0" i="0" sz="1800" u="none" cap="none" strike="noStrike">
+              <a:defRPr sz="1800" b="0" i="0" u="none" strike="noStrike" cap="none">
                 <a:solidFill>
                   <a:srgbClr val="888888"/>
                 </a:solidFill>
@@ -6462,7 +6629,7 @@
             </a:lvl9pPr>
           </a:lstStyle>
           <a:p>
-            <a:pPr indent="0" lvl="0" marL="0" rtl="0" algn="r">
+            <a:pPr marL="0" lvl="0" indent="0" algn="r" rtl="0">
               <a:spcBef>
                 <a:spcPts val="0"/>
               </a:spcBef>
@@ -6488,11 +6655,11 @@
 </file>
 
 <file path=ppt/slideLayouts/slideLayout5.xml><?xml version="1.0" encoding="utf-8"?>
-<p:sldLayout xmlns:a="http://schemas.openxmlformats.org/drawingml/2006/main" xmlns:r="http://schemas.openxmlformats.org/officeDocument/2006/relationships" xmlns:mc="http://schemas.openxmlformats.org/markup-compatibility/2006" xmlns:mv="urn:schemas-microsoft-com:mac:vml" xmlns:p="http://schemas.openxmlformats.org/presentationml/2006/main" xmlns:c="http://schemas.openxmlformats.org/drawingml/2006/chart" xmlns:dgm="http://schemas.openxmlformats.org/drawingml/2006/diagram" xmlns:o="urn:schemas-microsoft-com:office:office" xmlns:v="urn:schemas-microsoft-com:vml" xmlns:pvml="urn:schemas-microsoft-com:office:powerpoint" xmlns:com="http://schemas.openxmlformats.org/drawingml/2006/compatibility" xmlns:p14="http://schemas.microsoft.com/office/powerpoint/2010/main" xmlns:p15="http://schemas.microsoft.com/office/powerpoint/2012/main" xmlns:ahyp="http://schemas.microsoft.com/office/drawing/2018/hyperlinkcolor" matchingName="Blank">
+<p:sldLayout xmlns:a="http://schemas.openxmlformats.org/drawingml/2006/main" xmlns:r="http://schemas.openxmlformats.org/officeDocument/2006/relationships" xmlns:p="http://schemas.openxmlformats.org/presentationml/2006/main" matchingName="Blank">
   <p:cSld name="Blank">
     <p:spTree>
       <p:nvGrpSpPr>
-        <p:cNvPr id="35" name="Shape 35"/>
+        <p:cNvPr id="1" name="Shape 35"/>
         <p:cNvGrpSpPr/>
         <p:nvPr/>
       </p:nvGrpSpPr>
@@ -6507,9 +6674,11 @@
       <p:sp>
         <p:nvSpPr>
           <p:cNvPr id="36" name="Google Shape;36;p25"/>
-          <p:cNvSpPr txBox="1"/>
+          <p:cNvSpPr txBox="1">
+            <a:spLocks noGrp="1"/>
+          </p:cNvSpPr>
           <p:nvPr>
-            <p:ph idx="11" type="ftr"/>
+            <p:ph type="ftr" idx="11"/>
           </p:nvPr>
         </p:nvSpPr>
         <p:spPr>
@@ -6526,7 +6695,7 @@
           </a:ln>
         </p:spPr>
         <p:txBody>
-          <a:bodyPr anchorCtr="0" anchor="t" bIns="0" lIns="0" spcFirstLastPara="1" rIns="0" wrap="square" tIns="0">
+          <a:bodyPr spcFirstLastPara="1" wrap="square" lIns="0" tIns="0" rIns="0" bIns="0" anchor="t" anchorCtr="0">
             <a:spAutoFit/>
           </a:bodyPr>
           <a:lstStyle>
@@ -6661,15 +6830,19 @@
               <a:defRPr/>
             </a:lvl9pPr>
           </a:lstStyle>
-          <a:p/>
+          <a:p>
+            <a:endParaRPr/>
+          </a:p>
         </p:txBody>
       </p:sp>
       <p:sp>
         <p:nvSpPr>
           <p:cNvPr id="37" name="Google Shape;37;p25"/>
-          <p:cNvSpPr txBox="1"/>
+          <p:cNvSpPr txBox="1">
+            <a:spLocks noGrp="1"/>
+          </p:cNvSpPr>
           <p:nvPr>
-            <p:ph idx="10" type="dt"/>
+            <p:ph type="dt" idx="10"/>
           </p:nvPr>
         </p:nvSpPr>
         <p:spPr>
@@ -6686,7 +6859,7 @@
           </a:ln>
         </p:spPr>
         <p:txBody>
-          <a:bodyPr anchorCtr="0" anchor="t" bIns="0" lIns="0" spcFirstLastPara="1" rIns="0" wrap="square" tIns="0">
+          <a:bodyPr spcFirstLastPara="1" wrap="square" lIns="0" tIns="0" rIns="0" bIns="0" anchor="t" anchorCtr="0">
             <a:spAutoFit/>
           </a:bodyPr>
           <a:lstStyle>
@@ -6821,15 +6994,19 @@
               <a:defRPr/>
             </a:lvl9pPr>
           </a:lstStyle>
-          <a:p/>
+          <a:p>
+            <a:endParaRPr/>
+          </a:p>
         </p:txBody>
       </p:sp>
       <p:sp>
         <p:nvSpPr>
           <p:cNvPr id="38" name="Google Shape;38;p25"/>
-          <p:cNvSpPr txBox="1"/>
+          <p:cNvSpPr txBox="1">
+            <a:spLocks noGrp="1"/>
+          </p:cNvSpPr>
           <p:nvPr>
-            <p:ph idx="12" type="sldNum"/>
+            <p:ph type="sldNum" idx="12"/>
           </p:nvPr>
         </p:nvSpPr>
         <p:spPr>
@@ -6846,11 +7023,11 @@
           </a:ln>
         </p:spPr>
         <p:txBody>
-          <a:bodyPr anchorCtr="0" anchor="t" bIns="0" lIns="0" spcFirstLastPara="1" rIns="0" wrap="square" tIns="0">
+          <a:bodyPr spcFirstLastPara="1" wrap="square" lIns="0" tIns="0" rIns="0" bIns="0" anchor="t" anchorCtr="0">
             <a:spAutoFit/>
           </a:bodyPr>
           <a:lstStyle>
-            <a:lvl1pPr indent="0" lvl="0" marL="0" marR="0" algn="r">
+            <a:lvl1pPr marL="0" marR="0" lvl="0" indent="0" algn="r">
               <a:lnSpc>
                 <a:spcPct val="100000"/>
               </a:lnSpc>
@@ -6866,7 +7043,7 @@
               <a:buSzPts val="1800"/>
               <a:buFont typeface="Arial"/>
               <a:buNone/>
-              <a:defRPr b="0" i="0" sz="1800" u="none" cap="none" strike="noStrike">
+              <a:defRPr sz="1800" b="0" i="0" u="none" strike="noStrike" cap="none">
                 <a:solidFill>
                   <a:srgbClr val="888888"/>
                 </a:solidFill>
@@ -6876,7 +7053,7 @@
                 <a:sym typeface="Arial"/>
               </a:defRPr>
             </a:lvl1pPr>
-            <a:lvl2pPr indent="0" lvl="1" marL="0" marR="0" algn="r">
+            <a:lvl2pPr marL="0" marR="0" lvl="1" indent="0" algn="r">
               <a:lnSpc>
                 <a:spcPct val="100000"/>
               </a:lnSpc>
@@ -6892,7 +7069,7 @@
               <a:buSzPts val="1800"/>
               <a:buFont typeface="Arial"/>
               <a:buNone/>
-              <a:defRPr b="0" i="0" sz="1800" u="none" cap="none" strike="noStrike">
+              <a:defRPr sz="1800" b="0" i="0" u="none" strike="noStrike" cap="none">
                 <a:solidFill>
                   <a:srgbClr val="888888"/>
                 </a:solidFill>
@@ -6902,7 +7079,7 @@
                 <a:sym typeface="Arial"/>
               </a:defRPr>
             </a:lvl2pPr>
-            <a:lvl3pPr indent="0" lvl="2" marL="0" marR="0" algn="r">
+            <a:lvl3pPr marL="0" marR="0" lvl="2" indent="0" algn="r">
               <a:lnSpc>
                 <a:spcPct val="100000"/>
               </a:lnSpc>
@@ -6918,7 +7095,7 @@
               <a:buSzPts val="1800"/>
               <a:buFont typeface="Arial"/>
               <a:buNone/>
-              <a:defRPr b="0" i="0" sz="1800" u="none" cap="none" strike="noStrike">
+              <a:defRPr sz="1800" b="0" i="0" u="none" strike="noStrike" cap="none">
                 <a:solidFill>
                   <a:srgbClr val="888888"/>
                 </a:solidFill>
@@ -6928,7 +7105,7 @@
                 <a:sym typeface="Arial"/>
               </a:defRPr>
             </a:lvl3pPr>
-            <a:lvl4pPr indent="0" lvl="3" marL="0" marR="0" algn="r">
+            <a:lvl4pPr marL="0" marR="0" lvl="3" indent="0" algn="r">
               <a:lnSpc>
                 <a:spcPct val="100000"/>
               </a:lnSpc>
@@ -6944,7 +7121,7 @@
               <a:buSzPts val="1800"/>
               <a:buFont typeface="Arial"/>
               <a:buNone/>
-              <a:defRPr b="0" i="0" sz="1800" u="none" cap="none" strike="noStrike">
+              <a:defRPr sz="1800" b="0" i="0" u="none" strike="noStrike" cap="none">
                 <a:solidFill>
                   <a:srgbClr val="888888"/>
                 </a:solidFill>
@@ -6954,7 +7131,7 @@
                 <a:sym typeface="Arial"/>
               </a:defRPr>
             </a:lvl4pPr>
-            <a:lvl5pPr indent="0" lvl="4" marL="0" marR="0" algn="r">
+            <a:lvl5pPr marL="0" marR="0" lvl="4" indent="0" algn="r">
               <a:lnSpc>
                 <a:spcPct val="100000"/>
               </a:lnSpc>
@@ -6970,7 +7147,7 @@
               <a:buSzPts val="1800"/>
               <a:buFont typeface="Arial"/>
               <a:buNone/>
-              <a:defRPr b="0" i="0" sz="1800" u="none" cap="none" strike="noStrike">
+              <a:defRPr sz="1800" b="0" i="0" u="none" strike="noStrike" cap="none">
                 <a:solidFill>
                   <a:srgbClr val="888888"/>
                 </a:solidFill>
@@ -6980,7 +7157,7 @@
                 <a:sym typeface="Arial"/>
               </a:defRPr>
             </a:lvl5pPr>
-            <a:lvl6pPr indent="0" lvl="5" marL="0" marR="0" algn="r">
+            <a:lvl6pPr marL="0" marR="0" lvl="5" indent="0" algn="r">
               <a:lnSpc>
                 <a:spcPct val="100000"/>
               </a:lnSpc>
@@ -6996,7 +7173,7 @@
               <a:buSzPts val="1800"/>
               <a:buFont typeface="Arial"/>
               <a:buNone/>
-              <a:defRPr b="0" i="0" sz="1800" u="none" cap="none" strike="noStrike">
+              <a:defRPr sz="1800" b="0" i="0" u="none" strike="noStrike" cap="none">
                 <a:solidFill>
                   <a:srgbClr val="888888"/>
                 </a:solidFill>
@@ -7006,7 +7183,7 @@
                 <a:sym typeface="Arial"/>
               </a:defRPr>
             </a:lvl6pPr>
-            <a:lvl7pPr indent="0" lvl="6" marL="0" marR="0" algn="r">
+            <a:lvl7pPr marL="0" marR="0" lvl="6" indent="0" algn="r">
               <a:lnSpc>
                 <a:spcPct val="100000"/>
               </a:lnSpc>
@@ -7022,7 +7199,7 @@
               <a:buSzPts val="1800"/>
               <a:buFont typeface="Arial"/>
               <a:buNone/>
-              <a:defRPr b="0" i="0" sz="1800" u="none" cap="none" strike="noStrike">
+              <a:defRPr sz="1800" b="0" i="0" u="none" strike="noStrike" cap="none">
                 <a:solidFill>
                   <a:srgbClr val="888888"/>
                 </a:solidFill>
@@ -7032,7 +7209,7 @@
                 <a:sym typeface="Arial"/>
               </a:defRPr>
             </a:lvl7pPr>
-            <a:lvl8pPr indent="0" lvl="7" marL="0" marR="0" algn="r">
+            <a:lvl8pPr marL="0" marR="0" lvl="7" indent="0" algn="r">
               <a:lnSpc>
                 <a:spcPct val="100000"/>
               </a:lnSpc>
@@ -7048,7 +7225,7 @@
               <a:buSzPts val="1800"/>
               <a:buFont typeface="Arial"/>
               <a:buNone/>
-              <a:defRPr b="0" i="0" sz="1800" u="none" cap="none" strike="noStrike">
+              <a:defRPr sz="1800" b="0" i="0" u="none" strike="noStrike" cap="none">
                 <a:solidFill>
                   <a:srgbClr val="888888"/>
                 </a:solidFill>
@@ -7058,7 +7235,7 @@
                 <a:sym typeface="Arial"/>
               </a:defRPr>
             </a:lvl8pPr>
-            <a:lvl9pPr indent="0" lvl="8" marL="0" marR="0" algn="r">
+            <a:lvl9pPr marL="0" marR="0" lvl="8" indent="0" algn="r">
               <a:lnSpc>
                 <a:spcPct val="100000"/>
               </a:lnSpc>
@@ -7074,7 +7251,7 @@
               <a:buSzPts val="1800"/>
               <a:buFont typeface="Arial"/>
               <a:buNone/>
-              <a:defRPr b="0" i="0" sz="1800" u="none" cap="none" strike="noStrike">
+              <a:defRPr sz="1800" b="0" i="0" u="none" strike="noStrike" cap="none">
                 <a:solidFill>
                   <a:srgbClr val="888888"/>
                 </a:solidFill>
@@ -7086,7 +7263,7 @@
             </a:lvl9pPr>
           </a:lstStyle>
           <a:p>
-            <a:pPr indent="0" lvl="0" marL="0" rtl="0" algn="r">
+            <a:pPr marL="0" lvl="0" indent="0" algn="r" rtl="0">
               <a:spcBef>
                 <a:spcPts val="0"/>
               </a:spcBef>
@@ -7112,18 +7289,19 @@
 </file>
 
 <file path=ppt/slideMasters/slideMaster1.xml><?xml version="1.0" encoding="utf-8"?>
-<p:sldMaster xmlns:a="http://schemas.openxmlformats.org/drawingml/2006/main" xmlns:r="http://schemas.openxmlformats.org/officeDocument/2006/relationships" xmlns:mc="http://schemas.openxmlformats.org/markup-compatibility/2006" xmlns:mv="urn:schemas-microsoft-com:mac:vml" xmlns:p="http://schemas.openxmlformats.org/presentationml/2006/main" xmlns:c="http://schemas.openxmlformats.org/drawingml/2006/chart" xmlns:dgm="http://schemas.openxmlformats.org/drawingml/2006/diagram" xmlns:o="urn:schemas-microsoft-com:office:office" xmlns:v="urn:schemas-microsoft-com:vml" xmlns:pvml="urn:schemas-microsoft-com:office:powerpoint" xmlns:com="http://schemas.openxmlformats.org/drawingml/2006/compatibility" xmlns:p14="http://schemas.microsoft.com/office/powerpoint/2010/main" xmlns:p15="http://schemas.microsoft.com/office/powerpoint/2012/main" xmlns:ahyp="http://schemas.microsoft.com/office/drawing/2018/hyperlinkcolor">
+<p:sldMaster xmlns:a="http://schemas.openxmlformats.org/drawingml/2006/main" xmlns:r="http://schemas.openxmlformats.org/officeDocument/2006/relationships" xmlns:p="http://schemas.openxmlformats.org/presentationml/2006/main">
   <p:cSld>
     <p:bg>
       <p:bgPr>
         <a:solidFill>
           <a:schemeClr val="lt1"/>
         </a:solidFill>
+        <a:effectLst/>
       </p:bgPr>
     </p:bg>
     <p:spTree>
       <p:nvGrpSpPr>
-        <p:cNvPr id="5" name="Shape 5"/>
+        <p:cNvPr id="1" name="Shape 5"/>
         <p:cNvGrpSpPr/>
         <p:nvPr/>
       </p:nvGrpSpPr>
@@ -7138,7 +7316,9 @@
       <p:sp>
         <p:nvSpPr>
           <p:cNvPr id="6" name="Google Shape;6;p20"/>
-          <p:cNvSpPr txBox="1"/>
+          <p:cNvSpPr txBox="1">
+            <a:spLocks noGrp="1"/>
+          </p:cNvSpPr>
           <p:nvPr>
             <p:ph type="title"/>
           </p:nvPr>
@@ -7157,11 +7337,11 @@
           </a:ln>
         </p:spPr>
         <p:txBody>
-          <a:bodyPr anchorCtr="0" anchor="t" bIns="0" lIns="0" spcFirstLastPara="1" rIns="0" wrap="square" tIns="0">
+          <a:bodyPr spcFirstLastPara="1" wrap="square" lIns="0" tIns="0" rIns="0" bIns="0" anchor="t" anchorCtr="0">
             <a:spAutoFit/>
           </a:bodyPr>
           <a:lstStyle>
-            <a:lvl1pPr lvl="0" marR="0" rtl="0" algn="l">
+            <a:lvl1pPr marR="0" lvl="0" algn="l" rtl="0">
               <a:lnSpc>
                 <a:spcPct val="100000"/>
               </a:lnSpc>
@@ -7177,7 +7357,7 @@
               <a:buSzPts val="1400"/>
               <a:buFont typeface="Arial"/>
               <a:buNone/>
-              <a:defRPr b="0" i="0" sz="4400" u="none" cap="none" strike="noStrike">
+              <a:defRPr sz="4400" b="0" i="0" u="none" strike="noStrike" cap="none">
                 <a:solidFill>
                   <a:schemeClr val="dk1"/>
                 </a:solidFill>
@@ -7187,7 +7367,7 @@
                 <a:sym typeface="Calibri"/>
               </a:defRPr>
             </a:lvl1pPr>
-            <a:lvl2pPr lvl="1" marR="0" rtl="0" algn="l">
+            <a:lvl2pPr marR="0" lvl="1" algn="l" rtl="0">
               <a:lnSpc>
                 <a:spcPct val="100000"/>
               </a:lnSpc>
@@ -7203,7 +7383,7 @@
               <a:buSzPts val="1400"/>
               <a:buFont typeface="Arial"/>
               <a:buNone/>
-              <a:defRPr b="0" i="0" sz="1800" u="none" cap="none" strike="noStrike">
+              <a:defRPr sz="1800" b="0" i="0" u="none" strike="noStrike" cap="none">
                 <a:solidFill>
                   <a:srgbClr val="000000"/>
                 </a:solidFill>
@@ -7213,7 +7393,7 @@
                 <a:sym typeface="Arial"/>
               </a:defRPr>
             </a:lvl2pPr>
-            <a:lvl3pPr lvl="2" marR="0" rtl="0" algn="l">
+            <a:lvl3pPr marR="0" lvl="2" algn="l" rtl="0">
               <a:lnSpc>
                 <a:spcPct val="100000"/>
               </a:lnSpc>
@@ -7229,7 +7409,7 @@
               <a:buSzPts val="1400"/>
               <a:buFont typeface="Arial"/>
               <a:buNone/>
-              <a:defRPr b="0" i="0" sz="1800" u="none" cap="none" strike="noStrike">
+              <a:defRPr sz="1800" b="0" i="0" u="none" strike="noStrike" cap="none">
                 <a:solidFill>
                   <a:srgbClr val="000000"/>
                 </a:solidFill>
@@ -7239,7 +7419,7 @@
                 <a:sym typeface="Arial"/>
               </a:defRPr>
             </a:lvl3pPr>
-            <a:lvl4pPr lvl="3" marR="0" rtl="0" algn="l">
+            <a:lvl4pPr marR="0" lvl="3" algn="l" rtl="0">
               <a:lnSpc>
                 <a:spcPct val="100000"/>
               </a:lnSpc>
@@ -7255,7 +7435,7 @@
               <a:buSzPts val="1400"/>
               <a:buFont typeface="Arial"/>
               <a:buNone/>
-              <a:defRPr b="0" i="0" sz="1800" u="none" cap="none" strike="noStrike">
+              <a:defRPr sz="1800" b="0" i="0" u="none" strike="noStrike" cap="none">
                 <a:solidFill>
                   <a:srgbClr val="000000"/>
                 </a:solidFill>
@@ -7265,7 +7445,7 @@
                 <a:sym typeface="Arial"/>
               </a:defRPr>
             </a:lvl4pPr>
-            <a:lvl5pPr lvl="4" marR="0" rtl="0" algn="l">
+            <a:lvl5pPr marR="0" lvl="4" algn="l" rtl="0">
               <a:lnSpc>
                 <a:spcPct val="100000"/>
               </a:lnSpc>
@@ -7281,7 +7461,7 @@
               <a:buSzPts val="1400"/>
               <a:buFont typeface="Arial"/>
               <a:buNone/>
-              <a:defRPr b="0" i="0" sz="1800" u="none" cap="none" strike="noStrike">
+              <a:defRPr sz="1800" b="0" i="0" u="none" strike="noStrike" cap="none">
                 <a:solidFill>
                   <a:srgbClr val="000000"/>
                 </a:solidFill>
@@ -7291,7 +7471,7 @@
                 <a:sym typeface="Arial"/>
               </a:defRPr>
             </a:lvl5pPr>
-            <a:lvl6pPr lvl="5" marR="0" rtl="0" algn="l">
+            <a:lvl6pPr marR="0" lvl="5" algn="l" rtl="0">
               <a:lnSpc>
                 <a:spcPct val="100000"/>
               </a:lnSpc>
@@ -7307,7 +7487,7 @@
               <a:buSzPts val="1400"/>
               <a:buFont typeface="Arial"/>
               <a:buNone/>
-              <a:defRPr b="0" i="0" sz="1800" u="none" cap="none" strike="noStrike">
+              <a:defRPr sz="1800" b="0" i="0" u="none" strike="noStrike" cap="none">
                 <a:solidFill>
                   <a:srgbClr val="000000"/>
                 </a:solidFill>
@@ -7317,7 +7497,7 @@
                 <a:sym typeface="Arial"/>
               </a:defRPr>
             </a:lvl6pPr>
-            <a:lvl7pPr lvl="6" marR="0" rtl="0" algn="l">
+            <a:lvl7pPr marR="0" lvl="6" algn="l" rtl="0">
               <a:lnSpc>
                 <a:spcPct val="100000"/>
               </a:lnSpc>
@@ -7333,7 +7513,7 @@
               <a:buSzPts val="1400"/>
               <a:buFont typeface="Arial"/>
               <a:buNone/>
-              <a:defRPr b="0" i="0" sz="1800" u="none" cap="none" strike="noStrike">
+              <a:defRPr sz="1800" b="0" i="0" u="none" strike="noStrike" cap="none">
                 <a:solidFill>
                   <a:srgbClr val="000000"/>
                 </a:solidFill>
@@ -7343,7 +7523,7 @@
                 <a:sym typeface="Arial"/>
               </a:defRPr>
             </a:lvl7pPr>
-            <a:lvl8pPr lvl="7" marR="0" rtl="0" algn="l">
+            <a:lvl8pPr marR="0" lvl="7" algn="l" rtl="0">
               <a:lnSpc>
                 <a:spcPct val="100000"/>
               </a:lnSpc>
@@ -7359,7 +7539,7 @@
               <a:buSzPts val="1400"/>
               <a:buFont typeface="Arial"/>
               <a:buNone/>
-              <a:defRPr b="0" i="0" sz="1800" u="none" cap="none" strike="noStrike">
+              <a:defRPr sz="1800" b="0" i="0" u="none" strike="noStrike" cap="none">
                 <a:solidFill>
                   <a:srgbClr val="000000"/>
                 </a:solidFill>
@@ -7369,7 +7549,7 @@
                 <a:sym typeface="Arial"/>
               </a:defRPr>
             </a:lvl8pPr>
-            <a:lvl9pPr lvl="8" marR="0" rtl="0" algn="l">
+            <a:lvl9pPr marR="0" lvl="8" algn="l" rtl="0">
               <a:lnSpc>
                 <a:spcPct val="100000"/>
               </a:lnSpc>
@@ -7385,7 +7565,7 @@
               <a:buSzPts val="1400"/>
               <a:buFont typeface="Arial"/>
               <a:buNone/>
-              <a:defRPr b="0" i="0" sz="1800" u="none" cap="none" strike="noStrike">
+              <a:defRPr sz="1800" b="0" i="0" u="none" strike="noStrike" cap="none">
                 <a:solidFill>
                   <a:srgbClr val="000000"/>
                 </a:solidFill>
@@ -7396,15 +7576,19 @@
               </a:defRPr>
             </a:lvl9pPr>
           </a:lstStyle>
-          <a:p/>
+          <a:p>
+            <a:endParaRPr/>
+          </a:p>
         </p:txBody>
       </p:sp>
       <p:sp>
         <p:nvSpPr>
           <p:cNvPr id="7" name="Google Shape;7;p20"/>
-          <p:cNvSpPr txBox="1"/>
+          <p:cNvSpPr txBox="1">
+            <a:spLocks noGrp="1"/>
+          </p:cNvSpPr>
           <p:nvPr>
-            <p:ph idx="1" type="body"/>
+            <p:ph type="body" idx="1"/>
           </p:nvPr>
         </p:nvSpPr>
         <p:spPr>
@@ -7421,11 +7605,11 @@
           </a:ln>
         </p:spPr>
         <p:txBody>
-          <a:bodyPr anchorCtr="0" anchor="t" bIns="0" lIns="0" spcFirstLastPara="1" rIns="0" wrap="square" tIns="0">
+          <a:bodyPr spcFirstLastPara="1" wrap="square" lIns="0" tIns="0" rIns="0" bIns="0" anchor="t" anchorCtr="0">
             <a:spAutoFit/>
           </a:bodyPr>
           <a:lstStyle>
-            <a:lvl1pPr indent="-228600" lvl="0" marL="457200" marR="0" rtl="0" algn="l">
+            <a:lvl1pPr marL="457200" marR="0" lvl="0" indent="-228600" algn="l" rtl="0">
               <a:lnSpc>
                 <a:spcPct val="100000"/>
               </a:lnSpc>
@@ -7441,7 +7625,7 @@
               <a:buSzPts val="1400"/>
               <a:buFont typeface="Arial"/>
               <a:buNone/>
-              <a:defRPr b="0" i="0" sz="2800" u="none" cap="none" strike="noStrike">
+              <a:defRPr sz="2800" b="0" i="0" u="none" strike="noStrike" cap="none">
                 <a:solidFill>
                   <a:srgbClr val="7E7E7E"/>
                 </a:solidFill>
@@ -7451,7 +7635,7 @@
                 <a:sym typeface="Calibri"/>
               </a:defRPr>
             </a:lvl1pPr>
-            <a:lvl2pPr indent="-228600" lvl="1" marL="914400" marR="0" rtl="0" algn="l">
+            <a:lvl2pPr marL="914400" marR="0" lvl="1" indent="-228600" algn="l" rtl="0">
               <a:lnSpc>
                 <a:spcPct val="100000"/>
               </a:lnSpc>
@@ -7467,7 +7651,7 @@
               <a:buSzPts val="1400"/>
               <a:buFont typeface="Arial"/>
               <a:buNone/>
-              <a:defRPr b="0" i="0" sz="1800" u="none" cap="none" strike="noStrike">
+              <a:defRPr sz="1800" b="0" i="0" u="none" strike="noStrike" cap="none">
                 <a:solidFill>
                   <a:srgbClr val="000000"/>
                 </a:solidFill>
@@ -7477,7 +7661,7 @@
                 <a:sym typeface="Calibri"/>
               </a:defRPr>
             </a:lvl2pPr>
-            <a:lvl3pPr indent="-228600" lvl="2" marL="1371600" marR="0" rtl="0" algn="l">
+            <a:lvl3pPr marL="1371600" marR="0" lvl="2" indent="-228600" algn="l" rtl="0">
               <a:lnSpc>
                 <a:spcPct val="100000"/>
               </a:lnSpc>
@@ -7493,7 +7677,7 @@
               <a:buSzPts val="1400"/>
               <a:buFont typeface="Arial"/>
               <a:buNone/>
-              <a:defRPr b="0" i="0" sz="1800" u="none" cap="none" strike="noStrike">
+              <a:defRPr sz="1800" b="0" i="0" u="none" strike="noStrike" cap="none">
                 <a:solidFill>
                   <a:srgbClr val="000000"/>
                 </a:solidFill>
@@ -7503,7 +7687,7 @@
                 <a:sym typeface="Calibri"/>
               </a:defRPr>
             </a:lvl3pPr>
-            <a:lvl4pPr indent="-228600" lvl="3" marL="1828800" marR="0" rtl="0" algn="l">
+            <a:lvl4pPr marL="1828800" marR="0" lvl="3" indent="-228600" algn="l" rtl="0">
               <a:lnSpc>
                 <a:spcPct val="100000"/>
               </a:lnSpc>
@@ -7519,7 +7703,7 @@
               <a:buSzPts val="1400"/>
               <a:buFont typeface="Arial"/>
               <a:buNone/>
-              <a:defRPr b="0" i="0" sz="1800" u="none" cap="none" strike="noStrike">
+              <a:defRPr sz="1800" b="0" i="0" u="none" strike="noStrike" cap="none">
                 <a:solidFill>
                   <a:srgbClr val="000000"/>
                 </a:solidFill>
@@ -7529,7 +7713,7 @@
                 <a:sym typeface="Calibri"/>
               </a:defRPr>
             </a:lvl4pPr>
-            <a:lvl5pPr indent="-228600" lvl="4" marL="2286000" marR="0" rtl="0" algn="l">
+            <a:lvl5pPr marL="2286000" marR="0" lvl="4" indent="-228600" algn="l" rtl="0">
               <a:lnSpc>
                 <a:spcPct val="100000"/>
               </a:lnSpc>
@@ -7545,7 +7729,7 @@
               <a:buSzPts val="1400"/>
               <a:buFont typeface="Arial"/>
               <a:buNone/>
-              <a:defRPr b="0" i="0" sz="1800" u="none" cap="none" strike="noStrike">
+              <a:defRPr sz="1800" b="0" i="0" u="none" strike="noStrike" cap="none">
                 <a:solidFill>
                   <a:srgbClr val="000000"/>
                 </a:solidFill>
@@ -7555,7 +7739,7 @@
                 <a:sym typeface="Calibri"/>
               </a:defRPr>
             </a:lvl5pPr>
-            <a:lvl6pPr indent="-228600" lvl="5" marL="2743200" marR="0" rtl="0" algn="l">
+            <a:lvl6pPr marL="2743200" marR="0" lvl="5" indent="-228600" algn="l" rtl="0">
               <a:lnSpc>
                 <a:spcPct val="100000"/>
               </a:lnSpc>
@@ -7571,7 +7755,7 @@
               <a:buSzPts val="1400"/>
               <a:buFont typeface="Arial"/>
               <a:buNone/>
-              <a:defRPr b="0" i="0" sz="1800" u="none" cap="none" strike="noStrike">
+              <a:defRPr sz="1800" b="0" i="0" u="none" strike="noStrike" cap="none">
                 <a:solidFill>
                   <a:srgbClr val="000000"/>
                 </a:solidFill>
@@ -7581,7 +7765,7 @@
                 <a:sym typeface="Calibri"/>
               </a:defRPr>
             </a:lvl6pPr>
-            <a:lvl7pPr indent="-228600" lvl="6" marL="3200400" marR="0" rtl="0" algn="l">
+            <a:lvl7pPr marL="3200400" marR="0" lvl="6" indent="-228600" algn="l" rtl="0">
               <a:lnSpc>
                 <a:spcPct val="100000"/>
               </a:lnSpc>
@@ -7597,7 +7781,7 @@
               <a:buSzPts val="1400"/>
               <a:buFont typeface="Arial"/>
               <a:buNone/>
-              <a:defRPr b="0" i="0" sz="1800" u="none" cap="none" strike="noStrike">
+              <a:defRPr sz="1800" b="0" i="0" u="none" strike="noStrike" cap="none">
                 <a:solidFill>
                   <a:srgbClr val="000000"/>
                 </a:solidFill>
@@ -7607,7 +7791,7 @@
                 <a:sym typeface="Calibri"/>
               </a:defRPr>
             </a:lvl7pPr>
-            <a:lvl8pPr indent="-228600" lvl="7" marL="3657600" marR="0" rtl="0" algn="l">
+            <a:lvl8pPr marL="3657600" marR="0" lvl="7" indent="-228600" algn="l" rtl="0">
               <a:lnSpc>
                 <a:spcPct val="100000"/>
               </a:lnSpc>
@@ -7623,7 +7807,7 @@
               <a:buSzPts val="1400"/>
               <a:buFont typeface="Arial"/>
               <a:buNone/>
-              <a:defRPr b="0" i="0" sz="1800" u="none" cap="none" strike="noStrike">
+              <a:defRPr sz="1800" b="0" i="0" u="none" strike="noStrike" cap="none">
                 <a:solidFill>
                   <a:srgbClr val="000000"/>
                 </a:solidFill>
@@ -7633,7 +7817,7 @@
                 <a:sym typeface="Calibri"/>
               </a:defRPr>
             </a:lvl8pPr>
-            <a:lvl9pPr indent="-228600" lvl="8" marL="4114800" marR="0" rtl="0" algn="l">
+            <a:lvl9pPr marL="4114800" marR="0" lvl="8" indent="-228600" algn="l" rtl="0">
               <a:lnSpc>
                 <a:spcPct val="100000"/>
               </a:lnSpc>
@@ -7649,7 +7833,7 @@
               <a:buSzPts val="1400"/>
               <a:buFont typeface="Arial"/>
               <a:buNone/>
-              <a:defRPr b="0" i="0" sz="1800" u="none" cap="none" strike="noStrike">
+              <a:defRPr sz="1800" b="0" i="0" u="none" strike="noStrike" cap="none">
                 <a:solidFill>
                   <a:srgbClr val="000000"/>
                 </a:solidFill>
@@ -7660,15 +7844,19 @@
               </a:defRPr>
             </a:lvl9pPr>
           </a:lstStyle>
-          <a:p/>
+          <a:p>
+            <a:endParaRPr/>
+          </a:p>
         </p:txBody>
       </p:sp>
       <p:sp>
         <p:nvSpPr>
           <p:cNvPr id="8" name="Google Shape;8;p20"/>
-          <p:cNvSpPr txBox="1"/>
+          <p:cNvSpPr txBox="1">
+            <a:spLocks noGrp="1"/>
+          </p:cNvSpPr>
           <p:nvPr>
-            <p:ph idx="11" type="ftr"/>
+            <p:ph type="ftr" idx="11"/>
           </p:nvPr>
         </p:nvSpPr>
         <p:spPr>
@@ -7685,11 +7873,11 @@
           </a:ln>
         </p:spPr>
         <p:txBody>
-          <a:bodyPr anchorCtr="0" anchor="t" bIns="0" lIns="0" spcFirstLastPara="1" rIns="0" wrap="square" tIns="0">
+          <a:bodyPr spcFirstLastPara="1" wrap="square" lIns="0" tIns="0" rIns="0" bIns="0" anchor="t" anchorCtr="0">
             <a:spAutoFit/>
           </a:bodyPr>
           <a:lstStyle>
-            <a:lvl1pPr lvl="0" marR="0" rtl="0" algn="ctr">
+            <a:lvl1pPr marR="0" lvl="0" algn="ctr" rtl="0">
               <a:lnSpc>
                 <a:spcPct val="100000"/>
               </a:lnSpc>
@@ -7705,7 +7893,7 @@
               <a:buSzPts val="1400"/>
               <a:buFont typeface="Arial"/>
               <a:buNone/>
-              <a:defRPr b="0" i="0" sz="1800" u="none" cap="none" strike="noStrike">
+              <a:defRPr sz="1800" b="0" i="0" u="none" strike="noStrike" cap="none">
                 <a:solidFill>
                   <a:srgbClr val="888888"/>
                 </a:solidFill>
@@ -7715,7 +7903,7 @@
                 <a:sym typeface="Arial"/>
               </a:defRPr>
             </a:lvl1pPr>
-            <a:lvl2pPr lvl="1" marR="0" rtl="0" algn="l">
+            <a:lvl2pPr marR="0" lvl="1" algn="l" rtl="0">
               <a:lnSpc>
                 <a:spcPct val="100000"/>
               </a:lnSpc>
@@ -7731,7 +7919,7 @@
               <a:buSzPts val="1400"/>
               <a:buFont typeface="Arial"/>
               <a:buNone/>
-              <a:defRPr b="0" i="0" sz="1800" u="none" cap="none" strike="noStrike">
+              <a:defRPr sz="1800" b="0" i="0" u="none" strike="noStrike" cap="none">
                 <a:solidFill>
                   <a:srgbClr val="000000"/>
                 </a:solidFill>
@@ -7741,7 +7929,7 @@
                 <a:sym typeface="Arial"/>
               </a:defRPr>
             </a:lvl2pPr>
-            <a:lvl3pPr lvl="2" marR="0" rtl="0" algn="l">
+            <a:lvl3pPr marR="0" lvl="2" algn="l" rtl="0">
               <a:lnSpc>
                 <a:spcPct val="100000"/>
               </a:lnSpc>
@@ -7757,7 +7945,7 @@
               <a:buSzPts val="1400"/>
               <a:buFont typeface="Arial"/>
               <a:buNone/>
-              <a:defRPr b="0" i="0" sz="1800" u="none" cap="none" strike="noStrike">
+              <a:defRPr sz="1800" b="0" i="0" u="none" strike="noStrike" cap="none">
                 <a:solidFill>
                   <a:srgbClr val="000000"/>
                 </a:solidFill>
@@ -7767,7 +7955,7 @@
                 <a:sym typeface="Arial"/>
               </a:defRPr>
             </a:lvl3pPr>
-            <a:lvl4pPr lvl="3" marR="0" rtl="0" algn="l">
+            <a:lvl4pPr marR="0" lvl="3" algn="l" rtl="0">
               <a:lnSpc>
                 <a:spcPct val="100000"/>
               </a:lnSpc>
@@ -7783,7 +7971,7 @@
               <a:buSzPts val="1400"/>
               <a:buFont typeface="Arial"/>
               <a:buNone/>
-              <a:defRPr b="0" i="0" sz="1800" u="none" cap="none" strike="noStrike">
+              <a:defRPr sz="1800" b="0" i="0" u="none" strike="noStrike" cap="none">
                 <a:solidFill>
                   <a:srgbClr val="000000"/>
                 </a:solidFill>
@@ -7793,7 +7981,7 @@
                 <a:sym typeface="Arial"/>
               </a:defRPr>
             </a:lvl4pPr>
-            <a:lvl5pPr lvl="4" marR="0" rtl="0" algn="l">
+            <a:lvl5pPr marR="0" lvl="4" algn="l" rtl="0">
               <a:lnSpc>
                 <a:spcPct val="100000"/>
               </a:lnSpc>
@@ -7809,7 +7997,7 @@
               <a:buSzPts val="1400"/>
               <a:buFont typeface="Arial"/>
               <a:buNone/>
-              <a:defRPr b="0" i="0" sz="1800" u="none" cap="none" strike="noStrike">
+              <a:defRPr sz="1800" b="0" i="0" u="none" strike="noStrike" cap="none">
                 <a:solidFill>
                   <a:srgbClr val="000000"/>
                 </a:solidFill>
@@ -7819,7 +8007,7 @@
                 <a:sym typeface="Arial"/>
               </a:defRPr>
             </a:lvl5pPr>
-            <a:lvl6pPr lvl="5" marR="0" rtl="0" algn="l">
+            <a:lvl6pPr marR="0" lvl="5" algn="l" rtl="0">
               <a:lnSpc>
                 <a:spcPct val="100000"/>
               </a:lnSpc>
@@ -7835,7 +8023,7 @@
               <a:buSzPts val="1400"/>
               <a:buFont typeface="Arial"/>
               <a:buNone/>
-              <a:defRPr b="0" i="0" sz="1800" u="none" cap="none" strike="noStrike">
+              <a:defRPr sz="1800" b="0" i="0" u="none" strike="noStrike" cap="none">
                 <a:solidFill>
                   <a:srgbClr val="000000"/>
                 </a:solidFill>
@@ -7845,7 +8033,7 @@
                 <a:sym typeface="Arial"/>
               </a:defRPr>
             </a:lvl6pPr>
-            <a:lvl7pPr lvl="6" marR="0" rtl="0" algn="l">
+            <a:lvl7pPr marR="0" lvl="6" algn="l" rtl="0">
               <a:lnSpc>
                 <a:spcPct val="100000"/>
               </a:lnSpc>
@@ -7861,7 +8049,7 @@
               <a:buSzPts val="1400"/>
               <a:buFont typeface="Arial"/>
               <a:buNone/>
-              <a:defRPr b="0" i="0" sz="1800" u="none" cap="none" strike="noStrike">
+              <a:defRPr sz="1800" b="0" i="0" u="none" strike="noStrike" cap="none">
                 <a:solidFill>
                   <a:srgbClr val="000000"/>
                 </a:solidFill>
@@ -7871,7 +8059,7 @@
                 <a:sym typeface="Arial"/>
               </a:defRPr>
             </a:lvl7pPr>
-            <a:lvl8pPr lvl="7" marR="0" rtl="0" algn="l">
+            <a:lvl8pPr marR="0" lvl="7" algn="l" rtl="0">
               <a:lnSpc>
                 <a:spcPct val="100000"/>
               </a:lnSpc>
@@ -7887,7 +8075,7 @@
               <a:buSzPts val="1400"/>
               <a:buFont typeface="Arial"/>
               <a:buNone/>
-              <a:defRPr b="0" i="0" sz="1800" u="none" cap="none" strike="noStrike">
+              <a:defRPr sz="1800" b="0" i="0" u="none" strike="noStrike" cap="none">
                 <a:solidFill>
                   <a:srgbClr val="000000"/>
                 </a:solidFill>
@@ -7897,7 +8085,7 @@
                 <a:sym typeface="Arial"/>
               </a:defRPr>
             </a:lvl8pPr>
-            <a:lvl9pPr lvl="8" marR="0" rtl="0" algn="l">
+            <a:lvl9pPr marR="0" lvl="8" algn="l" rtl="0">
               <a:lnSpc>
                 <a:spcPct val="100000"/>
               </a:lnSpc>
@@ -7913,7 +8101,7 @@
               <a:buSzPts val="1400"/>
               <a:buFont typeface="Arial"/>
               <a:buNone/>
-              <a:defRPr b="0" i="0" sz="1800" u="none" cap="none" strike="noStrike">
+              <a:defRPr sz="1800" b="0" i="0" u="none" strike="noStrike" cap="none">
                 <a:solidFill>
                   <a:srgbClr val="000000"/>
                 </a:solidFill>
@@ -7924,15 +8112,19 @@
               </a:defRPr>
             </a:lvl9pPr>
           </a:lstStyle>
-          <a:p/>
+          <a:p>
+            <a:endParaRPr/>
+          </a:p>
         </p:txBody>
       </p:sp>
       <p:sp>
         <p:nvSpPr>
           <p:cNvPr id="9" name="Google Shape;9;p20"/>
-          <p:cNvSpPr txBox="1"/>
+          <p:cNvSpPr txBox="1">
+            <a:spLocks noGrp="1"/>
+          </p:cNvSpPr>
           <p:nvPr>
-            <p:ph idx="10" type="dt"/>
+            <p:ph type="dt" idx="10"/>
           </p:nvPr>
         </p:nvSpPr>
         <p:spPr>
@@ -7949,11 +8141,11 @@
           </a:ln>
         </p:spPr>
         <p:txBody>
-          <a:bodyPr anchorCtr="0" anchor="t" bIns="0" lIns="0" spcFirstLastPara="1" rIns="0" wrap="square" tIns="0">
+          <a:bodyPr spcFirstLastPara="1" wrap="square" lIns="0" tIns="0" rIns="0" bIns="0" anchor="t" anchorCtr="0">
             <a:spAutoFit/>
           </a:bodyPr>
           <a:lstStyle>
-            <a:lvl1pPr lvl="0" marR="0" rtl="0" algn="l">
+            <a:lvl1pPr marR="0" lvl="0" algn="l" rtl="0">
               <a:lnSpc>
                 <a:spcPct val="100000"/>
               </a:lnSpc>
@@ -7969,7 +8161,7 @@
               <a:buSzPts val="1400"/>
               <a:buFont typeface="Arial"/>
               <a:buNone/>
-              <a:defRPr b="0" i="0" sz="1800" u="none" cap="none" strike="noStrike">
+              <a:defRPr sz="1800" b="0" i="0" u="none" strike="noStrike" cap="none">
                 <a:solidFill>
                   <a:srgbClr val="888888"/>
                 </a:solidFill>
@@ -7979,7 +8171,7 @@
                 <a:sym typeface="Arial"/>
               </a:defRPr>
             </a:lvl1pPr>
-            <a:lvl2pPr lvl="1" marR="0" rtl="0" algn="l">
+            <a:lvl2pPr marR="0" lvl="1" algn="l" rtl="0">
               <a:lnSpc>
                 <a:spcPct val="100000"/>
               </a:lnSpc>
@@ -7995,7 +8187,7 @@
               <a:buSzPts val="1400"/>
               <a:buFont typeface="Arial"/>
               <a:buNone/>
-              <a:defRPr b="0" i="0" sz="1800" u="none" cap="none" strike="noStrike">
+              <a:defRPr sz="1800" b="0" i="0" u="none" strike="noStrike" cap="none">
                 <a:solidFill>
                   <a:srgbClr val="000000"/>
                 </a:solidFill>
@@ -8005,7 +8197,7 @@
                 <a:sym typeface="Arial"/>
               </a:defRPr>
             </a:lvl2pPr>
-            <a:lvl3pPr lvl="2" marR="0" rtl="0" algn="l">
+            <a:lvl3pPr marR="0" lvl="2" algn="l" rtl="0">
               <a:lnSpc>
                 <a:spcPct val="100000"/>
               </a:lnSpc>
@@ -8021,7 +8213,7 @@
               <a:buSzPts val="1400"/>
               <a:buFont typeface="Arial"/>
               <a:buNone/>
-              <a:defRPr b="0" i="0" sz="1800" u="none" cap="none" strike="noStrike">
+              <a:defRPr sz="1800" b="0" i="0" u="none" strike="noStrike" cap="none">
                 <a:solidFill>
                   <a:srgbClr val="000000"/>
                 </a:solidFill>
@@ -8031,7 +8223,7 @@
                 <a:sym typeface="Arial"/>
               </a:defRPr>
             </a:lvl3pPr>
-            <a:lvl4pPr lvl="3" marR="0" rtl="0" algn="l">
+            <a:lvl4pPr marR="0" lvl="3" algn="l" rtl="0">
               <a:lnSpc>
                 <a:spcPct val="100000"/>
               </a:lnSpc>
@@ -8047,7 +8239,7 @@
               <a:buSzPts val="1400"/>
               <a:buFont typeface="Arial"/>
               <a:buNone/>
-              <a:defRPr b="0" i="0" sz="1800" u="none" cap="none" strike="noStrike">
+              <a:defRPr sz="1800" b="0" i="0" u="none" strike="noStrike" cap="none">
                 <a:solidFill>
                   <a:srgbClr val="000000"/>
                 </a:solidFill>
@@ -8057,7 +8249,7 @@
                 <a:sym typeface="Arial"/>
               </a:defRPr>
             </a:lvl4pPr>
-            <a:lvl5pPr lvl="4" marR="0" rtl="0" algn="l">
+            <a:lvl5pPr marR="0" lvl="4" algn="l" rtl="0">
               <a:lnSpc>
                 <a:spcPct val="100000"/>
               </a:lnSpc>
@@ -8073,7 +8265,7 @@
               <a:buSzPts val="1400"/>
               <a:buFont typeface="Arial"/>
               <a:buNone/>
-              <a:defRPr b="0" i="0" sz="1800" u="none" cap="none" strike="noStrike">
+              <a:defRPr sz="1800" b="0" i="0" u="none" strike="noStrike" cap="none">
                 <a:solidFill>
                   <a:srgbClr val="000000"/>
                 </a:solidFill>
@@ -8083,7 +8275,7 @@
                 <a:sym typeface="Arial"/>
               </a:defRPr>
             </a:lvl5pPr>
-            <a:lvl6pPr lvl="5" marR="0" rtl="0" algn="l">
+            <a:lvl6pPr marR="0" lvl="5" algn="l" rtl="0">
               <a:lnSpc>
                 <a:spcPct val="100000"/>
               </a:lnSpc>
@@ -8099,7 +8291,7 @@
               <a:buSzPts val="1400"/>
               <a:buFont typeface="Arial"/>
               <a:buNone/>
-              <a:defRPr b="0" i="0" sz="1800" u="none" cap="none" strike="noStrike">
+              <a:defRPr sz="1800" b="0" i="0" u="none" strike="noStrike" cap="none">
                 <a:solidFill>
                   <a:srgbClr val="000000"/>
                 </a:solidFill>
@@ -8109,7 +8301,7 @@
                 <a:sym typeface="Arial"/>
               </a:defRPr>
             </a:lvl6pPr>
-            <a:lvl7pPr lvl="6" marR="0" rtl="0" algn="l">
+            <a:lvl7pPr marR="0" lvl="6" algn="l" rtl="0">
               <a:lnSpc>
                 <a:spcPct val="100000"/>
               </a:lnSpc>
@@ -8125,7 +8317,7 @@
               <a:buSzPts val="1400"/>
               <a:buFont typeface="Arial"/>
               <a:buNone/>
-              <a:defRPr b="0" i="0" sz="1800" u="none" cap="none" strike="noStrike">
+              <a:defRPr sz="1800" b="0" i="0" u="none" strike="noStrike" cap="none">
                 <a:solidFill>
                   <a:srgbClr val="000000"/>
                 </a:solidFill>
@@ -8135,7 +8327,7 @@
                 <a:sym typeface="Arial"/>
               </a:defRPr>
             </a:lvl7pPr>
-            <a:lvl8pPr lvl="7" marR="0" rtl="0" algn="l">
+            <a:lvl8pPr marR="0" lvl="7" algn="l" rtl="0">
               <a:lnSpc>
                 <a:spcPct val="100000"/>
               </a:lnSpc>
@@ -8151,7 +8343,7 @@
               <a:buSzPts val="1400"/>
               <a:buFont typeface="Arial"/>
               <a:buNone/>
-              <a:defRPr b="0" i="0" sz="1800" u="none" cap="none" strike="noStrike">
+              <a:defRPr sz="1800" b="0" i="0" u="none" strike="noStrike" cap="none">
                 <a:solidFill>
                   <a:srgbClr val="000000"/>
                 </a:solidFill>
@@ -8161,7 +8353,7 @@
                 <a:sym typeface="Arial"/>
               </a:defRPr>
             </a:lvl8pPr>
-            <a:lvl9pPr lvl="8" marR="0" rtl="0" algn="l">
+            <a:lvl9pPr marR="0" lvl="8" algn="l" rtl="0">
               <a:lnSpc>
                 <a:spcPct val="100000"/>
               </a:lnSpc>
@@ -8177,7 +8369,7 @@
               <a:buSzPts val="1400"/>
               <a:buFont typeface="Arial"/>
               <a:buNone/>
-              <a:defRPr b="0" i="0" sz="1800" u="none" cap="none" strike="noStrike">
+              <a:defRPr sz="1800" b="0" i="0" u="none" strike="noStrike" cap="none">
                 <a:solidFill>
                   <a:srgbClr val="000000"/>
                 </a:solidFill>
@@ -8188,15 +8380,19 @@
               </a:defRPr>
             </a:lvl9pPr>
           </a:lstStyle>
-          <a:p/>
+          <a:p>
+            <a:endParaRPr/>
+          </a:p>
         </p:txBody>
       </p:sp>
       <p:sp>
         <p:nvSpPr>
           <p:cNvPr id="10" name="Google Shape;10;p20"/>
-          <p:cNvSpPr txBox="1"/>
+          <p:cNvSpPr txBox="1">
+            <a:spLocks noGrp="1"/>
+          </p:cNvSpPr>
           <p:nvPr>
-            <p:ph idx="12" type="sldNum"/>
+            <p:ph type="sldNum" idx="12"/>
           </p:nvPr>
         </p:nvSpPr>
         <p:spPr>
@@ -8213,11 +8409,11 @@
           </a:ln>
         </p:spPr>
         <p:txBody>
-          <a:bodyPr anchorCtr="0" anchor="t" bIns="0" lIns="0" spcFirstLastPara="1" rIns="0" wrap="square" tIns="0">
+          <a:bodyPr spcFirstLastPara="1" wrap="square" lIns="0" tIns="0" rIns="0" bIns="0" anchor="t" anchorCtr="0">
             <a:spAutoFit/>
           </a:bodyPr>
           <a:lstStyle>
-            <a:lvl1pPr indent="0" lvl="0" marL="0" marR="0" rtl="0" algn="r">
+            <a:lvl1pPr marL="0" marR="0" lvl="0" indent="0" algn="r" rtl="0">
               <a:lnSpc>
                 <a:spcPct val="100000"/>
               </a:lnSpc>
@@ -8233,7 +8429,7 @@
               <a:buSzPts val="1800"/>
               <a:buFont typeface="Arial"/>
               <a:buNone/>
-              <a:defRPr b="0" i="0" sz="1800" u="none" cap="none" strike="noStrike">
+              <a:defRPr sz="1800" b="0" i="0" u="none" strike="noStrike" cap="none">
                 <a:solidFill>
                   <a:srgbClr val="888888"/>
                 </a:solidFill>
@@ -8243,7 +8439,7 @@
                 <a:sym typeface="Arial"/>
               </a:defRPr>
             </a:lvl1pPr>
-            <a:lvl2pPr indent="0" lvl="1" marL="0" marR="0" rtl="0" algn="r">
+            <a:lvl2pPr marL="0" marR="0" lvl="1" indent="0" algn="r" rtl="0">
               <a:lnSpc>
                 <a:spcPct val="100000"/>
               </a:lnSpc>
@@ -8259,7 +8455,7 @@
               <a:buSzPts val="1800"/>
               <a:buFont typeface="Arial"/>
               <a:buNone/>
-              <a:defRPr b="0" i="0" sz="1800" u="none" cap="none" strike="noStrike">
+              <a:defRPr sz="1800" b="0" i="0" u="none" strike="noStrike" cap="none">
                 <a:solidFill>
                   <a:srgbClr val="888888"/>
                 </a:solidFill>
@@ -8269,7 +8465,7 @@
                 <a:sym typeface="Arial"/>
               </a:defRPr>
             </a:lvl2pPr>
-            <a:lvl3pPr indent="0" lvl="2" marL="0" marR="0" rtl="0" algn="r">
+            <a:lvl3pPr marL="0" marR="0" lvl="2" indent="0" algn="r" rtl="0">
               <a:lnSpc>
                 <a:spcPct val="100000"/>
               </a:lnSpc>
@@ -8285,7 +8481,7 @@
               <a:buSzPts val="1800"/>
               <a:buFont typeface="Arial"/>
               <a:buNone/>
-              <a:defRPr b="0" i="0" sz="1800" u="none" cap="none" strike="noStrike">
+              <a:defRPr sz="1800" b="0" i="0" u="none" strike="noStrike" cap="none">
                 <a:solidFill>
                   <a:srgbClr val="888888"/>
                 </a:solidFill>
@@ -8295,7 +8491,7 @@
                 <a:sym typeface="Arial"/>
               </a:defRPr>
             </a:lvl3pPr>
-            <a:lvl4pPr indent="0" lvl="3" marL="0" marR="0" rtl="0" algn="r">
+            <a:lvl4pPr marL="0" marR="0" lvl="3" indent="0" algn="r" rtl="0">
               <a:lnSpc>
                 <a:spcPct val="100000"/>
               </a:lnSpc>
@@ -8311,7 +8507,7 @@
               <a:buSzPts val="1800"/>
               <a:buFont typeface="Arial"/>
               <a:buNone/>
-              <a:defRPr b="0" i="0" sz="1800" u="none" cap="none" strike="noStrike">
+              <a:defRPr sz="1800" b="0" i="0" u="none" strike="noStrike" cap="none">
                 <a:solidFill>
                   <a:srgbClr val="888888"/>
                 </a:solidFill>
@@ -8321,7 +8517,7 @@
                 <a:sym typeface="Arial"/>
               </a:defRPr>
             </a:lvl4pPr>
-            <a:lvl5pPr indent="0" lvl="4" marL="0" marR="0" rtl="0" algn="r">
+            <a:lvl5pPr marL="0" marR="0" lvl="4" indent="0" algn="r" rtl="0">
               <a:lnSpc>
                 <a:spcPct val="100000"/>
               </a:lnSpc>
@@ -8337,7 +8533,7 @@
               <a:buSzPts val="1800"/>
               <a:buFont typeface="Arial"/>
               <a:buNone/>
-              <a:defRPr b="0" i="0" sz="1800" u="none" cap="none" strike="noStrike">
+              <a:defRPr sz="1800" b="0" i="0" u="none" strike="noStrike" cap="none">
                 <a:solidFill>
                   <a:srgbClr val="888888"/>
                 </a:solidFill>
@@ -8347,7 +8543,7 @@
                 <a:sym typeface="Arial"/>
               </a:defRPr>
             </a:lvl5pPr>
-            <a:lvl6pPr indent="0" lvl="5" marL="0" marR="0" rtl="0" algn="r">
+            <a:lvl6pPr marL="0" marR="0" lvl="5" indent="0" algn="r" rtl="0">
               <a:lnSpc>
                 <a:spcPct val="100000"/>
               </a:lnSpc>
@@ -8363,7 +8559,7 @@
               <a:buSzPts val="1800"/>
               <a:buFont typeface="Arial"/>
               <a:buNone/>
-              <a:defRPr b="0" i="0" sz="1800" u="none" cap="none" strike="noStrike">
+              <a:defRPr sz="1800" b="0" i="0" u="none" strike="noStrike" cap="none">
                 <a:solidFill>
                   <a:srgbClr val="888888"/>
                 </a:solidFill>
@@ -8373,7 +8569,7 @@
                 <a:sym typeface="Arial"/>
               </a:defRPr>
             </a:lvl6pPr>
-            <a:lvl7pPr indent="0" lvl="6" marL="0" marR="0" rtl="0" algn="r">
+            <a:lvl7pPr marL="0" marR="0" lvl="6" indent="0" algn="r" rtl="0">
               <a:lnSpc>
                 <a:spcPct val="100000"/>
               </a:lnSpc>
@@ -8389,7 +8585,7 @@
               <a:buSzPts val="1800"/>
               <a:buFont typeface="Arial"/>
               <a:buNone/>
-              <a:defRPr b="0" i="0" sz="1800" u="none" cap="none" strike="noStrike">
+              <a:defRPr sz="1800" b="0" i="0" u="none" strike="noStrike" cap="none">
                 <a:solidFill>
                   <a:srgbClr val="888888"/>
                 </a:solidFill>
@@ -8399,7 +8595,7 @@
                 <a:sym typeface="Arial"/>
               </a:defRPr>
             </a:lvl7pPr>
-            <a:lvl8pPr indent="0" lvl="7" marL="0" marR="0" rtl="0" algn="r">
+            <a:lvl8pPr marL="0" marR="0" lvl="7" indent="0" algn="r" rtl="0">
               <a:lnSpc>
                 <a:spcPct val="100000"/>
               </a:lnSpc>
@@ -8415,7 +8611,7 @@
               <a:buSzPts val="1800"/>
               <a:buFont typeface="Arial"/>
               <a:buNone/>
-              <a:defRPr b="0" i="0" sz="1800" u="none" cap="none" strike="noStrike">
+              <a:defRPr sz="1800" b="0" i="0" u="none" strike="noStrike" cap="none">
                 <a:solidFill>
                   <a:srgbClr val="888888"/>
                 </a:solidFill>
@@ -8425,7 +8621,7 @@
                 <a:sym typeface="Arial"/>
               </a:defRPr>
             </a:lvl8pPr>
-            <a:lvl9pPr indent="0" lvl="8" marL="0" marR="0" rtl="0" algn="r">
+            <a:lvl9pPr marL="0" marR="0" lvl="8" indent="0" algn="r" rtl="0">
               <a:lnSpc>
                 <a:spcPct val="100000"/>
               </a:lnSpc>
@@ -8441,7 +8637,7 @@
               <a:buSzPts val="1800"/>
               <a:buFont typeface="Arial"/>
               <a:buNone/>
-              <a:defRPr b="0" i="0" sz="1800" u="none" cap="none" strike="noStrike">
+              <a:defRPr sz="1800" b="0" i="0" u="none" strike="noStrike" cap="none">
                 <a:solidFill>
                   <a:srgbClr val="888888"/>
                 </a:solidFill>
@@ -8453,7 +8649,7 @@
             </a:lvl9pPr>
           </a:lstStyle>
           <a:p>
-            <a:pPr indent="0" lvl="0" marL="0" rtl="0" algn="r">
+            <a:pPr marL="0" lvl="0" indent="0" algn="r" rtl="0">
               <a:spcBef>
                 <a:spcPts val="0"/>
               </a:spcBef>
@@ -8476,7 +8672,7 @@
       </p:sp>
     </p:spTree>
   </p:cSld>
-  <p:clrMap accent1="accent1" accent2="accent2" accent3="accent3" accent4="accent4" accent5="accent5" accent6="accent6" bg1="lt1" bg2="dk2" tx1="dk1" tx2="lt2" folHlink="folHlink" hlink="hlink"/>
+  <p:clrMap bg1="lt1" tx1="dk1" bg2="dk2" tx2="lt2" accent1="accent1" accent2="accent2" accent3="accent3" accent4="accent4" accent5="accent5" accent6="accent6" hlink="hlink" folHlink="folHlink"/>
   <p:sldLayoutIdLst>
     <p:sldLayoutId id="2147483649" r:id="rId1"/>
     <p:sldLayoutId id="2147483650" r:id="rId2"/>
@@ -8484,10 +8680,10 @@
     <p:sldLayoutId id="2147483652" r:id="rId4"/>
     <p:sldLayoutId id="2147483653" r:id="rId5"/>
   </p:sldLayoutIdLst>
-  <p:hf dt="0" ftr="0" hdr="0" sldNum="0"/>
+  <p:hf sldNum="0" hdr="0" ftr="0" dt="0"/>
   <p:txStyles>
     <p:titleStyle>
-      <a:defPPr lvl="0" marR="0" rtl="0" algn="l">
+      <a:defPPr marR="0" lvl="0" algn="l" rtl="0">
         <a:lnSpc>
           <a:spcPct val="100000"/>
         </a:lnSpc>
@@ -8498,7 +8694,7 @@
           <a:spcPts val="0"/>
         </a:spcAft>
       </a:defPPr>
-      <a:lvl1pPr lvl="0" marR="0" rtl="0" algn="l">
+      <a:lvl1pPr marR="0" lvl="0" algn="l" rtl="0">
         <a:lnSpc>
           <a:spcPct val="100000"/>
         </a:lnSpc>
@@ -8512,7 +8708,7 @@
           <a:srgbClr val="000000"/>
         </a:buClr>
         <a:buFont typeface="Arial"/>
-        <a:defRPr b="0" i="0" sz="1400" u="none" cap="none" strike="noStrike">
+        <a:defRPr sz="1400" b="0" i="0" u="none" strike="noStrike" cap="none">
           <a:solidFill>
             <a:srgbClr val="000000"/>
           </a:solidFill>
@@ -8522,7 +8718,7 @@
           <a:sym typeface="Arial"/>
         </a:defRPr>
       </a:lvl1pPr>
-      <a:lvl2pPr lvl="1" marR="0" rtl="0" algn="l">
+      <a:lvl2pPr marR="0" lvl="1" algn="l" rtl="0">
         <a:lnSpc>
           <a:spcPct val="100000"/>
         </a:lnSpc>
@@ -8536,7 +8732,7 @@
           <a:srgbClr val="000000"/>
         </a:buClr>
         <a:buFont typeface="Arial"/>
-        <a:defRPr b="0" i="0" sz="1400" u="none" cap="none" strike="noStrike">
+        <a:defRPr sz="1400" b="0" i="0" u="none" strike="noStrike" cap="none">
           <a:solidFill>
             <a:srgbClr val="000000"/>
           </a:solidFill>
@@ -8546,7 +8742,7 @@
           <a:sym typeface="Arial"/>
         </a:defRPr>
       </a:lvl2pPr>
-      <a:lvl3pPr lvl="2" marR="0" rtl="0" algn="l">
+      <a:lvl3pPr marR="0" lvl="2" algn="l" rtl="0">
         <a:lnSpc>
           <a:spcPct val="100000"/>
         </a:lnSpc>
@@ -8560,7 +8756,7 @@
           <a:srgbClr val="000000"/>
         </a:buClr>
         <a:buFont typeface="Arial"/>
-        <a:defRPr b="0" i="0" sz="1400" u="none" cap="none" strike="noStrike">
+        <a:defRPr sz="1400" b="0" i="0" u="none" strike="noStrike" cap="none">
           <a:solidFill>
             <a:srgbClr val="000000"/>
           </a:solidFill>
@@ -8570,7 +8766,7 @@
           <a:sym typeface="Arial"/>
         </a:defRPr>
       </a:lvl3pPr>
-      <a:lvl4pPr lvl="3" marR="0" rtl="0" algn="l">
+      <a:lvl4pPr marR="0" lvl="3" algn="l" rtl="0">
         <a:lnSpc>
           <a:spcPct val="100000"/>
         </a:lnSpc>
@@ -8584,7 +8780,7 @@
           <a:srgbClr val="000000"/>
         </a:buClr>
         <a:buFont typeface="Arial"/>
-        <a:defRPr b="0" i="0" sz="1400" u="none" cap="none" strike="noStrike">
+        <a:defRPr sz="1400" b="0" i="0" u="none" strike="noStrike" cap="none">
           <a:solidFill>
             <a:srgbClr val="000000"/>
           </a:solidFill>
@@ -8594,7 +8790,7 @@
           <a:sym typeface="Arial"/>
         </a:defRPr>
       </a:lvl4pPr>
-      <a:lvl5pPr lvl="4" marR="0" rtl="0" algn="l">
+      <a:lvl5pPr marR="0" lvl="4" algn="l" rtl="0">
         <a:lnSpc>
           <a:spcPct val="100000"/>
         </a:lnSpc>
@@ -8608,7 +8804,7 @@
           <a:srgbClr val="000000"/>
         </a:buClr>
         <a:buFont typeface="Arial"/>
-        <a:defRPr b="0" i="0" sz="1400" u="none" cap="none" strike="noStrike">
+        <a:defRPr sz="1400" b="0" i="0" u="none" strike="noStrike" cap="none">
           <a:solidFill>
             <a:srgbClr val="000000"/>
           </a:solidFill>
@@ -8618,7 +8814,7 @@
           <a:sym typeface="Arial"/>
         </a:defRPr>
       </a:lvl5pPr>
-      <a:lvl6pPr lvl="5" marR="0" rtl="0" algn="l">
+      <a:lvl6pPr marR="0" lvl="5" algn="l" rtl="0">
         <a:lnSpc>
           <a:spcPct val="100000"/>
         </a:lnSpc>
@@ -8632,7 +8828,7 @@
           <a:srgbClr val="000000"/>
         </a:buClr>
         <a:buFont typeface="Arial"/>
-        <a:defRPr b="0" i="0" sz="1400" u="none" cap="none" strike="noStrike">
+        <a:defRPr sz="1400" b="0" i="0" u="none" strike="noStrike" cap="none">
           <a:solidFill>
             <a:srgbClr val="000000"/>
           </a:solidFill>
@@ -8642,7 +8838,7 @@
           <a:sym typeface="Arial"/>
         </a:defRPr>
       </a:lvl6pPr>
-      <a:lvl7pPr lvl="6" marR="0" rtl="0" algn="l">
+      <a:lvl7pPr marR="0" lvl="6" algn="l" rtl="0">
         <a:lnSpc>
           <a:spcPct val="100000"/>
         </a:lnSpc>
@@ -8656,7 +8852,7 @@
           <a:srgbClr val="000000"/>
         </a:buClr>
         <a:buFont typeface="Arial"/>
-        <a:defRPr b="0" i="0" sz="1400" u="none" cap="none" strike="noStrike">
+        <a:defRPr sz="1400" b="0" i="0" u="none" strike="noStrike" cap="none">
           <a:solidFill>
             <a:srgbClr val="000000"/>
           </a:solidFill>
@@ -8666,7 +8862,7 @@
           <a:sym typeface="Arial"/>
         </a:defRPr>
       </a:lvl7pPr>
-      <a:lvl8pPr lvl="7" marR="0" rtl="0" algn="l">
+      <a:lvl8pPr marR="0" lvl="7" algn="l" rtl="0">
         <a:lnSpc>
           <a:spcPct val="100000"/>
         </a:lnSpc>
@@ -8680,7 +8876,7 @@
           <a:srgbClr val="000000"/>
         </a:buClr>
         <a:buFont typeface="Arial"/>
-        <a:defRPr b="0" i="0" sz="1400" u="none" cap="none" strike="noStrike">
+        <a:defRPr sz="1400" b="0" i="0" u="none" strike="noStrike" cap="none">
           <a:solidFill>
             <a:srgbClr val="000000"/>
           </a:solidFill>
@@ -8690,7 +8886,7 @@
           <a:sym typeface="Arial"/>
         </a:defRPr>
       </a:lvl8pPr>
-      <a:lvl9pPr lvl="8" marR="0" rtl="0" algn="l">
+      <a:lvl9pPr marR="0" lvl="8" algn="l" rtl="0">
         <a:lnSpc>
           <a:spcPct val="100000"/>
         </a:lnSpc>
@@ -8704,7 +8900,7 @@
           <a:srgbClr val="000000"/>
         </a:buClr>
         <a:buFont typeface="Arial"/>
-        <a:defRPr b="0" i="0" sz="1400" u="none" cap="none" strike="noStrike">
+        <a:defRPr sz="1400" b="0" i="0" u="none" strike="noStrike" cap="none">
           <a:solidFill>
             <a:srgbClr val="000000"/>
           </a:solidFill>
@@ -8716,7 +8912,7 @@
       </a:lvl9pPr>
     </p:titleStyle>
     <p:bodyStyle>
-      <a:defPPr lvl="0" marR="0" rtl="0" algn="l">
+      <a:defPPr marR="0" lvl="0" algn="l" rtl="0">
         <a:lnSpc>
           <a:spcPct val="100000"/>
         </a:lnSpc>
@@ -8727,7 +8923,7 @@
           <a:spcPts val="0"/>
         </a:spcAft>
       </a:defPPr>
-      <a:lvl1pPr lvl="0" marR="0" rtl="0" algn="l">
+      <a:lvl1pPr marR="0" lvl="0" algn="l" rtl="0">
         <a:lnSpc>
           <a:spcPct val="100000"/>
         </a:lnSpc>
@@ -8741,7 +8937,7 @@
           <a:srgbClr val="000000"/>
         </a:buClr>
         <a:buFont typeface="Arial"/>
-        <a:defRPr b="0" i="0" sz="1400" u="none" cap="none" strike="noStrike">
+        <a:defRPr sz="1400" b="0" i="0" u="none" strike="noStrike" cap="none">
           <a:solidFill>
             <a:srgbClr val="000000"/>
           </a:solidFill>
@@ -8751,7 +8947,7 @@
           <a:sym typeface="Arial"/>
         </a:defRPr>
       </a:lvl1pPr>
-      <a:lvl2pPr lvl="1" marR="0" rtl="0" algn="l">
+      <a:lvl2pPr marR="0" lvl="1" algn="l" rtl="0">
         <a:lnSpc>
           <a:spcPct val="100000"/>
         </a:lnSpc>
@@ -8765,7 +8961,7 @@
           <a:srgbClr val="000000"/>
         </a:buClr>
         <a:buFont typeface="Arial"/>
-        <a:defRPr b="0" i="0" sz="1400" u="none" cap="none" strike="noStrike">
+        <a:defRPr sz="1400" b="0" i="0" u="none" strike="noStrike" cap="none">
           <a:solidFill>
             <a:srgbClr val="000000"/>
           </a:solidFill>
@@ -8775,7 +8971,7 @@
           <a:sym typeface="Arial"/>
         </a:defRPr>
       </a:lvl2pPr>
-      <a:lvl3pPr lvl="2" marR="0" rtl="0" algn="l">
+      <a:lvl3pPr marR="0" lvl="2" algn="l" rtl="0">
         <a:lnSpc>
           <a:spcPct val="100000"/>
         </a:lnSpc>
@@ -8789,7 +8985,7 @@
           <a:srgbClr val="000000"/>
         </a:buClr>
         <a:buFont typeface="Arial"/>
-        <a:defRPr b="0" i="0" sz="1400" u="none" cap="none" strike="noStrike">
+        <a:defRPr sz="1400" b="0" i="0" u="none" strike="noStrike" cap="none">
           <a:solidFill>
             <a:srgbClr val="000000"/>
           </a:solidFill>
@@ -8799,7 +8995,7 @@
           <a:sym typeface="Arial"/>
         </a:defRPr>
       </a:lvl3pPr>
-      <a:lvl4pPr lvl="3" marR="0" rtl="0" algn="l">
+      <a:lvl4pPr marR="0" lvl="3" algn="l" rtl="0">
         <a:lnSpc>
           <a:spcPct val="100000"/>
         </a:lnSpc>
@@ -8813,7 +9009,7 @@
           <a:srgbClr val="000000"/>
         </a:buClr>
         <a:buFont typeface="Arial"/>
-        <a:defRPr b="0" i="0" sz="1400" u="none" cap="none" strike="noStrike">
+        <a:defRPr sz="1400" b="0" i="0" u="none" strike="noStrike" cap="none">
           <a:solidFill>
             <a:srgbClr val="000000"/>
           </a:solidFill>
@@ -8823,7 +9019,7 @@
           <a:sym typeface="Arial"/>
         </a:defRPr>
       </a:lvl4pPr>
-      <a:lvl5pPr lvl="4" marR="0" rtl="0" algn="l">
+      <a:lvl5pPr marR="0" lvl="4" algn="l" rtl="0">
         <a:lnSpc>
           <a:spcPct val="100000"/>
         </a:lnSpc>
@@ -8837,7 +9033,7 @@
           <a:srgbClr val="000000"/>
         </a:buClr>
         <a:buFont typeface="Arial"/>
-        <a:defRPr b="0" i="0" sz="1400" u="none" cap="none" strike="noStrike">
+        <a:defRPr sz="1400" b="0" i="0" u="none" strike="noStrike" cap="none">
           <a:solidFill>
             <a:srgbClr val="000000"/>
           </a:solidFill>
@@ -8847,7 +9043,7 @@
           <a:sym typeface="Arial"/>
         </a:defRPr>
       </a:lvl5pPr>
-      <a:lvl6pPr lvl="5" marR="0" rtl="0" algn="l">
+      <a:lvl6pPr marR="0" lvl="5" algn="l" rtl="0">
         <a:lnSpc>
           <a:spcPct val="100000"/>
         </a:lnSpc>
@@ -8861,7 +9057,7 @@
           <a:srgbClr val="000000"/>
         </a:buClr>
         <a:buFont typeface="Arial"/>
-        <a:defRPr b="0" i="0" sz="1400" u="none" cap="none" strike="noStrike">
+        <a:defRPr sz="1400" b="0" i="0" u="none" strike="noStrike" cap="none">
           <a:solidFill>
             <a:srgbClr val="000000"/>
           </a:solidFill>
@@ -8871,7 +9067,7 @@
           <a:sym typeface="Arial"/>
         </a:defRPr>
       </a:lvl6pPr>
-      <a:lvl7pPr lvl="6" marR="0" rtl="0" algn="l">
+      <a:lvl7pPr marR="0" lvl="6" algn="l" rtl="0">
         <a:lnSpc>
           <a:spcPct val="100000"/>
         </a:lnSpc>
@@ -8885,7 +9081,7 @@
           <a:srgbClr val="000000"/>
         </a:buClr>
         <a:buFont typeface="Arial"/>
-        <a:defRPr b="0" i="0" sz="1400" u="none" cap="none" strike="noStrike">
+        <a:defRPr sz="1400" b="0" i="0" u="none" strike="noStrike" cap="none">
           <a:solidFill>
             <a:srgbClr val="000000"/>
           </a:solidFill>
@@ -8895,7 +9091,7 @@
           <a:sym typeface="Arial"/>
         </a:defRPr>
       </a:lvl7pPr>
-      <a:lvl8pPr lvl="7" marR="0" rtl="0" algn="l">
+      <a:lvl8pPr marR="0" lvl="7" algn="l" rtl="0">
         <a:lnSpc>
           <a:spcPct val="100000"/>
         </a:lnSpc>
@@ -8909,7 +9105,7 @@
           <a:srgbClr val="000000"/>
         </a:buClr>
         <a:buFont typeface="Arial"/>
-        <a:defRPr b="0" i="0" sz="1400" u="none" cap="none" strike="noStrike">
+        <a:defRPr sz="1400" b="0" i="0" u="none" strike="noStrike" cap="none">
           <a:solidFill>
             <a:srgbClr val="000000"/>
           </a:solidFill>
@@ -8919,7 +9115,7 @@
           <a:sym typeface="Arial"/>
         </a:defRPr>
       </a:lvl8pPr>
-      <a:lvl9pPr lvl="8" marR="0" rtl="0" algn="l">
+      <a:lvl9pPr marR="0" lvl="8" algn="l" rtl="0">
         <a:lnSpc>
           <a:spcPct val="100000"/>
         </a:lnSpc>
@@ -8933,7 +9129,7 @@
           <a:srgbClr val="000000"/>
         </a:buClr>
         <a:buFont typeface="Arial"/>
-        <a:defRPr b="0" i="0" sz="1400" u="none" cap="none" strike="noStrike">
+        <a:defRPr sz="1400" b="0" i="0" u="none" strike="noStrike" cap="none">
           <a:solidFill>
             <a:srgbClr val="000000"/>
           </a:solidFill>
@@ -8945,7 +9141,7 @@
       </a:lvl9pPr>
     </p:bodyStyle>
     <p:otherStyle>
-      <a:defPPr lvl="0" marR="0" rtl="0" algn="l">
+      <a:defPPr marR="0" lvl="0" algn="l" rtl="0">
         <a:lnSpc>
           <a:spcPct val="100000"/>
         </a:lnSpc>
@@ -8956,7 +9152,7 @@
           <a:spcPts val="0"/>
         </a:spcAft>
       </a:defPPr>
-      <a:lvl1pPr lvl="0" marR="0" rtl="0" algn="l">
+      <a:lvl1pPr marR="0" lvl="0" algn="l" rtl="0">
         <a:lnSpc>
           <a:spcPct val="100000"/>
         </a:lnSpc>
@@ -8970,7 +9166,7 @@
           <a:srgbClr val="000000"/>
         </a:buClr>
         <a:buFont typeface="Arial"/>
-        <a:defRPr b="0" i="0" sz="1400" u="none" cap="none" strike="noStrike">
+        <a:defRPr sz="1400" b="0" i="0" u="none" strike="noStrike" cap="none">
           <a:solidFill>
             <a:srgbClr val="000000"/>
           </a:solidFill>
@@ -8980,7 +9176,7 @@
           <a:sym typeface="Arial"/>
         </a:defRPr>
       </a:lvl1pPr>
-      <a:lvl2pPr lvl="1" marR="0" rtl="0" algn="l">
+      <a:lvl2pPr marR="0" lvl="1" algn="l" rtl="0">
         <a:lnSpc>
           <a:spcPct val="100000"/>
         </a:lnSpc>
@@ -8994,7 +9190,7 @@
           <a:srgbClr val="000000"/>
         </a:buClr>
         <a:buFont typeface="Arial"/>
-        <a:defRPr b="0" i="0" sz="1400" u="none" cap="none" strike="noStrike">
+        <a:defRPr sz="1400" b="0" i="0" u="none" strike="noStrike" cap="none">
           <a:solidFill>
             <a:srgbClr val="000000"/>
           </a:solidFill>
@@ -9004,7 +9200,7 @@
           <a:sym typeface="Arial"/>
         </a:defRPr>
       </a:lvl2pPr>
-      <a:lvl3pPr lvl="2" marR="0" rtl="0" algn="l">
+      <a:lvl3pPr marR="0" lvl="2" algn="l" rtl="0">
         <a:lnSpc>
           <a:spcPct val="100000"/>
         </a:lnSpc>
@@ -9018,7 +9214,7 @@
           <a:srgbClr val="000000"/>
         </a:buClr>
         <a:buFont typeface="Arial"/>
-        <a:defRPr b="0" i="0" sz="1400" u="none" cap="none" strike="noStrike">
+        <a:defRPr sz="1400" b="0" i="0" u="none" strike="noStrike" cap="none">
           <a:solidFill>
             <a:srgbClr val="000000"/>
           </a:solidFill>
@@ -9028,7 +9224,7 @@
           <a:sym typeface="Arial"/>
         </a:defRPr>
       </a:lvl3pPr>
-      <a:lvl4pPr lvl="3" marR="0" rtl="0" algn="l">
+      <a:lvl4pPr marR="0" lvl="3" algn="l" rtl="0">
         <a:lnSpc>
           <a:spcPct val="100000"/>
         </a:lnSpc>
@@ -9042,7 +9238,7 @@
           <a:srgbClr val="000000"/>
         </a:buClr>
         <a:buFont typeface="Arial"/>
-        <a:defRPr b="0" i="0" sz="1400" u="none" cap="none" strike="noStrike">
+        <a:defRPr sz="1400" b="0" i="0" u="none" strike="noStrike" cap="none">
           <a:solidFill>
             <a:srgbClr val="000000"/>
           </a:solidFill>
@@ -9052,7 +9248,7 @@
           <a:sym typeface="Arial"/>
         </a:defRPr>
       </a:lvl4pPr>
-      <a:lvl5pPr lvl="4" marR="0" rtl="0" algn="l">
+      <a:lvl5pPr marR="0" lvl="4" algn="l" rtl="0">
         <a:lnSpc>
           <a:spcPct val="100000"/>
         </a:lnSpc>
@@ -9066,7 +9262,7 @@
           <a:srgbClr val="000000"/>
         </a:buClr>
         <a:buFont typeface="Arial"/>
-        <a:defRPr b="0" i="0" sz="1400" u="none" cap="none" strike="noStrike">
+        <a:defRPr sz="1400" b="0" i="0" u="none" strike="noStrike" cap="none">
           <a:solidFill>
             <a:srgbClr val="000000"/>
           </a:solidFill>
@@ -9076,7 +9272,7 @@
           <a:sym typeface="Arial"/>
         </a:defRPr>
       </a:lvl5pPr>
-      <a:lvl6pPr lvl="5" marR="0" rtl="0" algn="l">
+      <a:lvl6pPr marR="0" lvl="5" algn="l" rtl="0">
         <a:lnSpc>
           <a:spcPct val="100000"/>
         </a:lnSpc>
@@ -9090,7 +9286,7 @@
           <a:srgbClr val="000000"/>
         </a:buClr>
         <a:buFont typeface="Arial"/>
-        <a:defRPr b="0" i="0" sz="1400" u="none" cap="none" strike="noStrike">
+        <a:defRPr sz="1400" b="0" i="0" u="none" strike="noStrike" cap="none">
           <a:solidFill>
             <a:srgbClr val="000000"/>
           </a:solidFill>
@@ -9100,7 +9296,7 @@
           <a:sym typeface="Arial"/>
         </a:defRPr>
       </a:lvl6pPr>
-      <a:lvl7pPr lvl="6" marR="0" rtl="0" algn="l">
+      <a:lvl7pPr marR="0" lvl="6" algn="l" rtl="0">
         <a:lnSpc>
           <a:spcPct val="100000"/>
         </a:lnSpc>
@@ -9114,7 +9310,7 @@
           <a:srgbClr val="000000"/>
         </a:buClr>
         <a:buFont typeface="Arial"/>
-        <a:defRPr b="0" i="0" sz="1400" u="none" cap="none" strike="noStrike">
+        <a:defRPr sz="1400" b="0" i="0" u="none" strike="noStrike" cap="none">
           <a:solidFill>
             <a:srgbClr val="000000"/>
           </a:solidFill>
@@ -9124,7 +9320,7 @@
           <a:sym typeface="Arial"/>
         </a:defRPr>
       </a:lvl7pPr>
-      <a:lvl8pPr lvl="7" marR="0" rtl="0" algn="l">
+      <a:lvl8pPr marR="0" lvl="7" algn="l" rtl="0">
         <a:lnSpc>
           <a:spcPct val="100000"/>
         </a:lnSpc>
@@ -9138,7 +9334,7 @@
           <a:srgbClr val="000000"/>
         </a:buClr>
         <a:buFont typeface="Arial"/>
-        <a:defRPr b="0" i="0" sz="1400" u="none" cap="none" strike="noStrike">
+        <a:defRPr sz="1400" b="0" i="0" u="none" strike="noStrike" cap="none">
           <a:solidFill>
             <a:srgbClr val="000000"/>
           </a:solidFill>
@@ -9148,7 +9344,7 @@
           <a:sym typeface="Arial"/>
         </a:defRPr>
       </a:lvl8pPr>
-      <a:lvl9pPr lvl="8" marR="0" rtl="0" algn="l">
+      <a:lvl9pPr marR="0" lvl="8" algn="l" rtl="0">
         <a:lnSpc>
           <a:spcPct val="100000"/>
         </a:lnSpc>
@@ -9162,7 +9358,7 @@
           <a:srgbClr val="000000"/>
         </a:buClr>
         <a:buFont typeface="Arial"/>
-        <a:defRPr b="0" i="0" sz="1400" u="none" cap="none" strike="noStrike">
+        <a:defRPr sz="1400" b="0" i="0" u="none" strike="noStrike" cap="none">
           <a:solidFill>
             <a:srgbClr val="000000"/>
           </a:solidFill>
@@ -9178,11 +9374,11 @@
 </file>
 
 <file path=ppt/slides/slide1.xml><?xml version="1.0" encoding="utf-8"?>
-<p:sld xmlns:a="http://schemas.openxmlformats.org/drawingml/2006/main" xmlns:r="http://schemas.openxmlformats.org/officeDocument/2006/relationships" xmlns:mc="http://schemas.openxmlformats.org/markup-compatibility/2006" xmlns:mv="urn:schemas-microsoft-com:mac:vml" xmlns:p="http://schemas.openxmlformats.org/presentationml/2006/main" xmlns:c="http://schemas.openxmlformats.org/drawingml/2006/chart" xmlns:dgm="http://schemas.openxmlformats.org/drawingml/2006/diagram" xmlns:o="urn:schemas-microsoft-com:office:office" xmlns:v="urn:schemas-microsoft-com:vml" xmlns:pvml="urn:schemas-microsoft-com:office:powerpoint" xmlns:com="http://schemas.openxmlformats.org/drawingml/2006/compatibility" xmlns:p14="http://schemas.microsoft.com/office/powerpoint/2010/main" xmlns:p15="http://schemas.microsoft.com/office/powerpoint/2012/main" xmlns:ahyp="http://schemas.microsoft.com/office/drawing/2018/hyperlinkcolor" showMasterSp="0">
+<p:sld xmlns:a="http://schemas.openxmlformats.org/drawingml/2006/main" xmlns:r="http://schemas.openxmlformats.org/officeDocument/2006/relationships" xmlns:p="http://schemas.openxmlformats.org/presentationml/2006/main" showMasterSp="0">
   <p:cSld>
     <p:spTree>
       <p:nvGrpSpPr>
-        <p:cNvPr id="42" name="Shape 42"/>
+        <p:cNvPr id="1" name="Shape 42"/>
         <p:cNvGrpSpPr/>
         <p:nvPr/>
       </p:nvGrpSpPr>
@@ -9197,7 +9393,9 @@
       <p:sp>
         <p:nvSpPr>
           <p:cNvPr id="43" name="Google Shape;43;p1"/>
-          <p:cNvSpPr txBox="1"/>
+          <p:cNvSpPr txBox="1">
+            <a:spLocks noGrp="1"/>
+          </p:cNvSpPr>
           <p:nvPr>
             <p:ph type="title"/>
           </p:nvPr>
@@ -9205,7 +9403,7 @@
         <p:spPr>
           <a:xfrm>
             <a:off x="2251654" y="1883554"/>
-            <a:ext cx="7688700" cy="3090900"/>
+            <a:ext cx="7688700" cy="3188945"/>
           </a:xfrm>
           <a:prstGeom prst="rect">
             <a:avLst/>
@@ -9216,12 +9414,12 @@
           </a:ln>
         </p:spPr>
         <p:txBody>
-          <a:bodyPr anchorCtr="0" anchor="t" bIns="0" lIns="0" spcFirstLastPara="1" rIns="0" wrap="square" tIns="116200">
+          <a:bodyPr spcFirstLastPara="1" wrap="square" lIns="0" tIns="116200" rIns="0" bIns="0" anchor="t" anchorCtr="0">
             <a:spAutoFit/>
           </a:bodyPr>
           <a:lstStyle/>
           <a:p>
-            <a:pPr indent="0" lvl="0" marL="12065" marR="5080" rtl="0" algn="ctr">
+            <a:pPr marL="12065" marR="5080" lvl="0" indent="0" algn="ctr" rtl="0">
               <a:lnSpc>
                 <a:spcPct val="108000"/>
               </a:lnSpc>
@@ -9235,13 +9433,13 @@
               <a:buNone/>
             </a:pPr>
             <a:r>
-              <a:rPr lang="en-US" sz="6000"/>
+              <a:rPr lang="en-US" sz="6000" dirty="0"/>
               <a:t>Lab6: Logistic Regression and Metrics</a:t>
             </a:r>
-            <a:endParaRPr sz="6000"/>
+            <a:endParaRPr sz="6000" dirty="0"/>
           </a:p>
           <a:p>
-            <a:pPr indent="0" lvl="0" marL="2383790" marR="2372995" rtl="0" algn="ctr">
+            <a:pPr marL="2383790" marR="2372995" lvl="0" indent="0" algn="ctr" rtl="0">
               <a:lnSpc>
                 <a:spcPct val="125000"/>
               </a:lnSpc>
@@ -9255,21 +9453,21 @@
               <a:buNone/>
             </a:pPr>
             <a:r>
-              <a:rPr lang="en-US" sz="2400">
+              <a:rPr lang="en-US" sz="2400" dirty="0" err="1">
                 <a:solidFill>
                   <a:srgbClr val="7E7E7E"/>
                 </a:solidFill>
               </a:rPr>
               <a:t>DataLab</a:t>
             </a:r>
-            <a:endParaRPr sz="2400">
+            <a:endParaRPr sz="2400" dirty="0">
               <a:solidFill>
                 <a:srgbClr val="7E7E7E"/>
               </a:solidFill>
             </a:endParaRPr>
           </a:p>
           <a:p>
-            <a:pPr indent="0" lvl="0" marL="2383790" marR="2372995" rtl="0" algn="ctr">
+            <a:pPr marL="2383790" marR="2372995" lvl="0" indent="0" algn="ctr" rtl="0">
               <a:lnSpc>
                 <a:spcPct val="125000"/>
               </a:lnSpc>
@@ -9283,14 +9481,14 @@
               <a:buNone/>
             </a:pPr>
             <a:r>
-              <a:rPr lang="en-US" sz="2400">
+              <a:rPr lang="en-US" sz="2400" dirty="0">
                 <a:solidFill>
                   <a:srgbClr val="7E7E7E"/>
                 </a:solidFill>
               </a:rPr>
-              <a:t>2023.10.19</a:t>
+              <a:t>2025.09.25</a:t>
             </a:r>
-            <a:endParaRPr sz="2400"/>
+            <a:endParaRPr sz="2400" dirty="0"/>
           </a:p>
         </p:txBody>
       </p:sp>
@@ -9303,11 +9501,11 @@
 </file>
 
 <file path=ppt/slides/slide10.xml><?xml version="1.0" encoding="utf-8"?>
-<p:sld xmlns:a="http://schemas.openxmlformats.org/drawingml/2006/main" xmlns:r="http://schemas.openxmlformats.org/officeDocument/2006/relationships" xmlns:mc="http://schemas.openxmlformats.org/markup-compatibility/2006" xmlns:mv="urn:schemas-microsoft-com:mac:vml" xmlns:p="http://schemas.openxmlformats.org/presentationml/2006/main" xmlns:c="http://schemas.openxmlformats.org/drawingml/2006/chart" xmlns:dgm="http://schemas.openxmlformats.org/drawingml/2006/diagram" xmlns:o="urn:schemas-microsoft-com:office:office" xmlns:v="urn:schemas-microsoft-com:vml" xmlns:pvml="urn:schemas-microsoft-com:office:powerpoint" xmlns:com="http://schemas.openxmlformats.org/drawingml/2006/compatibility" xmlns:p14="http://schemas.microsoft.com/office/powerpoint/2010/main" xmlns:p15="http://schemas.microsoft.com/office/powerpoint/2012/main" xmlns:ahyp="http://schemas.microsoft.com/office/drawing/2018/hyperlinkcolor" showMasterSp="0">
+<p:sld xmlns:a="http://schemas.openxmlformats.org/drawingml/2006/main" xmlns:r="http://schemas.openxmlformats.org/officeDocument/2006/relationships" xmlns:p="http://schemas.openxmlformats.org/presentationml/2006/main" showMasterSp="0">
   <p:cSld>
     <p:spTree>
       <p:nvGrpSpPr>
-        <p:cNvPr id="105" name="Shape 105"/>
+        <p:cNvPr id="1" name="Shape 105"/>
         <p:cNvGrpSpPr/>
         <p:nvPr/>
       </p:nvGrpSpPr>
@@ -9329,7 +9527,7 @@
           <a:blip r:embed="rId3">
             <a:alphaModFix/>
           </a:blip>
-          <a:srcRect b="0" l="0" r="0" t="0"/>
+          <a:srcRect/>
           <a:stretch/>
         </p:blipFill>
         <p:spPr>
@@ -9349,7 +9547,9 @@
       <p:sp>
         <p:nvSpPr>
           <p:cNvPr id="107" name="Google Shape;107;g29018e25af8_0_11"/>
-          <p:cNvSpPr txBox="1"/>
+          <p:cNvSpPr txBox="1">
+            <a:spLocks noGrp="1"/>
+          </p:cNvSpPr>
           <p:nvPr>
             <p:ph type="title"/>
           </p:nvPr>
@@ -9368,12 +9568,12 @@
           </a:ln>
         </p:spPr>
         <p:txBody>
-          <a:bodyPr anchorCtr="0" anchor="t" bIns="0" lIns="0" spcFirstLastPara="1" rIns="0" wrap="square" tIns="13325">
+          <a:bodyPr spcFirstLastPara="1" wrap="square" lIns="0" tIns="13325" rIns="0" bIns="0" anchor="t" anchorCtr="0">
             <a:spAutoFit/>
           </a:bodyPr>
           <a:lstStyle/>
           <a:p>
-            <a:pPr indent="0" lvl="0" marL="428625" rtl="0" algn="l">
+            <a:pPr marL="428625" lvl="0" indent="0" algn="l" rtl="0">
               <a:lnSpc>
                 <a:spcPct val="100000"/>
               </a:lnSpc>
@@ -9414,12 +9614,12 @@
           </a:ln>
         </p:spPr>
         <p:txBody>
-          <a:bodyPr anchorCtr="0" anchor="t" bIns="0" lIns="0" spcFirstLastPara="1" rIns="0" wrap="square" tIns="59675">
+          <a:bodyPr spcFirstLastPara="1" wrap="square" lIns="0" tIns="59675" rIns="0" bIns="0" anchor="t" anchorCtr="0">
             <a:spAutoFit/>
           </a:bodyPr>
           <a:lstStyle/>
           <a:p>
-            <a:pPr indent="-228600" lvl="0" marL="241300" marR="203833" rtl="0" algn="l">
+            <a:pPr marL="241300" marR="203833" lvl="0" indent="-228600" algn="l" rtl="0">
               <a:lnSpc>
                 <a:spcPct val="108214"/>
               </a:lnSpc>
@@ -9437,7 +9637,7 @@
               <a:buChar char="•"/>
             </a:pPr>
             <a:r>
-              <a:rPr b="0" i="0" lang="en-US" sz="2800" u="none" cap="none" strike="noStrike">
+              <a:rPr lang="en-US" sz="2800" b="0" i="0" u="none" strike="noStrike" cap="none">
                 <a:solidFill>
                   <a:srgbClr val="000000"/>
                 </a:solidFill>
@@ -9458,7 +9658,7 @@
               <a:t> &amp;</a:t>
             </a:r>
             <a:r>
-              <a:rPr b="0" i="0" lang="en-US" sz="2800" u="none" cap="none" strike="noStrike">
+              <a:rPr lang="en-US" sz="2800" b="0" i="0" u="none" strike="noStrike" cap="none">
                 <a:solidFill>
                   <a:srgbClr val="000000"/>
                 </a:solidFill>
@@ -9477,7 +9677,7 @@
             </a:endParaRPr>
           </a:p>
           <a:p>
-            <a:pPr indent="0" lvl="0" marL="0" marR="203833" rtl="0" algn="l">
+            <a:pPr marL="0" marR="203833" lvl="0" indent="0" algn="l" rtl="0">
               <a:lnSpc>
                 <a:spcPct val="108214"/>
               </a:lnSpc>
@@ -9494,10 +9694,7 @@
               <a:buFont typeface="Arial"/>
               <a:buNone/>
             </a:pPr>
-            <a:r>
-              <a:t/>
-            </a:r>
-            <a:endParaRPr b="0" i="0" sz="2800" u="none" cap="none" strike="noStrike">
+            <a:endParaRPr sz="2800" b="0" i="0" u="none" strike="noStrike" cap="none">
               <a:solidFill>
                 <a:srgbClr val="000000"/>
               </a:solidFill>
@@ -9508,7 +9705,7 @@
             </a:endParaRPr>
           </a:p>
           <a:p>
-            <a:pPr indent="0" lvl="0" marL="0" marR="203833" rtl="0" algn="l">
+            <a:pPr marL="0" marR="203833" lvl="0" indent="0" algn="l" rtl="0">
               <a:lnSpc>
                 <a:spcPct val="108214"/>
               </a:lnSpc>
@@ -9525,10 +9722,7 @@
               <a:buFont typeface="Arial"/>
               <a:buNone/>
             </a:pPr>
-            <a:r>
-              <a:t/>
-            </a:r>
-            <a:endParaRPr b="0" i="0" sz="2800" u="none" cap="none" strike="noStrike">
+            <a:endParaRPr sz="2800" b="0" i="0" u="none" strike="noStrike" cap="none">
               <a:solidFill>
                 <a:srgbClr val="000000"/>
               </a:solidFill>
@@ -9539,7 +9733,7 @@
             </a:endParaRPr>
           </a:p>
           <a:p>
-            <a:pPr indent="0" lvl="0" marL="0" marR="203833" rtl="0" algn="l">
+            <a:pPr marL="0" marR="203833" lvl="0" indent="0" algn="l" rtl="0">
               <a:lnSpc>
                 <a:spcPct val="108214"/>
               </a:lnSpc>
@@ -9556,10 +9750,7 @@
               <a:buFont typeface="Arial"/>
               <a:buNone/>
             </a:pPr>
-            <a:r>
-              <a:t/>
-            </a:r>
-            <a:endParaRPr b="0" i="0" sz="2800" u="none" cap="none" strike="noStrike">
+            <a:endParaRPr sz="2800" b="0" i="0" u="none" strike="noStrike" cap="none">
               <a:solidFill>
                 <a:srgbClr val="000000"/>
               </a:solidFill>
@@ -9570,7 +9761,7 @@
             </a:endParaRPr>
           </a:p>
           <a:p>
-            <a:pPr indent="0" lvl="0" marL="0" marR="203833" rtl="0" algn="l">
+            <a:pPr marL="0" marR="203833" lvl="0" indent="0" algn="l" rtl="0">
               <a:lnSpc>
                 <a:spcPct val="108214"/>
               </a:lnSpc>
@@ -9587,10 +9778,7 @@
               <a:buFont typeface="Arial"/>
               <a:buNone/>
             </a:pPr>
-            <a:r>
-              <a:t/>
-            </a:r>
-            <a:endParaRPr b="0" i="0" sz="2800" u="none" cap="none" strike="noStrike">
+            <a:endParaRPr sz="2800" b="0" i="0" u="none" strike="noStrike" cap="none">
               <a:solidFill>
                 <a:srgbClr val="000000"/>
               </a:solidFill>
@@ -9601,7 +9789,7 @@
             </a:endParaRPr>
           </a:p>
           <a:p>
-            <a:pPr indent="-228600" lvl="0" marL="241300" marR="203833" rtl="0" algn="l">
+            <a:pPr marL="241300" marR="203833" lvl="0" indent="-228600" algn="l" rtl="0">
               <a:lnSpc>
                 <a:spcPct val="108214"/>
               </a:lnSpc>
@@ -9619,7 +9807,7 @@
               <a:buChar char="•"/>
             </a:pPr>
             <a:r>
-              <a:rPr b="0" i="0" lang="en-US" sz="2800" u="none" cap="none" strike="noStrike">
+              <a:rPr lang="en-US" sz="2800" b="0" i="0" u="none" strike="noStrike" cap="none">
                 <a:solidFill>
                   <a:srgbClr val="000000"/>
                 </a:solidFill>
@@ -9630,7 +9818,7 @@
               </a:rPr>
               <a:t>F-1 Score</a:t>
             </a:r>
-            <a:endParaRPr b="0" i="0" sz="2800" u="none" cap="none" strike="noStrike">
+            <a:endParaRPr sz="2800" b="0" i="0" u="none" strike="noStrike" cap="none">
               <a:solidFill>
                 <a:srgbClr val="000000"/>
               </a:solidFill>
@@ -9641,7 +9829,7 @@
             </a:endParaRPr>
           </a:p>
           <a:p>
-            <a:pPr indent="0" lvl="0" marL="0" marR="5080" rtl="0" algn="l">
+            <a:pPr marL="0" marR="5080" lvl="0" indent="0" algn="l" rtl="0">
               <a:lnSpc>
                 <a:spcPct val="108214"/>
               </a:lnSpc>
@@ -9658,10 +9846,7 @@
               <a:buFont typeface="Arial"/>
               <a:buNone/>
             </a:pPr>
-            <a:r>
-              <a:t/>
-            </a:r>
-            <a:endParaRPr b="0" i="0" sz="2800" u="none" cap="none" strike="noStrike">
+            <a:endParaRPr sz="2800" b="0" i="0" u="none" strike="noStrike" cap="none">
               <a:solidFill>
                 <a:srgbClr val="000000"/>
               </a:solidFill>
@@ -9672,7 +9857,7 @@
             </a:endParaRPr>
           </a:p>
           <a:p>
-            <a:pPr indent="0" lvl="0" marL="0" marR="0" rtl="0" algn="l">
+            <a:pPr marL="0" marR="0" lvl="0" indent="0" algn="l" rtl="0">
               <a:lnSpc>
                 <a:spcPct val="100000"/>
               </a:lnSpc>
@@ -9689,10 +9874,7 @@
               <a:buFont typeface="Arial"/>
               <a:buNone/>
             </a:pPr>
-            <a:r>
-              <a:t/>
-            </a:r>
-            <a:endParaRPr b="0" i="0" sz="2800" u="none" cap="none" strike="noStrike">
+            <a:endParaRPr sz="2800" b="0" i="0" u="none" strike="noStrike" cap="none">
               <a:solidFill>
                 <a:srgbClr val="000000"/>
               </a:solidFill>
@@ -9714,7 +9896,7 @@
           <a:blip r:embed="rId4">
             <a:alphaModFix/>
           </a:blip>
-          <a:srcRect b="51941" l="0" r="0" t="0"/>
+          <a:srcRect b="51941"/>
           <a:stretch/>
         </p:blipFill>
         <p:spPr>
@@ -9741,7 +9923,7 @@
           <a:blip r:embed="rId5">
             <a:alphaModFix/>
           </a:blip>
-          <a:srcRect b="0" l="0" r="0" t="8248"/>
+          <a:srcRect t="8248"/>
           <a:stretch/>
         </p:blipFill>
         <p:spPr>
@@ -9782,12 +9964,12 @@
           </a:ln>
         </p:spPr>
         <p:txBody>
-          <a:bodyPr anchorCtr="0" anchor="ctr" bIns="91425" lIns="91425" spcFirstLastPara="1" rIns="91425" wrap="square" tIns="91425">
+          <a:bodyPr spcFirstLastPara="1" wrap="square" lIns="91425" tIns="91425" rIns="91425" bIns="91425" anchor="ctr" anchorCtr="0">
             <a:noAutofit/>
           </a:bodyPr>
           <a:lstStyle/>
           <a:p>
-            <a:pPr indent="0" lvl="0" marL="0" marR="0" rtl="0" algn="l">
+            <a:pPr marL="0" marR="0" lvl="0" indent="0" algn="l" rtl="0">
               <a:lnSpc>
                 <a:spcPct val="100000"/>
               </a:lnSpc>
@@ -9804,10 +9986,7 @@
               <a:buFont typeface="Arial"/>
               <a:buNone/>
             </a:pPr>
-            <a:r>
-              <a:t/>
-            </a:r>
-            <a:endParaRPr b="0" i="0" sz="1400" u="none" cap="none" strike="noStrike">
+            <a:endParaRPr sz="1400" b="0" i="0" u="none" strike="noStrike" cap="none">
               <a:solidFill>
                 <a:srgbClr val="000000"/>
               </a:solidFill>
@@ -9829,7 +10008,7 @@
           <a:blip r:embed="rId4">
             <a:alphaModFix/>
           </a:blip>
-          <a:srcRect b="0" l="0" r="0" t="47930"/>
+          <a:srcRect t="47930"/>
           <a:stretch/>
         </p:blipFill>
         <p:spPr>
@@ -9861,23 +10040,23 @@
             <a:avLst/>
           </a:prstGeom>
           <a:noFill/>
-          <a:ln cap="flat" cmpd="sng" w="28575">
+          <a:ln w="28575" cap="flat" cmpd="sng">
             <a:solidFill>
               <a:srgbClr val="4A86E8"/>
             </a:solidFill>
             <a:prstDash val="solid"/>
             <a:round/>
-            <a:headEnd len="sm" w="sm" type="none"/>
-            <a:tailEnd len="sm" w="sm" type="none"/>
+            <a:headEnd type="none" w="sm" len="sm"/>
+            <a:tailEnd type="none" w="sm" len="sm"/>
           </a:ln>
         </p:spPr>
         <p:txBody>
-          <a:bodyPr anchorCtr="0" anchor="ctr" bIns="91425" lIns="91425" spcFirstLastPara="1" rIns="91425" wrap="square" tIns="91425">
+          <a:bodyPr spcFirstLastPara="1" wrap="square" lIns="91425" tIns="91425" rIns="91425" bIns="91425" anchor="ctr" anchorCtr="0">
             <a:noAutofit/>
           </a:bodyPr>
           <a:lstStyle/>
           <a:p>
-            <a:pPr indent="0" lvl="0" marL="0" marR="0" rtl="0" algn="l">
+            <a:pPr marL="0" marR="0" lvl="0" indent="0" algn="l" rtl="0">
               <a:lnSpc>
                 <a:spcPct val="100000"/>
               </a:lnSpc>
@@ -9894,10 +10073,7 @@
               <a:buFont typeface="Arial"/>
               <a:buNone/>
             </a:pPr>
-            <a:r>
-              <a:t/>
-            </a:r>
-            <a:endParaRPr b="0" i="0" sz="1400" u="none" cap="none" strike="noStrike">
+            <a:endParaRPr sz="1400" b="0" i="0" u="none" strike="noStrike" cap="none">
               <a:solidFill>
                 <a:srgbClr val="000000"/>
               </a:solidFill>
@@ -9918,11 +10094,11 @@
 </file>
 
 <file path=ppt/slides/slide11.xml><?xml version="1.0" encoding="utf-8"?>
-<p:sld xmlns:a="http://schemas.openxmlformats.org/drawingml/2006/main" xmlns:r="http://schemas.openxmlformats.org/officeDocument/2006/relationships" xmlns:mc="http://schemas.openxmlformats.org/markup-compatibility/2006" xmlns:mv="urn:schemas-microsoft-com:mac:vml" xmlns:p="http://schemas.openxmlformats.org/presentationml/2006/main" xmlns:c="http://schemas.openxmlformats.org/drawingml/2006/chart" xmlns:dgm="http://schemas.openxmlformats.org/drawingml/2006/diagram" xmlns:o="urn:schemas-microsoft-com:office:office" xmlns:v="urn:schemas-microsoft-com:vml" xmlns:pvml="urn:schemas-microsoft-com:office:powerpoint" xmlns:com="http://schemas.openxmlformats.org/drawingml/2006/compatibility" xmlns:p14="http://schemas.microsoft.com/office/powerpoint/2010/main" xmlns:p15="http://schemas.microsoft.com/office/powerpoint/2012/main" xmlns:ahyp="http://schemas.microsoft.com/office/drawing/2018/hyperlinkcolor" showMasterSp="0">
+<p:sld xmlns:a="http://schemas.openxmlformats.org/drawingml/2006/main" xmlns:r="http://schemas.openxmlformats.org/officeDocument/2006/relationships" xmlns:p="http://schemas.openxmlformats.org/presentationml/2006/main" showMasterSp="0">
   <p:cSld>
     <p:spTree>
       <p:nvGrpSpPr>
-        <p:cNvPr id="117" name="Shape 117"/>
+        <p:cNvPr id="1" name="Shape 117"/>
         <p:cNvGrpSpPr/>
         <p:nvPr/>
       </p:nvGrpSpPr>
@@ -9937,7 +10113,9 @@
       <p:sp>
         <p:nvSpPr>
           <p:cNvPr id="118" name="Google Shape;118;p14"/>
-          <p:cNvSpPr txBox="1"/>
+          <p:cNvSpPr txBox="1">
+            <a:spLocks noGrp="1"/>
+          </p:cNvSpPr>
           <p:nvPr>
             <p:ph type="title"/>
           </p:nvPr>
@@ -9956,12 +10134,12 @@
           </a:ln>
         </p:spPr>
         <p:txBody>
-          <a:bodyPr anchorCtr="0" anchor="t" bIns="0" lIns="0" spcFirstLastPara="1" rIns="0" wrap="square" tIns="13325">
+          <a:bodyPr spcFirstLastPara="1" wrap="square" lIns="0" tIns="13325" rIns="0" bIns="0" anchor="t" anchorCtr="0">
             <a:spAutoFit/>
           </a:bodyPr>
           <a:lstStyle/>
           <a:p>
-            <a:pPr indent="0" lvl="0" marL="1541145" rtl="0" algn="l">
+            <a:pPr marL="1541145" lvl="0" indent="0" algn="l" rtl="0">
               <a:lnSpc>
                 <a:spcPct val="100000"/>
               </a:lnSpc>
@@ -9985,9 +10163,11 @@
       <p:sp>
         <p:nvSpPr>
           <p:cNvPr id="119" name="Google Shape;119;p14"/>
-          <p:cNvSpPr txBox="1"/>
+          <p:cNvSpPr txBox="1">
+            <a:spLocks noGrp="1"/>
+          </p:cNvSpPr>
           <p:nvPr>
-            <p:ph idx="1" type="body"/>
+            <p:ph type="body" idx="1"/>
           </p:nvPr>
         </p:nvSpPr>
         <p:spPr>
@@ -10004,12 +10184,12 @@
           </a:ln>
         </p:spPr>
         <p:txBody>
-          <a:bodyPr anchorCtr="0" anchor="t" bIns="0" lIns="0" spcFirstLastPara="1" rIns="0" wrap="square" tIns="123175">
+          <a:bodyPr spcFirstLastPara="1" wrap="square" lIns="0" tIns="123175" rIns="0" bIns="0" anchor="t" anchorCtr="0">
             <a:spAutoFit/>
           </a:bodyPr>
           <a:lstStyle/>
           <a:p>
-            <a:pPr indent="-228600" lvl="0" marL="241300" rtl="0" algn="l">
+            <a:pPr marL="241300" lvl="0" indent="-228600" algn="l" rtl="0">
               <a:lnSpc>
                 <a:spcPct val="100000"/>
               </a:lnSpc>
@@ -10033,7 +10213,7 @@
             <a:endParaRPr/>
           </a:p>
           <a:p>
-            <a:pPr indent="0" lvl="1" marL="0" rtl="0" algn="l">
+            <a:pPr marL="0" lvl="1" indent="0" algn="l" rtl="0">
               <a:lnSpc>
                 <a:spcPct val="100000"/>
               </a:lnSpc>
@@ -10047,13 +10227,10 @@
               <a:buFont typeface="Calibri"/>
               <a:buNone/>
             </a:pPr>
-            <a:r>
-              <a:t/>
-            </a:r>
             <a:endParaRPr sz="2400"/>
           </a:p>
           <a:p>
-            <a:pPr indent="-228600" lvl="0" marL="241300" rtl="0" algn="l">
+            <a:pPr marL="241300" lvl="0" indent="-228600" algn="l" rtl="0">
               <a:lnSpc>
                 <a:spcPct val="100000"/>
               </a:lnSpc>
@@ -10081,7 +10258,7 @@
             <a:endParaRPr/>
           </a:p>
           <a:p>
-            <a:pPr indent="-229235" lvl="1" marL="443865" rtl="0" algn="l">
+            <a:pPr marL="443865" lvl="1" indent="-229235" algn="l" rtl="0">
               <a:lnSpc>
                 <a:spcPct val="100000"/>
               </a:lnSpc>
@@ -10118,7 +10295,7 @@
             </a:endParaRPr>
           </a:p>
           <a:p>
-            <a:pPr indent="-229235" lvl="1" marL="443865" rtl="0" algn="l">
+            <a:pPr marL="443865" lvl="1" indent="-229235" algn="l" rtl="0">
               <a:lnSpc>
                 <a:spcPct val="100000"/>
               </a:lnSpc>
@@ -10159,11 +10336,11 @@
 </file>
 
 <file path=ppt/slides/slide12.xml><?xml version="1.0" encoding="utf-8"?>
-<p:sld xmlns:a="http://schemas.openxmlformats.org/drawingml/2006/main" xmlns:r="http://schemas.openxmlformats.org/officeDocument/2006/relationships" xmlns:mc="http://schemas.openxmlformats.org/markup-compatibility/2006" xmlns:mv="urn:schemas-microsoft-com:mac:vml" xmlns:p="http://schemas.openxmlformats.org/presentationml/2006/main" xmlns:c="http://schemas.openxmlformats.org/drawingml/2006/chart" xmlns:dgm="http://schemas.openxmlformats.org/drawingml/2006/diagram" xmlns:o="urn:schemas-microsoft-com:office:office" xmlns:v="urn:schemas-microsoft-com:vml" xmlns:pvml="urn:schemas-microsoft-com:office:powerpoint" xmlns:com="http://schemas.openxmlformats.org/drawingml/2006/compatibility" xmlns:p14="http://schemas.microsoft.com/office/powerpoint/2010/main" xmlns:p15="http://schemas.microsoft.com/office/powerpoint/2012/main" xmlns:ahyp="http://schemas.microsoft.com/office/drawing/2018/hyperlinkcolor" showMasterSp="0">
+<p:sld xmlns:a="http://schemas.openxmlformats.org/drawingml/2006/main" xmlns:r="http://schemas.openxmlformats.org/officeDocument/2006/relationships" xmlns:p="http://schemas.openxmlformats.org/presentationml/2006/main" showMasterSp="0">
   <p:cSld>
     <p:spTree>
       <p:nvGrpSpPr>
-        <p:cNvPr id="123" name="Shape 123"/>
+        <p:cNvPr id="1" name="Shape 123"/>
         <p:cNvGrpSpPr/>
         <p:nvPr/>
       </p:nvGrpSpPr>
@@ -10178,7 +10355,9 @@
       <p:sp>
         <p:nvSpPr>
           <p:cNvPr id="124" name="Google Shape;124;p15"/>
-          <p:cNvSpPr txBox="1"/>
+          <p:cNvSpPr txBox="1">
+            <a:spLocks noGrp="1"/>
+          </p:cNvSpPr>
           <p:nvPr>
             <p:ph type="title"/>
           </p:nvPr>
@@ -10197,12 +10376,12 @@
           </a:ln>
         </p:spPr>
         <p:txBody>
-          <a:bodyPr anchorCtr="0" anchor="t" bIns="0" lIns="0" spcFirstLastPara="1" rIns="0" wrap="square" tIns="13325">
+          <a:bodyPr spcFirstLastPara="1" wrap="square" lIns="0" tIns="13325" rIns="0" bIns="0" anchor="t" anchorCtr="0">
             <a:spAutoFit/>
           </a:bodyPr>
           <a:lstStyle/>
           <a:p>
-            <a:pPr indent="0" lvl="0" marL="1175385" rtl="0" algn="l">
+            <a:pPr marL="1175385" lvl="0" indent="0" algn="l" rtl="0">
               <a:lnSpc>
                 <a:spcPct val="100000"/>
               </a:lnSpc>
@@ -10243,12 +10422,12 @@
           </a:ln>
         </p:spPr>
         <p:txBody>
-          <a:bodyPr anchorCtr="0" anchor="t" bIns="0" lIns="0" spcFirstLastPara="1" rIns="0" wrap="square" tIns="59675">
+          <a:bodyPr spcFirstLastPara="1" wrap="square" lIns="0" tIns="59675" rIns="0" bIns="0" anchor="t" anchorCtr="0">
             <a:spAutoFit/>
           </a:bodyPr>
           <a:lstStyle/>
           <a:p>
-            <a:pPr indent="-228600" lvl="0" marL="241300" marR="5080" rtl="0" algn="l">
+            <a:pPr marL="241300" marR="5080" lvl="0" indent="-228600" algn="l" rtl="0">
               <a:lnSpc>
                 <a:spcPct val="108214"/>
               </a:lnSpc>
@@ -10266,7 +10445,7 @@
               <a:buChar char="•"/>
             </a:pPr>
             <a:r>
-              <a:rPr b="0" i="0" lang="en-US" sz="2800" u="none" cap="none" strike="noStrike">
+              <a:rPr lang="en-US" sz="2800" b="0" i="0" u="none" strike="noStrike" cap="none">
                 <a:solidFill>
                   <a:srgbClr val="000000"/>
                 </a:solidFill>
@@ -10278,7 +10457,7 @@
               <a:t>ROC curve analyze the performance for </a:t>
             </a:r>
             <a:r>
-              <a:rPr b="1" i="0" lang="en-US" sz="2800" u="none" cap="none" strike="noStrike">
+              <a:rPr lang="en-US" sz="2800" b="1" i="0" u="none" strike="noStrike" cap="none">
                 <a:solidFill>
                   <a:schemeClr val="dk1"/>
                 </a:solidFill>
@@ -10289,7 +10468,7 @@
               </a:rPr>
               <a:t>every threshold in soft classifiers</a:t>
             </a:r>
-            <a:endParaRPr b="0" i="0" sz="3800" u="none" cap="none" strike="noStrike">
+            <a:endParaRPr sz="3800" b="0" i="0" u="none" strike="noStrike" cap="none">
               <a:solidFill>
                 <a:srgbClr val="000000"/>
               </a:solidFill>
@@ -10300,7 +10479,7 @@
             </a:endParaRPr>
           </a:p>
           <a:p>
-            <a:pPr indent="-228600" lvl="0" marL="241300" marR="0" rtl="0" algn="l">
+            <a:pPr marL="241300" marR="0" lvl="0" indent="-228600" algn="l" rtl="0">
               <a:lnSpc>
                 <a:spcPct val="100000"/>
               </a:lnSpc>
@@ -10318,7 +10497,7 @@
               <a:buChar char="•"/>
             </a:pPr>
             <a:r>
-              <a:rPr b="0" i="0" lang="en-US" sz="2800" u="none" cap="none" strike="noStrike">
+              <a:rPr lang="en-US" sz="2800" b="0" i="0" u="none" strike="noStrike" cap="none">
                 <a:solidFill>
                   <a:srgbClr val="000000"/>
                 </a:solidFill>
@@ -10329,7 +10508,7 @@
               </a:rPr>
               <a:t>In X-axis </a:t>
             </a:r>
-            <a:endParaRPr b="0" i="0" sz="2800" u="none" cap="none" strike="noStrike">
+            <a:endParaRPr sz="2800" b="0" i="0" u="none" strike="noStrike" cap="none">
               <a:solidFill>
                 <a:srgbClr val="000000"/>
               </a:solidFill>
@@ -10340,7 +10519,7 @@
             </a:endParaRPr>
           </a:p>
           <a:p>
-            <a:pPr indent="-228600" lvl="0" marL="241300" rtl="0" algn="l">
+            <a:pPr marL="241300" lvl="0" indent="-228600" algn="l" rtl="0">
               <a:spcBef>
                 <a:spcPts val="5000"/>
               </a:spcBef>
@@ -10384,7 +10563,7 @@
           <a:blip r:embed="rId3">
             <a:alphaModFix/>
           </a:blip>
-          <a:srcRect b="0" l="0" r="0" t="0"/>
+          <a:srcRect/>
           <a:stretch/>
         </p:blipFill>
         <p:spPr>
@@ -10411,7 +10590,7 @@
           <a:blip r:embed="rId4">
             <a:alphaModFix/>
           </a:blip>
-          <a:srcRect b="0" l="0" r="0" t="0"/>
+          <a:srcRect/>
           <a:stretch/>
         </p:blipFill>
         <p:spPr>
@@ -10438,7 +10617,7 @@
           <a:blip r:embed="rId5">
             <a:alphaModFix/>
           </a:blip>
-          <a:srcRect b="0" l="0" r="0" t="0"/>
+          <a:srcRect/>
           <a:stretch/>
         </p:blipFill>
         <p:spPr>
@@ -10464,11 +10643,11 @@
 </file>
 
 <file path=ppt/slides/slide13.xml><?xml version="1.0" encoding="utf-8"?>
-<p:sld xmlns:a="http://schemas.openxmlformats.org/drawingml/2006/main" xmlns:r="http://schemas.openxmlformats.org/officeDocument/2006/relationships" xmlns:mc="http://schemas.openxmlformats.org/markup-compatibility/2006" xmlns:mv="urn:schemas-microsoft-com:mac:vml" xmlns:p="http://schemas.openxmlformats.org/presentationml/2006/main" xmlns:c="http://schemas.openxmlformats.org/drawingml/2006/chart" xmlns:dgm="http://schemas.openxmlformats.org/drawingml/2006/diagram" xmlns:o="urn:schemas-microsoft-com:office:office" xmlns:v="urn:schemas-microsoft-com:vml" xmlns:pvml="urn:schemas-microsoft-com:office:powerpoint" xmlns:com="http://schemas.openxmlformats.org/drawingml/2006/compatibility" xmlns:p14="http://schemas.microsoft.com/office/powerpoint/2010/main" xmlns:p15="http://schemas.microsoft.com/office/powerpoint/2012/main" xmlns:ahyp="http://schemas.microsoft.com/office/drawing/2018/hyperlinkcolor" showMasterSp="0">
+<p:sld xmlns:a="http://schemas.openxmlformats.org/drawingml/2006/main" xmlns:r="http://schemas.openxmlformats.org/officeDocument/2006/relationships" xmlns:p="http://schemas.openxmlformats.org/presentationml/2006/main" showMasterSp="0">
   <p:cSld>
     <p:spTree>
       <p:nvGrpSpPr>
-        <p:cNvPr id="132" name="Shape 132"/>
+        <p:cNvPr id="1" name="Shape 132"/>
         <p:cNvGrpSpPr/>
         <p:nvPr/>
       </p:nvGrpSpPr>
@@ -10483,7 +10662,9 @@
       <p:sp>
         <p:nvSpPr>
           <p:cNvPr id="133" name="Google Shape;133;g29018e25af8_0_22"/>
-          <p:cNvSpPr txBox="1"/>
+          <p:cNvSpPr txBox="1">
+            <a:spLocks noGrp="1"/>
+          </p:cNvSpPr>
           <p:nvPr>
             <p:ph type="title"/>
           </p:nvPr>
@@ -10502,12 +10683,12 @@
           </a:ln>
         </p:spPr>
         <p:txBody>
-          <a:bodyPr anchorCtr="0" anchor="t" bIns="0" lIns="0" spcFirstLastPara="1" rIns="0" wrap="square" tIns="13325">
+          <a:bodyPr spcFirstLastPara="1" wrap="square" lIns="0" tIns="13325" rIns="0" bIns="0" anchor="t" anchorCtr="0">
             <a:spAutoFit/>
           </a:bodyPr>
           <a:lstStyle/>
           <a:p>
-            <a:pPr indent="0" lvl="0" marL="1175385" rtl="0" algn="l">
+            <a:pPr marL="1175385" lvl="0" indent="0" algn="l" rtl="0">
               <a:lnSpc>
                 <a:spcPct val="100000"/>
               </a:lnSpc>
@@ -10548,12 +10729,12 @@
           </a:ln>
         </p:spPr>
         <p:txBody>
-          <a:bodyPr anchorCtr="0" anchor="t" bIns="0" lIns="0" spcFirstLastPara="1" rIns="0" wrap="square" tIns="59675">
+          <a:bodyPr spcFirstLastPara="1" wrap="square" lIns="0" tIns="59675" rIns="0" bIns="0" anchor="t" anchorCtr="0">
             <a:spAutoFit/>
           </a:bodyPr>
           <a:lstStyle/>
           <a:p>
-            <a:pPr indent="-228600" lvl="0" marL="241300" marR="5080" rtl="0" algn="l">
+            <a:pPr marL="241300" marR="5080" lvl="0" indent="-228600" algn="l" rtl="0">
               <a:lnSpc>
                 <a:spcPct val="108214"/>
               </a:lnSpc>
@@ -10571,7 +10752,7 @@
               <a:buChar char="•"/>
             </a:pPr>
             <a:r>
-              <a:rPr b="0" i="0" lang="en-US" sz="2800" u="none" cap="none" strike="noStrike">
+              <a:rPr lang="en-US" sz="2800" b="0" i="0" u="none" strike="noStrike" cap="none">
                 <a:solidFill>
                   <a:srgbClr val="000000"/>
                 </a:solidFill>
@@ -10583,7 +10764,7 @@
               <a:t>ROC curve analyze the performance for </a:t>
             </a:r>
             <a:r>
-              <a:rPr b="1" i="0" lang="en-US" sz="2800" u="none" cap="none" strike="noStrike">
+              <a:rPr lang="en-US" sz="2800" b="1" i="0" u="none" strike="noStrike" cap="none">
                 <a:solidFill>
                   <a:schemeClr val="dk1"/>
                 </a:solidFill>
@@ -10594,7 +10775,7 @@
               </a:rPr>
               <a:t>every threshold in soft classifiers</a:t>
             </a:r>
-            <a:endParaRPr b="0" i="0" sz="3800" u="none" cap="none" strike="noStrike">
+            <a:endParaRPr sz="3800" b="0" i="0" u="none" strike="noStrike" cap="none">
               <a:solidFill>
                 <a:srgbClr val="000000"/>
               </a:solidFill>
@@ -10605,7 +10786,7 @@
             </a:endParaRPr>
           </a:p>
           <a:p>
-            <a:pPr indent="-228600" lvl="0" marL="241300" marR="0" rtl="0" algn="l">
+            <a:pPr marL="241300" marR="0" lvl="0" indent="-228600" algn="l" rtl="0">
               <a:lnSpc>
                 <a:spcPct val="100000"/>
               </a:lnSpc>
@@ -10623,7 +10804,7 @@
               <a:buChar char="•"/>
             </a:pPr>
             <a:r>
-              <a:rPr b="0" i="0" lang="en-US" sz="2800" u="none" cap="none" strike="noStrike">
+              <a:rPr lang="en-US" sz="2800" b="0" i="0" u="none" strike="noStrike" cap="none">
                 <a:solidFill>
                   <a:srgbClr val="000000"/>
                 </a:solidFill>
@@ -10634,7 +10815,7 @@
               </a:rPr>
               <a:t>In X-axis </a:t>
             </a:r>
-            <a:endParaRPr b="0" i="0" sz="2800" u="none" cap="none" strike="noStrike">
+            <a:endParaRPr sz="2800" b="0" i="0" u="none" strike="noStrike" cap="none">
               <a:solidFill>
                 <a:srgbClr val="000000"/>
               </a:solidFill>
@@ -10645,7 +10826,7 @@
             </a:endParaRPr>
           </a:p>
           <a:p>
-            <a:pPr indent="-228600" lvl="0" marL="241300" rtl="0" algn="l">
+            <a:pPr marL="241300" lvl="0" indent="-228600" algn="l" rtl="0">
               <a:spcBef>
                 <a:spcPts val="5000"/>
               </a:spcBef>
@@ -10689,7 +10870,7 @@
           <a:blip r:embed="rId3">
             <a:alphaModFix/>
           </a:blip>
-          <a:srcRect b="0" l="0" r="0" t="0"/>
+          <a:srcRect/>
           <a:stretch/>
         </p:blipFill>
         <p:spPr>
@@ -10716,7 +10897,7 @@
           <a:blip r:embed="rId4">
             <a:alphaModFix/>
           </a:blip>
-          <a:srcRect b="0" l="0" r="0" t="0"/>
+          <a:srcRect/>
           <a:stretch/>
         </p:blipFill>
         <p:spPr>
@@ -10743,7 +10924,7 @@
           <a:blip r:embed="rId5">
             <a:alphaModFix/>
           </a:blip>
-          <a:srcRect b="0" l="0" r="0" t="0"/>
+          <a:srcRect/>
           <a:stretch/>
         </p:blipFill>
         <p:spPr>
@@ -10780,12 +10961,12 @@
           </a:ln>
         </p:spPr>
         <p:txBody>
-          <a:bodyPr anchorCtr="0" anchor="t" bIns="0" lIns="0" spcFirstLastPara="1" rIns="0" wrap="square" tIns="12050">
+          <a:bodyPr spcFirstLastPara="1" wrap="square" lIns="0" tIns="12050" rIns="0" bIns="0" anchor="t" anchorCtr="0">
             <a:spAutoFit/>
           </a:bodyPr>
           <a:lstStyle/>
           <a:p>
-            <a:pPr indent="0" lvl="0" marL="12700" marR="5080" rtl="0" algn="r">
+            <a:pPr marL="12700" marR="5080" lvl="0" indent="0" algn="r" rtl="0">
               <a:lnSpc>
                 <a:spcPct val="100000"/>
               </a:lnSpc>
@@ -10803,7 +10984,7 @@
               <a:buNone/>
             </a:pPr>
             <a:r>
-              <a:rPr b="0" i="0" lang="en-US" sz="1000" u="none" cap="none" strike="noStrike">
+              <a:rPr lang="en-US" sz="1000" b="0" i="0" u="none" strike="noStrike" cap="none">
                 <a:solidFill>
                   <a:srgbClr val="666666"/>
                 </a:solidFill>
@@ -10827,7 +11008,7 @@
               <a:t> </a:t>
             </a:r>
             <a:r>
-              <a:rPr b="0" i="0" lang="en-US" sz="1000" u="none" cap="none" strike="noStrike">
+              <a:rPr lang="en-US" sz="1000" b="0" i="0" u="none" strike="noStrike" cap="none">
                 <a:solidFill>
                   <a:srgbClr val="666666"/>
                 </a:solidFill>
@@ -10836,21 +11017,9 @@
                 <a:cs typeface="Calibri"/>
                 <a:sym typeface="Calibri"/>
               </a:rPr>
-              <a:t>h</a:t>
+              <a:t>https://commons.wikimedia.org/w/index.php?curid=109730045</a:t>
             </a:r>
-            <a:r>
-              <a:rPr b="0" i="0" lang="en-US" sz="1000" u="none" cap="none" strike="noStrike">
-                <a:solidFill>
-                  <a:srgbClr val="666666"/>
-                </a:solidFill>
-                <a:latin typeface="Calibri"/>
-                <a:ea typeface="Calibri"/>
-                <a:cs typeface="Calibri"/>
-                <a:sym typeface="Calibri"/>
-              </a:rPr>
-              <a:t>ttps://commons.wikimedia.org/w/index.php?curid=109730045</a:t>
-            </a:r>
-            <a:endParaRPr b="0" i="0" sz="1000" u="none" cap="none" strike="noStrike">
+            <a:endParaRPr sz="1000" b="0" i="0" u="none" strike="noStrike" cap="none">
               <a:solidFill>
                 <a:srgbClr val="666666"/>
               </a:solidFill>
@@ -10871,11 +11040,11 @@
 </file>
 
 <file path=ppt/slides/slide14.xml><?xml version="1.0" encoding="utf-8"?>
-<p:sld xmlns:a="http://schemas.openxmlformats.org/drawingml/2006/main" xmlns:r="http://schemas.openxmlformats.org/officeDocument/2006/relationships" xmlns:mc="http://schemas.openxmlformats.org/markup-compatibility/2006" xmlns:mv="urn:schemas-microsoft-com:mac:vml" xmlns:p="http://schemas.openxmlformats.org/presentationml/2006/main" xmlns:c="http://schemas.openxmlformats.org/drawingml/2006/chart" xmlns:dgm="http://schemas.openxmlformats.org/drawingml/2006/diagram" xmlns:o="urn:schemas-microsoft-com:office:office" xmlns:v="urn:schemas-microsoft-com:vml" xmlns:pvml="urn:schemas-microsoft-com:office:powerpoint" xmlns:com="http://schemas.openxmlformats.org/drawingml/2006/compatibility" xmlns:p14="http://schemas.microsoft.com/office/powerpoint/2010/main" xmlns:p15="http://schemas.microsoft.com/office/powerpoint/2012/main" xmlns:ahyp="http://schemas.microsoft.com/office/drawing/2018/hyperlinkcolor" showMasterSp="0">
+<p:sld xmlns:a="http://schemas.openxmlformats.org/drawingml/2006/main" xmlns:r="http://schemas.openxmlformats.org/officeDocument/2006/relationships" xmlns:p="http://schemas.openxmlformats.org/presentationml/2006/main" showMasterSp="0">
   <p:cSld>
     <p:spTree>
       <p:nvGrpSpPr>
-        <p:cNvPr id="142" name="Shape 142"/>
+        <p:cNvPr id="1" name="Shape 142"/>
         <p:cNvGrpSpPr/>
         <p:nvPr/>
       </p:nvGrpSpPr>
@@ -10911,7 +11080,7 @@
             <a:blip r:embed="rId3">
               <a:alphaModFix/>
             </a:blip>
-            <a:srcRect b="49509" l="1635" r="26633" t="13012"/>
+            <a:srcRect l="1635" t="13012" r="26633" b="49509"/>
             <a:stretch/>
           </p:blipFill>
           <p:spPr>
@@ -10938,7 +11107,7 @@
             <a:blip r:embed="rId3">
               <a:alphaModFix/>
             </a:blip>
-            <a:srcRect b="3640" l="1635" r="26633" t="59169"/>
+            <a:srcRect l="1635" t="59169" r="26633" b="3640"/>
             <a:stretch/>
           </p:blipFill>
           <p:spPr>
@@ -10959,7 +11128,9 @@
       <p:sp>
         <p:nvSpPr>
           <p:cNvPr id="146" name="Google Shape;146;p17"/>
-          <p:cNvSpPr txBox="1"/>
+          <p:cNvSpPr txBox="1">
+            <a:spLocks noGrp="1"/>
+          </p:cNvSpPr>
           <p:nvPr>
             <p:ph type="title"/>
           </p:nvPr>
@@ -10978,12 +11149,12 @@
           </a:ln>
         </p:spPr>
         <p:txBody>
-          <a:bodyPr anchorCtr="0" anchor="t" bIns="0" lIns="0" spcFirstLastPara="1" rIns="0" wrap="square" tIns="13325">
+          <a:bodyPr spcFirstLastPara="1" wrap="square" lIns="0" tIns="13325" rIns="0" bIns="0" anchor="t" anchorCtr="0">
             <a:spAutoFit/>
           </a:bodyPr>
           <a:lstStyle/>
           <a:p>
-            <a:pPr indent="0" lvl="0" marL="1175385" rtl="0" algn="l">
+            <a:pPr marL="1175385" lvl="0" indent="0" algn="l" rtl="0">
               <a:lnSpc>
                 <a:spcPct val="100000"/>
               </a:lnSpc>
@@ -11024,12 +11195,12 @@
           </a:ln>
         </p:spPr>
         <p:txBody>
-          <a:bodyPr anchorCtr="0" anchor="t" bIns="0" lIns="0" spcFirstLastPara="1" rIns="0" wrap="square" tIns="123175">
+          <a:bodyPr spcFirstLastPara="1" wrap="square" lIns="0" tIns="123175" rIns="0" bIns="0" anchor="t" anchorCtr="0">
             <a:spAutoFit/>
           </a:bodyPr>
           <a:lstStyle/>
           <a:p>
-            <a:pPr indent="-228600" lvl="0" marL="241300" marR="0" rtl="0" algn="l">
+            <a:pPr marL="241300" marR="0" lvl="0" indent="-228600" algn="l" rtl="0">
               <a:lnSpc>
                 <a:spcPct val="100000"/>
               </a:lnSpc>
@@ -11047,7 +11218,7 @@
               <a:buChar char="•"/>
             </a:pPr>
             <a:r>
-              <a:rPr b="0" i="0" lang="en-US" sz="2800" u="none" cap="none" strike="noStrike">
+              <a:rPr lang="en-US" sz="2800" b="0" i="0" u="none" strike="noStrike" cap="none">
                 <a:solidFill>
                   <a:srgbClr val="000000"/>
                 </a:solidFill>
@@ -11068,7 +11239,7 @@
               <a:t> (</a:t>
             </a:r>
             <a:r>
-              <a:rPr b="0" i="0" lang="en-US" sz="2800" u="none" cap="none" strike="noStrike">
+              <a:rPr lang="en-US" sz="2800" b="0" i="0" u="none" strike="noStrike" cap="none">
                 <a:solidFill>
                   <a:srgbClr val="292929"/>
                 </a:solidFill>
@@ -11079,7 +11250,7 @@
               </a:rPr>
               <a:t>Area Under the ROC Curve)</a:t>
             </a:r>
-            <a:endParaRPr b="0" i="0" sz="2800" u="none" cap="none" strike="noStrike">
+            <a:endParaRPr sz="2800" b="0" i="0" u="none" strike="noStrike" cap="none">
               <a:solidFill>
                 <a:srgbClr val="000000"/>
               </a:solidFill>
@@ -11090,7 +11261,7 @@
             </a:endParaRPr>
           </a:p>
           <a:p>
-            <a:pPr indent="0" lvl="0" marL="215265" marR="0" rtl="0" algn="l">
+            <a:pPr marL="215265" marR="0" lvl="0" indent="0" algn="l" rtl="0">
               <a:lnSpc>
                 <a:spcPct val="100000"/>
               </a:lnSpc>
@@ -11108,7 +11279,7 @@
               <a:buNone/>
             </a:pPr>
             <a:r>
-              <a:rPr b="0" i="0" lang="en-US" sz="2400" u="none" cap="none" strike="noStrike">
+              <a:rPr lang="en-US" sz="2400" b="0" i="0" u="none" strike="noStrike" cap="none">
                 <a:solidFill>
                   <a:srgbClr val="292929"/>
                 </a:solidFill>
@@ -11117,21 +11288,9 @@
                 <a:cs typeface="Calibri"/>
                 <a:sym typeface="Calibri"/>
               </a:rPr>
-              <a:t>-	</a:t>
+              <a:t>-	ROC can be quantified using AUC</a:t>
             </a:r>
-            <a:r>
-              <a:rPr b="0" i="0" lang="en-US" sz="2400" u="none" cap="none" strike="noStrike">
-                <a:solidFill>
-                  <a:srgbClr val="292929"/>
-                </a:solidFill>
-                <a:latin typeface="Calibri"/>
-                <a:ea typeface="Calibri"/>
-                <a:cs typeface="Calibri"/>
-                <a:sym typeface="Calibri"/>
-              </a:rPr>
-              <a:t>ROC can be quantified using AUC</a:t>
-            </a:r>
-            <a:endParaRPr b="0" i="0" sz="2400" u="none" cap="none" strike="noStrike">
+            <a:endParaRPr sz="2400" b="0" i="0" u="none" strike="noStrike" cap="none">
               <a:solidFill>
                 <a:srgbClr val="000000"/>
               </a:solidFill>
@@ -11163,12 +11322,12 @@
           </a:ln>
         </p:spPr>
         <p:txBody>
-          <a:bodyPr anchorCtr="0" anchor="t" bIns="0" lIns="0" spcFirstLastPara="1" rIns="0" wrap="square" tIns="12050">
+          <a:bodyPr spcFirstLastPara="1" wrap="square" lIns="0" tIns="12050" rIns="0" bIns="0" anchor="t" anchorCtr="0">
             <a:spAutoFit/>
           </a:bodyPr>
           <a:lstStyle/>
           <a:p>
-            <a:pPr indent="0" lvl="0" marL="12700" marR="5080" rtl="0" algn="l">
+            <a:pPr marL="12700" marR="5080" lvl="0" indent="0" algn="l" rtl="0">
               <a:lnSpc>
                 <a:spcPct val="100000"/>
               </a:lnSpc>
@@ -11186,7 +11345,7 @@
               <a:buNone/>
             </a:pPr>
             <a:r>
-              <a:rPr b="0" i="0" lang="en-US" sz="1000" u="none" cap="none" strike="noStrike">
+              <a:rPr lang="en-US" sz="1000" b="0" i="0" u="none" strike="noStrike" cap="none">
                 <a:solidFill>
                   <a:srgbClr val="666666"/>
                 </a:solidFill>
@@ -11197,7 +11356,7 @@
               </a:rPr>
               <a:t>https://developers.google.com/machine-learning/crash- course/classification/roc-and-auc https://medium.com/acing-ai/what-is-auc-446a71810df9</a:t>
             </a:r>
-            <a:endParaRPr b="0" i="0" sz="1000" u="none" cap="none" strike="noStrike">
+            <a:endParaRPr sz="1000" b="0" i="0" u="none" strike="noStrike" cap="none">
               <a:solidFill>
                 <a:srgbClr val="666666"/>
               </a:solidFill>
@@ -11219,7 +11378,7 @@
           <a:blip r:embed="rId4">
             <a:alphaModFix/>
           </a:blip>
-          <a:srcRect b="0" l="0" r="0" t="0"/>
+          <a:srcRect/>
           <a:stretch/>
         </p:blipFill>
         <p:spPr>
@@ -11256,12 +11415,12 @@
           </a:ln>
         </p:spPr>
         <p:txBody>
-          <a:bodyPr anchorCtr="0" anchor="t" bIns="0" lIns="0" spcFirstLastPara="1" rIns="0" wrap="square" tIns="12700">
+          <a:bodyPr spcFirstLastPara="1" wrap="square" lIns="0" tIns="12700" rIns="0" bIns="0" anchor="t" anchorCtr="0">
             <a:spAutoFit/>
           </a:bodyPr>
           <a:lstStyle/>
           <a:p>
-            <a:pPr indent="0" lvl="0" marL="12700" marR="0" rtl="0" algn="l">
+            <a:pPr marL="12700" marR="0" lvl="0" indent="0" algn="l" rtl="0">
               <a:lnSpc>
                 <a:spcPct val="100000"/>
               </a:lnSpc>
@@ -11279,7 +11438,7 @@
               <a:buNone/>
             </a:pPr>
             <a:r>
-              <a:rPr b="0" i="0" lang="en-US" sz="1800" u="none" cap="none" strike="noStrike">
+              <a:rPr lang="en-US" sz="1800" b="0" i="0" u="none" strike="noStrike" cap="none">
                 <a:solidFill>
                   <a:schemeClr val="accent4"/>
                 </a:solidFill>
@@ -11290,7 +11449,7 @@
               </a:rPr>
               <a:t>Random guess</a:t>
             </a:r>
-            <a:endParaRPr b="0" i="0" sz="1800" u="none" cap="none" strike="noStrike">
+            <a:endParaRPr sz="1800" b="0" i="0" u="none" strike="noStrike" cap="none">
               <a:solidFill>
                 <a:schemeClr val="accent4"/>
               </a:solidFill>
@@ -11311,11 +11470,11 @@
 </file>
 
 <file path=ppt/slides/slide15.xml><?xml version="1.0" encoding="utf-8"?>
-<p:sld xmlns:a="http://schemas.openxmlformats.org/drawingml/2006/main" xmlns:r="http://schemas.openxmlformats.org/officeDocument/2006/relationships" xmlns:mc="http://schemas.openxmlformats.org/markup-compatibility/2006" xmlns:mv="urn:schemas-microsoft-com:mac:vml" xmlns:p="http://schemas.openxmlformats.org/presentationml/2006/main" xmlns:c="http://schemas.openxmlformats.org/drawingml/2006/chart" xmlns:dgm="http://schemas.openxmlformats.org/drawingml/2006/diagram" xmlns:o="urn:schemas-microsoft-com:office:office" xmlns:v="urn:schemas-microsoft-com:vml" xmlns:pvml="urn:schemas-microsoft-com:office:powerpoint" xmlns:com="http://schemas.openxmlformats.org/drawingml/2006/compatibility" xmlns:p14="http://schemas.microsoft.com/office/powerpoint/2010/main" xmlns:p15="http://schemas.microsoft.com/office/powerpoint/2012/main" xmlns:ahyp="http://schemas.microsoft.com/office/drawing/2018/hyperlinkcolor" showMasterSp="0">
+<p:sld xmlns:a="http://schemas.openxmlformats.org/drawingml/2006/main" xmlns:r="http://schemas.openxmlformats.org/officeDocument/2006/relationships" xmlns:p="http://schemas.openxmlformats.org/presentationml/2006/main" showMasterSp="0">
   <p:cSld>
     <p:spTree>
       <p:nvGrpSpPr>
-        <p:cNvPr id="154" name="Shape 154"/>
+        <p:cNvPr id="1" name="Shape 154"/>
         <p:cNvGrpSpPr/>
         <p:nvPr/>
       </p:nvGrpSpPr>
@@ -11330,7 +11489,9 @@
       <p:sp>
         <p:nvSpPr>
           <p:cNvPr id="155" name="Google Shape;155;p18"/>
-          <p:cNvSpPr txBox="1"/>
+          <p:cNvSpPr txBox="1">
+            <a:spLocks noGrp="1"/>
+          </p:cNvSpPr>
           <p:nvPr>
             <p:ph type="title"/>
           </p:nvPr>
@@ -11349,12 +11510,12 @@
           </a:ln>
         </p:spPr>
         <p:txBody>
-          <a:bodyPr anchorCtr="0" anchor="t" bIns="0" lIns="0" spcFirstLastPara="1" rIns="0" wrap="square" tIns="13325">
+          <a:bodyPr spcFirstLastPara="1" wrap="square" lIns="0" tIns="13325" rIns="0" bIns="0" anchor="t" anchorCtr="0">
             <a:spAutoFit/>
           </a:bodyPr>
           <a:lstStyle/>
           <a:p>
-            <a:pPr indent="0" lvl="0" marL="1127760" rtl="0" algn="l">
+            <a:pPr marL="1127760" lvl="0" indent="0" algn="l" rtl="0">
               <a:lnSpc>
                 <a:spcPct val="100000"/>
               </a:lnSpc>
@@ -11395,12 +11556,12 @@
           </a:ln>
         </p:spPr>
         <p:txBody>
-          <a:bodyPr anchorCtr="0" anchor="t" bIns="0" lIns="0" spcFirstLastPara="1" rIns="0" wrap="square" tIns="123175">
+          <a:bodyPr spcFirstLastPara="1" wrap="square" lIns="0" tIns="123175" rIns="0" bIns="0" anchor="t" anchorCtr="0">
             <a:spAutoFit/>
           </a:bodyPr>
           <a:lstStyle/>
           <a:p>
-            <a:pPr indent="-228600" lvl="0" marL="241300" marR="0" rtl="0" algn="l">
+            <a:pPr marL="241300" marR="0" lvl="0" indent="-228600" algn="l" rtl="0">
               <a:lnSpc>
                 <a:spcPct val="100000"/>
               </a:lnSpc>
@@ -11418,7 +11579,7 @@
               <a:buChar char="•"/>
             </a:pPr>
             <a:r>
-              <a:rPr b="0" i="0" lang="en-US" sz="2800" u="none" cap="none" strike="noStrike">
+              <a:rPr lang="en-US" sz="2800" b="0" i="0" u="none" strike="noStrike" cap="none">
                 <a:solidFill>
                   <a:srgbClr val="000000"/>
                 </a:solidFill>
@@ -11429,7 +11590,7 @@
               </a:rPr>
               <a:t>Homework: Lab06</a:t>
             </a:r>
-            <a:endParaRPr b="0" i="0" sz="2800" u="none" cap="none" strike="noStrike">
+            <a:endParaRPr sz="2800" b="0" i="0" u="none" strike="noStrike" cap="none">
               <a:solidFill>
                 <a:srgbClr val="000000"/>
               </a:solidFill>
@@ -11440,7 +11601,7 @@
             </a:endParaRPr>
           </a:p>
           <a:p>
-            <a:pPr indent="-229235" lvl="1" marL="443865" marR="0" rtl="0" algn="l">
+            <a:pPr marL="443865" marR="0" lvl="1" indent="-229235" algn="l" rtl="0">
               <a:lnSpc>
                 <a:spcPct val="100000"/>
               </a:lnSpc>
@@ -11458,7 +11619,7 @@
               <a:buChar char="-"/>
             </a:pPr>
             <a:r>
-              <a:rPr b="0" i="0" lang="en-US" sz="2400" u="none" cap="none" strike="noStrike">
+              <a:rPr lang="en-US" sz="2400" b="0" i="0" u="none" strike="noStrike" cap="none">
                 <a:solidFill>
                   <a:srgbClr val="000000"/>
                 </a:solidFill>
@@ -11469,7 +11630,7 @@
               </a:rPr>
               <a:t>Lab06: Logistic Regression, Metrics</a:t>
             </a:r>
-            <a:endParaRPr b="0" i="0" sz="2400" u="none" cap="none" strike="noStrike">
+            <a:endParaRPr sz="2400" b="0" i="0" u="none" strike="noStrike" cap="none">
               <a:solidFill>
                 <a:srgbClr val="000000"/>
               </a:solidFill>
@@ -11490,11 +11651,11 @@
 </file>
 
 <file path=ppt/slides/slide16.xml><?xml version="1.0" encoding="utf-8"?>
-<p:sld xmlns:a="http://schemas.openxmlformats.org/drawingml/2006/main" xmlns:r="http://schemas.openxmlformats.org/officeDocument/2006/relationships" xmlns:mc="http://schemas.openxmlformats.org/markup-compatibility/2006" xmlns:mv="urn:schemas-microsoft-com:mac:vml" xmlns:p="http://schemas.openxmlformats.org/presentationml/2006/main" xmlns:c="http://schemas.openxmlformats.org/drawingml/2006/chart" xmlns:dgm="http://schemas.openxmlformats.org/drawingml/2006/diagram" xmlns:o="urn:schemas-microsoft-com:office:office" xmlns:v="urn:schemas-microsoft-com:vml" xmlns:pvml="urn:schemas-microsoft-com:office:powerpoint" xmlns:com="http://schemas.openxmlformats.org/drawingml/2006/compatibility" xmlns:p14="http://schemas.microsoft.com/office/powerpoint/2010/main" xmlns:p15="http://schemas.microsoft.com/office/powerpoint/2012/main" xmlns:ahyp="http://schemas.microsoft.com/office/drawing/2018/hyperlinkcolor" showMasterSp="0">
+<p:sld xmlns:a="http://schemas.openxmlformats.org/drawingml/2006/main" xmlns:r="http://schemas.openxmlformats.org/officeDocument/2006/relationships" xmlns:p="http://schemas.openxmlformats.org/presentationml/2006/main" showMasterSp="0">
   <p:cSld>
     <p:spTree>
       <p:nvGrpSpPr>
-        <p:cNvPr id="160" name="Shape 160"/>
+        <p:cNvPr id="1" name="Shape 160"/>
         <p:cNvGrpSpPr/>
         <p:nvPr/>
       </p:nvGrpSpPr>
@@ -11509,7 +11670,9 @@
       <p:sp>
         <p:nvSpPr>
           <p:cNvPr id="161" name="Google Shape;161;p19"/>
-          <p:cNvSpPr txBox="1"/>
+          <p:cNvSpPr txBox="1">
+            <a:spLocks noGrp="1"/>
+          </p:cNvSpPr>
           <p:nvPr>
             <p:ph type="title"/>
           </p:nvPr>
@@ -11528,12 +11691,12 @@
           </a:ln>
         </p:spPr>
         <p:txBody>
-          <a:bodyPr anchorCtr="0" anchor="t" bIns="0" lIns="0" spcFirstLastPara="1" rIns="0" wrap="square" tIns="13325">
+          <a:bodyPr spcFirstLastPara="1" wrap="square" lIns="0" tIns="13325" rIns="0" bIns="0" anchor="t" anchorCtr="0">
             <a:spAutoFit/>
           </a:bodyPr>
           <a:lstStyle/>
           <a:p>
-            <a:pPr indent="0" lvl="0" marL="1242060" rtl="0" algn="l">
+            <a:pPr marL="1242060" lvl="0" indent="0" algn="l" rtl="0">
               <a:lnSpc>
                 <a:spcPct val="100000"/>
               </a:lnSpc>
@@ -11574,12 +11737,12 @@
           </a:ln>
         </p:spPr>
         <p:txBody>
-          <a:bodyPr anchorCtr="0" anchor="t" bIns="0" lIns="0" spcFirstLastPara="1" rIns="0" wrap="square" tIns="65400">
+          <a:bodyPr spcFirstLastPara="1" wrap="square" lIns="0" tIns="65400" rIns="0" bIns="0" anchor="t" anchorCtr="0">
             <a:spAutoFit/>
           </a:bodyPr>
           <a:lstStyle/>
           <a:p>
-            <a:pPr indent="-215900" lvl="0" marL="241300" marR="0" rtl="0" algn="l">
+            <a:pPr marL="241300" marR="0" lvl="0" indent="-215900" algn="l" rtl="0">
               <a:lnSpc>
                 <a:spcPct val="100000"/>
               </a:lnSpc>
@@ -11597,7 +11760,7 @@
               <a:buChar char="•"/>
             </a:pPr>
             <a:r>
-              <a:rPr b="0" i="0" lang="en-US" sz="2200" u="sng" cap="none" strike="noStrike">
+              <a:rPr lang="en-US" sz="2200" b="0" i="0" u="sng" strike="noStrike" cap="none">
                 <a:solidFill>
                   <a:srgbClr val="666666"/>
                 </a:solidFill>
@@ -11608,14 +11771,14 @@
                 <a:hlinkClick r:id="rId3">
                   <a:extLst>
                     <a:ext uri="{A12FA001-AC4F-418D-AE19-62706E023703}">
-                      <ahyp:hlinkClr val="tx"/>
+                      <ahyp:hlinkClr xmlns:ahyp="http://schemas.microsoft.com/office/drawing/2018/hyperlinkcolor" val="tx"/>
                     </a:ext>
                   </a:extLst>
                 </a:hlinkClick>
               </a:rPr>
               <a:t>https://bookdown.org/ccwang/medical_statistics6/section-43.html</a:t>
             </a:r>
-            <a:endParaRPr b="0" i="0" sz="2200" u="none" cap="none" strike="noStrike">
+            <a:endParaRPr sz="2200" b="0" i="0" u="none" strike="noStrike" cap="none">
               <a:solidFill>
                 <a:srgbClr val="666666"/>
               </a:solidFill>
@@ -11626,7 +11789,7 @@
             </a:endParaRPr>
           </a:p>
           <a:p>
-            <a:pPr indent="-215900" lvl="0" marL="241300" marR="0" rtl="0" algn="l">
+            <a:pPr marL="241300" marR="0" lvl="0" indent="-215900" algn="l" rtl="0">
               <a:lnSpc>
                 <a:spcPct val="100000"/>
               </a:lnSpc>
@@ -11644,7 +11807,7 @@
               <a:buChar char="•"/>
             </a:pPr>
             <a:r>
-              <a:rPr b="0" i="0" lang="en-US" sz="2200" u="sng" cap="none" strike="noStrike">
+              <a:rPr lang="en-US" sz="2200" b="0" i="0" u="sng" strike="noStrike" cap="none">
                 <a:solidFill>
                   <a:srgbClr val="666666"/>
                 </a:solidFill>
@@ -11655,14 +11818,14 @@
                 <a:hlinkClick r:id="rId4">
                   <a:extLst>
                     <a:ext uri="{A12FA001-AC4F-418D-AE19-62706E023703}">
-                      <ahyp:hlinkClr val="tx"/>
+                      <ahyp:hlinkClr xmlns:ahyp="http://schemas.microsoft.com/office/drawing/2018/hyperlinkcolor" val="tx"/>
                     </a:ext>
                   </a:extLst>
                 </a:hlinkClick>
               </a:rPr>
               <a:t>https://bookdown.org/ccwang/medical_statistics6/bernoulli.html</a:t>
             </a:r>
-            <a:endParaRPr b="0" i="0" sz="2200" u="none" cap="none" strike="noStrike">
+            <a:endParaRPr sz="2200" b="0" i="0" u="none" strike="noStrike" cap="none">
               <a:solidFill>
                 <a:srgbClr val="666666"/>
               </a:solidFill>
@@ -11673,7 +11836,7 @@
             </a:endParaRPr>
           </a:p>
           <a:p>
-            <a:pPr indent="-215900" lvl="0" marL="241300" marR="0" rtl="0" algn="l">
+            <a:pPr marL="241300" marR="0" lvl="0" indent="-215900" algn="l" rtl="0">
               <a:lnSpc>
                 <a:spcPct val="100000"/>
               </a:lnSpc>
@@ -11691,7 +11854,7 @@
               <a:buChar char="•"/>
             </a:pPr>
             <a:r>
-              <a:rPr b="0" i="0" lang="en-US" sz="2200" u="sng" cap="none" strike="noStrike">
+              <a:rPr lang="en-US" sz="2200" b="0" i="0" u="sng" strike="noStrike" cap="none">
                 <a:solidFill>
                   <a:srgbClr val="666666"/>
                 </a:solidFill>
@@ -11702,14 +11865,14 @@
                 <a:hlinkClick r:id="rId5">
                   <a:extLst>
                     <a:ext uri="{A12FA001-AC4F-418D-AE19-62706E023703}">
-                      <ahyp:hlinkClr val="tx"/>
+                      <ahyp:hlinkClr xmlns:ahyp="http://schemas.microsoft.com/office/drawing/2018/hyperlinkcolor" val="tx"/>
                     </a:ext>
                   </a:extLst>
                 </a:hlinkClick>
               </a:rPr>
               <a:t>https://bookdown.org/ccwang/medical_statistics6/binomial.html</a:t>
             </a:r>
-            <a:endParaRPr b="0" i="0" sz="2200" u="none" cap="none" strike="noStrike">
+            <a:endParaRPr sz="2200" b="0" i="0" u="none" strike="noStrike" cap="none">
               <a:solidFill>
                 <a:srgbClr val="666666"/>
               </a:solidFill>
@@ -11720,7 +11883,7 @@
             </a:endParaRPr>
           </a:p>
           <a:p>
-            <a:pPr indent="-215900" lvl="0" marL="241300" marR="0" rtl="0" algn="l">
+            <a:pPr marL="241300" marR="0" lvl="0" indent="-215900" algn="l" rtl="0">
               <a:lnSpc>
                 <a:spcPct val="100000"/>
               </a:lnSpc>
@@ -11738,7 +11901,7 @@
               <a:buChar char="•"/>
             </a:pPr>
             <a:r>
-              <a:rPr b="0" i="0" lang="en-US" sz="2200" u="sng" cap="none" strike="noStrike">
+              <a:rPr lang="en-US" sz="2200" b="0" i="0" u="sng" strike="noStrike" cap="none">
                 <a:solidFill>
                   <a:srgbClr val="666666"/>
                 </a:solidFill>
@@ -11749,14 +11912,14 @@
                 <a:hlinkClick r:id="rId6">
                   <a:extLst>
                     <a:ext uri="{A12FA001-AC4F-418D-AE19-62706E023703}">
-                      <ahyp:hlinkClr val="tx"/>
+                      <ahyp:hlinkClr xmlns:ahyp="http://schemas.microsoft.com/office/drawing/2018/hyperlinkcolor" val="tx"/>
                     </a:ext>
                   </a:extLst>
                 </a:hlinkClick>
               </a:rPr>
               <a:t>https://bookdown.org/ccwang/medical_statistics6/likelihood-definition.html</a:t>
             </a:r>
-            <a:endParaRPr b="0" i="0" sz="2200" u="none" cap="none" strike="noStrike">
+            <a:endParaRPr sz="2200" b="0" i="0" u="none" strike="noStrike" cap="none">
               <a:solidFill>
                 <a:srgbClr val="666666"/>
               </a:solidFill>
@@ -11767,7 +11930,7 @@
             </a:endParaRPr>
           </a:p>
           <a:p>
-            <a:pPr indent="-215900" lvl="0" marL="241300" marR="0" rtl="0" algn="l">
+            <a:pPr marL="241300" marR="0" lvl="0" indent="-215900" algn="l" rtl="0">
               <a:lnSpc>
                 <a:spcPct val="100000"/>
               </a:lnSpc>
@@ -11785,7 +11948,7 @@
               <a:buChar char="•"/>
             </a:pPr>
             <a:r>
-              <a:rPr b="0" i="0" lang="en-US" sz="2200" u="sng" cap="none" strike="noStrike">
+              <a:rPr lang="en-US" sz="2200" b="0" i="0" u="sng" strike="noStrike" cap="none">
                 <a:solidFill>
                   <a:srgbClr val="666666"/>
                 </a:solidFill>
@@ -11796,14 +11959,14 @@
                 <a:hlinkClick r:id="rId7">
                   <a:extLst>
                     <a:ext uri="{A12FA001-AC4F-418D-AE19-62706E023703}">
-                      <ahyp:hlinkClr val="tx"/>
+                      <ahyp:hlinkClr xmlns:ahyp="http://schemas.microsoft.com/office/drawing/2018/hyperlinkcolor" val="tx"/>
                     </a:ext>
                   </a:extLst>
                 </a:hlinkClick>
               </a:rPr>
               <a:t>https://en.wikipedia.org/wiki/Sensitivity_and_specificity</a:t>
             </a:r>
-            <a:endParaRPr b="0" i="0" sz="2200" u="none" cap="none" strike="noStrike">
+            <a:endParaRPr sz="2200" b="0" i="0" u="none" strike="noStrike" cap="none">
               <a:solidFill>
                 <a:srgbClr val="666666"/>
               </a:solidFill>
@@ -11814,7 +11977,7 @@
             </a:endParaRPr>
           </a:p>
           <a:p>
-            <a:pPr indent="-215900" lvl="0" marL="241300" marR="0" rtl="0" algn="l">
+            <a:pPr marL="241300" marR="0" lvl="0" indent="-215900" algn="l" rtl="0">
               <a:lnSpc>
                 <a:spcPct val="100000"/>
               </a:lnSpc>
@@ -11832,7 +11995,7 @@
               <a:buChar char="•"/>
             </a:pPr>
             <a:r>
-              <a:rPr b="0" i="0" lang="en-US" sz="2200" u="sng" cap="none" strike="noStrike">
+              <a:rPr lang="en-US" sz="2200" b="0" i="0" u="sng" strike="noStrike" cap="none">
                 <a:solidFill>
                   <a:srgbClr val="666666"/>
                 </a:solidFill>
@@ -11843,14 +12006,14 @@
                 <a:hlinkClick r:id="rId8">
                   <a:extLst>
                     <a:ext uri="{A12FA001-AC4F-418D-AE19-62706E023703}">
-                      <ahyp:hlinkClr val="tx"/>
+                      <ahyp:hlinkClr xmlns:ahyp="http://schemas.microsoft.com/office/drawing/2018/hyperlinkcolor" val="tx"/>
                     </a:ext>
                   </a:extLst>
                 </a:hlinkClick>
               </a:rPr>
               <a:t>https://commons.wikimedia.org/w/index.php?curid=109730045</a:t>
             </a:r>
-            <a:endParaRPr b="0" i="0" sz="2200" u="none" cap="none" strike="noStrike">
+            <a:endParaRPr sz="2200" b="0" i="0" u="none" strike="noStrike" cap="none">
               <a:solidFill>
                 <a:srgbClr val="666666"/>
               </a:solidFill>
@@ -11861,7 +12024,7 @@
             </a:endParaRPr>
           </a:p>
           <a:p>
-            <a:pPr indent="-215900" lvl="0" marL="241300" marR="5080" rtl="0" algn="l">
+            <a:pPr marL="241300" marR="5080" lvl="0" indent="-215900" algn="l" rtl="0">
               <a:lnSpc>
                 <a:spcPct val="95833"/>
               </a:lnSpc>
@@ -11879,7 +12042,7 @@
               <a:buChar char="•"/>
             </a:pPr>
             <a:r>
-              <a:rPr b="0" i="0" lang="en-US" sz="2200" u="sng" cap="none" strike="noStrike">
+              <a:rPr lang="en-US" sz="2200" b="0" i="0" u="sng" strike="noStrike" cap="none">
                 <a:solidFill>
                   <a:srgbClr val="666666"/>
                 </a:solidFill>
@@ -11890,14 +12053,14 @@
                 <a:hlinkClick r:id="rId9">
                   <a:extLst>
                     <a:ext uri="{A12FA001-AC4F-418D-AE19-62706E023703}">
-                      <ahyp:hlinkClr val="tx"/>
+                      <ahyp:hlinkClr xmlns:ahyp="http://schemas.microsoft.com/office/drawing/2018/hyperlinkcolor" val="tx"/>
                     </a:ext>
                   </a:extLst>
                 </a:hlinkClick>
               </a:rPr>
               <a:t>https://developers.google.com/machine-learning/crash-course/classification/roc- and-auc</a:t>
             </a:r>
-            <a:endParaRPr b="0" i="0" sz="2200" u="none" cap="none" strike="noStrike">
+            <a:endParaRPr sz="2200" b="0" i="0" u="none" strike="noStrike" cap="none">
               <a:solidFill>
                 <a:srgbClr val="666666"/>
               </a:solidFill>
@@ -11908,7 +12071,7 @@
             </a:endParaRPr>
           </a:p>
           <a:p>
-            <a:pPr indent="-215900" lvl="0" marL="241300" marR="0" rtl="0" algn="l">
+            <a:pPr marL="241300" marR="0" lvl="0" indent="-215900" algn="l" rtl="0">
               <a:lnSpc>
                 <a:spcPct val="100000"/>
               </a:lnSpc>
@@ -11926,7 +12089,7 @@
               <a:buChar char="•"/>
             </a:pPr>
             <a:r>
-              <a:rPr b="0" i="0" lang="en-US" sz="2200" u="sng" cap="none" strike="noStrike">
+              <a:rPr lang="en-US" sz="2200" b="0" i="0" u="sng" strike="noStrike" cap="none">
                 <a:solidFill>
                   <a:srgbClr val="666666"/>
                 </a:solidFill>
@@ -11937,14 +12100,14 @@
                 <a:hlinkClick r:id="rId10">
                   <a:extLst>
                     <a:ext uri="{A12FA001-AC4F-418D-AE19-62706E023703}">
-                      <ahyp:hlinkClr val="tx"/>
+                      <ahyp:hlinkClr xmlns:ahyp="http://schemas.microsoft.com/office/drawing/2018/hyperlinkcolor" val="tx"/>
                     </a:ext>
                   </a:extLst>
                 </a:hlinkClick>
               </a:rPr>
               <a:t>https://medium.com/acing-ai/what-is-auc-446a71810df9</a:t>
             </a:r>
-            <a:endParaRPr b="0" i="0" sz="2200" u="none" cap="none" strike="noStrike">
+            <a:endParaRPr sz="2200" b="0" i="0" u="none" strike="noStrike" cap="none">
               <a:solidFill>
                 <a:srgbClr val="666666"/>
               </a:solidFill>
@@ -11955,7 +12118,7 @@
             </a:endParaRPr>
           </a:p>
           <a:p>
-            <a:pPr indent="-215900" lvl="0" marL="241300" marR="0" rtl="0" algn="l">
+            <a:pPr marL="241300" marR="0" lvl="0" indent="-215900" algn="l" rtl="0">
               <a:lnSpc>
                 <a:spcPct val="100000"/>
               </a:lnSpc>
@@ -11973,7 +12136,7 @@
               <a:buChar char="•"/>
             </a:pPr>
             <a:r>
-              <a:rPr b="0" i="0" lang="en-US" sz="2200" u="sng" cap="none" strike="noStrike">
+              <a:rPr lang="en-US" sz="2200" b="0" i="0" u="sng" strike="noStrike" cap="none">
                 <a:solidFill>
                   <a:srgbClr val="666666"/>
                 </a:solidFill>
@@ -11984,14 +12147,14 @@
                 <a:hlinkClick r:id="rId11">
                   <a:extLst>
                     <a:ext uri="{A12FA001-AC4F-418D-AE19-62706E023703}">
-                      <ahyp:hlinkClr val="tx"/>
+                      <ahyp:hlinkClr xmlns:ahyp="http://schemas.microsoft.com/office/drawing/2018/hyperlinkcolor" val="tx"/>
                     </a:ext>
                   </a:extLst>
                 </a:hlinkClick>
               </a:rPr>
               <a:t>https://github.com/dariyasydykova/open_projects/tree/master/ROC_animation</a:t>
             </a:r>
-            <a:endParaRPr b="0" i="0" sz="2200" u="none" cap="none" strike="noStrike">
+            <a:endParaRPr sz="2200" b="0" i="0" u="none" strike="noStrike" cap="none">
               <a:solidFill>
                 <a:srgbClr val="666666"/>
               </a:solidFill>
@@ -12012,11 +12175,11 @@
 </file>
 
 <file path=ppt/slides/slide2.xml><?xml version="1.0" encoding="utf-8"?>
-<p:sld xmlns:a="http://schemas.openxmlformats.org/drawingml/2006/main" xmlns:r="http://schemas.openxmlformats.org/officeDocument/2006/relationships" xmlns:mc="http://schemas.openxmlformats.org/markup-compatibility/2006" xmlns:mv="urn:schemas-microsoft-com:mac:vml" xmlns:p="http://schemas.openxmlformats.org/presentationml/2006/main" xmlns:c="http://schemas.openxmlformats.org/drawingml/2006/chart" xmlns:dgm="http://schemas.openxmlformats.org/drawingml/2006/diagram" xmlns:o="urn:schemas-microsoft-com:office:office" xmlns:v="urn:schemas-microsoft-com:vml" xmlns:pvml="urn:schemas-microsoft-com:office:powerpoint" xmlns:com="http://schemas.openxmlformats.org/drawingml/2006/compatibility" xmlns:p14="http://schemas.microsoft.com/office/powerpoint/2010/main" xmlns:p15="http://schemas.microsoft.com/office/powerpoint/2012/main" xmlns:ahyp="http://schemas.microsoft.com/office/drawing/2018/hyperlinkcolor" showMasterSp="0">
+<p:sld xmlns:a="http://schemas.openxmlformats.org/drawingml/2006/main" xmlns:r="http://schemas.openxmlformats.org/officeDocument/2006/relationships" xmlns:p="http://schemas.openxmlformats.org/presentationml/2006/main" showMasterSp="0">
   <p:cSld>
     <p:spTree>
       <p:nvGrpSpPr>
-        <p:cNvPr id="47" name="Shape 47"/>
+        <p:cNvPr id="1" name="Shape 47"/>
         <p:cNvGrpSpPr/>
         <p:nvPr/>
       </p:nvGrpSpPr>
@@ -12031,7 +12194,9 @@
       <p:sp>
         <p:nvSpPr>
           <p:cNvPr id="48" name="Google Shape;48;p2"/>
-          <p:cNvSpPr txBox="1"/>
+          <p:cNvSpPr txBox="1">
+            <a:spLocks noGrp="1"/>
+          </p:cNvSpPr>
           <p:nvPr>
             <p:ph type="title"/>
           </p:nvPr>
@@ -12050,12 +12215,12 @@
           </a:ln>
         </p:spPr>
         <p:txBody>
-          <a:bodyPr anchorCtr="0" anchor="t" bIns="0" lIns="0" spcFirstLastPara="1" rIns="0" wrap="square" tIns="13325">
+          <a:bodyPr spcFirstLastPara="1" wrap="square" lIns="0" tIns="13325" rIns="0" bIns="0" anchor="t" anchorCtr="0">
             <a:spAutoFit/>
           </a:bodyPr>
           <a:lstStyle/>
           <a:p>
-            <a:pPr indent="0" lvl="0" marL="1541145" rtl="0" algn="l">
+            <a:pPr marL="1541145" lvl="0" indent="0" algn="l" rtl="0">
               <a:lnSpc>
                 <a:spcPct val="100000"/>
               </a:lnSpc>
@@ -12079,9 +12244,11 @@
       <p:sp>
         <p:nvSpPr>
           <p:cNvPr id="49" name="Google Shape;49;p2"/>
-          <p:cNvSpPr txBox="1"/>
+          <p:cNvSpPr txBox="1">
+            <a:spLocks noGrp="1"/>
+          </p:cNvSpPr>
           <p:nvPr>
-            <p:ph idx="1" type="body"/>
+            <p:ph type="body" idx="1"/>
           </p:nvPr>
         </p:nvSpPr>
         <p:spPr>
@@ -12098,12 +12265,12 @@
           </a:ln>
         </p:spPr>
         <p:txBody>
-          <a:bodyPr anchorCtr="0" anchor="t" bIns="0" lIns="0" spcFirstLastPara="1" rIns="0" wrap="square" tIns="123175">
+          <a:bodyPr spcFirstLastPara="1" wrap="square" lIns="0" tIns="123175" rIns="0" bIns="0" anchor="t" anchorCtr="0">
             <a:spAutoFit/>
           </a:bodyPr>
           <a:lstStyle/>
           <a:p>
-            <a:pPr indent="-228600" lvl="0" marL="241300" rtl="0" algn="l">
+            <a:pPr marL="241300" lvl="0" indent="-228600" algn="l" rtl="0">
               <a:lnSpc>
                 <a:spcPct val="100000"/>
               </a:lnSpc>
@@ -12131,7 +12298,7 @@
             <a:endParaRPr sz="2400"/>
           </a:p>
           <a:p>
-            <a:pPr indent="0" lvl="1" marL="457200" rtl="0" algn="l">
+            <a:pPr marL="457200" lvl="1" indent="0" algn="l" rtl="0">
               <a:lnSpc>
                 <a:spcPct val="100000"/>
               </a:lnSpc>
@@ -12145,13 +12312,10 @@
               <a:buFont typeface="Calibri"/>
               <a:buNone/>
             </a:pPr>
-            <a:r>
-              <a:t/>
-            </a:r>
             <a:endParaRPr sz="2400"/>
           </a:p>
           <a:p>
-            <a:pPr indent="-228600" lvl="0" marL="241300" rtl="0" algn="l">
+            <a:pPr marL="241300" lvl="0" indent="-228600" algn="l" rtl="0">
               <a:lnSpc>
                 <a:spcPct val="100000"/>
               </a:lnSpc>
@@ -12179,7 +12343,7 @@
             <a:endParaRPr/>
           </a:p>
           <a:p>
-            <a:pPr indent="-229235" lvl="1" marL="443865" rtl="0" algn="l">
+            <a:pPr marL="443865" lvl="1" indent="-229235" algn="l" rtl="0">
               <a:lnSpc>
                 <a:spcPct val="100000"/>
               </a:lnSpc>
@@ -12210,7 +12374,7 @@
             </a:endParaRPr>
           </a:p>
           <a:p>
-            <a:pPr indent="-229235" lvl="1" marL="443865" rtl="0" algn="l">
+            <a:pPr marL="443865" lvl="1" indent="-229235" algn="l" rtl="0">
               <a:lnSpc>
                 <a:spcPct val="100000"/>
               </a:lnSpc>
@@ -12251,11 +12415,11 @@
 </file>
 
 <file path=ppt/slides/slide3.xml><?xml version="1.0" encoding="utf-8"?>
-<p:sld xmlns:a="http://schemas.openxmlformats.org/drawingml/2006/main" xmlns:r="http://schemas.openxmlformats.org/officeDocument/2006/relationships" xmlns:mc="http://schemas.openxmlformats.org/markup-compatibility/2006" xmlns:mv="urn:schemas-microsoft-com:mac:vml" xmlns:p="http://schemas.openxmlformats.org/presentationml/2006/main" xmlns:c="http://schemas.openxmlformats.org/drawingml/2006/chart" xmlns:dgm="http://schemas.openxmlformats.org/drawingml/2006/diagram" xmlns:o="urn:schemas-microsoft-com:office:office" xmlns:v="urn:schemas-microsoft-com:vml" xmlns:pvml="urn:schemas-microsoft-com:office:powerpoint" xmlns:com="http://schemas.openxmlformats.org/drawingml/2006/compatibility" xmlns:p14="http://schemas.microsoft.com/office/powerpoint/2010/main" xmlns:p15="http://schemas.microsoft.com/office/powerpoint/2012/main" xmlns:ahyp="http://schemas.microsoft.com/office/drawing/2018/hyperlinkcolor" showMasterSp="0">
+<p:sld xmlns:a="http://schemas.openxmlformats.org/drawingml/2006/main" xmlns:r="http://schemas.openxmlformats.org/officeDocument/2006/relationships" xmlns:p="http://schemas.openxmlformats.org/presentationml/2006/main" showMasterSp="0">
   <p:cSld>
     <p:spTree>
       <p:nvGrpSpPr>
-        <p:cNvPr id="53" name="Shape 53"/>
+        <p:cNvPr id="1" name="Shape 53"/>
         <p:cNvGrpSpPr/>
         <p:nvPr/>
       </p:nvGrpSpPr>
@@ -12270,7 +12434,9 @@
       <p:sp>
         <p:nvSpPr>
           <p:cNvPr id="54" name="Google Shape;54;p3"/>
-          <p:cNvSpPr txBox="1"/>
+          <p:cNvSpPr txBox="1">
+            <a:spLocks noGrp="1"/>
+          </p:cNvSpPr>
           <p:nvPr>
             <p:ph type="title"/>
           </p:nvPr>
@@ -12289,12 +12455,12 @@
           </a:ln>
         </p:spPr>
         <p:txBody>
-          <a:bodyPr anchorCtr="0" anchor="t" bIns="0" lIns="0" spcFirstLastPara="1" rIns="0" wrap="square" tIns="13325">
+          <a:bodyPr spcFirstLastPara="1" wrap="square" lIns="0" tIns="13325" rIns="0" bIns="0" anchor="t" anchorCtr="0">
             <a:spAutoFit/>
           </a:bodyPr>
           <a:lstStyle/>
           <a:p>
-            <a:pPr indent="0" lvl="0" marL="1541145" rtl="0" algn="l">
+            <a:pPr marL="1541145" lvl="0" indent="0" algn="l" rtl="0">
               <a:lnSpc>
                 <a:spcPct val="100000"/>
               </a:lnSpc>
@@ -12318,9 +12484,11 @@
       <p:sp>
         <p:nvSpPr>
           <p:cNvPr id="55" name="Google Shape;55;p3"/>
-          <p:cNvSpPr txBox="1"/>
+          <p:cNvSpPr txBox="1">
+            <a:spLocks noGrp="1"/>
+          </p:cNvSpPr>
           <p:nvPr>
-            <p:ph idx="1" type="body"/>
+            <p:ph type="body" idx="1"/>
           </p:nvPr>
         </p:nvSpPr>
         <p:spPr>
@@ -12337,12 +12505,12 @@
           </a:ln>
         </p:spPr>
         <p:txBody>
-          <a:bodyPr anchorCtr="0" anchor="t" bIns="0" lIns="0" spcFirstLastPara="1" rIns="0" wrap="square" tIns="123175">
+          <a:bodyPr spcFirstLastPara="1" wrap="square" lIns="0" tIns="123175" rIns="0" bIns="0" anchor="t" anchorCtr="0">
             <a:spAutoFit/>
           </a:bodyPr>
           <a:lstStyle/>
           <a:p>
-            <a:pPr indent="-228600" lvl="0" marL="241300" rtl="0" algn="l">
+            <a:pPr marL="241300" lvl="0" indent="-228600" algn="l" rtl="0">
               <a:lnSpc>
                 <a:spcPct val="100000"/>
               </a:lnSpc>
@@ -12374,7 +12542,7 @@
             </a:endParaRPr>
           </a:p>
           <a:p>
-            <a:pPr indent="0" lvl="1" marL="457200" rtl="0" algn="l">
+            <a:pPr marL="457200" lvl="1" indent="0" algn="l" rtl="0">
               <a:lnSpc>
                 <a:spcPct val="100000"/>
               </a:lnSpc>
@@ -12388,13 +12556,10 @@
               <a:buFont typeface="Calibri"/>
               <a:buNone/>
             </a:pPr>
-            <a:r>
-              <a:t/>
-            </a:r>
             <a:endParaRPr sz="2400"/>
           </a:p>
           <a:p>
-            <a:pPr indent="-228600" lvl="0" marL="241300" rtl="0" algn="l">
+            <a:pPr marL="241300" lvl="0" indent="-228600" algn="l" rtl="0">
               <a:lnSpc>
                 <a:spcPct val="100000"/>
               </a:lnSpc>
@@ -12418,7 +12583,7 @@
             <a:endParaRPr/>
           </a:p>
           <a:p>
-            <a:pPr indent="-229235" lvl="1" marL="443865" rtl="0" algn="l">
+            <a:pPr marL="443865" lvl="1" indent="-229235" algn="l" rtl="0">
               <a:lnSpc>
                 <a:spcPct val="100000"/>
               </a:lnSpc>
@@ -12455,7 +12620,7 @@
             </a:endParaRPr>
           </a:p>
           <a:p>
-            <a:pPr indent="-229235" lvl="1" marL="443865" rtl="0" algn="l">
+            <a:pPr marL="443865" lvl="1" indent="-229235" algn="l" rtl="0">
               <a:lnSpc>
                 <a:spcPct val="100000"/>
               </a:lnSpc>
@@ -12502,11 +12667,11 @@
 </file>
 
 <file path=ppt/slides/slide4.xml><?xml version="1.0" encoding="utf-8"?>
-<p:sld xmlns:a="http://schemas.openxmlformats.org/drawingml/2006/main" xmlns:r="http://schemas.openxmlformats.org/officeDocument/2006/relationships" xmlns:mc="http://schemas.openxmlformats.org/markup-compatibility/2006" xmlns:mv="urn:schemas-microsoft-com:mac:vml" xmlns:p="http://schemas.openxmlformats.org/presentationml/2006/main" xmlns:c="http://schemas.openxmlformats.org/drawingml/2006/chart" xmlns:dgm="http://schemas.openxmlformats.org/drawingml/2006/diagram" xmlns:o="urn:schemas-microsoft-com:office:office" xmlns:v="urn:schemas-microsoft-com:vml" xmlns:pvml="urn:schemas-microsoft-com:office:powerpoint" xmlns:com="http://schemas.openxmlformats.org/drawingml/2006/compatibility" xmlns:p14="http://schemas.microsoft.com/office/powerpoint/2010/main" xmlns:p15="http://schemas.microsoft.com/office/powerpoint/2012/main" xmlns:ahyp="http://schemas.microsoft.com/office/drawing/2018/hyperlinkcolor" showMasterSp="0">
+<p:sld xmlns:a="http://schemas.openxmlformats.org/drawingml/2006/main" xmlns:r="http://schemas.openxmlformats.org/officeDocument/2006/relationships" xmlns:p="http://schemas.openxmlformats.org/presentationml/2006/main" showMasterSp="0">
   <p:cSld>
     <p:spTree>
       <p:nvGrpSpPr>
-        <p:cNvPr id="59" name="Shape 59"/>
+        <p:cNvPr id="1" name="Shape 59"/>
         <p:cNvGrpSpPr/>
         <p:nvPr/>
       </p:nvGrpSpPr>
@@ -12521,7 +12686,9 @@
       <p:sp>
         <p:nvSpPr>
           <p:cNvPr id="60" name="Google Shape;60;p10"/>
-          <p:cNvSpPr txBox="1"/>
+          <p:cNvSpPr txBox="1">
+            <a:spLocks noGrp="1"/>
+          </p:cNvSpPr>
           <p:nvPr>
             <p:ph type="title"/>
           </p:nvPr>
@@ -12540,12 +12707,12 @@
           </a:ln>
         </p:spPr>
         <p:txBody>
-          <a:bodyPr anchorCtr="0" anchor="t" bIns="0" lIns="0" spcFirstLastPara="1" rIns="0" wrap="square" tIns="13325">
+          <a:bodyPr spcFirstLastPara="1" wrap="square" lIns="0" tIns="13325" rIns="0" bIns="0" anchor="t" anchorCtr="0">
             <a:spAutoFit/>
           </a:bodyPr>
           <a:lstStyle/>
           <a:p>
-            <a:pPr indent="0" lvl="0" marL="243840" rtl="0" algn="l">
+            <a:pPr marL="243840" lvl="0" indent="0" algn="l" rtl="0">
               <a:lnSpc>
                 <a:spcPct val="100000"/>
               </a:lnSpc>
@@ -12576,7 +12743,7 @@
           <a:blip r:embed="rId3">
             <a:alphaModFix/>
           </a:blip>
-          <a:srcRect b="0" l="0" r="0" t="0"/>
+          <a:srcRect/>
           <a:stretch/>
         </p:blipFill>
         <p:spPr>
@@ -12602,11 +12769,11 @@
 </file>
 
 <file path=ppt/slides/slide5.xml><?xml version="1.0" encoding="utf-8"?>
-<p:sld xmlns:a="http://schemas.openxmlformats.org/drawingml/2006/main" xmlns:r="http://schemas.openxmlformats.org/officeDocument/2006/relationships" xmlns:mc="http://schemas.openxmlformats.org/markup-compatibility/2006" xmlns:mv="urn:schemas-microsoft-com:mac:vml" xmlns:p="http://schemas.openxmlformats.org/presentationml/2006/main" xmlns:c="http://schemas.openxmlformats.org/drawingml/2006/chart" xmlns:dgm="http://schemas.openxmlformats.org/drawingml/2006/diagram" xmlns:o="urn:schemas-microsoft-com:office:office" xmlns:v="urn:schemas-microsoft-com:vml" xmlns:pvml="urn:schemas-microsoft-com:office:powerpoint" xmlns:com="http://schemas.openxmlformats.org/drawingml/2006/compatibility" xmlns:p14="http://schemas.microsoft.com/office/powerpoint/2010/main" xmlns:p15="http://schemas.microsoft.com/office/powerpoint/2012/main" xmlns:ahyp="http://schemas.microsoft.com/office/drawing/2018/hyperlinkcolor">
+<p:sld xmlns:a="http://schemas.openxmlformats.org/drawingml/2006/main" xmlns:r="http://schemas.openxmlformats.org/officeDocument/2006/relationships" xmlns:p="http://schemas.openxmlformats.org/presentationml/2006/main">
   <p:cSld>
     <p:spTree>
       <p:nvGrpSpPr>
-        <p:cNvPr id="65" name="Shape 65"/>
+        <p:cNvPr id="1" name="Shape 65"/>
         <p:cNvGrpSpPr/>
         <p:nvPr/>
       </p:nvGrpSpPr>
@@ -12621,7 +12788,9 @@
       <p:sp>
         <p:nvSpPr>
           <p:cNvPr id="66" name="Google Shape;66;g1607bf38590_0_25"/>
-          <p:cNvSpPr txBox="1"/>
+          <p:cNvSpPr txBox="1">
+            <a:spLocks noGrp="1"/>
+          </p:cNvSpPr>
           <p:nvPr>
             <p:ph type="title"/>
           </p:nvPr>
@@ -12640,12 +12809,12 @@
           </a:ln>
         </p:spPr>
         <p:txBody>
-          <a:bodyPr anchorCtr="0" anchor="t" bIns="0" lIns="0" spcFirstLastPara="1" rIns="0" wrap="square" tIns="13325">
+          <a:bodyPr spcFirstLastPara="1" wrap="square" lIns="0" tIns="13325" rIns="0" bIns="0" anchor="t" anchorCtr="0">
             <a:spAutoFit/>
           </a:bodyPr>
           <a:lstStyle/>
           <a:p>
-            <a:pPr indent="0" lvl="0" marL="243840" rtl="0" algn="l">
+            <a:pPr marL="243840" lvl="0" indent="0" algn="l" rtl="0">
               <a:lnSpc>
                 <a:spcPct val="100000"/>
               </a:lnSpc>
@@ -12669,9 +12838,11 @@
       <p:sp>
         <p:nvSpPr>
           <p:cNvPr id="67" name="Google Shape;67;g1607bf38590_0_25"/>
-          <p:cNvSpPr txBox="1"/>
+          <p:cNvSpPr txBox="1">
+            <a:spLocks noGrp="1"/>
+          </p:cNvSpPr>
           <p:nvPr>
-            <p:ph idx="1" type="body"/>
+            <p:ph type="body" idx="1"/>
           </p:nvPr>
         </p:nvSpPr>
         <p:spPr>
@@ -12688,12 +12859,12 @@
           </a:ln>
         </p:spPr>
         <p:txBody>
-          <a:bodyPr anchorCtr="0" anchor="t" bIns="0" lIns="0" spcFirstLastPara="1" rIns="0" wrap="square" tIns="123175">
+          <a:bodyPr spcFirstLastPara="1" wrap="square" lIns="0" tIns="123175" rIns="0" bIns="0" anchor="t" anchorCtr="0">
             <a:spAutoFit/>
           </a:bodyPr>
           <a:lstStyle/>
           <a:p>
-            <a:pPr indent="-203200" lvl="0" marL="241300" rtl="0" algn="l">
+            <a:pPr marL="241300" lvl="0" indent="-203200" algn="l" rtl="0">
               <a:lnSpc>
                 <a:spcPct val="100000"/>
               </a:lnSpc>
@@ -12725,7 +12896,7 @@
             </a:endParaRPr>
           </a:p>
           <a:p>
-            <a:pPr indent="0" lvl="0" marL="0" rtl="0" algn="l">
+            <a:pPr marL="0" lvl="0" indent="0" algn="l" rtl="0">
               <a:lnSpc>
                 <a:spcPct val="100000"/>
               </a:lnSpc>
@@ -12737,9 +12908,6 @@
               </a:spcAft>
               <a:buNone/>
             </a:pPr>
-            <a:r>
-              <a:t/>
-            </a:r>
             <a:endParaRPr sz="2400">
               <a:solidFill>
                 <a:schemeClr val="dk1"/>
@@ -12789,11 +12957,11 @@
 </file>
 
 <file path=ppt/slides/slide6.xml><?xml version="1.0" encoding="utf-8"?>
-<p:sld xmlns:a="http://schemas.openxmlformats.org/drawingml/2006/main" xmlns:r="http://schemas.openxmlformats.org/officeDocument/2006/relationships" xmlns:mc="http://schemas.openxmlformats.org/markup-compatibility/2006" xmlns:mv="urn:schemas-microsoft-com:mac:vml" xmlns:p="http://schemas.openxmlformats.org/presentationml/2006/main" xmlns:c="http://schemas.openxmlformats.org/drawingml/2006/chart" xmlns:dgm="http://schemas.openxmlformats.org/drawingml/2006/diagram" xmlns:o="urn:schemas-microsoft-com:office:office" xmlns:v="urn:schemas-microsoft-com:vml" xmlns:pvml="urn:schemas-microsoft-com:office:powerpoint" xmlns:com="http://schemas.openxmlformats.org/drawingml/2006/compatibility" xmlns:p14="http://schemas.microsoft.com/office/powerpoint/2010/main" xmlns:p15="http://schemas.microsoft.com/office/powerpoint/2012/main" xmlns:ahyp="http://schemas.microsoft.com/office/drawing/2018/hyperlinkcolor" showMasterSp="0">
+<p:sld xmlns:a="http://schemas.openxmlformats.org/drawingml/2006/main" xmlns:r="http://schemas.openxmlformats.org/officeDocument/2006/relationships" xmlns:p="http://schemas.openxmlformats.org/presentationml/2006/main" showMasterSp="0">
   <p:cSld>
     <p:spTree>
       <p:nvGrpSpPr>
-        <p:cNvPr id="72" name="Shape 72"/>
+        <p:cNvPr id="1" name="Shape 72"/>
         <p:cNvGrpSpPr/>
         <p:nvPr/>
       </p:nvGrpSpPr>
@@ -12808,7 +12976,9 @@
       <p:sp>
         <p:nvSpPr>
           <p:cNvPr id="73" name="Google Shape;73;p11"/>
-          <p:cNvSpPr txBox="1"/>
+          <p:cNvSpPr txBox="1">
+            <a:spLocks noGrp="1"/>
+          </p:cNvSpPr>
           <p:nvPr>
             <p:ph type="title"/>
           </p:nvPr>
@@ -12827,12 +12997,12 @@
           </a:ln>
         </p:spPr>
         <p:txBody>
-          <a:bodyPr anchorCtr="0" anchor="t" bIns="0" lIns="0" spcFirstLastPara="1" rIns="0" wrap="square" tIns="13325">
+          <a:bodyPr spcFirstLastPara="1" wrap="square" lIns="0" tIns="13325" rIns="0" bIns="0" anchor="t" anchorCtr="0">
             <a:spAutoFit/>
           </a:bodyPr>
           <a:lstStyle/>
           <a:p>
-            <a:pPr indent="0" lvl="0" marL="1541145" rtl="0" algn="l">
+            <a:pPr marL="1541145" lvl="0" indent="0" algn="l" rtl="0">
               <a:lnSpc>
                 <a:spcPct val="100000"/>
               </a:lnSpc>
@@ -12856,9 +13026,11 @@
       <p:sp>
         <p:nvSpPr>
           <p:cNvPr id="74" name="Google Shape;74;p11"/>
-          <p:cNvSpPr txBox="1"/>
+          <p:cNvSpPr txBox="1">
+            <a:spLocks noGrp="1"/>
+          </p:cNvSpPr>
           <p:nvPr>
-            <p:ph idx="1" type="body"/>
+            <p:ph type="body" idx="1"/>
           </p:nvPr>
         </p:nvSpPr>
         <p:spPr>
@@ -12875,12 +13047,12 @@
           </a:ln>
         </p:spPr>
         <p:txBody>
-          <a:bodyPr anchorCtr="0" anchor="t" bIns="0" lIns="0" spcFirstLastPara="1" rIns="0" wrap="square" tIns="123175">
+          <a:bodyPr spcFirstLastPara="1" wrap="square" lIns="0" tIns="123175" rIns="0" bIns="0" anchor="t" anchorCtr="0">
             <a:spAutoFit/>
           </a:bodyPr>
           <a:lstStyle/>
           <a:p>
-            <a:pPr indent="-228600" lvl="0" marL="241300" rtl="0" algn="l">
+            <a:pPr marL="241300" lvl="0" indent="-228600" algn="l" rtl="0">
               <a:lnSpc>
                 <a:spcPct val="100000"/>
               </a:lnSpc>
@@ -12908,7 +13080,7 @@
             </a:endParaRPr>
           </a:p>
           <a:p>
-            <a:pPr indent="0" lvl="1" marL="457200" rtl="0" algn="l">
+            <a:pPr marL="457200" lvl="1" indent="0" algn="l" rtl="0">
               <a:lnSpc>
                 <a:spcPct val="100000"/>
               </a:lnSpc>
@@ -12922,13 +13094,10 @@
               <a:buFont typeface="Calibri"/>
               <a:buNone/>
             </a:pPr>
-            <a:r>
-              <a:t/>
-            </a:r>
             <a:endParaRPr sz="2400"/>
           </a:p>
           <a:p>
-            <a:pPr indent="-228600" lvl="0" marL="241300" rtl="0" algn="l">
+            <a:pPr marL="241300" lvl="0" indent="-228600" algn="l" rtl="0">
               <a:lnSpc>
                 <a:spcPct val="100000"/>
               </a:lnSpc>
@@ -12956,7 +13125,7 @@
             <a:endParaRPr/>
           </a:p>
           <a:p>
-            <a:pPr indent="-229235" lvl="1" marL="443865" rtl="0" algn="l">
+            <a:pPr marL="443865" lvl="1" indent="-229235" algn="l" rtl="0">
               <a:lnSpc>
                 <a:spcPct val="100000"/>
               </a:lnSpc>
@@ -12987,7 +13156,7 @@
             </a:endParaRPr>
           </a:p>
           <a:p>
-            <a:pPr indent="-229235" lvl="1" marL="443865" rtl="0" algn="l">
+            <a:pPr marL="443865" lvl="1" indent="-229235" algn="l" rtl="0">
               <a:lnSpc>
                 <a:spcPct val="100000"/>
               </a:lnSpc>
@@ -13034,11 +13203,11 @@
 </file>
 
 <file path=ppt/slides/slide7.xml><?xml version="1.0" encoding="utf-8"?>
-<p:sld xmlns:a="http://schemas.openxmlformats.org/drawingml/2006/main" xmlns:r="http://schemas.openxmlformats.org/officeDocument/2006/relationships" xmlns:mc="http://schemas.openxmlformats.org/markup-compatibility/2006" xmlns:mv="urn:schemas-microsoft-com:mac:vml" xmlns:p="http://schemas.openxmlformats.org/presentationml/2006/main" xmlns:c="http://schemas.openxmlformats.org/drawingml/2006/chart" xmlns:dgm="http://schemas.openxmlformats.org/drawingml/2006/diagram" xmlns:o="urn:schemas-microsoft-com:office:office" xmlns:v="urn:schemas-microsoft-com:vml" xmlns:pvml="urn:schemas-microsoft-com:office:powerpoint" xmlns:com="http://schemas.openxmlformats.org/drawingml/2006/compatibility" xmlns:p14="http://schemas.microsoft.com/office/powerpoint/2010/main" xmlns:p15="http://schemas.microsoft.com/office/powerpoint/2012/main" xmlns:ahyp="http://schemas.microsoft.com/office/drawing/2018/hyperlinkcolor" showMasterSp="0">
+<p:sld xmlns:a="http://schemas.openxmlformats.org/drawingml/2006/main" xmlns:r="http://schemas.openxmlformats.org/officeDocument/2006/relationships" xmlns:p="http://schemas.openxmlformats.org/presentationml/2006/main" showMasterSp="0">
   <p:cSld>
     <p:spTree>
       <p:nvGrpSpPr>
-        <p:cNvPr id="78" name="Shape 78"/>
+        <p:cNvPr id="1" name="Shape 78"/>
         <p:cNvGrpSpPr/>
         <p:nvPr/>
       </p:nvGrpSpPr>
@@ -13053,7 +13222,9 @@
       <p:sp>
         <p:nvSpPr>
           <p:cNvPr id="79" name="Google Shape;79;p12"/>
-          <p:cNvSpPr txBox="1"/>
+          <p:cNvSpPr txBox="1">
+            <a:spLocks noGrp="1"/>
+          </p:cNvSpPr>
           <p:nvPr>
             <p:ph type="title"/>
           </p:nvPr>
@@ -13072,12 +13243,12 @@
           </a:ln>
         </p:spPr>
         <p:txBody>
-          <a:bodyPr anchorCtr="0" anchor="t" bIns="0" lIns="0" spcFirstLastPara="1" rIns="0" wrap="square" tIns="13325">
+          <a:bodyPr spcFirstLastPara="1" wrap="square" lIns="0" tIns="13325" rIns="0" bIns="0" anchor="t" anchorCtr="0">
             <a:spAutoFit/>
           </a:bodyPr>
           <a:lstStyle/>
           <a:p>
-            <a:pPr indent="0" lvl="0" marL="428625" rtl="0" algn="l">
+            <a:pPr marL="428625" lvl="0" indent="0" algn="l" rtl="0">
               <a:lnSpc>
                 <a:spcPct val="100000"/>
               </a:lnSpc>
@@ -13118,12 +13289,12 @@
           </a:ln>
         </p:spPr>
         <p:txBody>
-          <a:bodyPr anchorCtr="0" anchor="t" bIns="0" lIns="0" spcFirstLastPara="1" rIns="0" wrap="square" tIns="59675">
+          <a:bodyPr spcFirstLastPara="1" wrap="square" lIns="0" tIns="59675" rIns="0" bIns="0" anchor="t" anchorCtr="0">
             <a:spAutoFit/>
           </a:bodyPr>
           <a:lstStyle/>
           <a:p>
-            <a:pPr indent="-228600" lvl="0" marL="241300" marR="203834" rtl="0" algn="l">
+            <a:pPr marL="241300" marR="203834" lvl="0" indent="-228600" algn="l" rtl="0">
               <a:lnSpc>
                 <a:spcPct val="108214"/>
               </a:lnSpc>
@@ -13141,7 +13312,7 @@
               <a:buChar char="•"/>
             </a:pPr>
             <a:r>
-              <a:rPr b="0" i="0" lang="en-US" sz="2800" u="none" cap="none" strike="noStrike">
+              <a:rPr lang="en-US" sz="2800" b="0" i="0" u="none" strike="noStrike" cap="none">
                 <a:solidFill>
                   <a:srgbClr val="000000"/>
                 </a:solidFill>
@@ -13152,7 +13323,7 @@
               </a:rPr>
               <a:t>It is important to know how the model make wrong prediction</a:t>
             </a:r>
-            <a:endParaRPr b="0" i="0" sz="2800" u="none" cap="none" strike="noStrike">
+            <a:endParaRPr sz="2800" b="0" i="0" u="none" strike="noStrike" cap="none">
               <a:solidFill>
                 <a:srgbClr val="000000"/>
               </a:solidFill>
@@ -13163,7 +13334,7 @@
             </a:endParaRPr>
           </a:p>
           <a:p>
-            <a:pPr indent="0" lvl="0" marL="0" marR="0" rtl="0" algn="l">
+            <a:pPr marL="0" marR="0" lvl="0" indent="0" algn="l" rtl="0">
               <a:lnSpc>
                 <a:spcPct val="100000"/>
               </a:lnSpc>
@@ -13180,10 +13351,7 @@
               <a:buFont typeface="Arial"/>
               <a:buNone/>
             </a:pPr>
-            <a:r>
-              <a:t/>
-            </a:r>
-            <a:endParaRPr b="0" i="0" sz="4100" u="none" cap="none" strike="noStrike">
+            <a:endParaRPr sz="4100" b="0" i="0" u="none" strike="noStrike" cap="none">
               <a:solidFill>
                 <a:srgbClr val="000000"/>
               </a:solidFill>
@@ -13194,7 +13362,7 @@
             </a:endParaRPr>
           </a:p>
           <a:p>
-            <a:pPr indent="-228600" lvl="0" marL="241300" marR="5080" rtl="0" algn="l">
+            <a:pPr marL="241300" marR="5080" lvl="0" indent="-228600" algn="l" rtl="0">
               <a:lnSpc>
                 <a:spcPct val="108214"/>
               </a:lnSpc>
@@ -13212,7 +13380,7 @@
               <a:buChar char="•"/>
             </a:pPr>
             <a:r>
-              <a:rPr b="0" i="0" lang="en-US" sz="2800" u="none" cap="none" strike="noStrike">
+              <a:rPr lang="en-US" sz="2800" b="0" i="0" u="none" strike="noStrike" cap="none">
                 <a:solidFill>
                   <a:srgbClr val="000000"/>
                 </a:solidFill>
@@ -13224,7 +13392,7 @@
               <a:t>In </a:t>
             </a:r>
             <a:r>
-              <a:rPr b="1" i="0" lang="en-US" sz="2800" u="none" cap="none" strike="noStrike">
+              <a:rPr lang="en-US" sz="2800" b="1" i="0" u="none" strike="noStrike" cap="none">
                 <a:solidFill>
                   <a:schemeClr val="dk1"/>
                 </a:solidFill>
@@ -13236,7 +13404,7 @@
               <a:t>binary classification</a:t>
             </a:r>
             <a:r>
-              <a:rPr b="0" i="0" lang="en-US" sz="2800" u="none" cap="none" strike="noStrike">
+              <a:rPr lang="en-US" sz="2800" b="0" i="0" u="none" strike="noStrike" cap="none">
                 <a:solidFill>
                   <a:srgbClr val="000000"/>
                 </a:solidFill>
@@ -13247,7 +13415,7 @@
               </a:rPr>
               <a:t>, confusion matrix is a common tool to analyze the predictions</a:t>
             </a:r>
-            <a:endParaRPr b="0" i="0" sz="2800" u="none" cap="none" strike="noStrike">
+            <a:endParaRPr sz="2800" b="0" i="0" u="none" strike="noStrike" cap="none">
               <a:solidFill>
                 <a:srgbClr val="000000"/>
               </a:solidFill>
@@ -13269,7 +13437,7 @@
           <a:blip r:embed="rId3">
             <a:alphaModFix/>
           </a:blip>
-          <a:srcRect b="0" l="0" r="0" t="0"/>
+          <a:srcRect/>
           <a:stretch/>
         </p:blipFill>
         <p:spPr>
@@ -13295,11 +13463,11 @@
 </file>
 
 <file path=ppt/slides/slide8.xml><?xml version="1.0" encoding="utf-8"?>
-<p:sld xmlns:a="http://schemas.openxmlformats.org/drawingml/2006/main" xmlns:r="http://schemas.openxmlformats.org/officeDocument/2006/relationships" xmlns:mc="http://schemas.openxmlformats.org/markup-compatibility/2006" xmlns:mv="urn:schemas-microsoft-com:mac:vml" xmlns:p="http://schemas.openxmlformats.org/presentationml/2006/main" xmlns:c="http://schemas.openxmlformats.org/drawingml/2006/chart" xmlns:dgm="http://schemas.openxmlformats.org/drawingml/2006/diagram" xmlns:o="urn:schemas-microsoft-com:office:office" xmlns:v="urn:schemas-microsoft-com:vml" xmlns:pvml="urn:schemas-microsoft-com:office:powerpoint" xmlns:com="http://schemas.openxmlformats.org/drawingml/2006/compatibility" xmlns:p14="http://schemas.microsoft.com/office/powerpoint/2010/main" xmlns:p15="http://schemas.microsoft.com/office/powerpoint/2012/main" xmlns:ahyp="http://schemas.microsoft.com/office/drawing/2018/hyperlinkcolor" showMasterSp="0">
+<p:sld xmlns:a="http://schemas.openxmlformats.org/drawingml/2006/main" xmlns:r="http://schemas.openxmlformats.org/officeDocument/2006/relationships" xmlns:p="http://schemas.openxmlformats.org/presentationml/2006/main" showMasterSp="0">
   <p:cSld>
     <p:spTree>
       <p:nvGrpSpPr>
-        <p:cNvPr id="85" name="Shape 85"/>
+        <p:cNvPr id="1" name="Shape 85"/>
         <p:cNvGrpSpPr/>
         <p:nvPr/>
       </p:nvGrpSpPr>
@@ -13314,7 +13482,9 @@
       <p:sp>
         <p:nvSpPr>
           <p:cNvPr id="86" name="Google Shape;86;g29018e25af8_0_1"/>
-          <p:cNvSpPr txBox="1"/>
+          <p:cNvSpPr txBox="1">
+            <a:spLocks noGrp="1"/>
+          </p:cNvSpPr>
           <p:nvPr>
             <p:ph type="title"/>
           </p:nvPr>
@@ -13333,12 +13503,12 @@
           </a:ln>
         </p:spPr>
         <p:txBody>
-          <a:bodyPr anchorCtr="0" anchor="t" bIns="0" lIns="0" spcFirstLastPara="1" rIns="0" wrap="square" tIns="13325">
+          <a:bodyPr spcFirstLastPara="1" wrap="square" lIns="0" tIns="13325" rIns="0" bIns="0" anchor="t" anchorCtr="0">
             <a:spAutoFit/>
           </a:bodyPr>
           <a:lstStyle/>
           <a:p>
-            <a:pPr indent="0" lvl="0" marL="428625" rtl="0" algn="l">
+            <a:pPr marL="428625" lvl="0" indent="0" algn="l" rtl="0">
               <a:lnSpc>
                 <a:spcPct val="100000"/>
               </a:lnSpc>
@@ -13379,12 +13549,12 @@
           </a:ln>
         </p:spPr>
         <p:txBody>
-          <a:bodyPr anchorCtr="0" anchor="t" bIns="0" lIns="0" spcFirstLastPara="1" rIns="0" wrap="square" tIns="59675">
+          <a:bodyPr spcFirstLastPara="1" wrap="square" lIns="0" tIns="59675" rIns="0" bIns="0" anchor="t" anchorCtr="0">
             <a:spAutoFit/>
           </a:bodyPr>
           <a:lstStyle/>
           <a:p>
-            <a:pPr indent="-228600" lvl="0" marL="241300" marR="203833" rtl="0" algn="l">
+            <a:pPr marL="241300" marR="203833" lvl="0" indent="-228600" algn="l" rtl="0">
               <a:lnSpc>
                 <a:spcPct val="108214"/>
               </a:lnSpc>
@@ -13402,7 +13572,7 @@
               <a:buChar char="•"/>
             </a:pPr>
             <a:r>
-              <a:rPr b="0" i="0" lang="en-US" sz="2800" u="none" cap="none" strike="noStrike">
+              <a:rPr lang="en-US" sz="2800" b="0" i="0" u="none" strike="noStrike" cap="none">
                 <a:solidFill>
                   <a:srgbClr val="000000"/>
                 </a:solidFill>
@@ -13413,7 +13583,7 @@
               </a:rPr>
               <a:t>It is important to know how the model make wrong prediction.</a:t>
             </a:r>
-            <a:endParaRPr b="0" i="0" sz="4100" u="none" cap="none" strike="noStrike">
+            <a:endParaRPr sz="4100" b="0" i="0" u="none" strike="noStrike" cap="none">
               <a:solidFill>
                 <a:srgbClr val="000000"/>
               </a:solidFill>
@@ -13424,7 +13594,7 @@
             </a:endParaRPr>
           </a:p>
           <a:p>
-            <a:pPr indent="-228600" lvl="0" marL="241300" marR="5080" rtl="0" algn="l">
+            <a:pPr marL="241300" marR="5080" lvl="0" indent="-228600" algn="l" rtl="0">
               <a:lnSpc>
                 <a:spcPct val="108000"/>
               </a:lnSpc>
@@ -13442,7 +13612,7 @@
               <a:buChar char="•"/>
             </a:pPr>
             <a:r>
-              <a:rPr b="0" i="0" lang="en-US" sz="2800" u="none" cap="none" strike="noStrike">
+              <a:rPr lang="en-US" sz="2800" b="0" i="0" u="none" strike="noStrike" cap="none">
                 <a:solidFill>
                   <a:srgbClr val="000000"/>
                 </a:solidFill>
@@ -13454,7 +13624,7 @@
               <a:t>e.g. </a:t>
             </a:r>
             <a:r>
-              <a:rPr b="0" i="0" lang="en-US" sz="2700" u="none" cap="none" strike="noStrike">
+              <a:rPr lang="en-US" sz="2700" b="0" i="0" u="none" strike="noStrike" cap="none">
                 <a:solidFill>
                   <a:srgbClr val="000000"/>
                 </a:solidFill>
@@ -13465,7 +13635,7 @@
               </a:rPr>
               <a:t>檢測絕症</a:t>
             </a:r>
-            <a:endParaRPr b="0" i="0" sz="2700" u="none" cap="none" strike="noStrike">
+            <a:endParaRPr sz="2700" b="0" i="0" u="none" strike="noStrike" cap="none">
               <a:solidFill>
                 <a:srgbClr val="000000"/>
               </a:solidFill>
@@ -13476,7 +13646,7 @@
             </a:endParaRPr>
           </a:p>
           <a:p>
-            <a:pPr indent="-374650" lvl="0" marL="914400" marR="5080" rtl="0" algn="l">
+            <a:pPr marL="914400" marR="5080" lvl="0" indent="-374650" algn="l" rtl="0">
               <a:lnSpc>
                 <a:spcPct val="108000"/>
               </a:lnSpc>
@@ -13494,7 +13664,7 @@
               <a:buChar char="-"/>
             </a:pPr>
             <a:r>
-              <a:rPr b="0" i="0" lang="en-US" sz="2300" u="none" cap="none" strike="noStrike">
+              <a:rPr lang="en-US" sz="2300" b="0" i="0" u="none" strike="noStrike" cap="none">
                 <a:solidFill>
                   <a:srgbClr val="000000"/>
                 </a:solidFill>
@@ -13513,7 +13683,7 @@
             </a:endParaRPr>
           </a:p>
           <a:p>
-            <a:pPr indent="-381000" lvl="0" marL="914400" marR="5080" rtl="0" algn="l">
+            <a:pPr marL="914400" marR="5080" lvl="0" indent="-381000" algn="l" rtl="0">
               <a:lnSpc>
                 <a:spcPct val="108000"/>
               </a:lnSpc>
@@ -13536,7 +13706,7 @@
               </a:rPr>
               <a:t>i.e. TPR higher</a:t>
             </a:r>
-            <a:endParaRPr b="0" i="0" sz="2800" u="none" cap="none" strike="noStrike">
+            <a:endParaRPr sz="2800" b="0" i="0" u="none" strike="noStrike" cap="none">
               <a:solidFill>
                 <a:srgbClr val="000000"/>
               </a:solidFill>
@@ -13558,7 +13728,7 @@
           <a:blip r:embed="rId3">
             <a:alphaModFix/>
           </a:blip>
-          <a:srcRect b="0" l="0" r="0" t="0"/>
+          <a:srcRect/>
           <a:stretch/>
         </p:blipFill>
         <p:spPr>
@@ -13585,7 +13755,7 @@
           <a:blip r:embed="rId4">
             <a:alphaModFix/>
           </a:blip>
-          <a:srcRect b="0" l="0" r="0" t="0"/>
+          <a:srcRect/>
           <a:stretch/>
         </p:blipFill>
         <p:spPr>
@@ -13611,11 +13781,11 @@
 </file>
 
 <file path=ppt/slides/slide9.xml><?xml version="1.0" encoding="utf-8"?>
-<p:sld xmlns:a="http://schemas.openxmlformats.org/drawingml/2006/main" xmlns:r="http://schemas.openxmlformats.org/officeDocument/2006/relationships" xmlns:mc="http://schemas.openxmlformats.org/markup-compatibility/2006" xmlns:mv="urn:schemas-microsoft-com:mac:vml" xmlns:p="http://schemas.openxmlformats.org/presentationml/2006/main" xmlns:c="http://schemas.openxmlformats.org/drawingml/2006/chart" xmlns:dgm="http://schemas.openxmlformats.org/drawingml/2006/diagram" xmlns:o="urn:schemas-microsoft-com:office:office" xmlns:v="urn:schemas-microsoft-com:vml" xmlns:pvml="urn:schemas-microsoft-com:office:powerpoint" xmlns:com="http://schemas.openxmlformats.org/drawingml/2006/compatibility" xmlns:p14="http://schemas.microsoft.com/office/powerpoint/2010/main" xmlns:p15="http://schemas.microsoft.com/office/powerpoint/2012/main" xmlns:ahyp="http://schemas.microsoft.com/office/drawing/2018/hyperlinkcolor" showMasterSp="0">
+<p:sld xmlns:a="http://schemas.openxmlformats.org/drawingml/2006/main" xmlns:r="http://schemas.openxmlformats.org/officeDocument/2006/relationships" xmlns:p="http://schemas.openxmlformats.org/presentationml/2006/main" showMasterSp="0">
   <p:cSld>
     <p:spTree>
       <p:nvGrpSpPr>
-        <p:cNvPr id="93" name="Shape 93"/>
+        <p:cNvPr id="1" name="Shape 93"/>
         <p:cNvGrpSpPr/>
         <p:nvPr/>
       </p:nvGrpSpPr>
@@ -13637,7 +13807,7 @@
           <a:blip r:embed="rId3">
             <a:alphaModFix/>
           </a:blip>
-          <a:srcRect b="0" l="0" r="0" t="0"/>
+          <a:srcRect/>
           <a:stretch/>
         </p:blipFill>
         <p:spPr>
@@ -13657,7 +13827,9 @@
       <p:sp>
         <p:nvSpPr>
           <p:cNvPr id="95" name="Google Shape;95;g1607bf38590_0_38"/>
-          <p:cNvSpPr txBox="1"/>
+          <p:cNvSpPr txBox="1">
+            <a:spLocks noGrp="1"/>
+          </p:cNvSpPr>
           <p:nvPr>
             <p:ph type="title"/>
           </p:nvPr>
@@ -13676,12 +13848,12 @@
           </a:ln>
         </p:spPr>
         <p:txBody>
-          <a:bodyPr anchorCtr="0" anchor="t" bIns="0" lIns="0" spcFirstLastPara="1" rIns="0" wrap="square" tIns="13325">
+          <a:bodyPr spcFirstLastPara="1" wrap="square" lIns="0" tIns="13325" rIns="0" bIns="0" anchor="t" anchorCtr="0">
             <a:spAutoFit/>
           </a:bodyPr>
           <a:lstStyle/>
           <a:p>
-            <a:pPr indent="0" lvl="0" marL="428625" rtl="0" algn="l">
+            <a:pPr marL="428625" lvl="0" indent="0" algn="l" rtl="0">
               <a:lnSpc>
                 <a:spcPct val="100000"/>
               </a:lnSpc>
@@ -13722,12 +13894,12 @@
           </a:ln>
         </p:spPr>
         <p:txBody>
-          <a:bodyPr anchorCtr="0" anchor="t" bIns="0" lIns="0" spcFirstLastPara="1" rIns="0" wrap="square" tIns="59675">
+          <a:bodyPr spcFirstLastPara="1" wrap="square" lIns="0" tIns="59675" rIns="0" bIns="0" anchor="t" anchorCtr="0">
             <a:spAutoFit/>
           </a:bodyPr>
           <a:lstStyle/>
           <a:p>
-            <a:pPr indent="-228600" lvl="0" marL="241300" marR="203833" rtl="0" algn="l">
+            <a:pPr marL="241300" marR="203833" lvl="0" indent="-228600" algn="l" rtl="0">
               <a:lnSpc>
                 <a:spcPct val="108214"/>
               </a:lnSpc>
@@ -13745,7 +13917,7 @@
               <a:buChar char="•"/>
             </a:pPr>
             <a:r>
-              <a:rPr b="0" i="0" lang="en-US" sz="2800" u="none" cap="none" strike="noStrike">
+              <a:rPr lang="en-US" sz="2800" b="0" i="0" u="none" strike="noStrike" cap="none">
                 <a:solidFill>
                   <a:srgbClr val="000000"/>
                 </a:solidFill>
@@ -13766,7 +13938,7 @@
               <a:t> &amp;</a:t>
             </a:r>
             <a:r>
-              <a:rPr b="0" i="0" lang="en-US" sz="2800" u="none" cap="none" strike="noStrike">
+              <a:rPr lang="en-US" sz="2800" b="0" i="0" u="none" strike="noStrike" cap="none">
                 <a:solidFill>
                   <a:srgbClr val="000000"/>
                 </a:solidFill>
@@ -13785,7 +13957,7 @@
             </a:endParaRPr>
           </a:p>
           <a:p>
-            <a:pPr indent="0" lvl="0" marL="0" marR="203834" rtl="0" algn="l">
+            <a:pPr marL="0" marR="203834" lvl="0" indent="0" algn="l" rtl="0">
               <a:lnSpc>
                 <a:spcPct val="108214"/>
               </a:lnSpc>
@@ -13802,10 +13974,7 @@
               <a:buFont typeface="Arial"/>
               <a:buNone/>
             </a:pPr>
-            <a:r>
-              <a:t/>
-            </a:r>
-            <a:endParaRPr b="0" i="0" sz="2800" u="none" cap="none" strike="noStrike">
+            <a:endParaRPr sz="2800" b="0" i="0" u="none" strike="noStrike" cap="none">
               <a:solidFill>
                 <a:srgbClr val="000000"/>
               </a:solidFill>
@@ -13816,7 +13985,7 @@
             </a:endParaRPr>
           </a:p>
           <a:p>
-            <a:pPr indent="0" lvl="0" marL="0" marR="203834" rtl="0" algn="l">
+            <a:pPr marL="0" marR="203834" lvl="0" indent="0" algn="l" rtl="0">
               <a:lnSpc>
                 <a:spcPct val="108214"/>
               </a:lnSpc>
@@ -13833,10 +14002,7 @@
               <a:buFont typeface="Arial"/>
               <a:buNone/>
             </a:pPr>
-            <a:r>
-              <a:t/>
-            </a:r>
-            <a:endParaRPr b="0" i="0" sz="2800" u="none" cap="none" strike="noStrike">
+            <a:endParaRPr sz="2800" b="0" i="0" u="none" strike="noStrike" cap="none">
               <a:solidFill>
                 <a:srgbClr val="000000"/>
               </a:solidFill>
@@ -13847,7 +14013,7 @@
             </a:endParaRPr>
           </a:p>
           <a:p>
-            <a:pPr indent="0" lvl="0" marL="0" marR="203834" rtl="0" algn="l">
+            <a:pPr marL="0" marR="203834" lvl="0" indent="0" algn="l" rtl="0">
               <a:lnSpc>
                 <a:spcPct val="108214"/>
               </a:lnSpc>
@@ -13864,10 +14030,7 @@
               <a:buFont typeface="Arial"/>
               <a:buNone/>
             </a:pPr>
-            <a:r>
-              <a:t/>
-            </a:r>
-            <a:endParaRPr b="0" i="0" sz="2800" u="none" cap="none" strike="noStrike">
+            <a:endParaRPr sz="2800" b="0" i="0" u="none" strike="noStrike" cap="none">
               <a:solidFill>
                 <a:srgbClr val="000000"/>
               </a:solidFill>
@@ -13878,7 +14041,7 @@
             </a:endParaRPr>
           </a:p>
           <a:p>
-            <a:pPr indent="0" lvl="0" marL="0" marR="203834" rtl="0" algn="l">
+            <a:pPr marL="0" marR="203834" lvl="0" indent="0" algn="l" rtl="0">
               <a:lnSpc>
                 <a:spcPct val="108214"/>
               </a:lnSpc>
@@ -13895,10 +14058,7 @@
               <a:buFont typeface="Arial"/>
               <a:buNone/>
             </a:pPr>
-            <a:r>
-              <a:t/>
-            </a:r>
-            <a:endParaRPr b="0" i="0" sz="2800" u="none" cap="none" strike="noStrike">
+            <a:endParaRPr sz="2800" b="0" i="0" u="none" strike="noStrike" cap="none">
               <a:solidFill>
                 <a:srgbClr val="000000"/>
               </a:solidFill>
@@ -13909,7 +14069,7 @@
             </a:endParaRPr>
           </a:p>
           <a:p>
-            <a:pPr indent="-228600" lvl="0" marL="241300" marR="203834" rtl="0" algn="l">
+            <a:pPr marL="241300" marR="203834" lvl="0" indent="-228600" algn="l" rtl="0">
               <a:lnSpc>
                 <a:spcPct val="108214"/>
               </a:lnSpc>
@@ -13927,7 +14087,7 @@
               <a:buChar char="•"/>
             </a:pPr>
             <a:r>
-              <a:rPr b="0" i="0" lang="en-US" sz="2800" u="none" cap="none" strike="noStrike">
+              <a:rPr lang="en-US" sz="2800" b="0" i="0" u="none" strike="noStrike" cap="none">
                 <a:solidFill>
                   <a:srgbClr val="000000"/>
                 </a:solidFill>
@@ -13938,7 +14098,7 @@
               </a:rPr>
               <a:t>F-1 Score</a:t>
             </a:r>
-            <a:endParaRPr b="0" i="0" sz="2800" u="none" cap="none" strike="noStrike">
+            <a:endParaRPr sz="2800" b="0" i="0" u="none" strike="noStrike" cap="none">
               <a:solidFill>
                 <a:srgbClr val="000000"/>
               </a:solidFill>
@@ -13949,7 +14109,7 @@
             </a:endParaRPr>
           </a:p>
           <a:p>
-            <a:pPr indent="0" lvl="0" marL="0" marR="5080" rtl="0" algn="l">
+            <a:pPr marL="0" marR="5080" lvl="0" indent="0" algn="l" rtl="0">
               <a:lnSpc>
                 <a:spcPct val="108214"/>
               </a:lnSpc>
@@ -13966,10 +14126,7 @@
               <a:buFont typeface="Arial"/>
               <a:buNone/>
             </a:pPr>
-            <a:r>
-              <a:t/>
-            </a:r>
-            <a:endParaRPr b="0" i="0" sz="2800" u="none" cap="none" strike="noStrike">
+            <a:endParaRPr sz="2800" b="0" i="0" u="none" strike="noStrike" cap="none">
               <a:solidFill>
                 <a:srgbClr val="000000"/>
               </a:solidFill>
@@ -13980,7 +14137,7 @@
             </a:endParaRPr>
           </a:p>
           <a:p>
-            <a:pPr indent="0" lvl="0" marL="0" marR="0" rtl="0" algn="l">
+            <a:pPr marL="0" marR="0" lvl="0" indent="0" algn="l" rtl="0">
               <a:lnSpc>
                 <a:spcPct val="100000"/>
               </a:lnSpc>
@@ -13997,10 +14154,7 @@
               <a:buFont typeface="Arial"/>
               <a:buNone/>
             </a:pPr>
-            <a:r>
-              <a:t/>
-            </a:r>
-            <a:endParaRPr b="0" i="0" sz="2800" u="none" cap="none" strike="noStrike">
+            <a:endParaRPr sz="2800" b="0" i="0" u="none" strike="noStrike" cap="none">
               <a:solidFill>
                 <a:srgbClr val="000000"/>
               </a:solidFill>
@@ -14022,7 +14176,7 @@
           <a:blip r:embed="rId4">
             <a:alphaModFix/>
           </a:blip>
-          <a:srcRect b="51941" l="0" r="0" t="0"/>
+          <a:srcRect b="51941"/>
           <a:stretch/>
         </p:blipFill>
         <p:spPr>
@@ -14049,7 +14203,7 @@
           <a:blip r:embed="rId5">
             <a:alphaModFix/>
           </a:blip>
-          <a:srcRect b="0" l="0" r="0" t="8248"/>
+          <a:srcRect t="8248"/>
           <a:stretch/>
         </p:blipFill>
         <p:spPr>
@@ -14090,12 +14244,12 @@
           </a:ln>
         </p:spPr>
         <p:txBody>
-          <a:bodyPr anchorCtr="0" anchor="ctr" bIns="91425" lIns="91425" spcFirstLastPara="1" rIns="91425" wrap="square" tIns="91425">
+          <a:bodyPr spcFirstLastPara="1" wrap="square" lIns="91425" tIns="91425" rIns="91425" bIns="91425" anchor="ctr" anchorCtr="0">
             <a:noAutofit/>
           </a:bodyPr>
           <a:lstStyle/>
           <a:p>
-            <a:pPr indent="0" lvl="0" marL="0" marR="0" rtl="0" algn="l">
+            <a:pPr marL="0" marR="0" lvl="0" indent="0" algn="l" rtl="0">
               <a:lnSpc>
                 <a:spcPct val="100000"/>
               </a:lnSpc>
@@ -14112,10 +14266,7 @@
               <a:buFont typeface="Arial"/>
               <a:buNone/>
             </a:pPr>
-            <a:r>
-              <a:t/>
-            </a:r>
-            <a:endParaRPr b="0" i="0" sz="1400" u="none" cap="none" strike="noStrike">
+            <a:endParaRPr sz="1400" b="0" i="0" u="none" strike="noStrike" cap="none">
               <a:solidFill>
                 <a:srgbClr val="000000"/>
               </a:solidFill>
@@ -14142,23 +14293,23 @@
             <a:avLst/>
           </a:prstGeom>
           <a:noFill/>
-          <a:ln cap="flat" cmpd="sng" w="28575">
+          <a:ln w="28575" cap="flat" cmpd="sng">
             <a:solidFill>
               <a:srgbClr val="4A86E8"/>
             </a:solidFill>
             <a:prstDash val="solid"/>
             <a:round/>
-            <a:headEnd len="sm" w="sm" type="none"/>
-            <a:tailEnd len="sm" w="sm" type="none"/>
+            <a:headEnd type="none" w="sm" len="sm"/>
+            <a:tailEnd type="none" w="sm" len="sm"/>
           </a:ln>
         </p:spPr>
         <p:txBody>
-          <a:bodyPr anchorCtr="0" anchor="ctr" bIns="91425" lIns="91425" spcFirstLastPara="1" rIns="91425" wrap="square" tIns="91425">
+          <a:bodyPr spcFirstLastPara="1" wrap="square" lIns="91425" tIns="91425" rIns="91425" bIns="91425" anchor="ctr" anchorCtr="0">
             <a:noAutofit/>
           </a:bodyPr>
           <a:lstStyle/>
           <a:p>
-            <a:pPr indent="0" lvl="0" marL="0" marR="0" rtl="0" algn="l">
+            <a:pPr marL="0" marR="0" lvl="0" indent="0" algn="l" rtl="0">
               <a:lnSpc>
                 <a:spcPct val="100000"/>
               </a:lnSpc>
@@ -14175,10 +14326,7 @@
               <a:buFont typeface="Arial"/>
               <a:buNone/>
             </a:pPr>
-            <a:r>
-              <a:t/>
-            </a:r>
-            <a:endParaRPr b="0" i="0" sz="1400" u="none" cap="none" strike="noStrike">
+            <a:endParaRPr sz="1400" b="0" i="0" u="none" strike="noStrike" cap="none">
               <a:solidFill>
                 <a:srgbClr val="000000"/>
               </a:solidFill>
@@ -14200,7 +14348,7 @@
           <a:blip r:embed="rId4">
             <a:alphaModFix/>
           </a:blip>
-          <a:srcRect b="0" l="0" r="0" t="47930"/>
+          <a:srcRect t="47930"/>
           <a:stretch/>
         </p:blipFill>
         <p:spPr>
@@ -14226,7 +14374,7 @@
 </file>
 
 <file path=ppt/theme/theme1.xml><?xml version="1.0" encoding="utf-8"?>
-<a:theme xmlns:a="http://schemas.openxmlformats.org/drawingml/2006/main" xmlns:r="http://schemas.openxmlformats.org/officeDocument/2006/relationships" name="Office Theme">
+<a:theme xmlns:a="http://schemas.openxmlformats.org/drawingml/2006/main" name="Office Theme">
   <a:themeElements>
     <a:clrScheme name="Office">
       <a:dk1>
@@ -14501,11 +14649,13 @@
       </a:bgFillStyleLst>
     </a:fmtScheme>
   </a:themeElements>
+  <a:objectDefaults/>
+  <a:extraClrSchemeLst/>
 </a:theme>
 </file>
 
 <file path=ppt/theme/theme2.xml><?xml version="1.0" encoding="utf-8"?>
-<a:theme xmlns:a="http://schemas.openxmlformats.org/drawingml/2006/main" xmlns:r="http://schemas.openxmlformats.org/officeDocument/2006/relationships">
+<a:theme xmlns:a="http://schemas.openxmlformats.org/drawingml/2006/main">
   <a:themeElements>
     <a:clrScheme name="Default">
       <a:dk1>
@@ -14780,5 +14930,7 @@
       </a:bgFillStyleLst>
     </a:fmtScheme>
   </a:themeElements>
+  <a:objectDefaults/>
+  <a:extraClrSchemeLst/>
 </a:theme>
 </file>